--- a/Focal loss for dense object detection.pptx
+++ b/Focal loss for dense object detection.pptx
@@ -5,7 +5,7 @@
     <p:sldMasterId id="2147483648" r:id="rId1"/>
   </p:sldMasterIdLst>
   <p:notesMasterIdLst>
-    <p:notesMasterId r:id="rId19"/>
+    <p:notesMasterId r:id="rId21"/>
   </p:notesMasterIdLst>
   <p:sldIdLst>
     <p:sldId id="256" r:id="rId4"/>
@@ -23,6 +23,8 @@
     <p:sldId id="268" r:id="rId16"/>
     <p:sldId id="269" r:id="rId17"/>
     <p:sldId id="270" r:id="rId18"/>
+    <p:sldId id="271" r:id="rId19"/>
+    <p:sldId id="272" r:id="rId20"/>
   </p:sldIdLst>
   <p:sldSz cx="12192000" cy="6858000"/>
   <p:notesSz cx="6858000" cy="9144000"/>
@@ -657,7 +659,7 @@
             <a:pPr>
               <a:defRPr/>
             </a:pPr>
-            <a:fld id="{47523E02-B6D6-BC7E-77F4-EC86AE5912AF}" type="slidenum">
+            <a:fld id="{7F2E81F9-F9C4-DD88-8E0B-544E2DFDCA18}" type="slidenum">
               <a:rPr/>
               <a:t/>
             </a:fld>
@@ -739,7 +741,7 @@
             <a:pPr>
               <a:defRPr/>
             </a:pPr>
-            <a:fld id="{DDE0B748-BF10-B67A-5F6C-CBD5F176746C}" type="slidenum">
+            <a:fld id="{6547997D-664B-8A2E-7EC2-EE708CA15723}" type="slidenum">
               <a:rPr/>
               <a:t/>
             </a:fld>
@@ -821,7 +823,7 @@
             <a:pPr>
               <a:defRPr/>
             </a:pPr>
-            <a:fld id="{9CD08759-0645-DC61-BD1B-4B0203BCED6A}" type="slidenum">
+            <a:fld id="{47523E02-B6D6-BC7E-77F4-EC86AE5912AF}" type="slidenum">
               <a:rPr/>
               <a:t/>
             </a:fld>
@@ -903,7 +905,7 @@
             <a:pPr>
               <a:defRPr/>
             </a:pPr>
-            <a:fld id="{11CA9B89-CE86-DD35-0DBC-55499F2DD972}" type="slidenum">
+            <a:fld id="{DDE0B748-BF10-B67A-5F6C-CBD5F176746C}" type="slidenum">
               <a:rPr/>
               <a:t/>
             </a:fld>
@@ -985,7 +987,7 @@
             <a:pPr>
               <a:defRPr/>
             </a:pPr>
-            <a:fld id="{10653CA1-111D-EE35-9835-BC73DBAE0224}" type="slidenum">
+            <a:fld id="{9CD08759-0645-DC61-BD1B-4B0203BCED6A}" type="slidenum">
               <a:rPr/>
               <a:t/>
             </a:fld>
@@ -1067,6 +1069,170 @@
             <a:pPr>
               <a:defRPr/>
             </a:pPr>
+            <a:fld id="{11CA9B89-CE86-DD35-0DBC-55499F2DD972}" type="slidenum">
+              <a:rPr/>
+              <a:t/>
+            </a:fld>
+            <a:endParaRPr/>
+          </a:p>
+        </p:txBody>
+      </p:sp>
+    </p:spTree>
+  </p:cSld>
+</p:notes>
+</file>
+
+<file path=ppt/notesSlides/notesSlide16.xml><?xml version="1.0" encoding="utf-8"?>
+<p:notes xmlns:a="http://schemas.openxmlformats.org/drawingml/2006/main" xmlns:r="http://schemas.openxmlformats.org/officeDocument/2006/relationships" xmlns:p="http://schemas.openxmlformats.org/presentationml/2006/main" xmlns:m="http://schemas.openxmlformats.org/officeDocument/2006/math" xmlns:w="http://schemas.openxmlformats.org/wordprocessingml/2006/main">
+  <p:cSld name="">
+    <p:spTree>
+      <p:nvGrpSpPr>
+        <p:cNvPr id="1" name=""/>
+        <p:cNvGrpSpPr/>
+        <p:nvPr/>
+      </p:nvGrpSpPr>
+      <p:grpSpPr bwMode="auto">
+        <a:xfrm>
+          <a:off x="0" y="0"/>
+          <a:ext cx="0" cy="0"/>
+          <a:chOff x="0" y="0"/>
+          <a:chExt cx="0" cy="0"/>
+        </a:xfrm>
+      </p:grpSpPr>
+      <p:sp>
+        <p:nvSpPr>
+          <p:cNvPr id="2" name="Slide Image Placeholder 1"/>
+          <p:cNvSpPr>
+            <a:spLocks noChangeAspect="1" noGrp="1" noRot="1"/>
+          </p:cNvSpPr>
+          <p:nvPr>
+            <p:ph type="sldImg"/>
+          </p:nvPr>
+        </p:nvSpPr>
+        <p:spPr bwMode="auto"/>
+      </p:sp>
+      <p:sp>
+        <p:nvSpPr>
+          <p:cNvPr id="3" name="Notes Placeholder 2"/>
+          <p:cNvSpPr>
+            <a:spLocks noGrp="1"/>
+          </p:cNvSpPr>
+          <p:nvPr>
+            <p:ph type="body" idx="1"/>
+          </p:nvPr>
+        </p:nvSpPr>
+        <p:spPr bwMode="auto"/>
+        <p:txBody>
+          <a:bodyPr/>
+          <a:lstStyle/>
+          <a:p>
+            <a:pPr>
+              <a:defRPr/>
+            </a:pPr>
+            <a:endParaRPr/>
+          </a:p>
+        </p:txBody>
+      </p:sp>
+      <p:sp>
+        <p:nvSpPr>
+          <p:cNvPr id="4" name="Slide Number Placeholder 3"/>
+          <p:cNvSpPr>
+            <a:spLocks noGrp="1"/>
+          </p:cNvSpPr>
+          <p:nvPr>
+            <p:ph type="sldNum" sz="quarter" idx="10"/>
+          </p:nvPr>
+        </p:nvSpPr>
+        <p:spPr bwMode="auto"/>
+        <p:txBody>
+          <a:bodyPr/>
+          <a:lstStyle/>
+          <a:p>
+            <a:pPr>
+              <a:defRPr/>
+            </a:pPr>
+            <a:fld id="{10653CA1-111D-EE35-9835-BC73DBAE0224}" type="slidenum">
+              <a:rPr/>
+              <a:t/>
+            </a:fld>
+            <a:endParaRPr/>
+          </a:p>
+        </p:txBody>
+      </p:sp>
+    </p:spTree>
+  </p:cSld>
+</p:notes>
+</file>
+
+<file path=ppt/notesSlides/notesSlide17.xml><?xml version="1.0" encoding="utf-8"?>
+<p:notes xmlns:a="http://schemas.openxmlformats.org/drawingml/2006/main" xmlns:r="http://schemas.openxmlformats.org/officeDocument/2006/relationships" xmlns:p="http://schemas.openxmlformats.org/presentationml/2006/main" xmlns:m="http://schemas.openxmlformats.org/officeDocument/2006/math" xmlns:w="http://schemas.openxmlformats.org/wordprocessingml/2006/main">
+  <p:cSld name="">
+    <p:spTree>
+      <p:nvGrpSpPr>
+        <p:cNvPr id="1" name=""/>
+        <p:cNvGrpSpPr/>
+        <p:nvPr/>
+      </p:nvGrpSpPr>
+      <p:grpSpPr bwMode="auto">
+        <a:xfrm>
+          <a:off x="0" y="0"/>
+          <a:ext cx="0" cy="0"/>
+          <a:chOff x="0" y="0"/>
+          <a:chExt cx="0" cy="0"/>
+        </a:xfrm>
+      </p:grpSpPr>
+      <p:sp>
+        <p:nvSpPr>
+          <p:cNvPr id="2" name="Slide Image Placeholder 1"/>
+          <p:cNvSpPr>
+            <a:spLocks noChangeAspect="1" noGrp="1" noRot="1"/>
+          </p:cNvSpPr>
+          <p:nvPr>
+            <p:ph type="sldImg"/>
+          </p:nvPr>
+        </p:nvSpPr>
+        <p:spPr bwMode="auto"/>
+      </p:sp>
+      <p:sp>
+        <p:nvSpPr>
+          <p:cNvPr id="3" name="Notes Placeholder 2"/>
+          <p:cNvSpPr>
+            <a:spLocks noGrp="1"/>
+          </p:cNvSpPr>
+          <p:nvPr>
+            <p:ph type="body" idx="1"/>
+          </p:nvPr>
+        </p:nvSpPr>
+        <p:spPr bwMode="auto"/>
+        <p:txBody>
+          <a:bodyPr/>
+          <a:lstStyle/>
+          <a:p>
+            <a:pPr>
+              <a:defRPr/>
+            </a:pPr>
+            <a:endParaRPr/>
+          </a:p>
+        </p:txBody>
+      </p:sp>
+      <p:sp>
+        <p:nvSpPr>
+          <p:cNvPr id="4" name="Slide Number Placeholder 3"/>
+          <p:cNvSpPr>
+            <a:spLocks noGrp="1"/>
+          </p:cNvSpPr>
+          <p:nvPr>
+            <p:ph type="sldNum" sz="quarter" idx="10"/>
+          </p:nvPr>
+        </p:nvSpPr>
+        <p:spPr bwMode="auto"/>
+        <p:txBody>
+          <a:bodyPr/>
+          <a:lstStyle/>
+          <a:p>
+            <a:pPr>
+              <a:defRPr/>
+            </a:pPr>
             <a:fld id="{D2E76963-7631-E6C0-1D15-8203A1A8F85F}" type="slidenum">
               <a:rPr/>
               <a:t/>
@@ -1641,7 +1807,7 @@
             <a:pPr>
               <a:defRPr/>
             </a:pPr>
-            <a:fld id="{7F2E81F9-F9C4-DD88-8E0B-544E2DFDCA18}" type="slidenum">
+            <a:fld id="{3368EB52-6A3B-0A30-EF21-A11B10A48320}" type="slidenum">
               <a:rPr/>
               <a:t/>
             </a:fld>
@@ -1723,7 +1889,7 @@
             <a:pPr>
               <a:defRPr/>
             </a:pPr>
-            <a:fld id="{6547997D-664B-8A2E-7EC2-EE708CA15723}" type="slidenum">
+            <a:fld id="{933D7B25-CB93-C1EE-8205-8038D6732980}" type="slidenum">
               <a:rPr/>
               <a:t/>
             </a:fld>
@@ -4878,4635 +5044,6 @@
 </file>
 
 <file path=ppt/slides/slide10.xml><?xml version="1.0" encoding="utf-8"?>
-<p:sld xmlns:a="http://schemas.openxmlformats.org/drawingml/2006/main" xmlns:r="http://schemas.openxmlformats.org/officeDocument/2006/relationships" xmlns:p="http://schemas.openxmlformats.org/presentationml/2006/main" xmlns:m="http://schemas.openxmlformats.org/officeDocument/2006/math" xmlns:w="http://schemas.openxmlformats.org/wordprocessingml/2006/main" xmlns:mc="http://schemas.openxmlformats.org/markup-compatibility/2006" showMasterPhAnim="0" showMasterSp="1" show="1">
-  <p:cSld name="">
-    <p:spTree>
-      <p:nvGrpSpPr>
-        <p:cNvPr id="1" name=""/>
-        <p:cNvGrpSpPr/>
-        <p:nvPr/>
-      </p:nvGrpSpPr>
-      <p:grpSpPr bwMode="auto">
-        <a:xfrm>
-          <a:off x="0" y="0"/>
-          <a:ext cx="0" cy="0"/>
-          <a:chOff x="0" y="0"/>
-          <a:chExt cx="0" cy="0"/>
-        </a:xfrm>
-      </p:grpSpPr>
-      <p:sp>
-        <p:nvSpPr>
-          <p:cNvPr id="21611707" name="Title 1"/>
-          <p:cNvSpPr>
-            <a:spLocks noGrp="1"/>
-          </p:cNvSpPr>
-          <p:nvPr>
-            <p:ph type="title"/>
-          </p:nvPr>
-        </p:nvSpPr>
-        <p:spPr bwMode="auto"/>
-        <p:txBody>
-          <a:bodyPr/>
-          <a:lstStyle/>
-          <a:p>
-            <a:pPr>
-              <a:defRPr/>
-            </a:pPr>
-            <a:r>
-              <a:rPr>
-                <a:solidFill>
-                  <a:schemeClr val="bg1"/>
-                </a:solidFill>
-              </a:rPr>
-              <a:t>Applications</a:t>
-            </a:r>
-            <a:endParaRPr>
-              <a:solidFill>
-                <a:schemeClr val="bg1"/>
-              </a:solidFill>
-            </a:endParaRPr>
-          </a:p>
-        </p:txBody>
-      </p:sp>
-      <p:sp>
-        <p:nvSpPr>
-          <p:cNvPr id="495684237" name="Content Placeholder 2"/>
-          <p:cNvSpPr>
-            <a:spLocks noGrp="1"/>
-          </p:cNvSpPr>
-          <p:nvPr>
-            <p:ph idx="1"/>
-          </p:nvPr>
-        </p:nvSpPr>
-        <p:spPr bwMode="auto"/>
-        <p:txBody>
-          <a:bodyPr/>
-          <a:lstStyle/>
-          <a:p>
-            <a:pPr lvl="1">
-              <a:defRPr/>
-            </a:pPr>
-            <a:r>
-              <a:rPr>
-                <a:solidFill>
-                  <a:schemeClr val="bg1"/>
-                </a:solidFill>
-              </a:rPr>
-              <a:t>YOLOv8 – Distributed focal loss</a:t>
-            </a:r>
-            <a:endParaRPr>
-              <a:solidFill>
-                <a:schemeClr val="bg1"/>
-              </a:solidFill>
-            </a:endParaRPr>
-          </a:p>
-          <a:p>
-            <a:pPr lvl="2">
-              <a:defRPr/>
-            </a:pPr>
-            <a:endParaRPr>
-              <a:solidFill>
-                <a:schemeClr val="bg1"/>
-              </a:solidFill>
-            </a:endParaRPr>
-          </a:p>
-        </p:txBody>
-      </p:sp>
-      <p:pic>
-        <p:nvPicPr>
-          <p:cNvPr id="99415602" name=""/>
-          <p:cNvPicPr>
-            <a:picLocks noChangeAspect="1"/>
-          </p:cNvPicPr>
-          <p:nvPr/>
-        </p:nvPicPr>
-        <p:blipFill>
-          <a:blip r:embed="rId3"/>
-          <a:stretch/>
-        </p:blipFill>
-        <p:spPr bwMode="auto">
-          <a:xfrm>
-            <a:off x="1561314" y="2239307"/>
-            <a:ext cx="7915275" cy="2124074"/>
-          </a:xfrm>
-          <a:prstGeom prst="rect">
-            <a:avLst/>
-          </a:prstGeom>
-        </p:spPr>
-      </p:pic>
-    </p:spTree>
-  </p:cSld>
-  <p:clrMapOvr>
-    <a:masterClrMapping/>
-  </p:clrMapOvr>
-  <mc:AlternateContent xmlns:mc="http://schemas.openxmlformats.org/markup-compatibility/2006">
-    <mc:Choice xmlns:p159="http://schemas.microsoft.com/office/powerpoint/2015/09/main" xmlns:p14="http://schemas.microsoft.com/office/powerpoint/2010/main" Requires="p159">
-      <p:transition p14:dur="2000" advClick="1"/>
-    </mc:Choice>
-    <mc:Fallback>
-      <p:transition advClick="1"/>
-    </mc:Fallback>
-  </mc:AlternateContent>
-</p:sld>
-</file>
-
-<file path=ppt/slides/slide11.xml><?xml version="1.0" encoding="utf-8"?>
-<p:sld xmlns:a="http://schemas.openxmlformats.org/drawingml/2006/main" xmlns:r="http://schemas.openxmlformats.org/officeDocument/2006/relationships" xmlns:p="http://schemas.openxmlformats.org/presentationml/2006/main" xmlns:m="http://schemas.openxmlformats.org/officeDocument/2006/math" xmlns:w="http://schemas.openxmlformats.org/wordprocessingml/2006/main" xmlns:mc="http://schemas.openxmlformats.org/markup-compatibility/2006" showMasterPhAnim="0" showMasterSp="1" show="0">
-  <p:cSld name="">
-    <p:spTree>
-      <p:nvGrpSpPr>
-        <p:cNvPr id="1" name=""/>
-        <p:cNvGrpSpPr/>
-        <p:nvPr/>
-      </p:nvGrpSpPr>
-      <p:grpSpPr bwMode="auto">
-        <a:xfrm>
-          <a:off x="0" y="0"/>
-          <a:ext cx="0" cy="0"/>
-          <a:chOff x="0" y="0"/>
-          <a:chExt cx="0" cy="0"/>
-        </a:xfrm>
-      </p:grpSpPr>
-      <p:sp>
-        <p:nvSpPr>
-          <p:cNvPr id="1822304223" name="Title 1"/>
-          <p:cNvSpPr>
-            <a:spLocks noGrp="1"/>
-          </p:cNvSpPr>
-          <p:nvPr>
-            <p:ph type="title"/>
-          </p:nvPr>
-        </p:nvSpPr>
-        <p:spPr bwMode="auto"/>
-        <p:txBody>
-          <a:bodyPr/>
-          <a:lstStyle/>
-          <a:p>
-            <a:pPr>
-              <a:defRPr/>
-            </a:pPr>
-            <a:r>
-              <a:rPr>
-                <a:solidFill>
-                  <a:schemeClr val="bg1"/>
-                </a:solidFill>
-              </a:rPr>
-              <a:t>Traditional loss for localization tasks</a:t>
-            </a:r>
-            <a:endParaRPr>
-              <a:solidFill>
-                <a:schemeClr val="bg1"/>
-              </a:solidFill>
-            </a:endParaRPr>
-          </a:p>
-        </p:txBody>
-      </p:sp>
-      <p:sp>
-        <p:nvSpPr>
-          <p:cNvPr id="845666311" name="Content Placeholder 2"/>
-          <p:cNvSpPr>
-            <a:spLocks noGrp="1"/>
-          </p:cNvSpPr>
-          <p:nvPr>
-            <p:ph idx="1"/>
-          </p:nvPr>
-        </p:nvSpPr>
-        <p:spPr bwMode="auto"/>
-        <p:txBody>
-          <a:bodyPr/>
-          <a:lstStyle/>
-          <a:p>
-            <a:pPr>
-              <a:defRPr/>
-            </a:pPr>
-            <mc:AlternateContent xmlns:mc="http://schemas.openxmlformats.org/markup-compatibility/2006" xmlns:m="http://schemas.openxmlformats.org/officeDocument/2006/math">
-              <mc:Choice xmlns:a14="http://schemas.microsoft.com/office/drawing/2010/main" Requires="a14">
-                <a14:m>
-                  <m:oMathPara>
-                    <m:oMathParaPr/>
-                    <m:oMath>
-                      <m:sSub>
-                        <m:sSubPr>
-                          <m:ctrlPr>
-                            <a:rPr lang="en-US" sz="2800" b="0" i="1" u="none" strike="noStrike" cap="none" spc="0">
-                              <a:solidFill>
-                                <a:schemeClr val="bg1"/>
-                              </a:solidFill>
-                              <a:latin typeface="Cambria Math"/>
-                              <a:ea typeface="Cambria Math"/>
-                              <a:cs typeface="Cambria Math"/>
-                            </a:rPr>
-                          </m:ctrlPr>
-                        </m:sSubPr>
-                        <m:e>
-                          <m:r>
-                            <m:rPr>
-                              <m:sty m:val="i"/>
-                            </m:rPr>
-                            <a:rPr lang="en-US" sz="2800" u="none" strike="noStrike" cap="none" spc="0">
-                              <a:solidFill>
-                                <a:schemeClr val="bg1"/>
-                              </a:solidFill>
-                              <a:latin typeface="Cambria Math"/>
-                              <a:ea typeface="Cambria Math"/>
-                              <a:cs typeface="Cambria Math"/>
-                            </a:rPr>
-                            <m:t>L</m:t>
-                          </m:r>
-                        </m:e>
-                        <m:sub>
-                          <m:r>
-                            <m:rPr>
-                              <m:sty m:val="i"/>
-                            </m:rPr>
-                            <a:rPr lang="en-US" sz="2800" u="none" strike="noStrike" cap="none" spc="0">
-                              <a:solidFill>
-                                <a:schemeClr val="bg1"/>
-                              </a:solidFill>
-                              <a:latin typeface="Cambria Math"/>
-                              <a:ea typeface="Cambria Math"/>
-                              <a:cs typeface="Cambria Math"/>
-                            </a:rPr>
-                            <m:t>loc</m:t>
-                          </m:r>
-                        </m:sub>
-                      </m:sSub>
-                      <m:r>
-                        <m:rPr>
-                          <m:sty m:val="p"/>
-                        </m:rPr>
-                        <a:rPr lang="en-US" sz="2800" u="none" strike="noStrike" cap="none" spc="0">
-                          <a:solidFill>
-                            <a:schemeClr val="bg1"/>
-                          </a:solidFill>
-                          <a:latin typeface="Cambria Math"/>
-                          <a:ea typeface="Cambria Math"/>
-                          <a:cs typeface="Cambria Math"/>
-                        </a:rPr>
-                        <m:t> = </m:t>
-                      </m:r>
-                      <m:nary>
-                        <m:naryPr>
-                          <m:chr m:val="∑"/>
-                          <m:grow m:val="off"/>
-                          <m:limLoc m:val="undOvr"/>
-                          <m:supHide m:val="on"/>
-                          <m:ctrlPr>
-                            <a:rPr lang="en-US" sz="2800" b="0" i="1" u="none" strike="noStrike" cap="none" spc="0">
-                              <a:solidFill>
-                                <a:schemeClr val="bg1"/>
-                              </a:solidFill>
-                              <a:latin typeface="Cambria Math"/>
-                              <a:ea typeface="Cambria Math"/>
-                              <a:cs typeface="Cambria Math"/>
-                            </a:rPr>
-                          </m:ctrlPr>
-                        </m:naryPr>
-                        <m:sub>
-                          <m:r>
-                            <m:rPr>
-                              <m:sty m:val="i"/>
-                            </m:rPr>
-                            <a:rPr lang="en-US" sz="2800" u="none" strike="noStrike" cap="none" spc="0">
-                              <a:solidFill>
-                                <a:schemeClr val="bg1"/>
-                              </a:solidFill>
-                              <a:latin typeface="Cambria Math"/>
-                              <a:ea typeface="Cambria Math"/>
-                              <a:cs typeface="Cambria Math"/>
-                            </a:rPr>
-                            <m:t>i</m:t>
-                          </m:r>
-                        </m:sub>
-                        <m:sup/>
-                        <m:e>
-                          <m:r>
-                            <m:rPr>
-                              <m:sty m:val="i"/>
-                            </m:rPr>
-                            <a:rPr lang="en-US" sz="2800" u="none" strike="noStrike" cap="none" spc="0">
-                              <a:solidFill>
-                                <a:schemeClr val="bg1"/>
-                              </a:solidFill>
-                              <a:latin typeface="Cambria Math"/>
-                              <a:ea typeface="Cambria Math"/>
-                              <a:cs typeface="Cambria Math"/>
-                            </a:rPr>
-                            <m:t>SL(</m:t>
-                          </m:r>
-                          <m:sSub>
-                            <m:sSubPr>
-                              <m:ctrlPr>
-                                <a:rPr lang="en-US" sz="2800" b="0" i="1" u="none" strike="noStrike" cap="none" spc="0">
-                                  <a:solidFill>
-                                    <a:schemeClr val="bg1"/>
-                                  </a:solidFill>
-                                  <a:latin typeface="Cambria Math"/>
-                                  <a:ea typeface="Cambria Math"/>
-                                  <a:cs typeface="Cambria Math"/>
-                                </a:rPr>
-                              </m:ctrlPr>
-                            </m:sSubPr>
-                            <m:e>
-                              <m:r>
-                                <m:rPr>
-                                  <m:sty m:val="i"/>
-                                </m:rPr>
-                                <a:rPr lang="en-US" sz="2800" u="none" strike="noStrike" cap="none" spc="0">
-                                  <a:solidFill>
-                                    <a:schemeClr val="bg1"/>
-                                  </a:solidFill>
-                                  <a:latin typeface="Cambria Math"/>
-                                  <a:ea typeface="Cambria Math"/>
-                                  <a:cs typeface="Cambria Math"/>
-                                </a:rPr>
-                                <m:t>y</m:t>
-                              </m:r>
-                            </m:e>
-                            <m:sub>
-                              <m:r>
-                                <m:rPr>
-                                  <m:sty m:val="i"/>
-                                </m:rPr>
-                                <a:rPr lang="en-US" sz="2800" u="none" strike="noStrike" cap="none" spc="0">
-                                  <a:solidFill>
-                                    <a:schemeClr val="bg1"/>
-                                  </a:solidFill>
-                                  <a:latin typeface="Cambria Math"/>
-                                  <a:ea typeface="Cambria Math"/>
-                                  <a:cs typeface="Cambria Math"/>
-                                </a:rPr>
-                                <m:t>i</m:t>
-                              </m:r>
-                            </m:sub>
-                          </m:sSub>
-                          <m:r>
-                            <m:rPr>
-                              <m:sty m:val="i"/>
-                            </m:rPr>
-                            <a:rPr lang="en-US" sz="2800" u="none" strike="noStrike" cap="none" spc="0">
-                              <a:solidFill>
-                                <a:schemeClr val="bg1"/>
-                              </a:solidFill>
-                              <a:latin typeface="Cambria Math"/>
-                              <a:ea typeface="Cambria Math"/>
-                              <a:cs typeface="Cambria Math"/>
-                            </a:rPr>
-                            <m:t>-</m:t>
-                          </m:r>
-                          <m:sSub>
-                            <m:sSubPr>
-                              <m:ctrlPr>
-                                <a:rPr lang="en-US" sz="2800" b="0" i="1" u="none" strike="noStrike" cap="none" spc="0">
-                                  <a:solidFill>
-                                    <a:schemeClr val="bg1"/>
-                                  </a:solidFill>
-                                  <a:latin typeface="Cambria Math"/>
-                                  <a:ea typeface="Cambria Math"/>
-                                  <a:cs typeface="Cambria Math"/>
-                                </a:rPr>
-                              </m:ctrlPr>
-                            </m:sSubPr>
-                            <m:e>
-                              <m:acc>
-                                <m:accPr>
-                                  <m:ctrlPr>
-                                    <a:rPr lang="en-US" sz="2800" i="1" u="none" strike="noStrike" cap="none" spc="0">
-                                      <a:solidFill>
-                                        <a:schemeClr val="bg1"/>
-                                      </a:solidFill>
-                                      <a:latin typeface="Cambria Math"/>
-                                      <a:ea typeface="Cambria Math"/>
-                                      <a:cs typeface="Cambria Math"/>
-                                    </a:rPr>
-                                  </m:ctrlPr>
-                                </m:accPr>
-                                <m:e>
-                                  <m:r>
-                                    <m:rPr>
-                                      <m:sty m:val="i"/>
-                                    </m:rPr>
-                                    <a:rPr lang="en-US" sz="2800" u="none" strike="noStrike" cap="none" spc="0">
-                                      <a:solidFill>
-                                        <a:schemeClr val="bg1"/>
-                                      </a:solidFill>
-                                      <a:latin typeface="Cambria Math"/>
-                                      <a:ea typeface="Cambria Math"/>
-                                      <a:cs typeface="Cambria Math"/>
-                                    </a:rPr>
-                                    <m:t>y</m:t>
-                                  </m:r>
-                                </m:e>
-                              </m:acc>
-                            </m:e>
-                            <m:sub>
-                              <m:r>
-                                <m:rPr>
-                                  <m:sty m:val="i"/>
-                                </m:rPr>
-                                <a:rPr lang="en-US" sz="2800" u="none" strike="noStrike" cap="none" spc="0">
-                                  <a:solidFill>
-                                    <a:schemeClr val="bg1"/>
-                                  </a:solidFill>
-                                  <a:latin typeface="Cambria Math"/>
-                                  <a:ea typeface="Cambria Math"/>
-                                  <a:cs typeface="Cambria Math"/>
-                                </a:rPr>
-                                <m:t>i</m:t>
-                              </m:r>
-                            </m:sub>
-                          </m:sSub>
-                          <m:r>
-                            <m:rPr>
-                              <m:sty m:val="i"/>
-                            </m:rPr>
-                            <a:rPr lang="en-US" sz="2800" u="none" strike="noStrike" cap="none" spc="0">
-                              <a:solidFill>
-                                <a:schemeClr val="bg1"/>
-                              </a:solidFill>
-                              <a:latin typeface="Cambria Math"/>
-                              <a:ea typeface="Cambria Math"/>
-                              <a:cs typeface="Cambria Math"/>
-                            </a:rPr>
-                            <m:t>)</m:t>
-                          </m:r>
-                        </m:e>
-                      </m:nary>
-                    </m:oMath>
-                  </m:oMathPara>
-                </a14:m>
-              </mc:Choice>
-              <mc:Fallback/>
-            </mc:AlternateContent>
-            <a:endParaRPr>
-              <a:solidFill>
-                <a:schemeClr val="bg1"/>
-              </a:solidFill>
-            </a:endParaRPr>
-          </a:p>
-        </p:txBody>
-      </p:sp>
-      <p:sp>
-        <p:nvSpPr>
-          <p:cNvPr id="492154186" name=""/>
-          <p:cNvSpPr/>
-          <p:nvPr/>
-        </p:nvSpPr>
-        <p:spPr bwMode="auto">
-          <a:xfrm flipH="0" flipV="0">
-            <a:off x="2764350" y="2560563"/>
-            <a:ext cx="6680937" cy="1736873"/>
-          </a:xfrm>
-          <a:prstGeom prst="rect">
-            <a:avLst/>
-          </a:prstGeom>
-          <a:noFill/>
-          <a:ln>
-            <a:noFill/>
-          </a:ln>
-        </p:spPr>
-        <p:txBody>
-          <a:bodyPr rot="0" spcFirstLastPara="0" vertOverflow="overflow" horzOverflow="overflow" vert="horz" wrap="square" lIns="91440" tIns="45720" rIns="91440" bIns="45720" numCol="1" spcCol="0" rtlCol="0" fromWordArt="0" anchor="t" anchorCtr="0" forceAA="0" upright="0" compatLnSpc="1">
-            <a:prstTxWarp prst="textNoShape"/>
-            <a:spAutoFit/>
-          </a:bodyPr>
-          <a:p>
-            <a:pPr algn="ctr">
-              <a:defRPr/>
-            </a:pPr>
-            <mc:AlternateContent xmlns:mc="http://schemas.openxmlformats.org/markup-compatibility/2006" xmlns:m="http://schemas.openxmlformats.org/officeDocument/2006/math">
-              <mc:Choice xmlns:a14="http://schemas.microsoft.com/office/drawing/2010/main" Requires="a14">
-                <a14:m>
-                  <m:oMathPara>
-                    <m:oMathParaPr/>
-                    <m:oMath>
-                      <m:r>
-                        <m:rPr/>
-                        <a:rPr sz="2800">
-                          <a:solidFill>
-                            <a:schemeClr val="bg1"/>
-                          </a:solidFill>
-                          <a:latin typeface="Cambria Math"/>
-                          <a:ea typeface="Cambria Math"/>
-                          <a:cs typeface="Cambria Math"/>
-                        </a:rPr>
-                        <m:t>SL = </m:t>
-                      </m:r>
-                      <m:d>
-                        <m:dPr>
-                          <m:begChr m:val="{"/>
-                          <m:endChr m:val=""/>
-                          <m:ctrlPr>
-                            <a:rPr lang="en-US" sz="2800" b="0" i="1" u="none" strike="noStrike" cap="none" spc="0">
-                              <a:solidFill>
-                                <a:schemeClr val="bg1"/>
-                              </a:solidFill>
-                              <a:latin typeface="Cambria Math"/>
-                              <a:ea typeface="Cambria Math"/>
-                              <a:cs typeface="Cambria Math"/>
-                            </a:rPr>
-                          </m:ctrlPr>
-                        </m:dPr>
-                        <m:e>
-                          <m:eqArr>
-                            <m:eqArrPr>
-                              <m:baseJc m:val="center"/>
-                              <m:maxDist m:val="off"/>
-                              <m:objDist m:val="off"/>
-                              <m:rSp/>
-                              <m:rSpRule/>
-                              <m:ctrlPr>
-                                <a:rPr lang="en-US" sz="2800" b="0" i="1" u="none" strike="noStrike" cap="none" spc="0">
-                                  <a:solidFill>
-                                    <a:schemeClr val="bg1"/>
-                                  </a:solidFill>
-                                  <a:latin typeface="Cambria Math"/>
-                                  <a:ea typeface="Cambria Math"/>
-                                  <a:cs typeface="Cambria Math"/>
-                                </a:rPr>
-                              </m:ctrlPr>
-                            </m:eqArrPr>
-                            <m:e>
-                              <m:r>
-                                <m:rPr>
-                                  <m:sty m:val="i"/>
-                                </m:rPr>
-                                <a:rPr lang="en-US" sz="2800" u="none" strike="noStrike" cap="none" spc="0">
-                                  <a:solidFill>
-                                    <a:schemeClr val="bg1"/>
-                                  </a:solidFill>
-                                  <a:latin typeface="Cambria Math"/>
-                                  <a:ea typeface="Cambria Math"/>
-                                  <a:cs typeface="Cambria Math"/>
-                                </a:rPr>
-                                <m:t>L1=</m:t>
-                              </m:r>
-                              <m:nary>
-                                <m:naryPr>
-                                  <m:chr m:val="∑"/>
-                                  <m:grow m:val="off"/>
-                                  <m:limLoc m:val="subSup"/>
-                                  <m:supHide m:val="on"/>
-                                  <m:ctrlPr>
-                                    <a:rPr lang="en-US" sz="2800" b="0" i="1" u="none" strike="noStrike" cap="none" spc="0">
-                                      <a:solidFill>
-                                        <a:schemeClr val="bg1"/>
-                                      </a:solidFill>
-                                      <a:latin typeface="Cambria Math"/>
-                                      <a:ea typeface="Cambria Math"/>
-                                      <a:cs typeface="Cambria Math"/>
-                                    </a:rPr>
-                                  </m:ctrlPr>
-                                </m:naryPr>
-                                <m:sub>
-                                  <m:r>
-                                    <m:rPr>
-                                      <m:sty m:val="i"/>
-                                    </m:rPr>
-                                    <a:rPr lang="en-US" sz="2800" u="none" strike="noStrike" cap="none" spc="0">
-                                      <a:solidFill>
-                                        <a:schemeClr val="bg1"/>
-                                      </a:solidFill>
-                                      <a:latin typeface="Cambria Math"/>
-                                      <a:ea typeface="Cambria Math"/>
-                                      <a:cs typeface="Cambria Math"/>
-                                    </a:rPr>
-                                    <m:t>i</m:t>
-                                  </m:r>
-                                </m:sub>
-                                <m:sup/>
-                                <m:e>
-                                  <m:d>
-                                    <m:dPr>
-                                      <m:begChr m:val="|"/>
-                                      <m:endChr m:val="|"/>
-                                      <m:ctrlPr>
-                                        <a:rPr lang="en-US" sz="2800" i="1" u="none" strike="noStrike" cap="none" spc="0">
-                                          <a:solidFill>
-                                            <a:schemeClr val="bg1"/>
-                                          </a:solidFill>
-                                          <a:latin typeface="Cambria Math"/>
-                                          <a:ea typeface="Cambria Math"/>
-                                          <a:cs typeface="Cambria Math"/>
-                                        </a:rPr>
-                                      </m:ctrlPr>
-                                    </m:dPr>
-                                    <m:e>
-                                      <m:sSub>
-                                        <m:sSubPr>
-                                          <m:ctrlPr>
-                                            <a:rPr lang="en-US" sz="2800" b="0" i="1" u="none" strike="noStrike" cap="none" spc="0">
-                                              <a:solidFill>
-                                                <a:schemeClr val="bg1"/>
-                                              </a:solidFill>
-                                              <a:latin typeface="Cambria Math"/>
-                                              <a:ea typeface="Cambria Math"/>
-                                              <a:cs typeface="Cambria Math"/>
-                                            </a:rPr>
-                                          </m:ctrlPr>
-                                        </m:sSubPr>
-                                        <m:e>
-                                          <m:r>
-                                            <m:rPr>
-                                              <m:sty m:val="i"/>
-                                            </m:rPr>
-                                            <a:rPr lang="en-US" sz="2800" u="none" strike="noStrike" cap="none" spc="0">
-                                              <a:solidFill>
-                                                <a:schemeClr val="bg1"/>
-                                              </a:solidFill>
-                                              <a:latin typeface="Cambria Math"/>
-                                              <a:ea typeface="Cambria Math"/>
-                                              <a:cs typeface="Cambria Math"/>
-                                            </a:rPr>
-                                            <m:t>y</m:t>
-                                          </m:r>
-                                        </m:e>
-                                        <m:sub>
-                                          <m:r>
-                                            <m:rPr>
-                                              <m:sty m:val="i"/>
-                                            </m:rPr>
-                                            <a:rPr lang="en-US" sz="2800" u="none" strike="noStrike" cap="none" spc="0">
-                                              <a:solidFill>
-                                                <a:schemeClr val="bg1"/>
-                                              </a:solidFill>
-                                              <a:latin typeface="Cambria Math"/>
-                                              <a:ea typeface="Cambria Math"/>
-                                              <a:cs typeface="Cambria Math"/>
-                                            </a:rPr>
-                                            <m:t>i</m:t>
-                                          </m:r>
-                                        </m:sub>
-                                      </m:sSub>
-                                      <m:r>
-                                        <m:rPr>
-                                          <m:sty m:val="i"/>
-                                        </m:rPr>
-                                        <a:rPr lang="en-US" sz="2800" u="none" strike="noStrike" cap="none" spc="0">
-                                          <a:solidFill>
-                                            <a:schemeClr val="bg1"/>
-                                          </a:solidFill>
-                                          <a:latin typeface="Cambria Math"/>
-                                          <a:ea typeface="Cambria Math"/>
-                                          <a:cs typeface="Cambria Math"/>
-                                        </a:rPr>
-                                        <m:t>-</m:t>
-                                      </m:r>
-                                      <m:sSub>
-                                        <m:sSubPr>
-                                          <m:ctrlPr>
-                                            <a:rPr lang="en-US" sz="2800" b="0" i="1" u="none" strike="noStrike" cap="none" spc="0">
-                                              <a:solidFill>
-                                                <a:schemeClr val="bg1"/>
-                                              </a:solidFill>
-                                              <a:latin typeface="Cambria Math"/>
-                                              <a:ea typeface="Cambria Math"/>
-                                              <a:cs typeface="Cambria Math"/>
-                                            </a:rPr>
-                                          </m:ctrlPr>
-                                        </m:sSubPr>
-                                        <m:e>
-                                          <m:acc>
-                                            <m:accPr>
-                                              <m:ctrlPr>
-                                                <a:rPr lang="en-US" sz="2800" i="1" u="none" strike="noStrike" cap="none" spc="0">
-                                                  <a:solidFill>
-                                                    <a:schemeClr val="bg1"/>
-                                                  </a:solidFill>
-                                                  <a:latin typeface="Cambria Math"/>
-                                                  <a:ea typeface="Cambria Math"/>
-                                                  <a:cs typeface="Cambria Math"/>
-                                                </a:rPr>
-                                              </m:ctrlPr>
-                                            </m:accPr>
-                                            <m:e>
-                                              <m:r>
-                                                <m:rPr>
-                                                  <m:sty m:val="i"/>
-                                                </m:rPr>
-                                                <a:rPr lang="en-US" sz="2800" u="none" strike="noStrike" cap="none" spc="0">
-                                                  <a:solidFill>
-                                                    <a:schemeClr val="bg1"/>
-                                                  </a:solidFill>
-                                                  <a:latin typeface="Cambria Math"/>
-                                                  <a:ea typeface="Cambria Math"/>
-                                                  <a:cs typeface="Cambria Math"/>
-                                                </a:rPr>
-                                                <m:t>y</m:t>
-                                              </m:r>
-                                            </m:e>
-                                          </m:acc>
-                                        </m:e>
-                                        <m:sub>
-                                          <m:r>
-                                            <m:rPr>
-                                              <m:sty m:val="i"/>
-                                            </m:rPr>
-                                            <a:rPr lang="en-US" sz="2800" u="none" strike="noStrike" cap="none" spc="0">
-                                              <a:solidFill>
-                                                <a:schemeClr val="bg1"/>
-                                              </a:solidFill>
-                                              <a:latin typeface="Cambria Math"/>
-                                              <a:ea typeface="Cambria Math"/>
-                                              <a:cs typeface="Cambria Math"/>
-                                            </a:rPr>
-                                            <m:t>i</m:t>
-                                          </m:r>
-                                        </m:sub>
-                                      </m:sSub>
-                                    </m:e>
-                                  </m:d>
-                                </m:e>
-                              </m:nary>
-                              <m:r>
-                                <m:rPr>
-                                  <m:sty m:val="i"/>
-                                </m:rPr>
-                                <a:rPr lang="en-US" sz="2800" u="none" strike="noStrike" cap="none" spc="0">
-                                  <a:solidFill>
-                                    <a:schemeClr val="bg1"/>
-                                  </a:solidFill>
-                                  <a:latin typeface="Cambria Math"/>
-                                  <a:ea typeface="Cambria Math"/>
-                                  <a:cs typeface="Cambria Math"/>
-                                </a:rPr>
-                                <m:t>, if </m:t>
-                              </m:r>
-                              <m:r>
-                                <m:rPr>
-                                  <m:sty m:val="i"/>
-                                </m:rPr>
-                                <a:rPr lang="en-US" sz="2800" u="none" strike="noStrike" cap="none" spc="0">
-                                  <a:solidFill>
-                                    <a:schemeClr val="bg1"/>
-                                  </a:solidFill>
-                                  <a:latin typeface="Cambria Math"/>
-                                  <a:ea typeface="Cambria Math"/>
-                                  <a:cs typeface="Cambria Math"/>
-                                </a:rPr>
-                                <m:t> </m:t>
-                              </m:r>
-                              <m:d>
-                                <m:dPr>
-                                  <m:begChr m:val="("/>
-                                  <m:endChr m:val=")"/>
-                                  <m:ctrlPr>
-                                    <a:rPr lang="en-US" sz="2800" u="none" strike="noStrike" cap="none" spc="0">
-                                      <a:solidFill>
-                                        <a:schemeClr val="bg1"/>
-                                      </a:solidFill>
-                                      <a:latin typeface="Cambria Math"/>
-                                      <a:ea typeface="Cambria Math"/>
-                                      <a:cs typeface="Cambria Math"/>
-                                    </a:rPr>
-                                  </m:ctrlPr>
-                                </m:dPr>
-                                <m:e>
-                                  <m:sSub>
-                                    <m:sSubPr>
-                                      <m:ctrlPr>
-                                        <a:rPr lang="en-US" sz="2800" b="0" i="1" u="none" strike="noStrike" cap="none" spc="0">
-                                          <a:solidFill>
-                                            <a:schemeClr val="bg1"/>
-                                          </a:solidFill>
-                                          <a:latin typeface="Cambria Math"/>
-                                          <a:ea typeface="Cambria Math"/>
-                                          <a:cs typeface="Cambria Math"/>
-                                        </a:rPr>
-                                      </m:ctrlPr>
-                                    </m:sSubPr>
-                                    <m:e>
-                                      <m:r>
-                                        <m:rPr>
-                                          <m:sty m:val="i"/>
-                                        </m:rPr>
-                                        <a:rPr lang="en-US" sz="2800" u="none" strike="noStrike" cap="none" spc="0">
-                                          <a:solidFill>
-                                            <a:schemeClr val="bg1"/>
-                                          </a:solidFill>
-                                          <a:latin typeface="Cambria Math"/>
-                                          <a:ea typeface="Cambria Math"/>
-                                          <a:cs typeface="Cambria Math"/>
-                                        </a:rPr>
-                                        <m:t>y</m:t>
-                                      </m:r>
-                                    </m:e>
-                                    <m:sub>
-                                      <m:r>
-                                        <m:rPr>
-                                          <m:sty m:val="i"/>
-                                        </m:rPr>
-                                        <a:rPr lang="en-US" sz="2800" u="none" strike="noStrike" cap="none" spc="0">
-                                          <a:solidFill>
-                                            <a:schemeClr val="bg1"/>
-                                          </a:solidFill>
-                                          <a:latin typeface="Cambria Math"/>
-                                          <a:ea typeface="Cambria Math"/>
-                                          <a:cs typeface="Cambria Math"/>
-                                        </a:rPr>
-                                        <m:t>i</m:t>
-                                      </m:r>
-                                    </m:sub>
-                                  </m:sSub>
-                                  <m:r>
-                                    <m:rPr>
-                                      <m:sty m:val="i"/>
-                                    </m:rPr>
-                                    <a:rPr lang="en-US" sz="2800" u="none" strike="noStrike" cap="none" spc="0">
-                                      <a:solidFill>
-                                        <a:schemeClr val="bg1"/>
-                                      </a:solidFill>
-                                      <a:latin typeface="Cambria Math"/>
-                                      <a:ea typeface="Cambria Math"/>
-                                      <a:cs typeface="Cambria Math"/>
-                                    </a:rPr>
-                                    <m:t>-</m:t>
-                                  </m:r>
-                                  <m:sSub>
-                                    <m:sSubPr>
-                                      <m:ctrlPr>
-                                        <a:rPr lang="en-US" sz="2800" b="0" i="1" u="none" strike="noStrike" cap="none" spc="0">
-                                          <a:solidFill>
-                                            <a:schemeClr val="bg1"/>
-                                          </a:solidFill>
-                                          <a:latin typeface="Cambria Math"/>
-                                          <a:ea typeface="Cambria Math"/>
-                                          <a:cs typeface="Cambria Math"/>
-                                        </a:rPr>
-                                      </m:ctrlPr>
-                                    </m:sSubPr>
-                                    <m:e>
-                                      <m:acc>
-                                        <m:accPr>
-                                          <m:chr m:val="̂"/>
-                                          <m:ctrlPr>
-                                            <a:rPr lang="en-US" sz="2800" i="1" u="none" strike="noStrike" cap="none" spc="0">
-                                              <a:solidFill>
-                                                <a:schemeClr val="bg1"/>
-                                              </a:solidFill>
-                                              <a:latin typeface="Cambria Math"/>
-                                              <a:ea typeface="Cambria Math"/>
-                                              <a:cs typeface="Cambria Math"/>
-                                            </a:rPr>
-                                          </m:ctrlPr>
-                                        </m:accPr>
-                                        <m:e>
-                                          <m:r>
-                                            <m:rPr>
-                                              <m:sty m:val="i"/>
-                                            </m:rPr>
-                                            <a:rPr lang="en-US" sz="2800" u="none" strike="noStrike" cap="none" spc="0">
-                                              <a:solidFill>
-                                                <a:schemeClr val="bg1"/>
-                                              </a:solidFill>
-                                              <a:latin typeface="Cambria Math"/>
-                                              <a:ea typeface="Cambria Math"/>
-                                              <a:cs typeface="Cambria Math"/>
-                                            </a:rPr>
-                                            <m:t>y</m:t>
-                                          </m:r>
-                                        </m:e>
-                                      </m:acc>
-                                    </m:e>
-                                    <m:sub>
-                                      <m:r>
-                                        <m:rPr>
-                                          <m:sty m:val="i"/>
-                                        </m:rPr>
-                                        <a:rPr lang="en-US" sz="2800" u="none" strike="noStrike" cap="none" spc="0">
-                                          <a:solidFill>
-                                            <a:schemeClr val="bg1"/>
-                                          </a:solidFill>
-                                          <a:latin typeface="Cambria Math"/>
-                                          <a:ea typeface="Cambria Math"/>
-                                          <a:cs typeface="Cambria Math"/>
-                                        </a:rPr>
-                                        <m:t>i</m:t>
-                                      </m:r>
-                                    </m:sub>
-                                  </m:sSub>
-                                </m:e>
-                              </m:d>
-                              <m:r>
-                                <m:rPr>
-                                  <m:sty m:val="i"/>
-                                </m:rPr>
-                                <a:rPr lang="en-US" sz="2800" u="none" strike="noStrike" cap="none" spc="0">
-                                  <a:solidFill>
-                                    <a:schemeClr val="bg1"/>
-                                  </a:solidFill>
-                                  <a:latin typeface="Cambria Math"/>
-                                  <a:ea typeface="Cambria Math"/>
-                                  <a:cs typeface="Cambria Math"/>
-                                </a:rPr>
-                                <m:t>&lt;</m:t>
-                              </m:r>
-                              <m:r>
-                                <m:rPr>
-                                  <m:sty m:val="i"/>
-                                </m:rPr>
-                                <a:rPr lang="en-US" sz="2800" u="none" strike="noStrike" cap="none" spc="0">
-                                  <a:solidFill>
-                                    <a:schemeClr val="bg1"/>
-                                  </a:solidFill>
-                                  <a:latin typeface="Cambria Math"/>
-                                  <a:ea typeface="Cambria Math"/>
-                                  <a:cs typeface="Cambria Math"/>
-                                </a:rPr>
-                                <m:t>ε</m:t>
-                              </m:r>
-                            </m:e>
-                            <m:e>
-                              <m:r>
-                                <m:rPr>
-                                  <m:sty m:val="i"/>
-                                </m:rPr>
-                                <a:rPr lang="en-US" sz="2800" u="none" strike="noStrike" cap="none" spc="0">
-                                  <a:solidFill>
-                                    <a:schemeClr val="bg1"/>
-                                  </a:solidFill>
-                                  <a:latin typeface="Cambria Math"/>
-                                  <a:ea typeface="Cambria Math"/>
-                                  <a:cs typeface="Cambria Math"/>
-                                </a:rPr>
-                                <m:t>L2 = </m:t>
-                              </m:r>
-                              <m:nary>
-                                <m:naryPr>
-                                  <m:chr m:val="∑"/>
-                                  <m:grow m:val="off"/>
-                                  <m:limLoc m:val="subSup"/>
-                                  <m:supHide m:val="on"/>
-                                  <m:ctrlPr>
-                                    <a:rPr lang="en-US" sz="2800" b="0" i="1" u="none" strike="noStrike" cap="none" spc="0">
-                                      <a:solidFill>
-                                        <a:schemeClr val="bg1"/>
-                                      </a:solidFill>
-                                      <a:latin typeface="Cambria Math"/>
-                                      <a:ea typeface="Cambria Math"/>
-                                      <a:cs typeface="Cambria Math"/>
-                                    </a:rPr>
-                                  </m:ctrlPr>
-                                </m:naryPr>
-                                <m:sub>
-                                  <m:r>
-                                    <m:rPr>
-                                      <m:sty m:val="i"/>
-                                    </m:rPr>
-                                    <a:rPr lang="en-US" sz="2800" u="none" strike="noStrike" cap="none" spc="0">
-                                      <a:solidFill>
-                                        <a:schemeClr val="bg1"/>
-                                      </a:solidFill>
-                                      <a:latin typeface="Cambria Math"/>
-                                      <a:ea typeface="Cambria Math"/>
-                                      <a:cs typeface="Cambria Math"/>
-                                    </a:rPr>
-                                    <m:t>i</m:t>
-                                  </m:r>
-                                </m:sub>
-                                <m:sup/>
-                                <m:e>
-                                  <m:sSup>
-                                    <m:sSupPr>
-                                      <m:ctrlPr>
-                                        <a:rPr lang="en-US" sz="2800" i="1" u="none" strike="noStrike" cap="none" spc="0">
-                                          <a:solidFill>
-                                            <a:schemeClr val="bg1"/>
-                                          </a:solidFill>
-                                          <a:latin typeface="Cambria Math"/>
-                                          <a:ea typeface="Cambria Math"/>
-                                          <a:cs typeface="Cambria Math"/>
-                                        </a:rPr>
-                                      </m:ctrlPr>
-                                    </m:sSupPr>
-                                    <m:e>
-                                      <m:r>
-                                        <m:rPr>
-                                          <m:sty m:val="i"/>
-                                        </m:rPr>
-                                        <a:rPr lang="en-US" sz="2800" u="none" strike="noStrike" cap="none" spc="0">
-                                          <a:solidFill>
-                                            <a:schemeClr val="bg1"/>
-                                          </a:solidFill>
-                                          <a:latin typeface="Cambria Math"/>
-                                          <a:ea typeface="Cambria Math"/>
-                                          <a:cs typeface="Cambria Math"/>
-                                        </a:rPr>
-                                        <m:t>(</m:t>
-                                      </m:r>
-                                      <m:sSub>
-                                        <m:sSubPr>
-                                          <m:ctrlPr>
-                                            <a:rPr lang="en-US" sz="2800" b="0" i="1" u="none" strike="noStrike" cap="none" spc="0">
-                                              <a:solidFill>
-                                                <a:schemeClr val="bg1"/>
-                                              </a:solidFill>
-                                              <a:latin typeface="Cambria Math"/>
-                                              <a:ea typeface="Cambria Math"/>
-                                              <a:cs typeface="Cambria Math"/>
-                                            </a:rPr>
-                                          </m:ctrlPr>
-                                        </m:sSubPr>
-                                        <m:e>
-                                          <m:r>
-                                            <m:rPr>
-                                              <m:sty m:val="i"/>
-                                            </m:rPr>
-                                            <a:rPr lang="en-US" sz="2800" u="none" strike="noStrike" cap="none" spc="0">
-                                              <a:solidFill>
-                                                <a:schemeClr val="bg1"/>
-                                              </a:solidFill>
-                                              <a:latin typeface="Cambria Math"/>
-                                              <a:ea typeface="Cambria Math"/>
-                                              <a:cs typeface="Cambria Math"/>
-                                            </a:rPr>
-                                            <m:t>y</m:t>
-                                          </m:r>
-                                        </m:e>
-                                        <m:sub>
-                                          <m:r>
-                                            <m:rPr>
-                                              <m:sty m:val="i"/>
-                                            </m:rPr>
-                                            <a:rPr lang="en-US" sz="2800" u="none" strike="noStrike" cap="none" spc="0">
-                                              <a:solidFill>
-                                                <a:schemeClr val="bg1"/>
-                                              </a:solidFill>
-                                              <a:latin typeface="Cambria Math"/>
-                                              <a:ea typeface="Cambria Math"/>
-                                              <a:cs typeface="Cambria Math"/>
-                                            </a:rPr>
-                                            <m:t>i</m:t>
-                                          </m:r>
-                                        </m:sub>
-                                      </m:sSub>
-                                      <m:r>
-                                        <m:rPr>
-                                          <m:sty m:val="i"/>
-                                        </m:rPr>
-                                        <a:rPr lang="en-US" sz="2800" u="none" strike="noStrike" cap="none" spc="0">
-                                          <a:solidFill>
-                                            <a:schemeClr val="bg1"/>
-                                          </a:solidFill>
-                                          <a:latin typeface="Cambria Math"/>
-                                          <a:ea typeface="Cambria Math"/>
-                                          <a:cs typeface="Cambria Math"/>
-                                        </a:rPr>
-                                        <m:t>-</m:t>
-                                      </m:r>
-                                      <m:sSub>
-                                        <m:sSubPr>
-                                          <m:ctrlPr>
-                                            <a:rPr lang="en-US" sz="2800" b="0" i="1" u="none" strike="noStrike" cap="none" spc="0">
-                                              <a:solidFill>
-                                                <a:schemeClr val="bg1"/>
-                                              </a:solidFill>
-                                              <a:latin typeface="Cambria Math"/>
-                                              <a:ea typeface="Cambria Math"/>
-                                              <a:cs typeface="Cambria Math"/>
-                                            </a:rPr>
-                                          </m:ctrlPr>
-                                        </m:sSubPr>
-                                        <m:e>
-                                          <m:acc>
-                                            <m:accPr>
-                                              <m:ctrlPr>
-                                                <a:rPr lang="en-US" sz="2800" i="1" u="none" strike="noStrike" cap="none" spc="0">
-                                                  <a:solidFill>
-                                                    <a:schemeClr val="bg1"/>
-                                                  </a:solidFill>
-                                                  <a:latin typeface="Cambria Math"/>
-                                                  <a:ea typeface="Cambria Math"/>
-                                                  <a:cs typeface="Cambria Math"/>
-                                                </a:rPr>
-                                              </m:ctrlPr>
-                                            </m:accPr>
-                                            <m:e>
-                                              <m:r>
-                                                <m:rPr>
-                                                  <m:sty m:val="i"/>
-                                                </m:rPr>
-                                                <a:rPr lang="en-US" sz="2800" u="none" strike="noStrike" cap="none" spc="0">
-                                                  <a:solidFill>
-                                                    <a:schemeClr val="bg1"/>
-                                                  </a:solidFill>
-                                                  <a:latin typeface="Cambria Math"/>
-                                                  <a:ea typeface="Cambria Math"/>
-                                                  <a:cs typeface="Cambria Math"/>
-                                                </a:rPr>
-                                                <m:t>y</m:t>
-                                              </m:r>
-                                            </m:e>
-                                          </m:acc>
-                                        </m:e>
-                                        <m:sub>
-                                          <m:r>
-                                            <m:rPr>
-                                              <m:sty m:val="i"/>
-                                            </m:rPr>
-                                            <a:rPr lang="en-US" sz="2800" u="none" strike="noStrike" cap="none" spc="0">
-                                              <a:solidFill>
-                                                <a:schemeClr val="bg1"/>
-                                              </a:solidFill>
-                                              <a:latin typeface="Cambria Math"/>
-                                              <a:ea typeface="Cambria Math"/>
-                                              <a:cs typeface="Cambria Math"/>
-                                            </a:rPr>
-                                            <m:t>i</m:t>
-                                          </m:r>
-                                        </m:sub>
-                                      </m:sSub>
-                                      <m:r>
-                                        <m:rPr>
-                                          <m:sty m:val="i"/>
-                                        </m:rPr>
-                                        <a:rPr lang="en-US" sz="2800" u="none" strike="noStrike" cap="none" spc="0">
-                                          <a:solidFill>
-                                            <a:schemeClr val="bg1"/>
-                                          </a:solidFill>
-                                          <a:latin typeface="Cambria Math"/>
-                                          <a:ea typeface="Cambria Math"/>
-                                          <a:cs typeface="Cambria Math"/>
-                                        </a:rPr>
-                                        <m:t>)</m:t>
-                                      </m:r>
-                                    </m:e>
-                                    <m:sup>
-                                      <m:r>
-                                        <m:rPr>
-                                          <m:sty m:val="i"/>
-                                        </m:rPr>
-                                        <a:rPr lang="en-US" sz="2800" u="none" strike="noStrike" cap="none" spc="0">
-                                          <a:solidFill>
-                                            <a:schemeClr val="bg1"/>
-                                          </a:solidFill>
-                                          <a:latin typeface="Cambria Math"/>
-                                          <a:ea typeface="Cambria Math"/>
-                                          <a:cs typeface="Cambria Math"/>
-                                        </a:rPr>
-                                        <m:t>2</m:t>
-                                      </m:r>
-                                    </m:sup>
-                                  </m:sSup>
-                                </m:e>
-                              </m:nary>
-                              <m:r>
-                                <m:rPr>
-                                  <m:sty m:val="i"/>
-                                </m:rPr>
-                                <a:rPr lang="en-US" sz="2800" u="none" strike="noStrike" cap="none" spc="0">
-                                  <a:solidFill>
-                                    <a:schemeClr val="bg1"/>
-                                  </a:solidFill>
-                                  <a:latin typeface="Cambria Math"/>
-                                  <a:ea typeface="Cambria Math"/>
-                                  <a:cs typeface="Cambria Math"/>
-                                </a:rPr>
-                                <m:t>, else</m:t>
-                              </m:r>
-                            </m:e>
-                          </m:eqArr>
-                        </m:e>
-                      </m:d>
-                    </m:oMath>
-                  </m:oMathPara>
-                </a14:m>
-              </mc:Choice>
-              <mc:Fallback/>
-            </mc:AlternateContent>
-            <a:endParaRPr sz="2800">
-              <a:solidFill>
-                <a:schemeClr val="bg1"/>
-              </a:solidFill>
-              <a:latin typeface="Cambria Math"/>
-              <a:ea typeface="Cambria Math"/>
-              <a:cs typeface="Cambria Math"/>
-            </a:endParaRPr>
-          </a:p>
-        </p:txBody>
-      </p:sp>
-    </p:spTree>
-  </p:cSld>
-  <p:clrMapOvr>
-    <a:masterClrMapping/>
-  </p:clrMapOvr>
-  <mc:AlternateContent xmlns:mc="http://schemas.openxmlformats.org/markup-compatibility/2006">
-    <mc:Choice xmlns:p159="http://schemas.microsoft.com/office/powerpoint/2015/09/main" xmlns:p14="http://schemas.microsoft.com/office/powerpoint/2010/main" Requires="p159">
-      <p:transition p14:dur="2000" advClick="1"/>
-    </mc:Choice>
-    <mc:Fallback>
-      <p:transition advClick="1"/>
-    </mc:Fallback>
-  </mc:AlternateContent>
-</p:sld>
-</file>
-
-<file path=ppt/slides/slide12.xml><?xml version="1.0" encoding="utf-8"?>
-<p:sld xmlns:a="http://schemas.openxmlformats.org/drawingml/2006/main" xmlns:r="http://schemas.openxmlformats.org/officeDocument/2006/relationships" xmlns:p="http://schemas.openxmlformats.org/presentationml/2006/main" xmlns:m="http://schemas.openxmlformats.org/officeDocument/2006/math" xmlns:w="http://schemas.openxmlformats.org/wordprocessingml/2006/main" xmlns:mc="http://schemas.openxmlformats.org/markup-compatibility/2006" showMasterPhAnim="0" showMasterSp="1" show="1">
-  <p:cSld name="">
-    <p:spTree>
-      <p:nvGrpSpPr>
-        <p:cNvPr id="1" name=""/>
-        <p:cNvGrpSpPr/>
-        <p:nvPr/>
-      </p:nvGrpSpPr>
-      <p:grpSpPr bwMode="auto">
-        <a:xfrm>
-          <a:off x="0" y="0"/>
-          <a:ext cx="0" cy="0"/>
-          <a:chOff x="0" y="0"/>
-          <a:chExt cx="0" cy="0"/>
-        </a:xfrm>
-      </p:grpSpPr>
-      <p:sp>
-        <p:nvSpPr>
-          <p:cNvPr id="972959773" name="Title 1"/>
-          <p:cNvSpPr>
-            <a:spLocks noGrp="1"/>
-          </p:cNvSpPr>
-          <p:nvPr>
-            <p:ph type="title"/>
-          </p:nvPr>
-        </p:nvSpPr>
-        <p:spPr bwMode="auto"/>
-        <p:txBody>
-          <a:bodyPr/>
-          <a:lstStyle/>
-          <a:p>
-            <a:pPr>
-              <a:defRPr/>
-            </a:pPr>
-            <a:r>
-              <a:rPr>
-                <a:solidFill>
-                  <a:schemeClr val="bg1"/>
-                </a:solidFill>
-              </a:rPr>
-              <a:t>Applications</a:t>
-            </a:r>
-            <a:endParaRPr>
-              <a:solidFill>
-                <a:schemeClr val="bg1"/>
-              </a:solidFill>
-            </a:endParaRPr>
-          </a:p>
-        </p:txBody>
-      </p:sp>
-      <p:sp>
-        <p:nvSpPr>
-          <p:cNvPr id="856669607" name="Content Placeholder 2"/>
-          <p:cNvSpPr>
-            <a:spLocks noGrp="1"/>
-          </p:cNvSpPr>
-          <p:nvPr>
-            <p:ph idx="1"/>
-          </p:nvPr>
-        </p:nvSpPr>
-        <p:spPr bwMode="auto"/>
-        <p:txBody>
-          <a:bodyPr/>
-          <a:lstStyle/>
-          <a:p>
-            <a:pPr>
-              <a:defRPr/>
-            </a:pPr>
-            <a:r>
-              <a:rPr>
-                <a:solidFill>
-                  <a:schemeClr val="bg1"/>
-                </a:solidFill>
-              </a:rPr>
-              <a:t>YOLO11 – </a:t>
-            </a:r>
-            <a:r>
-              <a:rPr u="sng">
-                <a:solidFill>
-                  <a:schemeClr val="bg1"/>
-                </a:solidFill>
-                <a:hlinkClick r:id="rId3" tooltip="https://arxiv.org/pdf/2008.13367"/>
-              </a:rPr>
-              <a:t>Varifocal </a:t>
-            </a:r>
-            <a:r>
-              <a:rPr>
-                <a:solidFill>
-                  <a:schemeClr val="bg1"/>
-                </a:solidFill>
-              </a:rPr>
-              <a:t>loss</a:t>
-            </a:r>
-            <a:endParaRPr>
-              <a:solidFill>
-                <a:schemeClr val="bg1"/>
-              </a:solidFill>
-            </a:endParaRPr>
-          </a:p>
-          <a:p>
-            <a:pPr lvl="1">
-              <a:defRPr/>
-            </a:pPr>
-            <a:r>
-              <a:rPr>
-                <a:solidFill>
-                  <a:schemeClr val="bg1"/>
-                </a:solidFill>
-              </a:rPr>
-              <a:t>Down-weights negative examples</a:t>
-            </a:r>
-            <a:endParaRPr>
-              <a:solidFill>
-                <a:schemeClr val="bg1"/>
-              </a:solidFill>
-            </a:endParaRPr>
-          </a:p>
-          <a:p>
-            <a:pPr lvl="1">
-              <a:defRPr/>
-            </a:pPr>
-            <a:r>
-              <a:rPr>
-                <a:solidFill>
-                  <a:schemeClr val="bg1"/>
-                </a:solidFill>
-              </a:rPr>
-              <a:t>Up-weights positive examples</a:t>
-            </a:r>
-            <a:endParaRPr>
-              <a:solidFill>
-                <a:schemeClr val="bg1"/>
-              </a:solidFill>
-            </a:endParaRPr>
-          </a:p>
-        </p:txBody>
-      </p:sp>
-    </p:spTree>
-  </p:cSld>
-  <p:clrMapOvr>
-    <a:masterClrMapping/>
-  </p:clrMapOvr>
-  <mc:AlternateContent xmlns:mc="http://schemas.openxmlformats.org/markup-compatibility/2006">
-    <mc:Choice xmlns:p159="http://schemas.microsoft.com/office/powerpoint/2015/09/main" xmlns:p14="http://schemas.microsoft.com/office/powerpoint/2010/main" Requires="p159">
-      <p:transition p14:dur="2000" advClick="1"/>
-    </mc:Choice>
-    <mc:Fallback>
-      <p:transition advClick="1"/>
-    </mc:Fallback>
-  </mc:AlternateContent>
-</p:sld>
-</file>
-
-<file path=ppt/slides/slide13.xml><?xml version="1.0" encoding="utf-8"?>
-<p:sld xmlns:a="http://schemas.openxmlformats.org/drawingml/2006/main" xmlns:r="http://schemas.openxmlformats.org/officeDocument/2006/relationships" xmlns:p="http://schemas.openxmlformats.org/presentationml/2006/main" xmlns:m="http://schemas.openxmlformats.org/officeDocument/2006/math" xmlns:w="http://schemas.openxmlformats.org/wordprocessingml/2006/main" xmlns:mc="http://schemas.openxmlformats.org/markup-compatibility/2006" showMasterPhAnim="0" showMasterSp="1" show="1">
-  <p:cSld name="">
-    <p:spTree>
-      <p:nvGrpSpPr>
-        <p:cNvPr id="1" name=""/>
-        <p:cNvGrpSpPr/>
-        <p:nvPr/>
-      </p:nvGrpSpPr>
-      <p:grpSpPr bwMode="auto">
-        <a:xfrm>
-          <a:off x="0" y="0"/>
-          <a:ext cx="0" cy="0"/>
-          <a:chOff x="0" y="0"/>
-          <a:chExt cx="0" cy="0"/>
-        </a:xfrm>
-      </p:grpSpPr>
-      <p:sp>
-        <p:nvSpPr>
-          <p:cNvPr id="1178921185" name="Title 1"/>
-          <p:cNvSpPr>
-            <a:spLocks noGrp="1"/>
-          </p:cNvSpPr>
-          <p:nvPr>
-            <p:ph type="title"/>
-          </p:nvPr>
-        </p:nvSpPr>
-        <p:spPr bwMode="auto"/>
-        <p:txBody>
-          <a:bodyPr/>
-          <a:lstStyle/>
-          <a:p>
-            <a:pPr>
-              <a:defRPr/>
-            </a:pPr>
-            <a:r>
-              <a:rPr>
-                <a:solidFill>
-                  <a:schemeClr val="bg1"/>
-                </a:solidFill>
-              </a:rPr>
-              <a:t>Varifocal loss</a:t>
-            </a:r>
-            <a:endParaRPr>
-              <a:solidFill>
-                <a:schemeClr val="bg1"/>
-              </a:solidFill>
-            </a:endParaRPr>
-          </a:p>
-        </p:txBody>
-      </p:sp>
-      <p:sp>
-        <p:nvSpPr>
-          <p:cNvPr id="741414104" name="Content Placeholder 2"/>
-          <p:cNvSpPr>
-            <a:spLocks noGrp="1"/>
-          </p:cNvSpPr>
-          <p:nvPr>
-            <p:ph idx="1"/>
-          </p:nvPr>
-        </p:nvSpPr>
-        <p:spPr bwMode="auto"/>
-        <p:txBody>
-          <a:bodyPr/>
-          <a:lstStyle/>
-          <a:p>
-            <a:pPr marL="0" indent="0" algn="l">
-              <a:buFont typeface="Arial"/>
-              <a:buNone/>
-              <a:defRPr/>
-            </a:pPr>
-            <mc:AlternateContent xmlns:mc="http://schemas.openxmlformats.org/markup-compatibility/2006" xmlns:m="http://schemas.openxmlformats.org/officeDocument/2006/math">
-              <mc:Choice xmlns:a14="http://schemas.microsoft.com/office/drawing/2010/main" Requires="a14">
-                <a14:m>
-                  <m:oMathPara>
-                    <m:oMathParaPr>
-                      <m:jc m:val="left"/>
-                    </m:oMathParaPr>
-                    <m:oMath>
-                      <m:r>
-                        <m:rPr>
-                          <m:sty m:val="p"/>
-                        </m:rPr>
-                        <a:rPr lang="en-US" sz="2800" u="none" strike="noStrike" cap="none" spc="0">
-                          <a:solidFill>
-                            <a:schemeClr val="bg1"/>
-                          </a:solidFill>
-                          <a:latin typeface="Cambria Math"/>
-                          <a:ea typeface="Cambria Math"/>
-                          <a:cs typeface="Cambria Math"/>
-                        </a:rPr>
-                        <m:t>VFL(p,q) = </m:t>
-                      </m:r>
-                      <m:d>
-                        <m:dPr>
-                          <m:begChr m:val="{"/>
-                          <m:endChr m:val=""/>
-                          <m:ctrlPr>
-                            <a:rPr lang="en-US" sz="2800" b="0" i="1" u="none" strike="noStrike" cap="none" spc="0">
-                              <a:solidFill>
-                                <a:schemeClr val="bg1"/>
-                              </a:solidFill>
-                              <a:latin typeface="Cambria Math"/>
-                              <a:ea typeface="Cambria Math"/>
-                              <a:cs typeface="Cambria Math"/>
-                            </a:rPr>
-                          </m:ctrlPr>
-                        </m:dPr>
-                        <m:e>
-                          <m:eqArr>
-                            <m:eqArrPr>
-                              <m:baseJc m:val="center"/>
-                              <m:maxDist m:val="off"/>
-                              <m:objDist m:val="off"/>
-                              <m:rSp/>
-                              <m:rSpRule/>
-                              <m:ctrlPr>
-                                <a:rPr lang="en-US" sz="2800" b="0" i="1" u="none" strike="noStrike" cap="none" spc="0">
-                                  <a:solidFill>
-                                    <a:schemeClr val="bg1"/>
-                                  </a:solidFill>
-                                  <a:latin typeface="Cambria Math"/>
-                                  <a:ea typeface="Cambria Math"/>
-                                  <a:cs typeface="Cambria Math"/>
-                                </a:rPr>
-                              </m:ctrlPr>
-                            </m:eqArrPr>
-                            <m:e>
-                              <m:r>
-                                <m:rPr>
-                                  <m:sty m:val="i"/>
-                                </m:rPr>
-                                <a:rPr lang="en-US" sz="2800" u="none" strike="noStrike" cap="none" spc="0">
-                                  <a:solidFill>
-                                    <a:schemeClr val="bg1"/>
-                                  </a:solidFill>
-                                  <a:latin typeface="Cambria Math"/>
-                                  <a:ea typeface="Cambria Math"/>
-                                  <a:cs typeface="Cambria Math"/>
-                                </a:rPr>
-                                <m:t>-q(q</m:t>
-                              </m:r>
-                              <m:func>
-                                <m:funcPr>
-                                  <m:ctrlPr>
-                                    <a:rPr lang="en-US" sz="2800" b="0" i="1" u="none" strike="noStrike" cap="none" spc="0">
-                                      <a:solidFill>
-                                        <a:schemeClr val="bg1"/>
-                                      </a:solidFill>
-                                      <a:latin typeface="Cambria Math"/>
-                                      <a:ea typeface="Cambria Math"/>
-                                      <a:cs typeface="Cambria Math"/>
-                                    </a:rPr>
-                                  </m:ctrlPr>
-                                </m:funcPr>
-                                <m:fName>
-                                  <m:r>
-                                    <m:rPr>
-                                      <m:sty m:val="i"/>
-                                    </m:rPr>
-                                    <a:rPr lang="en-US" sz="2800" u="none" strike="noStrike" cap="none" spc="0">
-                                      <a:solidFill>
-                                        <a:schemeClr val="bg1"/>
-                                      </a:solidFill>
-                                      <a:latin typeface="Cambria Math"/>
-                                      <a:ea typeface="Cambria Math"/>
-                                      <a:cs typeface="Cambria Math"/>
-                                    </a:rPr>
-                                    <m:t>log</m:t>
-                                  </m:r>
-                                </m:fName>
-                                <m:e>
-                                  <m:r>
-                                    <m:rPr>
-                                      <m:sty m:val="i"/>
-                                    </m:rPr>
-                                    <a:rPr lang="en-US" sz="2800" u="none" strike="noStrike" cap="none" spc="0">
-                                      <a:solidFill>
-                                        <a:schemeClr val="bg1"/>
-                                      </a:solidFill>
-                                      <a:latin typeface="Cambria Math"/>
-                                      <a:ea typeface="Cambria Math"/>
-                                      <a:cs typeface="Cambria Math"/>
-                                    </a:rPr>
-                                    <m:t>p</m:t>
-                                  </m:r>
-                                </m:e>
-                              </m:func>
-                              <m:r>
-                                <m:rPr>
-                                  <m:sty m:val="i"/>
-                                </m:rPr>
-                                <a:rPr lang="en-US" sz="2800" u="none" strike="noStrike" cap="none" spc="0">
-                                  <a:solidFill>
-                                    <a:schemeClr val="bg1"/>
-                                  </a:solidFill>
-                                  <a:latin typeface="Cambria Math"/>
-                                  <a:ea typeface="Cambria Math"/>
-                                  <a:cs typeface="Cambria Math"/>
-                                </a:rPr>
-                                <m:t>+ (1-q)</m:t>
-                              </m:r>
-                              <m:func>
-                                <m:funcPr>
-                                  <m:ctrlPr>
-                                    <a:rPr lang="en-US" sz="2800" b="0" i="1" u="none" strike="noStrike" cap="none" spc="0">
-                                      <a:solidFill>
-                                        <a:schemeClr val="bg1"/>
-                                      </a:solidFill>
-                                      <a:latin typeface="Cambria Math"/>
-                                      <a:ea typeface="Cambria Math"/>
-                                      <a:cs typeface="Cambria Math"/>
-                                    </a:rPr>
-                                  </m:ctrlPr>
-                                </m:funcPr>
-                                <m:fName>
-                                  <m:r>
-                                    <m:rPr>
-                                      <m:sty m:val="i"/>
-                                    </m:rPr>
-                                    <a:rPr lang="en-US" sz="2800" u="none" strike="noStrike" cap="none" spc="0">
-                                      <a:solidFill>
-                                        <a:schemeClr val="bg1"/>
-                                      </a:solidFill>
-                                      <a:latin typeface="Cambria Math"/>
-                                      <a:ea typeface="Cambria Math"/>
-                                      <a:cs typeface="Cambria Math"/>
-                                    </a:rPr>
-                                    <m:t>log</m:t>
-                                  </m:r>
-                                </m:fName>
-                                <m:e>
-                                  <m:r>
-                                    <m:rPr>
-                                      <m:sty m:val="i"/>
-                                    </m:rPr>
-                                    <a:rPr lang="en-US" sz="2800" u="none" strike="noStrike" cap="none" spc="0">
-                                      <a:solidFill>
-                                        <a:schemeClr val="bg1"/>
-                                      </a:solidFill>
-                                      <a:latin typeface="Cambria Math"/>
-                                      <a:ea typeface="Cambria Math"/>
-                                      <a:cs typeface="Cambria Math"/>
-                                    </a:rPr>
-                                    <m:t>(1-p)</m:t>
-                                  </m:r>
-                                </m:e>
-                              </m:func>
-                              <m:r>
-                                <m:rPr>
-                                  <m:sty m:val="i"/>
-                                </m:rPr>
-                                <a:rPr lang="en-US" sz="2800" u="none" strike="noStrike" cap="none" spc="0">
-                                  <a:solidFill>
-                                    <a:schemeClr val="bg1"/>
-                                  </a:solidFill>
-                                  <a:latin typeface="Cambria Math"/>
-                                  <a:ea typeface="Cambria Math"/>
-                                  <a:cs typeface="Cambria Math"/>
-                                </a:rPr>
-                                <m:t>)</m:t>
-                              </m:r>
-                            </m:e>
-                            <m:e>
-                              <m:r>
-                                <m:rPr>
-                                  <m:sty m:val="i"/>
-                                </m:rPr>
-                                <a:rPr lang="en-US" sz="2800" u="none" strike="noStrike" cap="none" spc="0">
-                                  <a:solidFill>
-                                    <a:schemeClr val="bg1"/>
-                                  </a:solidFill>
-                                  <a:latin typeface="Cambria Math"/>
-                                  <a:ea typeface="Cambria Math"/>
-                                  <a:cs typeface="Cambria Math"/>
-                                </a:rPr>
-                                <m:t>-</m:t>
-                              </m:r>
-                              <m:r>
-                                <m:rPr>
-                                  <m:sty m:val="i"/>
-                                </m:rPr>
-                                <a:rPr lang="en-US" sz="2800" u="none" strike="noStrike" cap="none" spc="0">
-                                  <a:solidFill>
-                                    <a:schemeClr val="bg1"/>
-                                  </a:solidFill>
-                                  <a:latin typeface="Cambria Math"/>
-                                  <a:ea typeface="Cambria Math"/>
-                                  <a:cs typeface="Cambria Math"/>
-                                </a:rPr>
-                                <m:t>α</m:t>
-                              </m:r>
-                              <m:sSup>
-                                <m:sSupPr>
-                                  <m:ctrlPr>
-                                    <a:rPr lang="en-US" sz="2800" b="0" i="1" u="none" strike="noStrike" cap="none" spc="0">
-                                      <a:solidFill>
-                                        <a:schemeClr val="bg1"/>
-                                      </a:solidFill>
-                                      <a:latin typeface="Cambria Math"/>
-                                      <a:ea typeface="Cambria Math"/>
-                                      <a:cs typeface="Cambria Math"/>
-                                    </a:rPr>
-                                  </m:ctrlPr>
-                                </m:sSupPr>
-                                <m:e>
-                                  <m:r>
-                                    <m:rPr>
-                                      <m:sty m:val="i"/>
-                                    </m:rPr>
-                                    <a:rPr lang="en-US" sz="2800" u="none" strike="noStrike" cap="none" spc="0">
-                                      <a:solidFill>
-                                        <a:schemeClr val="bg1"/>
-                                      </a:solidFill>
-                                      <a:latin typeface="Cambria Math"/>
-                                      <a:ea typeface="Cambria Math"/>
-                                      <a:cs typeface="Cambria Math"/>
-                                    </a:rPr>
-                                    <m:t>p</m:t>
-                                  </m:r>
-                                </m:e>
-                                <m:sup>
-                                  <m:r>
-                                    <m:rPr>
-                                      <m:sty m:val="i"/>
-                                    </m:rPr>
-                                    <a:rPr lang="en-US" sz="2800" u="none" strike="noStrike" cap="none" spc="0">
-                                      <a:solidFill>
-                                        <a:schemeClr val="bg1"/>
-                                      </a:solidFill>
-                                      <a:latin typeface="Cambria Math"/>
-                                      <a:ea typeface="Cambria Math"/>
-                                      <a:cs typeface="Cambria Math"/>
-                                    </a:rPr>
-                                    <m:t>γ</m:t>
-                                  </m:r>
-                                </m:sup>
-                              </m:sSup>
-                              <m:func>
-                                <m:funcPr>
-                                  <m:ctrlPr>
-                                    <a:rPr lang="en-US" sz="2800" b="0" i="1" u="none" strike="noStrike" cap="none" spc="0">
-                                      <a:solidFill>
-                                        <a:schemeClr val="bg1"/>
-                                      </a:solidFill>
-                                      <a:latin typeface="Cambria Math"/>
-                                      <a:ea typeface="Cambria Math"/>
-                                      <a:cs typeface="Cambria Math"/>
-                                    </a:rPr>
-                                  </m:ctrlPr>
-                                </m:funcPr>
-                                <m:fName>
-                                  <m:r>
-                                    <m:rPr>
-                                      <m:sty m:val="i"/>
-                                    </m:rPr>
-                                    <a:rPr lang="en-US" sz="2800" u="none" strike="noStrike" cap="none" spc="0">
-                                      <a:solidFill>
-                                        <a:schemeClr val="bg1"/>
-                                      </a:solidFill>
-                                      <a:latin typeface="Cambria Math"/>
-                                      <a:ea typeface="Cambria Math"/>
-                                      <a:cs typeface="Cambria Math"/>
-                                    </a:rPr>
-                                    <m:t>log</m:t>
-                                  </m:r>
-                                </m:fName>
-                                <m:e>
-                                  <m:r>
-                                    <m:rPr>
-                                      <m:sty m:val="i"/>
-                                    </m:rPr>
-                                    <a:rPr lang="en-US" sz="2800" u="none" strike="noStrike" cap="none" spc="0">
-                                      <a:solidFill>
-                                        <a:schemeClr val="bg1"/>
-                                      </a:solidFill>
-                                      <a:latin typeface="Cambria Math"/>
-                                      <a:ea typeface="Cambria Math"/>
-                                      <a:cs typeface="Cambria Math"/>
-                                    </a:rPr>
-                                    <m:t>(1-p)</m:t>
-                                  </m:r>
-                                </m:e>
-                              </m:func>
-                            </m:e>
-                          </m:eqArr>
-                        </m:e>
-                      </m:d>
-                    </m:oMath>
-                  </m:oMathPara>
-                </a14:m>
-              </mc:Choice>
-              <mc:Fallback/>
-            </mc:AlternateContent>
-            <a:endParaRPr>
-              <a:solidFill>
-                <a:schemeClr val="bg1"/>
-              </a:solidFill>
-            </a:endParaRPr>
-          </a:p>
-          <a:p>
-            <a:pPr marL="0" indent="0" algn="l">
-              <a:buFont typeface="Arial"/>
-              <a:buNone/>
-              <a:defRPr/>
-            </a:pPr>
-            <a:endParaRPr>
-              <a:solidFill>
-                <a:schemeClr val="bg1"/>
-              </a:solidFill>
-            </a:endParaRPr>
-          </a:p>
-          <a:p>
-            <a:pPr marL="0" indent="0" algn="l">
-              <a:buFont typeface="Arial"/>
-              <a:buNone/>
-              <a:defRPr/>
-            </a:pPr>
-            <a:r>
-              <a:rPr>
-                <a:solidFill>
-                  <a:schemeClr val="bg1"/>
-                </a:solidFill>
-              </a:rPr>
-              <a:t>If foreground, </a:t>
-            </a:r>
-            <mc:AlternateContent xmlns:mc="http://schemas.openxmlformats.org/markup-compatibility/2006" xmlns:m="http://schemas.openxmlformats.org/officeDocument/2006/math">
-              <mc:Choice xmlns:a14="http://schemas.microsoft.com/office/drawing/2010/main" Requires="a14">
-                <a14:m>
-                  <m:oMathPara>
-                    <m:oMathParaPr/>
-                    <m:oMath>
-                      <m:r>
-                        <m:rPr>
-                          <m:sty m:val="p"/>
-                        </m:rPr>
-                        <a:rPr lang="en-US" sz="2800" u="none" strike="noStrike" cap="none" spc="0">
-                          <a:solidFill>
-                            <a:schemeClr val="bg1"/>
-                          </a:solidFill>
-                          <a:latin typeface="Cambria Math"/>
-                          <a:ea typeface="Cambria Math"/>
-                          <a:cs typeface="Cambria Math"/>
-                        </a:rPr>
-                        <m:t>q=</m:t>
-                      </m:r>
-                      <m:f>
-                        <m:fPr>
-                          <m:ctrlPr>
-                            <a:rPr lang="en-US" sz="2800" b="0" i="1" u="none" strike="noStrike" cap="none" spc="0">
-                              <a:solidFill>
-                                <a:schemeClr val="bg1"/>
-                              </a:solidFill>
-                              <a:latin typeface="Cambria Math"/>
-                              <a:ea typeface="Cambria Math"/>
-                              <a:cs typeface="Cambria Math"/>
-                            </a:rPr>
-                          </m:ctrlPr>
-                        </m:fPr>
-                        <m:num>
-                          <m:r>
-                            <m:rPr>
-                              <m:sty m:val="i"/>
-                            </m:rPr>
-                            <a:rPr lang="en-US" sz="2800" u="none" strike="noStrike" cap="none" spc="0">
-                              <a:solidFill>
-                                <a:schemeClr val="bg1"/>
-                              </a:solidFill>
-                              <a:latin typeface="Cambria Math"/>
-                              <a:ea typeface="Cambria Math"/>
-                              <a:cs typeface="Cambria Math"/>
-                            </a:rPr>
-                            <m:t>(</m:t>
-                          </m:r>
-                          <m:r>
-                            <m:rPr>
-                              <m:sty m:val="p"/>
-                            </m:rPr>
-                            <a:rPr lang="en-US" sz="2800" u="none" strike="noStrike" cap="none" spc="0">
-                              <a:solidFill>
-                                <a:schemeClr val="bg1"/>
-                              </a:solidFill>
-                              <a:latin typeface="Cambria Math"/>
-                              <a:ea typeface="Cambria Math"/>
-                              <a:cs typeface="Cambria Math"/>
-                            </a:rPr>
-                            <m:t>predicted</m:t>
-                          </m:r>
-                          <m:r>
-                            <m:rPr>
-                              <m:sty m:val="i"/>
-                            </m:rPr>
-                            <a:rPr lang="en-US" sz="2800" u="none" strike="noStrike" cap="none" spc="0">
-                              <a:solidFill>
-                                <a:schemeClr val="bg1"/>
-                              </a:solidFill>
-                              <a:latin typeface="Cambria Math"/>
-                              <a:ea typeface="Cambria Math"/>
-                              <a:cs typeface="Cambria Math"/>
-                            </a:rPr>
-                            <m:t>∩</m:t>
-                          </m:r>
-                          <m:r>
-                            <m:rPr>
-                              <m:sty m:val="p"/>
-                            </m:rPr>
-                            <a:rPr lang="en-US" sz="2800" u="none" strike="noStrike" cap="none" spc="0">
-                              <a:solidFill>
-                                <a:schemeClr val="bg1"/>
-                              </a:solidFill>
-                              <a:latin typeface="Cambria Math"/>
-                              <a:ea typeface="Cambria Math"/>
-                              <a:cs typeface="Cambria Math"/>
-                            </a:rPr>
-                            <m:t>target</m:t>
-                          </m:r>
-                          <m:r>
-                            <m:rPr>
-                              <m:sty m:val="i"/>
-                            </m:rPr>
-                            <a:rPr lang="en-US" sz="2800" u="none" strike="noStrike" cap="none" spc="0">
-                              <a:solidFill>
-                                <a:schemeClr val="bg1"/>
-                              </a:solidFill>
-                              <a:latin typeface="Cambria Math"/>
-                              <a:ea typeface="Cambria Math"/>
-                              <a:cs typeface="Cambria Math"/>
-                            </a:rPr>
-                            <m:t>)</m:t>
-                          </m:r>
-                        </m:num>
-                        <m:den>
-                          <m:r>
-                            <m:rPr>
-                              <m:sty m:val="i"/>
-                            </m:rPr>
-                            <a:rPr lang="en-US" sz="2800" u="none" strike="noStrike" cap="none" spc="0">
-                              <a:solidFill>
-                                <a:schemeClr val="bg1"/>
-                              </a:solidFill>
-                              <a:latin typeface="Cambria Math"/>
-                              <a:ea typeface="Cambria Math"/>
-                              <a:cs typeface="Cambria Math"/>
-                            </a:rPr>
-                            <m:t>(</m:t>
-                          </m:r>
-                          <m:r>
-                            <m:rPr>
-                              <m:sty m:val="p"/>
-                            </m:rPr>
-                            <a:rPr lang="en-US" sz="2800" u="none" strike="noStrike" cap="none" spc="0">
-                              <a:solidFill>
-                                <a:schemeClr val="bg1"/>
-                              </a:solidFill>
-                              <a:latin typeface="Cambria Math"/>
-                              <a:ea typeface="Cambria Math"/>
-                              <a:cs typeface="Cambria Math"/>
-                            </a:rPr>
-                            <m:t>predicted</m:t>
-                          </m:r>
-                          <m:r>
-                            <m:rPr>
-                              <m:sty m:val="i"/>
-                            </m:rPr>
-                            <a:rPr lang="en-US" sz="2800" u="none" strike="noStrike" cap="none" spc="0">
-                              <a:solidFill>
-                                <a:schemeClr val="bg1"/>
-                              </a:solidFill>
-                              <a:latin typeface="Cambria Math"/>
-                              <a:ea typeface="Cambria Math"/>
-                              <a:cs typeface="Cambria Math"/>
-                            </a:rPr>
-                            <m:t>∪</m:t>
-                          </m:r>
-                          <m:r>
-                            <m:rPr>
-                              <m:sty m:val="p"/>
-                            </m:rPr>
-                            <a:rPr lang="en-US" sz="2800" u="none" strike="noStrike" cap="none" spc="0">
-                              <a:solidFill>
-                                <a:schemeClr val="bg1"/>
-                              </a:solidFill>
-                              <a:latin typeface="Cambria Math"/>
-                              <a:ea typeface="Cambria Math"/>
-                              <a:cs typeface="Cambria Math"/>
-                            </a:rPr>
-                            <m:t>target</m:t>
-                          </m:r>
-                          <m:r>
-                            <m:rPr>
-                              <m:sty m:val="i"/>
-                            </m:rPr>
-                            <a:rPr lang="en-US" sz="2800" u="none" strike="noStrike" cap="none" spc="0">
-                              <a:solidFill>
-                                <a:schemeClr val="bg1"/>
-                              </a:solidFill>
-                              <a:latin typeface="Cambria Math"/>
-                              <a:ea typeface="Cambria Math"/>
-                              <a:cs typeface="Cambria Math"/>
-                            </a:rPr>
-                            <m:t>)</m:t>
-                          </m:r>
-                        </m:den>
-                      </m:f>
-                    </m:oMath>
-                  </m:oMathPara>
-                </a14:m>
-              </mc:Choice>
-              <mc:Fallback/>
-            </mc:AlternateContent>
-            <a:endParaRPr>
-              <a:solidFill>
-                <a:schemeClr val="bg1"/>
-              </a:solidFill>
-            </a:endParaRPr>
-          </a:p>
-          <a:p>
-            <a:pPr marL="0" indent="0" algn="l">
-              <a:buFont typeface="Arial"/>
-              <a:buNone/>
-              <a:defRPr/>
-            </a:pPr>
-            <a:r>
-              <a:rPr>
-                <a:solidFill>
-                  <a:schemeClr val="bg1"/>
-                </a:solidFill>
-              </a:rPr>
-              <a:t>If background or </a:t>
-            </a:r>
-            <mc:AlternateContent xmlns:mc="http://schemas.openxmlformats.org/markup-compatibility/2006" xmlns:m="http://schemas.openxmlformats.org/officeDocument/2006/math">
-              <mc:Choice xmlns:a14="http://schemas.microsoft.com/office/drawing/2010/main" Requires="a14">
-                <a14:m>
-                  <m:oMathPara>
-                    <m:oMathParaPr/>
-                    <m:oMath>
-                      <m:r>
-                        <m:rPr>
-                          <m:sty m:val="p"/>
-                        </m:rPr>
-                        <a:rPr lang="en-US" sz="2800" u="none" strike="noStrike" cap="none" spc="0">
-                          <a:solidFill>
-                            <a:schemeClr val="bg1"/>
-                          </a:solidFill>
-                          <a:latin typeface="Cambria Math"/>
-                          <a:ea typeface="Cambria Math"/>
-                          <a:cs typeface="Cambria Math"/>
-                        </a:rPr>
-                        <m:t>Iou </m:t>
-                      </m:r>
-                      <m:r>
-                        <m:rPr/>
-                        <a:rPr>
-                          <a:solidFill>
-                            <a:schemeClr val="bg1"/>
-                          </a:solidFill>
-                          <a:latin typeface="Cambria Math"/>
-                          <a:ea typeface="Cambria Math"/>
-                          <a:cs typeface="Cambria Math"/>
-                        </a:rPr>
-                        <m:t>≤</m:t>
-                      </m:r>
-                      <m:r>
-                        <m:rPr>
-                          <m:sty m:val="i"/>
-                        </m:rPr>
-                        <a:rPr lang="en-US" sz="2800" u="none" strike="noStrike" cap="none" spc="0">
-                          <a:solidFill>
-                            <a:schemeClr val="bg1"/>
-                          </a:solidFill>
-                          <a:latin typeface="Cambria Math"/>
-                          <a:ea typeface="Cambria Math"/>
-                          <a:cs typeface="Cambria Math"/>
-                        </a:rPr>
-                        <m:t>ε</m:t>
-                      </m:r>
-                    </m:oMath>
-                  </m:oMathPara>
-                </a14:m>
-              </mc:Choice>
-              <mc:Fallback/>
-            </mc:AlternateContent>
-            <a:r>
-              <a:rPr>
-                <a:solidFill>
-                  <a:schemeClr val="bg1"/>
-                </a:solidFill>
-              </a:rPr>
-              <a:t>, </a:t>
-            </a:r>
-            <mc:AlternateContent xmlns:mc="http://schemas.openxmlformats.org/markup-compatibility/2006" xmlns:m="http://schemas.openxmlformats.org/officeDocument/2006/math">
-              <mc:Choice xmlns:a14="http://schemas.microsoft.com/office/drawing/2010/main" Requires="a14">
-                <a14:m>
-                  <m:oMathPara>
-                    <m:oMathParaPr/>
-                    <m:oMath>
-                      <m:r>
-                        <m:rPr>
-                          <m:sty m:val="p"/>
-                        </m:rPr>
-                        <a:rPr lang="en-US" sz="2800" u="none" strike="noStrike" cap="none" spc="0">
-                          <a:solidFill>
-                            <a:schemeClr val="bg1"/>
-                          </a:solidFill>
-                          <a:latin typeface="Cambria Math"/>
-                          <a:ea typeface="Cambria Math"/>
-                          <a:cs typeface="Cambria Math"/>
-                        </a:rPr>
-                        <m:t>q=0</m:t>
-                      </m:r>
-                    </m:oMath>
-                  </m:oMathPara>
-                </a14:m>
-              </mc:Choice>
-              <mc:Fallback/>
-            </mc:AlternateContent>
-            <a:endParaRPr>
-              <a:solidFill>
-                <a:schemeClr val="bg1"/>
-              </a:solidFill>
-            </a:endParaRPr>
-          </a:p>
-        </p:txBody>
-      </p:sp>
-    </p:spTree>
-  </p:cSld>
-  <p:clrMapOvr>
-    <a:masterClrMapping/>
-  </p:clrMapOvr>
-  <mc:AlternateContent xmlns:mc="http://schemas.openxmlformats.org/markup-compatibility/2006">
-    <mc:Choice xmlns:p159="http://schemas.microsoft.com/office/powerpoint/2015/09/main" xmlns:p14="http://schemas.microsoft.com/office/powerpoint/2010/main" Requires="p159">
-      <p:transition p14:dur="2000" advClick="1"/>
-    </mc:Choice>
-    <mc:Fallback>
-      <p:transition advClick="1"/>
-    </mc:Fallback>
-  </mc:AlternateContent>
-</p:sld>
-</file>
-
-<file path=ppt/slides/slide14.xml><?xml version="1.0" encoding="utf-8"?>
-<p:sld xmlns:a="http://schemas.openxmlformats.org/drawingml/2006/main" xmlns:r="http://schemas.openxmlformats.org/officeDocument/2006/relationships" xmlns:p="http://schemas.openxmlformats.org/presentationml/2006/main" xmlns:m="http://schemas.openxmlformats.org/officeDocument/2006/math" xmlns:w="http://schemas.openxmlformats.org/wordprocessingml/2006/main" xmlns:mc="http://schemas.openxmlformats.org/markup-compatibility/2006" showMasterPhAnim="0" showMasterSp="1" show="1">
-  <p:cSld name="">
-    <p:spTree>
-      <p:nvGrpSpPr>
-        <p:cNvPr id="1" name=""/>
-        <p:cNvGrpSpPr/>
-        <p:nvPr/>
-      </p:nvGrpSpPr>
-      <p:grpSpPr bwMode="auto">
-        <a:xfrm>
-          <a:off x="0" y="0"/>
-          <a:ext cx="0" cy="0"/>
-          <a:chOff x="0" y="0"/>
-          <a:chExt cx="0" cy="0"/>
-        </a:xfrm>
-      </p:grpSpPr>
-      <p:sp>
-        <p:nvSpPr>
-          <p:cNvPr id="945422150" name="Title 1"/>
-          <p:cNvSpPr>
-            <a:spLocks noGrp="1"/>
-          </p:cNvSpPr>
-          <p:nvPr>
-            <p:ph type="title"/>
-          </p:nvPr>
-        </p:nvSpPr>
-        <p:spPr bwMode="auto"/>
-        <p:txBody>
-          <a:bodyPr/>
-          <a:lstStyle/>
-          <a:p>
-            <a:pPr>
-              <a:defRPr/>
-            </a:pPr>
-            <a:r>
-              <a:rPr>
-                <a:solidFill>
-                  <a:schemeClr val="bg1"/>
-                </a:solidFill>
-              </a:rPr>
-              <a:t>Experimental Techniques</a:t>
-            </a:r>
-            <a:endParaRPr>
-              <a:solidFill>
-                <a:schemeClr val="bg1"/>
-              </a:solidFill>
-            </a:endParaRPr>
-          </a:p>
-        </p:txBody>
-      </p:sp>
-      <p:sp>
-        <p:nvSpPr>
-          <p:cNvPr id="257148198" name="Content Placeholder 2"/>
-          <p:cNvSpPr>
-            <a:spLocks noGrp="1"/>
-          </p:cNvSpPr>
-          <p:nvPr>
-            <p:ph idx="1"/>
-          </p:nvPr>
-        </p:nvSpPr>
-        <p:spPr bwMode="auto"/>
-        <p:txBody>
-          <a:bodyPr/>
-          <a:lstStyle/>
-          <a:p>
-            <a:pPr>
-              <a:defRPr/>
-            </a:pPr>
-            <a:r>
-              <a:rPr>
-                <a:solidFill>
-                  <a:schemeClr val="bg1"/>
-                </a:solidFill>
-              </a:rPr>
-              <a:t>2 stage cascade</a:t>
-            </a:r>
-            <a:endParaRPr>
-              <a:solidFill>
-                <a:schemeClr val="bg1"/>
-              </a:solidFill>
-            </a:endParaRPr>
-          </a:p>
-          <a:p>
-            <a:pPr>
-              <a:defRPr/>
-            </a:pPr>
-            <a:endParaRPr>
-              <a:solidFill>
-                <a:schemeClr val="bg1"/>
-              </a:solidFill>
-            </a:endParaRPr>
-          </a:p>
-          <a:p>
-            <a:pPr>
-              <a:defRPr/>
-            </a:pPr>
-            <a:r>
-              <a:rPr>
-                <a:solidFill>
-                  <a:schemeClr val="bg1"/>
-                </a:solidFill>
-              </a:rPr>
-              <a:t>Biased sampling</a:t>
-            </a:r>
-            <a:endParaRPr>
-              <a:solidFill>
-                <a:schemeClr val="bg1"/>
-              </a:solidFill>
-            </a:endParaRPr>
-          </a:p>
-        </p:txBody>
-      </p:sp>
-    </p:spTree>
-  </p:cSld>
-  <p:clrMapOvr>
-    <a:masterClrMapping/>
-  </p:clrMapOvr>
-  <mc:AlternateContent xmlns:mc="http://schemas.openxmlformats.org/markup-compatibility/2006">
-    <mc:Choice xmlns:p159="http://schemas.microsoft.com/office/powerpoint/2015/09/main" xmlns:p14="http://schemas.microsoft.com/office/powerpoint/2010/main" Requires="p159">
-      <p:transition p14:dur="2000" advClick="1"/>
-    </mc:Choice>
-    <mc:Fallback>
-      <p:transition advClick="1"/>
-    </mc:Fallback>
-  </mc:AlternateContent>
-</p:sld>
-</file>
-
-<file path=ppt/slides/slide15.xml><?xml version="1.0" encoding="utf-8"?>
-<p:sld xmlns:a="http://schemas.openxmlformats.org/drawingml/2006/main" xmlns:r="http://schemas.openxmlformats.org/officeDocument/2006/relationships" xmlns:p="http://schemas.openxmlformats.org/presentationml/2006/main" xmlns:m="http://schemas.openxmlformats.org/officeDocument/2006/math" xmlns:w="http://schemas.openxmlformats.org/wordprocessingml/2006/main" xmlns:mc="http://schemas.openxmlformats.org/markup-compatibility/2006" showMasterPhAnim="0" showMasterSp="1" show="1">
-  <p:cSld name="">
-    <p:spTree>
-      <p:nvGrpSpPr>
-        <p:cNvPr id="1" name=""/>
-        <p:cNvGrpSpPr/>
-        <p:nvPr/>
-      </p:nvGrpSpPr>
-      <p:grpSpPr bwMode="auto">
-        <a:xfrm>
-          <a:off x="0" y="0"/>
-          <a:ext cx="0" cy="0"/>
-          <a:chOff x="0" y="0"/>
-          <a:chExt cx="0" cy="0"/>
-        </a:xfrm>
-      </p:grpSpPr>
-      <p:sp>
-        <p:nvSpPr>
-          <p:cNvPr id="435715068" name="Title 1"/>
-          <p:cNvSpPr>
-            <a:spLocks noGrp="1"/>
-          </p:cNvSpPr>
-          <p:nvPr>
-            <p:ph type="title"/>
-          </p:nvPr>
-        </p:nvSpPr>
-        <p:spPr bwMode="auto"/>
-        <p:txBody>
-          <a:bodyPr/>
-          <a:lstStyle/>
-          <a:p>
-            <a:pPr>
-              <a:defRPr/>
-            </a:pPr>
-            <a:r>
-              <a:rPr>
-                <a:solidFill>
-                  <a:schemeClr val="bg1"/>
-                </a:solidFill>
-              </a:rPr>
-              <a:t>Limitations</a:t>
-            </a:r>
-            <a:endParaRPr>
-              <a:solidFill>
-                <a:schemeClr val="bg1"/>
-              </a:solidFill>
-            </a:endParaRPr>
-          </a:p>
-        </p:txBody>
-      </p:sp>
-      <p:sp>
-        <p:nvSpPr>
-          <p:cNvPr id="1001947272" name="Content Placeholder 2"/>
-          <p:cNvSpPr>
-            <a:spLocks noGrp="1"/>
-          </p:cNvSpPr>
-          <p:nvPr>
-            <p:ph idx="1"/>
-          </p:nvPr>
-        </p:nvSpPr>
-        <p:spPr bwMode="auto"/>
-        <p:txBody>
-          <a:bodyPr/>
-          <a:lstStyle/>
-          <a:p>
-            <a:pPr>
-              <a:defRPr/>
-            </a:pPr>
-            <a:endParaRPr/>
-          </a:p>
-        </p:txBody>
-      </p:sp>
-    </p:spTree>
-  </p:cSld>
-  <p:clrMapOvr>
-    <a:masterClrMapping/>
-  </p:clrMapOvr>
-  <mc:AlternateContent xmlns:mc="http://schemas.openxmlformats.org/markup-compatibility/2006">
-    <mc:Choice xmlns:p159="http://schemas.microsoft.com/office/powerpoint/2015/09/main" xmlns:p14="http://schemas.microsoft.com/office/powerpoint/2010/main" Requires="p159">
-      <p:transition p14:dur="2000" advClick="1"/>
-    </mc:Choice>
-    <mc:Fallback>
-      <p:transition advClick="1"/>
-    </mc:Fallback>
-  </mc:AlternateContent>
-</p:sld>
-</file>
-
-<file path=ppt/slides/slide2.xml><?xml version="1.0" encoding="utf-8"?>
-<p:sld xmlns:a="http://schemas.openxmlformats.org/drawingml/2006/main" xmlns:r="http://schemas.openxmlformats.org/officeDocument/2006/relationships" xmlns:p="http://schemas.openxmlformats.org/presentationml/2006/main" xmlns:m="http://schemas.openxmlformats.org/officeDocument/2006/math" xmlns:w="http://schemas.openxmlformats.org/wordprocessingml/2006/main" xmlns:mc="http://schemas.openxmlformats.org/markup-compatibility/2006" showMasterPhAnim="0" showMasterSp="1" show="1">
-  <p:cSld name="">
-    <p:spTree>
-      <p:nvGrpSpPr>
-        <p:cNvPr id="1" name=""/>
-        <p:cNvGrpSpPr/>
-        <p:nvPr/>
-      </p:nvGrpSpPr>
-      <p:grpSpPr bwMode="auto">
-        <a:xfrm>
-          <a:off x="0" y="0"/>
-          <a:ext cx="0" cy="0"/>
-          <a:chOff x="0" y="0"/>
-          <a:chExt cx="0" cy="0"/>
-        </a:xfrm>
-      </p:grpSpPr>
-      <p:sp>
-        <p:nvSpPr>
-          <p:cNvPr id="613971082" name="Title 1"/>
-          <p:cNvSpPr>
-            <a:spLocks noGrp="1"/>
-          </p:cNvSpPr>
-          <p:nvPr>
-            <p:ph type="title"/>
-          </p:nvPr>
-        </p:nvSpPr>
-        <p:spPr bwMode="auto"/>
-        <p:txBody>
-          <a:bodyPr/>
-          <a:lstStyle/>
-          <a:p>
-            <a:pPr>
-              <a:defRPr/>
-            </a:pPr>
-            <a:r>
-              <a:rPr>
-                <a:solidFill>
-                  <a:schemeClr val="bg1"/>
-                </a:solidFill>
-              </a:rPr>
-              <a:t>Purpose of focal loss</a:t>
-            </a:r>
-            <a:endParaRPr>
-              <a:solidFill>
-                <a:schemeClr val="bg1"/>
-              </a:solidFill>
-            </a:endParaRPr>
-          </a:p>
-        </p:txBody>
-      </p:sp>
-      <p:sp>
-        <p:nvSpPr>
-          <p:cNvPr id="88925271" name="Content Placeholder 2"/>
-          <p:cNvSpPr>
-            <a:spLocks noGrp="1"/>
-          </p:cNvSpPr>
-          <p:nvPr>
-            <p:ph idx="1"/>
-          </p:nvPr>
-        </p:nvSpPr>
-        <p:spPr bwMode="auto"/>
-        <p:txBody>
-          <a:bodyPr/>
-          <a:lstStyle/>
-          <a:p>
-            <a:pPr>
-              <a:defRPr/>
-            </a:pPr>
-            <a:r>
-              <a:rPr>
-                <a:solidFill>
-                  <a:schemeClr val="bg1"/>
-                </a:solidFill>
-              </a:rPr>
-              <a:t>Prevent loss function being overwhelmed by “easy negatives”</a:t>
-            </a:r>
-            <a:endParaRPr>
-              <a:solidFill>
-                <a:schemeClr val="bg1"/>
-              </a:solidFill>
-            </a:endParaRPr>
-          </a:p>
-          <a:p>
-            <a:pPr>
-              <a:defRPr/>
-            </a:pPr>
-            <a:endParaRPr>
-              <a:solidFill>
-                <a:schemeClr val="bg1"/>
-              </a:solidFill>
-            </a:endParaRPr>
-          </a:p>
-        </p:txBody>
-      </p:sp>
-      <p:grpSp>
-        <p:nvGrpSpPr>
-          <p:cNvPr id="838684437" name=""/>
-          <p:cNvGrpSpPr/>
-          <p:nvPr/>
-        </p:nvGrpSpPr>
-        <p:grpSpPr bwMode="auto">
-          <a:xfrm>
-            <a:off x="3192662" y="2747029"/>
-            <a:ext cx="5806675" cy="3812454"/>
-            <a:chOff x="0" y="0"/>
-            <a:chExt cx="5806675" cy="3812454"/>
-          </a:xfrm>
-        </p:grpSpPr>
-        <p:grpSp>
-          <p:nvGrpSpPr>
-            <p:cNvPr id="216248011" name=""/>
-            <p:cNvGrpSpPr/>
-            <p:nvPr/>
-          </p:nvGrpSpPr>
-          <p:grpSpPr bwMode="auto">
-            <a:xfrm>
-              <a:off x="0" y="0"/>
-              <a:ext cx="5806675" cy="3800180"/>
-              <a:chOff x="0" y="0"/>
-              <a:chExt cx="5806675" cy="3800180"/>
-            </a:xfrm>
-          </p:grpSpPr>
-          <p:pic>
-            <p:nvPicPr>
-              <p:cNvPr id="1319604355" name=""/>
-              <p:cNvPicPr>
-                <a:picLocks noChangeAspect="1"/>
-              </p:cNvPicPr>
-              <p:nvPr/>
-            </p:nvPicPr>
-            <p:blipFill>
-              <a:blip r:embed="rId3"/>
-              <a:stretch/>
-            </p:blipFill>
-            <p:spPr bwMode="auto">
-              <a:xfrm flipH="0" flipV="0">
-                <a:off x="0" y="0"/>
-                <a:ext cx="5806675" cy="3800180"/>
-              </a:xfrm>
-              <a:prstGeom prst="rect">
-                <a:avLst/>
-              </a:prstGeom>
-              <a:ln w="19049">
-                <a:solidFill>
-                  <a:schemeClr val="bg1"/>
-                </a:solidFill>
-                <a:prstDash val="solid"/>
-              </a:ln>
-            </p:spPr>
-          </p:pic>
-          <p:sp>
-            <p:nvSpPr>
-              <p:cNvPr id="1627937621" name=""/>
-              <p:cNvSpPr/>
-              <p:nvPr/>
-            </p:nvSpPr>
-            <p:spPr bwMode="auto">
-              <a:xfrm flipH="0" flipV="0">
-                <a:off x="0" y="0"/>
-                <a:ext cx="3161616" cy="972138"/>
-              </a:xfrm>
-              <a:prstGeom prst="rect">
-                <a:avLst/>
-              </a:prstGeom>
-              <a:solidFill>
-                <a:schemeClr val="accent1">
-                  <a:alpha val="0"/>
-                </a:schemeClr>
-              </a:solidFill>
-              <a:ln w="19049" cap="flat" cmpd="sng" algn="ctr">
-                <a:solidFill>
-                  <a:schemeClr val="accent1">
-                    <a:shade val="50000"/>
-                  </a:schemeClr>
-                </a:solidFill>
-                <a:prstDash val="solid"/>
-                <a:miter lim="800000"/>
-              </a:ln>
-            </p:spPr>
-            <p:style>
-              <a:lnRef idx="2">
-                <a:schemeClr val="accent1">
-                  <a:shade val="50000"/>
-                </a:schemeClr>
-              </a:lnRef>
-              <a:fillRef idx="1">
-                <a:schemeClr val="accent1"/>
-              </a:fillRef>
-              <a:effectRef idx="0">
-                <a:schemeClr val="accent1"/>
-              </a:effectRef>
-              <a:fontRef idx="minor">
-                <a:schemeClr val="lt1"/>
-              </a:fontRef>
-            </p:style>
-          </p:sp>
-          <p:sp>
-            <p:nvSpPr>
-              <p:cNvPr id="1780587195" name=""/>
-              <p:cNvSpPr/>
-              <p:nvPr/>
-            </p:nvSpPr>
-            <p:spPr bwMode="auto">
-              <a:xfrm flipH="0" flipV="0">
-                <a:off x="0" y="972138"/>
-                <a:ext cx="2857208" cy="972138"/>
-              </a:xfrm>
-              <a:prstGeom prst="rect">
-                <a:avLst/>
-              </a:prstGeom>
-              <a:solidFill>
-                <a:schemeClr val="accent1">
-                  <a:alpha val="0"/>
-                </a:schemeClr>
-              </a:solidFill>
-              <a:ln w="19049" cap="flat" cmpd="sng" algn="ctr">
-                <a:solidFill>
-                  <a:schemeClr val="accent1">
-                    <a:shade val="50000"/>
-                  </a:schemeClr>
-                </a:solidFill>
-                <a:prstDash val="solid"/>
-                <a:miter lim="800000"/>
-              </a:ln>
-            </p:spPr>
-            <p:style>
-              <a:lnRef idx="2">
-                <a:schemeClr val="accent1">
-                  <a:shade val="50000"/>
-                </a:schemeClr>
-              </a:lnRef>
-              <a:fillRef idx="1">
-                <a:schemeClr val="accent1"/>
-              </a:fillRef>
-              <a:effectRef idx="0">
-                <a:schemeClr val="accent1"/>
-              </a:effectRef>
-              <a:fontRef idx="minor">
-                <a:schemeClr val="lt1"/>
-              </a:fontRef>
-            </p:style>
-          </p:sp>
-          <p:sp>
-            <p:nvSpPr>
-              <p:cNvPr id="1186842657" name=""/>
-              <p:cNvSpPr/>
-              <p:nvPr/>
-            </p:nvSpPr>
-            <p:spPr bwMode="auto">
-              <a:xfrm flipH="0" flipV="0">
-                <a:off x="0" y="1944277"/>
-                <a:ext cx="2042183" cy="549896"/>
-              </a:xfrm>
-              <a:prstGeom prst="rect">
-                <a:avLst/>
-              </a:prstGeom>
-              <a:solidFill>
-                <a:schemeClr val="accent1">
-                  <a:alpha val="0"/>
-                </a:schemeClr>
-              </a:solidFill>
-              <a:ln w="19049" cap="flat" cmpd="sng" algn="ctr">
-                <a:solidFill>
-                  <a:schemeClr val="accent1">
-                    <a:shade val="50000"/>
-                  </a:schemeClr>
-                </a:solidFill>
-                <a:prstDash val="solid"/>
-                <a:miter lim="800000"/>
-              </a:ln>
-            </p:spPr>
-            <p:style>
-              <a:lnRef idx="2">
-                <a:schemeClr val="accent1">
-                  <a:shade val="50000"/>
-                </a:schemeClr>
-              </a:lnRef>
-              <a:fillRef idx="1">
-                <a:schemeClr val="accent1"/>
-              </a:fillRef>
-              <a:effectRef idx="0">
-                <a:schemeClr val="accent1"/>
-              </a:effectRef>
-              <a:fontRef idx="minor">
-                <a:schemeClr val="lt1"/>
-              </a:fontRef>
-            </p:style>
-          </p:sp>
-          <p:sp>
-            <p:nvSpPr>
-              <p:cNvPr id="692971322" name=""/>
-              <p:cNvSpPr/>
-              <p:nvPr/>
-            </p:nvSpPr>
-            <p:spPr bwMode="auto">
-              <a:xfrm flipH="0" flipV="0">
-                <a:off x="0" y="2346881"/>
-                <a:ext cx="1364631" cy="1119432"/>
-              </a:xfrm>
-              <a:prstGeom prst="rect">
-                <a:avLst/>
-              </a:prstGeom>
-              <a:solidFill>
-                <a:schemeClr val="accent1">
-                  <a:alpha val="0"/>
-                </a:schemeClr>
-              </a:solidFill>
-              <a:ln w="19049" cap="flat" cmpd="sng" algn="ctr">
-                <a:solidFill>
-                  <a:schemeClr val="accent1">
-                    <a:shade val="50000"/>
-                  </a:schemeClr>
-                </a:solidFill>
-                <a:prstDash val="solid"/>
-                <a:miter lim="800000"/>
-              </a:ln>
-            </p:spPr>
-            <p:style>
-              <a:lnRef idx="2">
-                <a:schemeClr val="accent1">
-                  <a:shade val="50000"/>
-                </a:schemeClr>
-              </a:lnRef>
-              <a:fillRef idx="1">
-                <a:schemeClr val="accent1"/>
-              </a:fillRef>
-              <a:effectRef idx="0">
-                <a:schemeClr val="accent1"/>
-              </a:effectRef>
-              <a:fontRef idx="minor">
-                <a:schemeClr val="lt1"/>
-              </a:fontRef>
-            </p:style>
-          </p:sp>
-          <p:sp>
-            <p:nvSpPr>
-              <p:cNvPr id="1412430724" name=""/>
-              <p:cNvSpPr/>
-              <p:nvPr/>
-            </p:nvSpPr>
-            <p:spPr bwMode="auto">
-              <a:xfrm flipH="0" flipV="0">
-                <a:off x="0" y="3417658"/>
-                <a:ext cx="1492286" cy="382521"/>
-              </a:xfrm>
-              <a:prstGeom prst="rect">
-                <a:avLst/>
-              </a:prstGeom>
-              <a:solidFill>
-                <a:schemeClr val="accent1">
-                  <a:alpha val="0"/>
-                </a:schemeClr>
-              </a:solidFill>
-              <a:ln w="19049" cap="flat" cmpd="sng" algn="ctr">
-                <a:solidFill>
-                  <a:schemeClr val="accent1">
-                    <a:shade val="50000"/>
-                  </a:schemeClr>
-                </a:solidFill>
-                <a:prstDash val="solid"/>
-                <a:miter lim="800000"/>
-              </a:ln>
-            </p:spPr>
-            <p:style>
-              <a:lnRef idx="2">
-                <a:schemeClr val="accent1">
-                  <a:shade val="50000"/>
-                </a:schemeClr>
-              </a:lnRef>
-              <a:fillRef idx="1">
-                <a:schemeClr val="accent1"/>
-              </a:fillRef>
-              <a:effectRef idx="0">
-                <a:schemeClr val="accent1"/>
-              </a:effectRef>
-              <a:fontRef idx="minor">
-                <a:schemeClr val="lt1"/>
-              </a:fontRef>
-            </p:style>
-          </p:sp>
-          <p:sp>
-            <p:nvSpPr>
-              <p:cNvPr id="42855136" name=""/>
-              <p:cNvSpPr/>
-              <p:nvPr/>
-            </p:nvSpPr>
-            <p:spPr bwMode="auto">
-              <a:xfrm flipH="0" flipV="0">
-                <a:off x="2514908" y="819935"/>
-                <a:ext cx="646706" cy="638273"/>
-              </a:xfrm>
-              <a:prstGeom prst="rect">
-                <a:avLst/>
-              </a:prstGeom>
-              <a:solidFill>
-                <a:schemeClr val="accent1">
-                  <a:alpha val="0"/>
-                </a:schemeClr>
-              </a:solidFill>
-              <a:ln w="19049" cap="flat" cmpd="sng" algn="ctr">
-                <a:solidFill>
-                  <a:schemeClr val="accent1">
-                    <a:shade val="50000"/>
-                  </a:schemeClr>
-                </a:solidFill>
-                <a:prstDash val="solid"/>
-                <a:miter lim="800000"/>
-              </a:ln>
-            </p:spPr>
-            <p:style>
-              <a:lnRef idx="2">
-                <a:schemeClr val="accent1">
-                  <a:shade val="50000"/>
-                </a:schemeClr>
-              </a:lnRef>
-              <a:fillRef idx="1">
-                <a:schemeClr val="accent1"/>
-              </a:fillRef>
-              <a:effectRef idx="0">
-                <a:schemeClr val="accent1"/>
-              </a:effectRef>
-              <a:fontRef idx="minor">
-                <a:schemeClr val="lt1"/>
-              </a:fontRef>
-            </p:style>
-            <p:txBody>
-              <a:bodyPr/>
-              <a:p>
-                <a:pPr>
-                  <a:defRPr/>
-                </a:pPr>
-                <a:endParaRPr/>
-              </a:p>
-            </p:txBody>
-          </p:sp>
-          <p:sp>
-            <p:nvSpPr>
-              <p:cNvPr id="317544703" name=""/>
-              <p:cNvSpPr/>
-              <p:nvPr/>
-            </p:nvSpPr>
-            <p:spPr bwMode="auto">
-              <a:xfrm flipH="0" flipV="0">
-                <a:off x="4296265" y="0"/>
-                <a:ext cx="1510409" cy="343685"/>
-              </a:xfrm>
-              <a:prstGeom prst="rect">
-                <a:avLst/>
-              </a:prstGeom>
-              <a:solidFill>
-                <a:schemeClr val="accent1">
-                  <a:alpha val="0"/>
-                </a:schemeClr>
-              </a:solidFill>
-              <a:ln w="19049" cap="flat" cmpd="sng" algn="ctr">
-                <a:solidFill>
-                  <a:schemeClr val="accent1">
-                    <a:shade val="50000"/>
-                  </a:schemeClr>
-                </a:solidFill>
-                <a:prstDash val="solid"/>
-                <a:miter lim="800000"/>
-              </a:ln>
-            </p:spPr>
-            <p:style>
-              <a:lnRef idx="2">
-                <a:schemeClr val="accent1">
-                  <a:shade val="50000"/>
-                </a:schemeClr>
-              </a:lnRef>
-              <a:fillRef idx="1">
-                <a:schemeClr val="accent1"/>
-              </a:fillRef>
-              <a:effectRef idx="0">
-                <a:schemeClr val="accent1"/>
-              </a:effectRef>
-              <a:fontRef idx="minor">
-                <a:schemeClr val="lt1"/>
-              </a:fontRef>
-            </p:style>
-          </p:sp>
-          <p:sp>
-            <p:nvSpPr>
-              <p:cNvPr id="244736102" name=""/>
-              <p:cNvSpPr/>
-              <p:nvPr/>
-            </p:nvSpPr>
-            <p:spPr bwMode="auto">
-              <a:xfrm flipH="0" flipV="0">
-                <a:off x="4053474" y="0"/>
-                <a:ext cx="485582" cy="243034"/>
-              </a:xfrm>
-              <a:prstGeom prst="rect">
-                <a:avLst/>
-              </a:prstGeom>
-              <a:solidFill>
-                <a:schemeClr val="accent1">
-                  <a:alpha val="0"/>
-                </a:schemeClr>
-              </a:solidFill>
-              <a:ln w="19049" cap="flat" cmpd="sng" algn="ctr">
-                <a:solidFill>
-                  <a:schemeClr val="accent1">
-                    <a:shade val="50000"/>
-                  </a:schemeClr>
-                </a:solidFill>
-                <a:prstDash val="solid"/>
-                <a:miter lim="800000"/>
-              </a:ln>
-            </p:spPr>
-            <p:style>
-              <a:lnRef idx="2">
-                <a:schemeClr val="accent1">
-                  <a:shade val="50000"/>
-                </a:schemeClr>
-              </a:lnRef>
-              <a:fillRef idx="1">
-                <a:schemeClr val="accent1"/>
-              </a:fillRef>
-              <a:effectRef idx="0">
-                <a:schemeClr val="accent1"/>
-              </a:effectRef>
-              <a:fontRef idx="minor">
-                <a:schemeClr val="lt1"/>
-              </a:fontRef>
-            </p:style>
-          </p:sp>
-          <p:sp>
-            <p:nvSpPr>
-              <p:cNvPr id="1648389381" name=""/>
-              <p:cNvSpPr/>
-              <p:nvPr/>
-            </p:nvSpPr>
-            <p:spPr bwMode="auto">
-              <a:xfrm flipH="0" flipV="0">
-                <a:off x="2503703" y="1757706"/>
-                <a:ext cx="196391" cy="898491"/>
-              </a:xfrm>
-              <a:prstGeom prst="rect">
-                <a:avLst/>
-              </a:prstGeom>
-              <a:solidFill>
-                <a:schemeClr val="accent1">
-                  <a:alpha val="0"/>
-                </a:schemeClr>
-              </a:solidFill>
-              <a:ln w="19049" cap="flat" cmpd="sng" algn="ctr">
-                <a:solidFill>
-                  <a:schemeClr val="accent1">
-                    <a:shade val="50000"/>
-                  </a:schemeClr>
-                </a:solidFill>
-                <a:prstDash val="solid"/>
-                <a:miter lim="800000"/>
-              </a:ln>
-            </p:spPr>
-            <p:style>
-              <a:lnRef idx="2">
-                <a:schemeClr val="accent1">
-                  <a:shade val="50000"/>
-                </a:schemeClr>
-              </a:lnRef>
-              <a:fillRef idx="1">
-                <a:schemeClr val="accent1"/>
-              </a:fillRef>
-              <a:effectRef idx="0">
-                <a:schemeClr val="accent1"/>
-              </a:effectRef>
-              <a:fontRef idx="minor">
-                <a:schemeClr val="lt1"/>
-              </a:fontRef>
-            </p:style>
-          </p:sp>
-          <p:sp>
-            <p:nvSpPr>
-              <p:cNvPr id="991188646" name=""/>
-              <p:cNvSpPr/>
-              <p:nvPr/>
-            </p:nvSpPr>
-            <p:spPr bwMode="auto">
-              <a:xfrm flipH="0" flipV="0">
-                <a:off x="2565392" y="2553092"/>
-                <a:ext cx="134702" cy="638272"/>
-              </a:xfrm>
-              <a:prstGeom prst="rect">
-                <a:avLst/>
-              </a:prstGeom>
-              <a:solidFill>
-                <a:schemeClr val="accent1">
-                  <a:alpha val="0"/>
-                </a:schemeClr>
-              </a:solidFill>
-              <a:ln w="19049" cap="flat" cmpd="sng" algn="ctr">
-                <a:solidFill>
-                  <a:schemeClr val="accent1">
-                    <a:shade val="50000"/>
-                  </a:schemeClr>
-                </a:solidFill>
-                <a:prstDash val="solid"/>
-                <a:miter lim="800000"/>
-              </a:ln>
-            </p:spPr>
-            <p:style>
-              <a:lnRef idx="2">
-                <a:schemeClr val="accent1">
-                  <a:shade val="50000"/>
-                </a:schemeClr>
-              </a:lnRef>
-              <a:fillRef idx="1">
-                <a:schemeClr val="accent1"/>
-              </a:fillRef>
-              <a:effectRef idx="0">
-                <a:schemeClr val="accent1"/>
-              </a:effectRef>
-              <a:fontRef idx="minor">
-                <a:schemeClr val="lt1"/>
-              </a:fontRef>
-            </p:style>
-          </p:sp>
-        </p:grpSp>
-        <p:sp>
-          <p:nvSpPr>
-            <p:cNvPr id="808092928" name=""/>
-            <p:cNvSpPr/>
-            <p:nvPr/>
-          </p:nvSpPr>
-          <p:spPr bwMode="auto">
-            <a:xfrm flipH="0" flipV="0">
-              <a:off x="1428604" y="12274"/>
-              <a:ext cx="4378070" cy="3800180"/>
-            </a:xfrm>
-            <a:prstGeom prst="rect">
-              <a:avLst/>
-            </a:prstGeom>
-            <a:solidFill>
-              <a:schemeClr val="accent1">
-                <a:alpha val="0"/>
-              </a:schemeClr>
-            </a:solidFill>
-            <a:ln w="19049" cap="flat" cmpd="sng" algn="ctr">
-              <a:solidFill>
-                <a:srgbClr val="FF0000"/>
-              </a:solidFill>
-              <a:prstDash val="solid"/>
-              <a:miter lim="800000"/>
-            </a:ln>
-          </p:spPr>
-          <p:style>
-            <a:lnRef idx="2">
-              <a:schemeClr val="accent1">
-                <a:shade val="50000"/>
-              </a:schemeClr>
-            </a:lnRef>
-            <a:fillRef idx="1">
-              <a:schemeClr val="accent1"/>
-            </a:fillRef>
-            <a:effectRef idx="0">
-              <a:schemeClr val="accent1"/>
-            </a:effectRef>
-            <a:fontRef idx="minor">
-              <a:schemeClr val="lt1"/>
-            </a:fontRef>
-          </p:style>
-        </p:sp>
-      </p:grpSp>
-    </p:spTree>
-  </p:cSld>
-  <p:clrMapOvr>
-    <a:masterClrMapping/>
-  </p:clrMapOvr>
-  <mc:AlternateContent xmlns:mc="http://schemas.openxmlformats.org/markup-compatibility/2006">
-    <mc:Choice xmlns:p159="http://schemas.microsoft.com/office/powerpoint/2015/09/main" xmlns:p14="http://schemas.microsoft.com/office/powerpoint/2010/main" Requires="p159">
-      <p:transition p14:dur="2000" advClick="1"/>
-    </mc:Choice>
-    <mc:Fallback>
-      <p:transition advClick="1"/>
-    </mc:Fallback>
-  </mc:AlternateContent>
-</p:sld>
-</file>
-
-<file path=ppt/slides/slide3.xml><?xml version="1.0" encoding="utf-8"?>
-<p:sld xmlns:a="http://schemas.openxmlformats.org/drawingml/2006/main" xmlns:r="http://schemas.openxmlformats.org/officeDocument/2006/relationships" xmlns:p="http://schemas.openxmlformats.org/presentationml/2006/main" xmlns:m="http://schemas.openxmlformats.org/officeDocument/2006/math" xmlns:w="http://schemas.openxmlformats.org/wordprocessingml/2006/main" xmlns:mc="http://schemas.openxmlformats.org/markup-compatibility/2006" showMasterPhAnim="0" showMasterSp="1" show="1">
-  <p:cSld name="">
-    <p:spTree>
-      <p:nvGrpSpPr>
-        <p:cNvPr id="1" name=""/>
-        <p:cNvGrpSpPr/>
-        <p:nvPr/>
-      </p:nvGrpSpPr>
-      <p:grpSpPr bwMode="auto">
-        <a:xfrm>
-          <a:off x="0" y="0"/>
-          <a:ext cx="0" cy="0"/>
-          <a:chOff x="0" y="0"/>
-          <a:chExt cx="0" cy="0"/>
-        </a:xfrm>
-      </p:grpSpPr>
-      <p:sp>
-        <p:nvSpPr>
-          <p:cNvPr id="1414836619" name="Title 1"/>
-          <p:cNvSpPr>
-            <a:spLocks noGrp="1"/>
-          </p:cNvSpPr>
-          <p:nvPr>
-            <p:ph type="title"/>
-          </p:nvPr>
-        </p:nvSpPr>
-        <p:spPr bwMode="auto"/>
-        <p:txBody>
-          <a:bodyPr/>
-          <a:lstStyle/>
-          <a:p>
-            <a:pPr>
-              <a:defRPr/>
-            </a:pPr>
-            <a:r>
-              <a:rPr>
-                <a:solidFill>
-                  <a:schemeClr val="bg1"/>
-                </a:solidFill>
-              </a:rPr>
-              <a:t>Proposed loss function</a:t>
-            </a:r>
-            <a:endParaRPr>
-              <a:solidFill>
-                <a:schemeClr val="bg1"/>
-              </a:solidFill>
-            </a:endParaRPr>
-          </a:p>
-        </p:txBody>
-      </p:sp>
-      <p:sp>
-        <p:nvSpPr>
-          <p:cNvPr id="766677070" name="Content Placeholder 2"/>
-          <p:cNvSpPr>
-            <a:spLocks noGrp="1"/>
-          </p:cNvSpPr>
-          <p:nvPr>
-            <p:ph idx="1"/>
-          </p:nvPr>
-        </p:nvSpPr>
-        <p:spPr bwMode="auto"/>
-        <p:txBody>
-          <a:bodyPr/>
-          <a:lstStyle/>
-          <a:p>
-            <a:pPr marL="0" indent="0" algn="ctr">
-              <a:buFont typeface="Arial"/>
-              <a:buNone/>
-              <a:defRPr/>
-            </a:pPr>
-            <mc:AlternateContent xmlns:mc="http://schemas.openxmlformats.org/markup-compatibility/2006" xmlns:m="http://schemas.openxmlformats.org/officeDocument/2006/math">
-              <mc:Choice xmlns:a14="http://schemas.microsoft.com/office/drawing/2010/main" Requires="a14">
-                <a14:m>
-                  <m:oMathPara>
-                    <m:oMathParaPr/>
-                    <m:oMath>
-                      <m:r>
-                        <m:rPr>
-                          <m:sty m:val="p"/>
-                        </m:rPr>
-                        <a:rPr lang="en-US" sz="2800" u="none" strike="noStrike" cap="none" spc="0">
-                          <a:solidFill>
-                            <a:schemeClr val="bg1"/>
-                          </a:solidFill>
-                          <a:latin typeface="Cambria Math"/>
-                          <a:ea typeface="Cambria Math"/>
-                          <a:cs typeface="Cambria Math"/>
-                        </a:rPr>
-                        <m:t>FL</m:t>
-                      </m:r>
-                      <m:d>
-                        <m:dPr>
-                          <m:begChr m:val="("/>
-                          <m:endChr m:val=")"/>
-                          <m:ctrlPr>
-                            <a:rPr lang="en-US" sz="2800" u="none" strike="noStrike" cap="none" spc="0">
-                              <a:solidFill>
-                                <a:schemeClr val="bg1"/>
-                              </a:solidFill>
-                              <a:latin typeface="Cambria Math"/>
-                              <a:ea typeface="Cambria Math"/>
-                              <a:cs typeface="Cambria Math"/>
-                            </a:rPr>
-                          </m:ctrlPr>
-                        </m:dPr>
-                        <m:e>
-                          <m:sSub>
-                            <m:sSubPr>
-                              <m:ctrlPr>
-                                <a:rPr lang="en-US" sz="2800" b="0" i="1" u="none" strike="noStrike" cap="none" spc="0">
-                                  <a:solidFill>
-                                    <a:schemeClr val="bg1"/>
-                                  </a:solidFill>
-                                  <a:latin typeface="Cambria Math"/>
-                                  <a:ea typeface="Cambria Math"/>
-                                  <a:cs typeface="Cambria Math"/>
-                                </a:rPr>
-                              </m:ctrlPr>
-                            </m:sSubPr>
-                            <m:e>
-                              <m:r>
-                                <m:rPr>
-                                  <m:sty m:val="i"/>
-                                </m:rPr>
-                                <a:rPr lang="en-US" sz="2800" u="none" strike="noStrike" cap="none" spc="0">
-                                  <a:solidFill>
-                                    <a:schemeClr val="bg1"/>
-                                  </a:solidFill>
-                                  <a:latin typeface="Cambria Math"/>
-                                  <a:ea typeface="Cambria Math"/>
-                                  <a:cs typeface="Cambria Math"/>
-                                </a:rPr>
-                                <m:t>p</m:t>
-                              </m:r>
-                            </m:e>
-                            <m:sub>
-                              <m:r>
-                                <m:rPr>
-                                  <m:sty m:val="i"/>
-                                </m:rPr>
-                                <a:rPr lang="en-US" sz="2800" u="none" strike="noStrike" cap="none" spc="0">
-                                  <a:solidFill>
-                                    <a:schemeClr val="bg1"/>
-                                  </a:solidFill>
-                                  <a:latin typeface="Cambria Math"/>
-                                  <a:ea typeface="Cambria Math"/>
-                                  <a:cs typeface="Cambria Math"/>
-                                </a:rPr>
-                                <m:t>t</m:t>
-                              </m:r>
-                            </m:sub>
-                          </m:sSub>
-                        </m:e>
-                      </m:d>
-                      <m:r>
-                        <m:rPr/>
-                        <a:rPr lang="en-US" sz="2800" u="none" strike="noStrike" cap="none" spc="0">
-                          <a:solidFill>
-                            <a:schemeClr val="bg1"/>
-                          </a:solidFill>
-                          <a:latin typeface="Cambria Math"/>
-                          <a:ea typeface="Cambria Math"/>
-                          <a:cs typeface="Cambria Math"/>
-                        </a:rPr>
-                        <m:t>= </m:t>
-                      </m:r>
-                      <m:sSub>
-                        <m:sSubPr>
-                          <m:ctrlPr>
-                            <a:rPr lang="en-US" sz="2800" b="0" i="1" u="none" strike="noStrike" cap="none" spc="0">
-                              <a:solidFill>
-                                <a:schemeClr val="bg1"/>
-                              </a:solidFill>
-                              <a:latin typeface="Cambria Math"/>
-                              <a:ea typeface="Cambria Math"/>
-                              <a:cs typeface="Cambria Math"/>
-                            </a:rPr>
-                          </m:ctrlPr>
-                        </m:sSubPr>
-                        <m:e>
-                          <m:r>
-                            <m:rPr>
-                              <m:sty m:val="i"/>
-                            </m:rPr>
-                            <a:rPr lang="en-US" sz="2800" u="none" strike="noStrike" cap="none" spc="0">
-                              <a:solidFill>
-                                <a:schemeClr val="bg1"/>
-                              </a:solidFill>
-                              <a:latin typeface="Cambria Math"/>
-                              <a:ea typeface="Cambria Math"/>
-                              <a:cs typeface="Cambria Math"/>
-                            </a:rPr>
-                            <m:t>α</m:t>
-                          </m:r>
-                        </m:e>
-                        <m:sub>
-                          <m:r>
-                            <m:rPr>
-                              <m:sty m:val="i"/>
-                            </m:rPr>
-                            <a:rPr lang="en-US" sz="2800" u="none" strike="noStrike" cap="none" spc="0">
-                              <a:solidFill>
-                                <a:schemeClr val="bg1"/>
-                              </a:solidFill>
-                              <a:latin typeface="Cambria Math"/>
-                              <a:ea typeface="Cambria Math"/>
-                              <a:cs typeface="Cambria Math"/>
-                            </a:rPr>
-                            <m:t>t</m:t>
-                          </m:r>
-                        </m:sub>
-                      </m:sSub>
-                      <m:sSup>
-                        <m:sSupPr>
-                          <m:ctrlPr>
-                            <a:rPr lang="en-US" sz="2800" b="0" i="1" u="none" strike="noStrike" cap="none" spc="0">
-                              <a:solidFill>
-                                <a:schemeClr val="bg1"/>
-                              </a:solidFill>
-                              <a:latin typeface="Cambria Math"/>
-                              <a:ea typeface="Cambria Math"/>
-                              <a:cs typeface="Cambria Math"/>
-                            </a:rPr>
-                          </m:ctrlPr>
-                        </m:sSupPr>
-                        <m:e>
-                          <m:r>
-                            <m:rPr>
-                              <m:sty m:val="i"/>
-                            </m:rPr>
-                            <a:rPr lang="en-US" sz="2800" u="none" strike="noStrike" cap="none" spc="0">
-                              <a:solidFill>
-                                <a:schemeClr val="bg1"/>
-                              </a:solidFill>
-                              <a:latin typeface="Cambria Math"/>
-                              <a:ea typeface="Cambria Math"/>
-                              <a:cs typeface="Cambria Math"/>
-                            </a:rPr>
-                            <m:t>(1-</m:t>
-                          </m:r>
-                          <m:r>
-                            <m:rPr>
-                              <m:sty m:val="i"/>
-                            </m:rPr>
-                            <a:rPr lang="en-US" sz="2800" u="none" strike="noStrike" cap="none" spc="0">
-                              <a:solidFill>
-                                <a:schemeClr val="bg1"/>
-                              </a:solidFill>
-                              <a:latin typeface="Cambria Math"/>
-                              <a:ea typeface="Cambria Math"/>
-                              <a:cs typeface="Cambria Math"/>
-                            </a:rPr>
-                            <m:t>)</m:t>
-                          </m:r>
-                          <m:sSub>
-                            <m:sSubPr>
-                              <m:ctrlPr>
-                                <a:rPr lang="en-US" sz="2800" b="0" i="1" u="none" strike="noStrike" cap="none" spc="0">
-                                  <a:solidFill>
-                                    <a:schemeClr val="bg1"/>
-                                  </a:solidFill>
-                                  <a:latin typeface="Cambria Math"/>
-                                  <a:ea typeface="Cambria Math"/>
-                                  <a:cs typeface="Cambria Math"/>
-                                </a:rPr>
-                              </m:ctrlPr>
-                            </m:sSubPr>
-                            <m:e>
-                              <m:r>
-                                <m:rPr>
-                                  <m:sty m:val="i"/>
-                                </m:rPr>
-                                <a:rPr lang="en-US" sz="2800" u="none" strike="noStrike" cap="none" spc="0">
-                                  <a:solidFill>
-                                    <a:schemeClr val="bg1"/>
-                                  </a:solidFill>
-                                  <a:latin typeface="Cambria Math"/>
-                                  <a:ea typeface="Cambria Math"/>
-                                  <a:cs typeface="Cambria Math"/>
-                                </a:rPr>
-                                <m:t>p</m:t>
-                              </m:r>
-                            </m:e>
-                            <m:sub>
-                              <m:r>
-                                <m:rPr>
-                                  <m:sty m:val="i"/>
-                                </m:rPr>
-                                <a:rPr lang="en-US" sz="2800" u="none" strike="noStrike" cap="none" spc="0">
-                                  <a:solidFill>
-                                    <a:schemeClr val="bg1"/>
-                                  </a:solidFill>
-                                  <a:latin typeface="Cambria Math"/>
-                                  <a:ea typeface="Cambria Math"/>
-                                  <a:cs typeface="Cambria Math"/>
-                                </a:rPr>
-                                <m:t>t</m:t>
-                              </m:r>
-                            </m:sub>
-                          </m:sSub>
-                        </m:e>
-                        <m:sup>
-                          <m:r>
-                            <m:rPr>
-                              <m:sty m:val="i"/>
-                            </m:rPr>
-                            <a:rPr lang="en-US" sz="2800" u="none" strike="noStrike" cap="none" spc="0">
-                              <a:solidFill>
-                                <a:schemeClr val="bg1"/>
-                              </a:solidFill>
-                              <a:latin typeface="Cambria Math"/>
-                              <a:ea typeface="Cambria Math"/>
-                              <a:cs typeface="Cambria Math"/>
-                            </a:rPr>
-                            <m:t>γ</m:t>
-                          </m:r>
-                        </m:sup>
-                      </m:sSup>
-                    </m:oMath>
-                  </m:oMathPara>
-                </a14:m>
-              </mc:Choice>
-              <mc:Fallback/>
-            </mc:AlternateContent>
-            <mc:AlternateContent xmlns:mc="http://schemas.openxmlformats.org/markup-compatibility/2006" xmlns:m="http://schemas.openxmlformats.org/officeDocument/2006/math">
-              <mc:Choice xmlns:a14="http://schemas.microsoft.com/office/drawing/2010/main" Requires="a14">
-                <a14:m>
-                  <m:oMathPara>
-                    <m:oMathParaPr/>
-                    <m:oMath>
-                      <m:r>
-                        <m:rPr>
-                          <m:sty m:val="p"/>
-                        </m:rPr>
-                        <a:rPr lang="en-US" sz="2800" u="none" strike="noStrike" cap="none" spc="0">
-                          <a:solidFill>
-                            <a:srgbClr val="FFFF00"/>
-                          </a:solidFill>
-                          <a:latin typeface="Cambria Math"/>
-                          <a:ea typeface="Cambria Math"/>
-                          <a:cs typeface="Cambria Math"/>
-                        </a:rPr>
-                        <m:t>(-</m:t>
-                      </m:r>
-                      <m:func>
-                        <m:funcPr>
-                          <m:ctrlPr>
-                            <a:rPr lang="en-US" sz="2800" b="0" i="1" u="none" strike="noStrike" cap="none" spc="0">
-                              <a:solidFill>
-                                <a:srgbClr val="FFFF00"/>
-                              </a:solidFill>
-                              <a:latin typeface="Cambria Math"/>
-                              <a:ea typeface="Cambria Math"/>
-                              <a:cs typeface="Cambria Math"/>
-                            </a:rPr>
-                          </m:ctrlPr>
-                        </m:funcPr>
-                        <m:fName>
-                          <m:r>
-                            <m:rPr>
-                              <m:sty m:val="i"/>
-                            </m:rPr>
-                            <a:rPr lang="en-US" sz="2800" u="none" strike="noStrike" cap="none" spc="0">
-                              <a:solidFill>
-                                <a:srgbClr val="FFFF00"/>
-                              </a:solidFill>
-                              <a:latin typeface="Cambria Math"/>
-                              <a:ea typeface="Cambria Math"/>
-                              <a:cs typeface="Cambria Math"/>
-                            </a:rPr>
-                            <m:t>log</m:t>
-                          </m:r>
-                        </m:fName>
-                        <m:e>
-                          <m:sSub>
-                            <m:sSubPr>
-                              <m:ctrlPr>
-                                <a:rPr lang="en-US" sz="2800" i="1" u="none" strike="noStrike" cap="none" spc="0">
-                                  <a:solidFill>
-                                    <a:srgbClr val="FFFF00"/>
-                                  </a:solidFill>
-                                  <a:latin typeface="Cambria Math"/>
-                                  <a:ea typeface="Cambria Math"/>
-                                  <a:cs typeface="Cambria Math"/>
-                                </a:rPr>
-                              </m:ctrlPr>
-                            </m:sSubPr>
-                            <m:e>
-                              <m:r>
-                                <m:rPr>
-                                  <m:sty m:val="i"/>
-                                </m:rPr>
-                                <a:rPr lang="en-US" sz="2800" u="none" strike="noStrike" cap="none" spc="0">
-                                  <a:solidFill>
-                                    <a:srgbClr val="FFFF00"/>
-                                  </a:solidFill>
-                                  <a:latin typeface="Cambria Math"/>
-                                  <a:ea typeface="Cambria Math"/>
-                                  <a:cs typeface="Cambria Math"/>
-                                </a:rPr>
-                                <m:t>p</m:t>
-                              </m:r>
-                            </m:e>
-                            <m:sub>
-                              <m:r>
-                                <m:rPr>
-                                  <m:sty m:val="i"/>
-                                </m:rPr>
-                                <a:rPr lang="en-US" sz="2800" u="none" strike="noStrike" cap="none" spc="0">
-                                  <a:solidFill>
-                                    <a:srgbClr val="FFFF00"/>
-                                  </a:solidFill>
-                                  <a:latin typeface="Cambria Math"/>
-                                  <a:ea typeface="Cambria Math"/>
-                                  <a:cs typeface="Cambria Math"/>
-                                </a:rPr>
-                                <m:t>t</m:t>
-                              </m:r>
-                            </m:sub>
-                          </m:sSub>
-                          <m:r>
-                            <m:rPr>
-                              <m:sty m:val="i"/>
-                            </m:rPr>
-                            <a:rPr lang="en-US" sz="2800" u="none" strike="noStrike" cap="none" spc="0">
-                              <a:solidFill>
-                                <a:srgbClr val="FFFF00"/>
-                              </a:solidFill>
-                              <a:latin typeface="Cambria Math"/>
-                              <a:ea typeface="Cambria Math"/>
-                              <a:cs typeface="Cambria Math"/>
-                            </a:rPr>
-                            <m:t>)</m:t>
-                          </m:r>
-                        </m:e>
-                      </m:func>
-                    </m:oMath>
-                  </m:oMathPara>
-                </a14:m>
-              </mc:Choice>
-              <mc:Fallback/>
-            </mc:AlternateContent>
-            <a:endParaRPr>
-              <a:solidFill>
-                <a:schemeClr val="bg1"/>
-              </a:solidFill>
-            </a:endParaRPr>
-          </a:p>
-          <a:p>
-            <a:pPr marL="0" indent="0" algn="ctr">
-              <a:buFont typeface="Arial"/>
-              <a:buNone/>
-              <a:defRPr/>
-            </a:pPr>
-            <a:endParaRPr>
-              <a:solidFill>
-                <a:schemeClr val="bg1"/>
-              </a:solidFill>
-            </a:endParaRPr>
-          </a:p>
-          <a:p>
-            <a:pPr marL="0" indent="0" algn="ctr">
-              <a:buFont typeface="Arial"/>
-              <a:buNone/>
-              <a:defRPr/>
-            </a:pPr>
-            <a:endParaRPr>
-              <a:solidFill>
-                <a:schemeClr val="bg1"/>
-              </a:solidFill>
-            </a:endParaRPr>
-          </a:p>
-          <a:p>
-            <a:pPr marL="0" indent="0" algn="ctr">
-              <a:buFont typeface="Arial"/>
-              <a:buNone/>
-              <a:defRPr/>
-            </a:pPr>
-            <a:endParaRPr>
-              <a:solidFill>
-                <a:schemeClr val="bg1"/>
-              </a:solidFill>
-            </a:endParaRPr>
-          </a:p>
-          <a:p>
-            <a:pPr algn="l">
-              <a:defRPr/>
-            </a:pPr>
-            <mc:AlternateContent xmlns:mc="http://schemas.openxmlformats.org/markup-compatibility/2006" xmlns:m="http://schemas.openxmlformats.org/officeDocument/2006/math">
-              <mc:Choice xmlns:a14="http://schemas.microsoft.com/office/drawing/2010/main" Requires="a14">
-                <a14:m>
-                  <m:oMathPara>
-                    <m:oMathParaPr>
-                      <m:jc m:val="center"/>
-                    </m:oMathParaPr>
-                    <m:oMath>
-                      <m:r>
-                        <m:rPr>
-                          <m:sty m:val="p"/>
-                        </m:rPr>
-                        <a:rPr lang="en-US" sz="2800" u="none" strike="noStrike" cap="none" spc="0">
-                          <a:solidFill>
-                            <a:schemeClr val="bg1"/>
-                          </a:solidFill>
-                          <a:latin typeface="Cambria Math"/>
-                          <a:ea typeface="Cambria Math"/>
-                          <a:cs typeface="Cambria Math"/>
-                        </a:rPr>
-                        <m:t>y</m:t>
-                      </m:r>
-                    </m:oMath>
-                  </m:oMathPara>
-                </a14:m>
-              </mc:Choice>
-              <mc:Fallback/>
-            </mc:AlternateContent>
-            <a:r>
-              <a:rPr>
-                <a:solidFill>
-                  <a:schemeClr val="bg1"/>
-                </a:solidFill>
-              </a:rPr>
-              <a:t> is defined as the ground truth</a:t>
-            </a:r>
-            <a:endParaRPr>
-              <a:solidFill>
-                <a:schemeClr val="bg1"/>
-              </a:solidFill>
-            </a:endParaRPr>
-          </a:p>
-          <a:p>
-            <a:pPr algn="l">
-              <a:defRPr/>
-            </a:pPr>
-            <mc:AlternateContent xmlns:mc="http://schemas.openxmlformats.org/markup-compatibility/2006" xmlns:m="http://schemas.openxmlformats.org/officeDocument/2006/math">
-              <mc:Choice xmlns:a14="http://schemas.microsoft.com/office/drawing/2010/main" Requires="a14">
-                <a14:m>
-                  <m:oMathPara>
-                    <m:oMathParaPr/>
-                    <m:oMath>
-                      <m:r>
-                        <m:rPr>
-                          <m:sty m:val="p"/>
-                        </m:rPr>
-                        <a:rPr lang="en-US" sz="2800" u="none" strike="noStrike" cap="none" spc="0">
-                          <a:solidFill>
-                            <a:schemeClr val="bg1"/>
-                          </a:solidFill>
-                          <a:latin typeface="Cambria Math"/>
-                          <a:ea typeface="Cambria Math"/>
-                          <a:cs typeface="Cambria Math"/>
-                        </a:rPr>
-                        <m:t>p</m:t>
-                      </m:r>
-                    </m:oMath>
-                  </m:oMathPara>
-                </a14:m>
-              </mc:Choice>
-              <mc:Fallback/>
-            </mc:AlternateContent>
-            <a:r>
-              <a:rPr>
-                <a:solidFill>
-                  <a:schemeClr val="bg1"/>
-                </a:solidFill>
-              </a:rPr>
-              <a:t> is the predicted probability for a foreground class</a:t>
-            </a:r>
-            <a:endParaRPr>
-              <a:solidFill>
-                <a:schemeClr val="bg1"/>
-              </a:solidFill>
-            </a:endParaRPr>
-          </a:p>
-        </p:txBody>
-      </p:sp>
-      <p:sp>
-        <p:nvSpPr>
-          <p:cNvPr id="1785617614" name=""/>
-          <p:cNvSpPr txBox="1"/>
-          <p:nvPr/>
-        </p:nvSpPr>
-        <p:spPr bwMode="auto">
-          <a:xfrm flipH="0" flipV="0">
-            <a:off x="4787011" y="2366520"/>
-            <a:ext cx="2617976" cy="903894"/>
-          </a:xfrm>
-          <a:prstGeom prst="rect">
-            <a:avLst/>
-          </a:prstGeom>
-          <a:noFill/>
-        </p:spPr>
-        <p:txBody>
-          <a:bodyPr vertOverflow="overflow" horzOverflow="overflow" vert="horz" wrap="square" lIns="91440" tIns="45720" rIns="91440" bIns="45720" numCol="1" spcCol="0" rtlCol="0" fromWordArt="0" anchor="t" anchorCtr="0" forceAA="0" upright="0" compatLnSpc="0">
-            <a:spAutoFit/>
-          </a:bodyPr>
-          <a:p>
-            <a:pPr>
-              <a:defRPr/>
-            </a:pPr>
-            <mc:AlternateContent xmlns:mc="http://schemas.openxmlformats.org/markup-compatibility/2006" xmlns:m="http://schemas.openxmlformats.org/officeDocument/2006/math">
-              <mc:Choice xmlns:a14="http://schemas.microsoft.com/office/drawing/2010/main" Requires="a14">
-                <a14:m>
-                  <m:oMathPara>
-                    <m:oMathParaPr/>
-                    <m:oMath>
-                      <m:sSub>
-                        <m:sSubPr>
-                          <m:ctrlPr>
-                            <a:rPr lang="en-US" sz="2600" b="0" i="1" u="none" strike="noStrike" cap="none" spc="0">
-                              <a:solidFill>
-                                <a:schemeClr val="bg1"/>
-                              </a:solidFill>
-                              <a:latin typeface="Cambria Math"/>
-                              <a:ea typeface="Cambria Math"/>
-                              <a:cs typeface="Cambria Math"/>
-                            </a:rPr>
-                          </m:ctrlPr>
-                        </m:sSubPr>
-                        <m:e>
-                          <m:r>
-                            <m:rPr>
-                              <m:sty m:val="i"/>
-                            </m:rPr>
-                            <a:rPr lang="en-US" sz="2600" u="none" strike="noStrike" cap="none" spc="0">
-                              <a:solidFill>
-                                <a:schemeClr val="bg1"/>
-                              </a:solidFill>
-                              <a:latin typeface="Cambria Math"/>
-                              <a:ea typeface="Cambria Math"/>
-                              <a:cs typeface="Cambria Math"/>
-                            </a:rPr>
-                            <m:t>p</m:t>
-                          </m:r>
-                        </m:e>
-                        <m:sub>
-                          <m:r>
-                            <m:rPr>
-                              <m:sty m:val="i"/>
-                            </m:rPr>
-                            <a:rPr lang="en-US" sz="2600" u="none" strike="noStrike" cap="none" spc="0">
-                              <a:solidFill>
-                                <a:schemeClr val="bg1"/>
-                              </a:solidFill>
-                              <a:latin typeface="Cambria Math"/>
-                              <a:ea typeface="Cambria Math"/>
-                              <a:cs typeface="Cambria Math"/>
-                            </a:rPr>
-                            <m:t>t</m:t>
-                          </m:r>
-                        </m:sub>
-                      </m:sSub>
-                      <m:r>
-                        <m:rPr>
-                          <m:sty m:val="p"/>
-                        </m:rPr>
-                        <a:rPr lang="en-US" sz="2600" u="none" strike="noStrike" cap="none" spc="0">
-                          <a:solidFill>
-                            <a:schemeClr val="bg1"/>
-                          </a:solidFill>
-                          <a:latin typeface="Cambria Math"/>
-                          <a:ea typeface="Cambria Math"/>
-                          <a:cs typeface="Cambria Math"/>
-                        </a:rPr>
-                        <m:t> = </m:t>
-                      </m:r>
-                      <m:d>
-                        <m:dPr>
-                          <m:begChr m:val="{"/>
-                          <m:endChr m:val=""/>
-                          <m:ctrlPr>
-                            <a:rPr lang="en-US" sz="2600" i="1" u="none" strike="noStrike" cap="none" spc="0">
-                              <a:solidFill>
-                                <a:schemeClr val="bg1"/>
-                              </a:solidFill>
-                              <a:latin typeface="Cambria Math"/>
-                              <a:ea typeface="Cambria Math"/>
-                              <a:cs typeface="Cambria Math"/>
-                            </a:rPr>
-                          </m:ctrlPr>
-                        </m:dPr>
-                        <m:e>
-                          <m:eqArr>
-                            <m:eqArrPr>
-                              <m:baseJc m:val="center"/>
-                              <m:maxDist m:val="off"/>
-                              <m:objDist m:val="off"/>
-                              <m:rSp/>
-                              <m:rSpRule/>
-                              <m:ctrlPr>
-                                <a:rPr lang="en-US" sz="2600" i="1" u="none" strike="noStrike" cap="none" spc="0">
-                                  <a:solidFill>
-                                    <a:schemeClr val="bg1"/>
-                                  </a:solidFill>
-                                  <a:latin typeface="Cambria Math"/>
-                                  <a:ea typeface="Cambria Math"/>
-                                  <a:cs typeface="Cambria Math"/>
-                                </a:rPr>
-                              </m:ctrlPr>
-                            </m:eqArrPr>
-                            <m:e>
-                              <m:r>
-                                <m:rPr>
-                                  <m:sty m:val="i"/>
-                                </m:rPr>
-                                <a:rPr lang="en-US" sz="2600" u="none" strike="noStrike" cap="none" spc="0">
-                                  <a:solidFill>
-                                    <a:schemeClr val="bg1"/>
-                                  </a:solidFill>
-                                  <a:latin typeface="Cambria Math"/>
-                                  <a:ea typeface="Cambria Math"/>
-                                  <a:cs typeface="Cambria Math"/>
-                                </a:rPr>
-                                <m:t>p, if y=1</m:t>
-                              </m:r>
-                            </m:e>
-                            <m:e>
-                              <m:r>
-                                <m:rPr>
-                                  <m:sty m:val="i"/>
-                                </m:rPr>
-                                <a:rPr lang="en-US" sz="2600" u="none" strike="noStrike" cap="none" spc="0">
-                                  <a:solidFill>
-                                    <a:schemeClr val="bg1"/>
-                                  </a:solidFill>
-                                  <a:latin typeface="Cambria Math"/>
-                                  <a:ea typeface="Cambria Math"/>
-                                  <a:cs typeface="Cambria Math"/>
-                                </a:rPr>
-                                <m:t>1-p, else</m:t>
-                              </m:r>
-                            </m:e>
-                          </m:eqArr>
-                        </m:e>
-                      </m:d>
-                    </m:oMath>
-                  </m:oMathPara>
-                </a14:m>
-              </mc:Choice>
-              <mc:Fallback/>
-            </mc:AlternateContent>
-            <a:endParaRPr sz="2600"/>
-          </a:p>
-        </p:txBody>
-      </p:sp>
-    </p:spTree>
-  </p:cSld>
-  <p:clrMapOvr>
-    <a:masterClrMapping/>
-  </p:clrMapOvr>
-  <mc:AlternateContent xmlns:mc="http://schemas.openxmlformats.org/markup-compatibility/2006">
-    <mc:Choice xmlns:p159="http://schemas.microsoft.com/office/powerpoint/2015/09/main" xmlns:p14="http://schemas.microsoft.com/office/powerpoint/2010/main" Requires="p159">
-      <p:transition p14:dur="2000" advClick="1"/>
-    </mc:Choice>
-    <mc:Fallback>
-      <p:transition advClick="1"/>
-    </mc:Fallback>
-  </mc:AlternateContent>
-</p:sld>
-</file>
-
-<file path=ppt/slides/slide4.xml><?xml version="1.0" encoding="utf-8"?>
-<p:sld xmlns:a="http://schemas.openxmlformats.org/drawingml/2006/main" xmlns:r="http://schemas.openxmlformats.org/officeDocument/2006/relationships" xmlns:p="http://schemas.openxmlformats.org/presentationml/2006/main" xmlns:m="http://schemas.openxmlformats.org/officeDocument/2006/math" xmlns:w="http://schemas.openxmlformats.org/wordprocessingml/2006/main" xmlns:mc="http://schemas.openxmlformats.org/markup-compatibility/2006" showMasterPhAnim="0" showMasterSp="1" show="1">
-  <p:cSld name="">
-    <p:spTree>
-      <p:nvGrpSpPr>
-        <p:cNvPr id="1" name=""/>
-        <p:cNvGrpSpPr/>
-        <p:nvPr/>
-      </p:nvGrpSpPr>
-      <p:grpSpPr bwMode="auto">
-        <a:xfrm>
-          <a:off x="0" y="0"/>
-          <a:ext cx="0" cy="0"/>
-          <a:chOff x="0" y="0"/>
-          <a:chExt cx="0" cy="0"/>
-        </a:xfrm>
-      </p:grpSpPr>
-      <p:sp>
-        <p:nvSpPr>
-          <p:cNvPr id="1405797290" name="Title 1"/>
-          <p:cNvSpPr>
-            <a:spLocks noGrp="1"/>
-          </p:cNvSpPr>
-          <p:nvPr>
-            <p:ph type="title"/>
-          </p:nvPr>
-        </p:nvSpPr>
-        <p:spPr bwMode="auto"/>
-        <p:txBody>
-          <a:bodyPr/>
-          <a:lstStyle/>
-          <a:p>
-            <a:pPr>
-              <a:defRPr/>
-            </a:pPr>
-            <a:r>
-              <a:rPr>
-                <a:solidFill>
-                  <a:schemeClr val="bg1"/>
-                </a:solidFill>
-              </a:rPr>
-              <a:t>Tunable hyperparameters</a:t>
-            </a:r>
-            <a:endParaRPr>
-              <a:solidFill>
-                <a:schemeClr val="bg1"/>
-              </a:solidFill>
-            </a:endParaRPr>
-          </a:p>
-        </p:txBody>
-      </p:sp>
-      <p:pic>
-        <p:nvPicPr>
-          <p:cNvPr id="613305247" name="">
-            <a:hlinkClick r:id="" action="ppaction://media"/>
-          </p:cNvPr>
-          <p:cNvPicPr>
-            <a:picLocks noChangeAspect="1"/>
-          </p:cNvPicPr>
-          <p:nvPr>
-            <p:ph idx="1"/>
-            <a:videoFile r:link="rId5"/>
-            <p:extLst>
-              <p:ext uri="{DAA4B4D4-6D71-4841-9C94-3DE7FCFB9230}">
-                <p14:media xmlns:p14="http://schemas.microsoft.com/office/powerpoint/2010/main" r:embed="rId4"/>
-              </p:ext>
-            </p:extLst>
-          </p:nvPr>
-        </p:nvPicPr>
-        <p:blipFill>
-          <a:blip r:embed="rId3"/>
-          <a:stretch/>
-        </p:blipFill>
-        <p:spPr bwMode="auto">
-          <a:xfrm rot="0" flipH="0" flipV="0">
-            <a:off x="2433293" y="1826443"/>
-            <a:ext cx="7325412" cy="5031556"/>
-          </a:xfrm>
-          <a:prstGeom prst="rect">
-            <a:avLst/>
-          </a:prstGeom>
-        </p:spPr>
-      </p:pic>
-      <p:sp>
-        <p:nvSpPr>
-          <p:cNvPr id="2412002" name=""/>
-          <p:cNvSpPr txBox="1"/>
-          <p:nvPr/>
-        </p:nvSpPr>
-        <p:spPr bwMode="auto">
-          <a:xfrm flipH="0" flipV="0">
-            <a:off x="5614421" y="1368883"/>
-            <a:ext cx="963156" cy="457560"/>
-          </a:xfrm>
-          <a:prstGeom prst="rect">
-            <a:avLst/>
-          </a:prstGeom>
-          <a:noFill/>
-        </p:spPr>
-        <p:txBody>
-          <a:bodyPr vertOverflow="overflow" horzOverflow="overflow" vert="horz" wrap="none" lIns="91440" tIns="45720" rIns="91440" bIns="45720" numCol="1" spcCol="0" rtlCol="0" fromWordArt="0" anchor="t" anchorCtr="0" forceAA="0" upright="0" compatLnSpc="0">
-            <a:spAutoFit/>
-          </a:bodyPr>
-          <a:p>
-            <a:pPr>
-              <a:defRPr/>
-            </a:pPr>
-            <a:r>
-              <a:rPr sz="2400">
-                <a:solidFill>
-                  <a:schemeClr val="bg1"/>
-                </a:solidFill>
-              </a:rPr>
-              <a:t>Video</a:t>
-            </a:r>
-            <a:endParaRPr sz="2400">
-              <a:solidFill>
-                <a:schemeClr val="bg1"/>
-              </a:solidFill>
-            </a:endParaRPr>
-          </a:p>
-        </p:txBody>
-      </p:sp>
-    </p:spTree>
-  </p:cSld>
-  <p:clrMapOvr>
-    <a:masterClrMapping/>
-  </p:clrMapOvr>
-  <mc:AlternateContent xmlns:mc="http://schemas.openxmlformats.org/markup-compatibility/2006">
-    <mc:Choice xmlns:p159="http://schemas.microsoft.com/office/powerpoint/2015/09/main" xmlns:p14="http://schemas.microsoft.com/office/powerpoint/2010/main" Requires="p159">
-      <p:transition p14:dur="2000" advClick="1"/>
-    </mc:Choice>
-    <mc:Fallback>
-      <p:transition advClick="1"/>
-    </mc:Fallback>
-  </mc:AlternateContent>
-</p:sld>
-</file>
-
-<file path=ppt/slides/slide5.xml><?xml version="1.0" encoding="utf-8"?>
-<p:sld xmlns:a="http://schemas.openxmlformats.org/drawingml/2006/main" xmlns:r="http://schemas.openxmlformats.org/officeDocument/2006/relationships" xmlns:p="http://schemas.openxmlformats.org/presentationml/2006/main" xmlns:m="http://schemas.openxmlformats.org/officeDocument/2006/math" xmlns:w="http://schemas.openxmlformats.org/wordprocessingml/2006/main" xmlns:mc="http://schemas.openxmlformats.org/markup-compatibility/2006" showMasterPhAnim="0" showMasterSp="1" show="1">
-  <p:cSld name="">
-    <p:spTree>
-      <p:nvGrpSpPr>
-        <p:cNvPr id="1" name=""/>
-        <p:cNvGrpSpPr/>
-        <p:nvPr/>
-      </p:nvGrpSpPr>
-      <p:grpSpPr bwMode="auto">
-        <a:xfrm>
-          <a:off x="0" y="0"/>
-          <a:ext cx="0" cy="0"/>
-          <a:chOff x="0" y="0"/>
-          <a:chExt cx="0" cy="0"/>
-        </a:xfrm>
-      </p:grpSpPr>
-      <p:sp>
-        <p:nvSpPr>
-          <p:cNvPr id="1904107435" name="Title 1"/>
-          <p:cNvSpPr>
-            <a:spLocks noGrp="1"/>
-          </p:cNvSpPr>
-          <p:nvPr>
-            <p:ph type="title"/>
-          </p:nvPr>
-        </p:nvSpPr>
-        <p:spPr bwMode="auto"/>
-        <p:txBody>
-          <a:bodyPr/>
-          <a:lstStyle/>
-          <a:p>
-            <a:pPr>
-              <a:defRPr/>
-            </a:pPr>
-            <a:r>
-              <a:rPr>
-                <a:solidFill>
-                  <a:schemeClr val="bg1"/>
-                </a:solidFill>
-              </a:rPr>
-              <a:t>Tunable hyperparameters</a:t>
-            </a:r>
-            <a:endParaRPr>
-              <a:solidFill>
-                <a:schemeClr val="bg1"/>
-              </a:solidFill>
-            </a:endParaRPr>
-          </a:p>
-        </p:txBody>
-      </p:sp>
-      <p:graphicFrame>
-        <p:nvGraphicFramePr>
-          <p:cNvPr id="1436298935" name=""/>
-          <p:cNvGraphicFramePr>
-            <a:graphicFrameLocks xmlns:a="http://schemas.openxmlformats.org/drawingml/2006/main"/>
-          </p:cNvGraphicFramePr>
-          <p:nvPr/>
-        </p:nvGraphicFramePr>
-        <p:xfrm>
-          <a:off x="260143" y="1580144"/>
-          <a:ext cx="11671711" cy="3280551"/>
-        </p:xfrm>
-        <a:graphic>
-          <a:graphicData uri="http://schemas.openxmlformats.org/drawingml/2006/table">
-            <a:tbl>
-              <a:tblPr firstRow="0" firstCol="0" lastRow="0" lastCol="0" bandRow="1" bandCol="0">
-                <a:tableStyleId>{D03447BB-5D67-496B-8E87-E561075AD55C}</a:tableStyleId>
-              </a:tblPr>
-              <a:tblGrid>
-                <a:gridCol w="3890570"/>
-                <a:gridCol w="3890570"/>
-                <a:gridCol w="3890570"/>
-              </a:tblGrid>
-              <a:tr h="1044593">
-                <a:tc>
-                  <a:txBody>
-                    <a:bodyPr/>
-                    <a:p>
-                      <a:pPr algn="ctr">
-                        <a:defRPr/>
-                      </a:pPr>
-                      <a:endParaRPr sz="2400">
-                        <a:solidFill>
-                          <a:schemeClr val="bg1"/>
-                        </a:solidFill>
-                      </a:endParaRPr>
-                    </a:p>
-                  </a:txBody>
-                  <a:tcPr anchor="ctr">
-                    <a:solidFill>
-                      <a:schemeClr val="tx1">
-                        <a:lumMod val="85000"/>
-                        <a:lumOff val="15000"/>
-                      </a:schemeClr>
-                    </a:solidFill>
-                  </a:tcPr>
-                </a:tc>
-                <a:tc>
-                  <a:txBody>
-                    <a:bodyPr/>
-                    <a:p>
-                      <a:pPr algn="ctr">
-                        <a:defRPr/>
-                      </a:pPr>
-                      <a:r>
-                        <a:rPr sz="2400">
-                          <a:solidFill>
-                            <a:schemeClr val="bg1"/>
-                          </a:solidFill>
-                        </a:rPr>
-                        <a:t>Observation</a:t>
-                      </a:r>
-                      <a:endParaRPr sz="2400">
-                        <a:solidFill>
-                          <a:schemeClr val="bg1"/>
-                        </a:solidFill>
-                      </a:endParaRPr>
-                    </a:p>
-                  </a:txBody>
-                  <a:tcPr anchor="ctr">
-                    <a:solidFill>
-                      <a:schemeClr val="tx1">
-                        <a:lumMod val="85000"/>
-                        <a:lumOff val="15000"/>
-                      </a:schemeClr>
-                    </a:solidFill>
-                  </a:tcPr>
-                </a:tc>
-                <a:tc>
-                  <a:txBody>
-                    <a:bodyPr/>
-                    <a:p>
-                      <a:pPr algn="ctr">
-                        <a:defRPr/>
-                      </a:pPr>
-                      <a:r>
-                        <a:rPr lang="en-US" sz="2400" b="0" i="0" u="none" strike="noStrike" cap="none" spc="0">
-                          <a:solidFill>
-                            <a:schemeClr val="bg1"/>
-                          </a:solidFill>
-                          <a:latin typeface="+mn-lt"/>
-                          <a:ea typeface="+mn-ea"/>
-                          <a:cs typeface="+mn-cs"/>
-                        </a:rPr>
-                        <a:t>Purpose</a:t>
-                      </a:r>
-                      <a:endParaRPr sz="2400">
-                        <a:solidFill>
-                          <a:schemeClr val="bg1"/>
-                        </a:solidFill>
-                      </a:endParaRPr>
-                    </a:p>
-                  </a:txBody>
-                  <a:tcPr anchor="ctr">
-                    <a:solidFill>
-                      <a:schemeClr val="tx1">
-                        <a:lumMod val="85000"/>
-                        <a:lumOff val="15000"/>
-                      </a:schemeClr>
-                    </a:solidFill>
-                  </a:tcPr>
-                </a:tc>
-              </a:tr>
-              <a:tr h="1067480">
-                <a:tc>
-                  <a:txBody>
-                    <a:bodyPr/>
-                    <a:p>
-                      <a:pPr algn="ctr">
-                        <a:defRPr/>
-                      </a:pPr>
-                      <mc:AlternateContent xmlns:mc="http://schemas.openxmlformats.org/markup-compatibility/2006" xmlns:m="http://schemas.openxmlformats.org/officeDocument/2006/math">
-                        <mc:Choice xmlns:a14="http://schemas.microsoft.com/office/drawing/2010/main" Requires="a14">
-                          <a14:m>
-                            <m:oMathPara>
-                              <m:oMathParaPr>
-                                <m:jc m:val="center"/>
-                              </m:oMathParaPr>
-                              <m:oMath>
-                                <m:r>
-                                  <m:rPr>
-                                    <m:sty m:val="p"/>
-                                  </m:rPr>
-                                  <a:rPr lang="en-US" sz="2400" u="none" strike="noStrike" cap="none" spc="0">
-                                    <a:solidFill>
-                                      <a:schemeClr val="bg1"/>
-                                    </a:solidFill>
-                                    <a:latin typeface="Cambria Math"/>
-                                    <a:ea typeface="Cambria Math"/>
-                                    <a:cs typeface="Cambria Math"/>
-                                  </a:rPr>
-                                  <m:t>α</m:t>
-                                </m:r>
-                              </m:oMath>
-                            </m:oMathPara>
-                          </a14:m>
-                        </mc:Choice>
-                        <mc:Fallback/>
-                      </mc:AlternateContent>
-                      <a:endParaRPr sz="2400">
-                        <a:solidFill>
-                          <a:schemeClr val="bg1"/>
-                        </a:solidFill>
-                      </a:endParaRPr>
-                    </a:p>
-                  </a:txBody>
-                  <a:tcPr anchor="ctr">
-                    <a:solidFill>
-                      <a:schemeClr val="tx1">
-                        <a:lumMod val="75000"/>
-                        <a:lumOff val="25000"/>
-                      </a:schemeClr>
-                    </a:solidFill>
-                  </a:tcPr>
-                </a:tc>
-                <a:tc>
-                  <a:txBody>
-                    <a:bodyPr/>
-                    <a:p>
-                      <a:pPr algn="ctr">
-                        <a:defRPr/>
-                      </a:pPr>
-                      <a:r>
-                        <a:rPr sz="1800">
-                          <a:solidFill>
-                            <a:schemeClr val="bg1"/>
-                          </a:solidFill>
-                        </a:rPr>
-                        <a:t>Scales the whole loss function</a:t>
-                      </a:r>
-                      <a:endParaRPr sz="1800">
-                        <a:solidFill>
-                          <a:schemeClr val="bg1"/>
-                        </a:solidFill>
-                      </a:endParaRPr>
-                    </a:p>
-                  </a:txBody>
-                  <a:tcPr anchor="ctr">
-                    <a:solidFill>
-                      <a:schemeClr val="tx1">
-                        <a:lumMod val="75000"/>
-                        <a:lumOff val="25000"/>
-                      </a:schemeClr>
-                    </a:solidFill>
-                  </a:tcPr>
-                </a:tc>
-                <a:tc>
-                  <a:txBody>
-                    <a:bodyPr/>
-                    <a:p>
-                      <a:pPr algn="ctr">
-                        <a:defRPr/>
-                      </a:pPr>
-                      <a:r>
-                        <a:rPr lang="en-US" sz="1800" b="0" i="0" u="none" strike="noStrike" cap="none" spc="0">
-                          <a:solidFill>
-                            <a:schemeClr val="bg1"/>
-                          </a:solidFill>
-                          <a:latin typeface="+mn-lt"/>
-                          <a:ea typeface="+mn-ea"/>
-                          <a:cs typeface="+mn-cs"/>
-                        </a:rPr>
-                        <a:t>Controls magnitude of overall loss </a:t>
-                      </a:r>
-                      <a:endParaRPr sz="1800">
-                        <a:solidFill>
-                          <a:schemeClr val="bg1"/>
-                        </a:solidFill>
-                      </a:endParaRPr>
-                    </a:p>
-                  </a:txBody>
-                  <a:tcPr anchor="ctr">
-                    <a:solidFill>
-                      <a:schemeClr val="tx1">
-                        <a:lumMod val="75000"/>
-                        <a:lumOff val="25000"/>
-                      </a:schemeClr>
-                    </a:solidFill>
-                  </a:tcPr>
-                </a:tc>
-              </a:tr>
-              <a:tr h="1168478">
-                <a:tc>
-                  <a:txBody>
-                    <a:bodyPr/>
-                    <a:p>
-                      <a:pPr algn="ctr">
-                        <a:defRPr/>
-                      </a:pPr>
-                      <mc:AlternateContent xmlns:mc="http://schemas.openxmlformats.org/markup-compatibility/2006" xmlns:m="http://schemas.openxmlformats.org/officeDocument/2006/math">
-                        <mc:Choice xmlns:a14="http://schemas.microsoft.com/office/drawing/2010/main" Requires="a14">
-                          <a14:m>
-                            <m:oMathPara>
-                              <m:oMathParaPr>
-                                <m:jc m:val="center"/>
-                              </m:oMathParaPr>
-                              <m:oMath>
-                                <m:r>
-                                  <m:rPr/>
-                                  <a:rPr sz="2400">
-                                    <a:solidFill>
-                                      <a:schemeClr val="bg1"/>
-                                    </a:solidFill>
-                                    <a:latin typeface="Cambria Math"/>
-                                    <a:ea typeface="Cambria Math"/>
-                                    <a:cs typeface="Cambria Math"/>
-                                  </a:rPr>
-                                  <m:t>γ</m:t>
-                                </m:r>
-                              </m:oMath>
-                            </m:oMathPara>
-                          </a14:m>
-                        </mc:Choice>
-                        <mc:Fallback/>
-                      </mc:AlternateContent>
-                      <a:endParaRPr sz="2400">
-                        <a:solidFill>
-                          <a:schemeClr val="bg1"/>
-                        </a:solidFill>
-                      </a:endParaRPr>
-                    </a:p>
-                  </a:txBody>
-                  <a:tcPr anchor="ctr">
-                    <a:solidFill>
-                      <a:schemeClr val="tx1">
-                        <a:lumMod val="85000"/>
-                        <a:lumOff val="15000"/>
-                      </a:schemeClr>
-                    </a:solidFill>
-                  </a:tcPr>
-                </a:tc>
-                <a:tc>
-                  <a:txBody>
-                    <a:bodyPr/>
-                    <a:p>
-                      <a:pPr algn="ctr">
-                        <a:defRPr/>
-                      </a:pPr>
-                      <a:r>
-                        <a:rPr sz="1800">
-                          <a:solidFill>
-                            <a:schemeClr val="bg1"/>
-                          </a:solidFill>
-                        </a:rPr>
-                        <a:t>Reduces the values greater as </a:t>
-                      </a:r>
-                      <mc:AlternateContent xmlns:mc="http://schemas.openxmlformats.org/markup-compatibility/2006" xmlns:m="http://schemas.openxmlformats.org/officeDocument/2006/math">
-                        <mc:Choice xmlns:a14="http://schemas.microsoft.com/office/drawing/2010/main" Requires="a14">
-                          <a14:m>
-                            <m:oMathPara>
-                              <m:oMathParaPr/>
-                              <m:oMath>
-                                <m:r>
-                                  <m:rPr>
-                                    <m:sty m:val="p"/>
-                                  </m:rPr>
-                                  <a:rPr lang="en-US" sz="1800" u="none" strike="noStrike" cap="none" spc="0">
-                                    <a:solidFill>
-                                      <a:schemeClr val="bg1"/>
-                                    </a:solidFill>
-                                    <a:latin typeface="Cambria Math"/>
-                                    <a:ea typeface="Cambria Math"/>
-                                    <a:cs typeface="Cambria Math"/>
-                                  </a:rPr>
-                                  <m:t>x</m:t>
-                                </m:r>
-                                <m:r>
-                                  <m:rPr>
-                                    <m:sty m:val="p"/>
-                                  </m:rPr>
-                                  <a:rPr lang="en-US" sz="1800" u="none" strike="noStrike" cap="none" spc="0">
-                                    <a:solidFill>
-                                      <a:schemeClr val="bg1"/>
-                                    </a:solidFill>
-                                    <a:latin typeface="Cambria Math"/>
-                                    <a:ea typeface="Cambria Math"/>
-                                    <a:cs typeface="Cambria Math"/>
-                                  </a:rPr>
-                                  <m:t>→1</m:t>
-                                </m:r>
-                              </m:oMath>
-                            </m:oMathPara>
-                          </a14:m>
-                        </mc:Choice>
-                        <mc:Fallback/>
-                      </mc:AlternateContent>
-                      <a:endParaRPr sz="1800">
-                        <a:solidFill>
-                          <a:schemeClr val="bg1"/>
-                        </a:solidFill>
-                      </a:endParaRPr>
-                    </a:p>
-                  </a:txBody>
-                  <a:tcPr anchor="ctr">
-                    <a:solidFill>
-                      <a:schemeClr val="tx1">
-                        <a:lumMod val="85000"/>
-                        <a:lumOff val="15000"/>
-                      </a:schemeClr>
-                    </a:solidFill>
-                  </a:tcPr>
-                </a:tc>
-                <a:tc>
-                  <a:txBody>
-                    <a:bodyPr/>
-                    <a:p>
-                      <a:pPr algn="ctr">
-                        <a:defRPr/>
-                      </a:pPr>
-                      <a:r>
-                        <a:rPr lang="en-US" sz="1800" b="0" i="0" u="none" strike="noStrike" cap="none" spc="0">
-                          <a:solidFill>
-                            <a:schemeClr val="bg1"/>
-                          </a:solidFill>
-                          <a:latin typeface="+mn-lt"/>
-                          <a:ea typeface="+mn-ea"/>
-                          <a:cs typeface="+mn-cs"/>
-                        </a:rPr>
-                        <a:t>Controls ratio in loss contribution for easy and hard examples</a:t>
-                      </a:r>
-                      <a:endParaRPr sz="1800">
-                        <a:solidFill>
-                          <a:schemeClr val="bg1"/>
-                        </a:solidFill>
-                      </a:endParaRPr>
-                    </a:p>
-                  </a:txBody>
-                  <a:tcPr anchor="ctr">
-                    <a:solidFill>
-                      <a:schemeClr val="tx1">
-                        <a:lumMod val="85000"/>
-                        <a:lumOff val="15000"/>
-                      </a:schemeClr>
-                    </a:solidFill>
-                  </a:tcPr>
-                </a:tc>
-              </a:tr>
-            </a:tbl>
-          </a:graphicData>
-        </a:graphic>
-      </p:graphicFrame>
-      <p:sp>
-        <p:nvSpPr>
-          <p:cNvPr id="1869163929" name=""/>
-          <p:cNvSpPr txBox="1"/>
-          <p:nvPr/>
-        </p:nvSpPr>
-        <p:spPr bwMode="auto">
-          <a:xfrm flipH="0" flipV="0">
-            <a:off x="4910798" y="5116005"/>
-            <a:ext cx="3068209" cy="366119"/>
-          </a:xfrm>
-          <a:prstGeom prst="rect">
-            <a:avLst/>
-          </a:prstGeom>
-          <a:noFill/>
-        </p:spPr>
-        <p:txBody>
-          <a:bodyPr vertOverflow="overflow" horzOverflow="overflow" vert="horz" wrap="none" lIns="91440" tIns="45720" rIns="91440" bIns="45720" numCol="1" spcCol="0" rtlCol="0" fromWordArt="0" anchor="t" anchorCtr="0" forceAA="0" upright="0" compatLnSpc="0">
-            <a:spAutoFit/>
-          </a:bodyPr>
-          <a:p>
-            <a:pPr>
-              <a:defRPr/>
-            </a:pPr>
-            <a:r>
-              <a:rPr>
-                <a:solidFill>
-                  <a:schemeClr val="bg1"/>
-                </a:solidFill>
-              </a:rPr>
-              <a:t>Based on experiments, ideal</a:t>
-            </a:r>
-            <a:endParaRPr>
-              <a:solidFill>
-                <a:schemeClr val="bg1"/>
-              </a:solidFill>
-            </a:endParaRPr>
-          </a:p>
-        </p:txBody>
-      </p:sp>
-    </p:spTree>
-  </p:cSld>
-  <p:clrMapOvr>
-    <a:masterClrMapping/>
-  </p:clrMapOvr>
-  <mc:AlternateContent xmlns:mc="http://schemas.openxmlformats.org/markup-compatibility/2006">
-    <mc:Choice xmlns:p159="http://schemas.microsoft.com/office/powerpoint/2015/09/main" xmlns:p14="http://schemas.microsoft.com/office/powerpoint/2010/main" Requires="p159">
-      <p:transition p14:dur="2000" advClick="1"/>
-    </mc:Choice>
-    <mc:Fallback>
-      <p:transition advClick="1"/>
-    </mc:Fallback>
-  </mc:AlternateContent>
-</p:sld>
-</file>
-
-<file path=ppt/slides/slide6.xml><?xml version="1.0" encoding="utf-8"?>
-<p:sld xmlns:a="http://schemas.openxmlformats.org/drawingml/2006/main" xmlns:r="http://schemas.openxmlformats.org/officeDocument/2006/relationships" xmlns:p="http://schemas.openxmlformats.org/presentationml/2006/main" xmlns:m="http://schemas.openxmlformats.org/officeDocument/2006/math" xmlns:w="http://schemas.openxmlformats.org/wordprocessingml/2006/main" xmlns:mc="http://schemas.openxmlformats.org/markup-compatibility/2006" showMasterPhAnim="0" showMasterSp="1" show="1">
-  <p:cSld name="">
-    <p:spTree>
-      <p:nvGrpSpPr>
-        <p:cNvPr id="1" name=""/>
-        <p:cNvGrpSpPr/>
-        <p:nvPr/>
-      </p:nvGrpSpPr>
-      <p:grpSpPr bwMode="auto">
-        <a:xfrm>
-          <a:off x="0" y="0"/>
-          <a:ext cx="0" cy="0"/>
-          <a:chOff x="0" y="0"/>
-          <a:chExt cx="0" cy="0"/>
-        </a:xfrm>
-      </p:grpSpPr>
-      <p:sp>
-        <p:nvSpPr>
-          <p:cNvPr id="71295484" name="Title 1"/>
-          <p:cNvSpPr>
-            <a:spLocks noGrp="1"/>
-          </p:cNvSpPr>
-          <p:nvPr>
-            <p:ph type="title"/>
-          </p:nvPr>
-        </p:nvSpPr>
-        <p:spPr bwMode="auto"/>
-        <p:txBody>
-          <a:bodyPr/>
-          <a:lstStyle/>
-          <a:p>
-            <a:pPr>
-              <a:defRPr/>
-            </a:pPr>
-            <a:r>
-              <a:rPr>
-                <a:solidFill>
-                  <a:schemeClr val="bg1"/>
-                </a:solidFill>
-              </a:rPr>
-              <a:t>Implementation</a:t>
-            </a:r>
-            <a:endParaRPr>
-              <a:solidFill>
-                <a:schemeClr val="bg1"/>
-              </a:solidFill>
-            </a:endParaRPr>
-          </a:p>
-        </p:txBody>
-      </p:sp>
-      <p:pic>
-        <p:nvPicPr>
-          <p:cNvPr id="1433161701" name=""/>
-          <p:cNvPicPr>
-            <a:picLocks noChangeAspect="1"/>
-          </p:cNvPicPr>
-          <p:nvPr/>
-        </p:nvPicPr>
-        <p:blipFill>
-          <a:blip r:embed="rId3"/>
-          <a:stretch/>
-        </p:blipFill>
-        <p:spPr bwMode="auto">
-          <a:xfrm flipH="0" flipV="0">
-            <a:off x="1304556" y="1954097"/>
-            <a:ext cx="9582885" cy="3982333"/>
-          </a:xfrm>
-          <a:prstGeom prst="rect">
-            <a:avLst/>
-          </a:prstGeom>
-        </p:spPr>
-      </p:pic>
-    </p:spTree>
-  </p:cSld>
-  <p:clrMapOvr>
-    <a:masterClrMapping/>
-  </p:clrMapOvr>
-  <mc:AlternateContent xmlns:mc="http://schemas.openxmlformats.org/markup-compatibility/2006">
-    <mc:Choice xmlns:p159="http://schemas.microsoft.com/office/powerpoint/2015/09/main" xmlns:p14="http://schemas.microsoft.com/office/powerpoint/2010/main" Requires="p159">
-      <p:transition p14:dur="2000" advClick="1"/>
-    </mc:Choice>
-    <mc:Fallback>
-      <p:transition advClick="1"/>
-    </mc:Fallback>
-  </mc:AlternateContent>
-</p:sld>
-</file>
-
-<file path=ppt/slides/slide7.xml><?xml version="1.0" encoding="utf-8"?>
-<p:sld xmlns:a="http://schemas.openxmlformats.org/drawingml/2006/main" xmlns:r="http://schemas.openxmlformats.org/officeDocument/2006/relationships" xmlns:p="http://schemas.openxmlformats.org/presentationml/2006/main" xmlns:m="http://schemas.openxmlformats.org/officeDocument/2006/math" xmlns:w="http://schemas.openxmlformats.org/wordprocessingml/2006/main" xmlns:mc="http://schemas.openxmlformats.org/markup-compatibility/2006" showMasterPhAnim="0" showMasterSp="1" show="1">
-  <p:cSld name="">
-    <p:spTree>
-      <p:nvGrpSpPr>
-        <p:cNvPr id="1" name=""/>
-        <p:cNvGrpSpPr/>
-        <p:nvPr/>
-      </p:nvGrpSpPr>
-      <p:grpSpPr bwMode="auto">
-        <a:xfrm>
-          <a:off x="0" y="0"/>
-          <a:ext cx="0" cy="0"/>
-          <a:chOff x="0" y="0"/>
-          <a:chExt cx="0" cy="0"/>
-        </a:xfrm>
-      </p:grpSpPr>
-      <p:sp>
-        <p:nvSpPr>
-          <p:cNvPr id="1129332321" name="Title 1"/>
-          <p:cNvSpPr>
-            <a:spLocks noGrp="1"/>
-          </p:cNvSpPr>
-          <p:nvPr>
-            <p:ph type="title"/>
-          </p:nvPr>
-        </p:nvSpPr>
-        <p:spPr bwMode="auto"/>
-        <p:txBody>
-          <a:bodyPr/>
-          <a:lstStyle/>
-          <a:p>
-            <a:pPr>
-              <a:defRPr/>
-            </a:pPr>
-            <a:r>
-              <a:rPr>
-                <a:solidFill>
-                  <a:schemeClr val="bg1"/>
-                </a:solidFill>
-              </a:rPr>
-              <a:t>RetinaNet</a:t>
-            </a:r>
-            <a:endParaRPr>
-              <a:solidFill>
-                <a:schemeClr val="bg1"/>
-              </a:solidFill>
-            </a:endParaRPr>
-          </a:p>
-        </p:txBody>
-      </p:sp>
-      <p:sp>
-        <p:nvSpPr>
-          <p:cNvPr id="476771292" name="Content Placeholder 2"/>
-          <p:cNvSpPr>
-            <a:spLocks noGrp="1"/>
-          </p:cNvSpPr>
-          <p:nvPr>
-            <p:ph idx="1"/>
-          </p:nvPr>
-        </p:nvSpPr>
-        <p:spPr bwMode="auto"/>
-        <p:txBody>
-          <a:bodyPr/>
-          <a:lstStyle/>
-          <a:p>
-            <a:pPr>
-              <a:defRPr/>
-            </a:pPr>
-            <a:r>
-              <a:rPr>
-                <a:solidFill>
-                  <a:schemeClr val="bg1"/>
-                </a:solidFill>
-              </a:rPr>
-              <a:t>Based on Feature Pyramid Network</a:t>
-            </a:r>
-            <a:endParaRPr>
-              <a:solidFill>
-                <a:schemeClr val="bg1"/>
-              </a:solidFill>
-            </a:endParaRPr>
-          </a:p>
-        </p:txBody>
-      </p:sp>
-      <p:pic>
-        <p:nvPicPr>
-          <p:cNvPr id="998629677" name=""/>
-          <p:cNvPicPr>
-            <a:picLocks noChangeAspect="1"/>
-          </p:cNvPicPr>
-          <p:nvPr/>
-        </p:nvPicPr>
-        <p:blipFill>
-          <a:blip r:embed="rId3"/>
-          <a:stretch/>
-        </p:blipFill>
-        <p:spPr bwMode="auto">
-          <a:xfrm flipH="0" flipV="0">
-            <a:off x="7011185" y="1747886"/>
-            <a:ext cx="4728069" cy="2808401"/>
-          </a:xfrm>
-          <a:prstGeom prst="rect">
-            <a:avLst/>
-          </a:prstGeom>
-        </p:spPr>
-      </p:pic>
-    </p:spTree>
-  </p:cSld>
-  <p:clrMapOvr>
-    <a:masterClrMapping/>
-  </p:clrMapOvr>
-  <mc:AlternateContent xmlns:mc="http://schemas.openxmlformats.org/markup-compatibility/2006">
-    <mc:Choice xmlns:p159="http://schemas.microsoft.com/office/powerpoint/2015/09/main" xmlns:p14="http://schemas.microsoft.com/office/powerpoint/2010/main" Requires="p159">
-      <p:transition p14:dur="2000" advClick="1"/>
-    </mc:Choice>
-    <mc:Fallback>
-      <p:transition advClick="1"/>
-    </mc:Fallback>
-  </mc:AlternateContent>
-</p:sld>
-</file>
-
-<file path=ppt/slides/slide8.xml><?xml version="1.0" encoding="utf-8"?>
 <p:sld xmlns:a="http://schemas.openxmlformats.org/drawingml/2006/main" xmlns:r="http://schemas.openxmlformats.org/officeDocument/2006/relationships" xmlns:p="http://schemas.openxmlformats.org/presentationml/2006/main" xmlns:m="http://schemas.openxmlformats.org/officeDocument/2006/math" xmlns:w="http://schemas.openxmlformats.org/wordprocessingml/2006/main" xmlns:mc="http://schemas.openxmlformats.org/markup-compatibility/2006" showMasterPhAnim="0" showMasterSp="1" show="0">
   <p:cSld name="">
     <p:spTree>
@@ -10566,7 +6103,7 @@
 </p:sld>
 </file>
 
-<file path=ppt/slides/slide9.xml><?xml version="1.0" encoding="utf-8"?>
+<file path=ppt/slides/slide11.xml><?xml version="1.0" encoding="utf-8"?>
 <p:sld xmlns:a="http://schemas.openxmlformats.org/drawingml/2006/main" xmlns:r="http://schemas.openxmlformats.org/officeDocument/2006/relationships" xmlns:p="http://schemas.openxmlformats.org/presentationml/2006/main" xmlns:m="http://schemas.openxmlformats.org/officeDocument/2006/math" xmlns:w="http://schemas.openxmlformats.org/wordprocessingml/2006/main" xmlns:mc="http://schemas.openxmlformats.org/markup-compatibility/2006" showMasterPhAnim="0" showMasterSp="1" show="1">
   <p:cSld name="">
     <p:spTree>
@@ -10635,14 +6172,5033 @@
             <a:pPr>
               <a:defRPr/>
             </a:pPr>
+            <a:r>
+              <a:rPr>
+                <a:solidFill>
+                  <a:schemeClr val="bg1"/>
+                </a:solidFill>
+              </a:rPr>
+              <a:t>Hyperparameters are tested to find optimal value</a:t>
+            </a:r>
             <a:endParaRPr>
               <a:solidFill>
                 <a:schemeClr val="bg1"/>
               </a:solidFill>
             </a:endParaRPr>
           </a:p>
-        </p:txBody>
-      </p:sp>
+          <a:p>
+            <a:pPr lvl="1">
+              <a:defRPr/>
+            </a:pPr>
+            <mc:AlternateContent xmlns:mc="http://schemas.openxmlformats.org/markup-compatibility/2006" xmlns:m="http://schemas.openxmlformats.org/officeDocument/2006/math">
+              <mc:Choice xmlns:a14="http://schemas.microsoft.com/office/drawing/2010/main" Requires="a14">
+                <a14:m>
+                  <m:oMathPara>
+                    <m:oMathParaPr/>
+                    <m:oMath>
+                      <m:r>
+                        <m:rPr>
+                          <m:sty m:val="p"/>
+                        </m:rPr>
+                        <a:rPr lang="en-US" sz="2400" u="none" strike="noStrike" cap="none" spc="0">
+                          <a:solidFill>
+                            <a:schemeClr val="bg1"/>
+                          </a:solidFill>
+                          <a:latin typeface="Cambria Math"/>
+                          <a:ea typeface="Cambria Math"/>
+                          <a:cs typeface="Cambria Math"/>
+                        </a:rPr>
+                        <m:t>α=0.75</m:t>
+                      </m:r>
+                    </m:oMath>
+                  </m:oMathPara>
+                </a14:m>
+              </mc:Choice>
+              <mc:Fallback/>
+            </mc:AlternateContent>
+            <a:endParaRPr>
+              <a:solidFill>
+                <a:schemeClr val="bg1"/>
+              </a:solidFill>
+            </a:endParaRPr>
+          </a:p>
+          <a:p>
+            <a:pPr lvl="1">
+              <a:defRPr/>
+            </a:pPr>
+            <mc:AlternateContent xmlns:mc="http://schemas.openxmlformats.org/markup-compatibility/2006" xmlns:m="http://schemas.openxmlformats.org/officeDocument/2006/math">
+              <mc:Choice xmlns:a14="http://schemas.microsoft.com/office/drawing/2010/main" Requires="a14">
+                <a14:m>
+                  <m:oMathPara>
+                    <m:oMathParaPr/>
+                    <m:oMath>
+                      <m:r>
+                        <m:rPr/>
+                        <a:rPr>
+                          <a:solidFill>
+                            <a:schemeClr val="bg1"/>
+                          </a:solidFill>
+                          <a:latin typeface="Cambria Math"/>
+                          <a:ea typeface="Cambria Math"/>
+                          <a:cs typeface="Cambria Math"/>
+                        </a:rPr>
+                        <m:t>γ=2</m:t>
+                      </m:r>
+                    </m:oMath>
+                  </m:oMathPara>
+                </a14:m>
+              </mc:Choice>
+              <mc:Fallback/>
+            </mc:AlternateContent>
+            <a:endParaRPr>
+              <a:solidFill>
+                <a:schemeClr val="bg1"/>
+              </a:solidFill>
+            </a:endParaRPr>
+          </a:p>
+        </p:txBody>
+      </p:sp>
+    </p:spTree>
+  </p:cSld>
+  <p:clrMapOvr>
+    <a:masterClrMapping/>
+  </p:clrMapOvr>
+  <mc:AlternateContent xmlns:mc="http://schemas.openxmlformats.org/markup-compatibility/2006">
+    <mc:Choice xmlns:p159="http://schemas.microsoft.com/office/powerpoint/2015/09/main" xmlns:p14="http://schemas.microsoft.com/office/powerpoint/2010/main" Requires="p159">
+      <p:transition p14:dur="2000" advClick="1"/>
+    </mc:Choice>
+    <mc:Fallback>
+      <p:transition advClick="1"/>
+    </mc:Fallback>
+  </mc:AlternateContent>
+</p:sld>
+</file>
+
+<file path=ppt/slides/slide12.xml><?xml version="1.0" encoding="utf-8"?>
+<p:sld xmlns:a="http://schemas.openxmlformats.org/drawingml/2006/main" xmlns:r="http://schemas.openxmlformats.org/officeDocument/2006/relationships" xmlns:p="http://schemas.openxmlformats.org/presentationml/2006/main" xmlns:m="http://schemas.openxmlformats.org/officeDocument/2006/math" xmlns:w="http://schemas.openxmlformats.org/wordprocessingml/2006/main" xmlns:mc="http://schemas.openxmlformats.org/markup-compatibility/2006" showMasterPhAnim="0" showMasterSp="1" show="1">
+  <p:cSld name="">
+    <p:spTree>
+      <p:nvGrpSpPr>
+        <p:cNvPr id="1" name=""/>
+        <p:cNvGrpSpPr/>
+        <p:nvPr/>
+      </p:nvGrpSpPr>
+      <p:grpSpPr bwMode="auto">
+        <a:xfrm>
+          <a:off x="0" y="0"/>
+          <a:ext cx="0" cy="0"/>
+          <a:chOff x="0" y="0"/>
+          <a:chExt cx="0" cy="0"/>
+        </a:xfrm>
+      </p:grpSpPr>
+      <p:sp>
+        <p:nvSpPr>
+          <p:cNvPr id="21611707" name="Title 1"/>
+          <p:cNvSpPr>
+            <a:spLocks noGrp="1"/>
+          </p:cNvSpPr>
+          <p:nvPr>
+            <p:ph type="title"/>
+          </p:nvPr>
+        </p:nvSpPr>
+        <p:spPr bwMode="auto"/>
+        <p:txBody>
+          <a:bodyPr/>
+          <a:lstStyle/>
+          <a:p>
+            <a:pPr>
+              <a:defRPr/>
+            </a:pPr>
+            <a:r>
+              <a:rPr>
+                <a:solidFill>
+                  <a:schemeClr val="bg1"/>
+                </a:solidFill>
+              </a:rPr>
+              <a:t>Applications</a:t>
+            </a:r>
+            <a:endParaRPr>
+              <a:solidFill>
+                <a:schemeClr val="bg1"/>
+              </a:solidFill>
+            </a:endParaRPr>
+          </a:p>
+        </p:txBody>
+      </p:sp>
+      <p:sp>
+        <p:nvSpPr>
+          <p:cNvPr id="495684237" name="Content Placeholder 2"/>
+          <p:cNvSpPr>
+            <a:spLocks noGrp="1"/>
+          </p:cNvSpPr>
+          <p:nvPr>
+            <p:ph idx="1"/>
+          </p:nvPr>
+        </p:nvSpPr>
+        <p:spPr bwMode="auto"/>
+        <p:txBody>
+          <a:bodyPr/>
+          <a:lstStyle/>
+          <a:p>
+            <a:pPr lvl="1">
+              <a:defRPr/>
+            </a:pPr>
+            <a:r>
+              <a:rPr>
+                <a:solidFill>
+                  <a:schemeClr val="bg1"/>
+                </a:solidFill>
+              </a:rPr>
+              <a:t>YOLOv8 – Distributed focal loss</a:t>
+            </a:r>
+            <a:endParaRPr>
+              <a:solidFill>
+                <a:schemeClr val="bg1"/>
+              </a:solidFill>
+            </a:endParaRPr>
+          </a:p>
+          <a:p>
+            <a:pPr lvl="2">
+              <a:defRPr/>
+            </a:pPr>
+            <a:endParaRPr>
+              <a:solidFill>
+                <a:schemeClr val="bg1"/>
+              </a:solidFill>
+            </a:endParaRPr>
+          </a:p>
+        </p:txBody>
+      </p:sp>
+      <p:pic>
+        <p:nvPicPr>
+          <p:cNvPr id="99415602" name=""/>
+          <p:cNvPicPr>
+            <a:picLocks noChangeAspect="1"/>
+          </p:cNvPicPr>
+          <p:nvPr/>
+        </p:nvPicPr>
+        <p:blipFill>
+          <a:blip r:embed="rId3"/>
+          <a:stretch/>
+        </p:blipFill>
+        <p:spPr bwMode="auto">
+          <a:xfrm>
+            <a:off x="1561314" y="2239307"/>
+            <a:ext cx="7915275" cy="2124074"/>
+          </a:xfrm>
+          <a:prstGeom prst="rect">
+            <a:avLst/>
+          </a:prstGeom>
+        </p:spPr>
+      </p:pic>
+    </p:spTree>
+  </p:cSld>
+  <p:clrMapOvr>
+    <a:masterClrMapping/>
+  </p:clrMapOvr>
+  <mc:AlternateContent xmlns:mc="http://schemas.openxmlformats.org/markup-compatibility/2006">
+    <mc:Choice xmlns:p159="http://schemas.microsoft.com/office/powerpoint/2015/09/main" xmlns:p14="http://schemas.microsoft.com/office/powerpoint/2010/main" Requires="p159">
+      <p:transition p14:dur="2000" advClick="1"/>
+    </mc:Choice>
+    <mc:Fallback>
+      <p:transition advClick="1"/>
+    </mc:Fallback>
+  </mc:AlternateContent>
+</p:sld>
+</file>
+
+<file path=ppt/slides/slide13.xml><?xml version="1.0" encoding="utf-8"?>
+<p:sld xmlns:a="http://schemas.openxmlformats.org/drawingml/2006/main" xmlns:r="http://schemas.openxmlformats.org/officeDocument/2006/relationships" xmlns:p="http://schemas.openxmlformats.org/presentationml/2006/main" xmlns:m="http://schemas.openxmlformats.org/officeDocument/2006/math" xmlns:w="http://schemas.openxmlformats.org/wordprocessingml/2006/main" xmlns:mc="http://schemas.openxmlformats.org/markup-compatibility/2006" showMasterPhAnim="0" showMasterSp="1" show="0">
+  <p:cSld name="">
+    <p:spTree>
+      <p:nvGrpSpPr>
+        <p:cNvPr id="1" name=""/>
+        <p:cNvGrpSpPr/>
+        <p:nvPr/>
+      </p:nvGrpSpPr>
+      <p:grpSpPr bwMode="auto">
+        <a:xfrm>
+          <a:off x="0" y="0"/>
+          <a:ext cx="0" cy="0"/>
+          <a:chOff x="0" y="0"/>
+          <a:chExt cx="0" cy="0"/>
+        </a:xfrm>
+      </p:grpSpPr>
+      <p:sp>
+        <p:nvSpPr>
+          <p:cNvPr id="1822304223" name="Title 1"/>
+          <p:cNvSpPr>
+            <a:spLocks noGrp="1"/>
+          </p:cNvSpPr>
+          <p:nvPr>
+            <p:ph type="title"/>
+          </p:nvPr>
+        </p:nvSpPr>
+        <p:spPr bwMode="auto"/>
+        <p:txBody>
+          <a:bodyPr/>
+          <a:lstStyle/>
+          <a:p>
+            <a:pPr>
+              <a:defRPr/>
+            </a:pPr>
+            <a:r>
+              <a:rPr>
+                <a:solidFill>
+                  <a:schemeClr val="bg1"/>
+                </a:solidFill>
+              </a:rPr>
+              <a:t>Traditional loss for localization tasks</a:t>
+            </a:r>
+            <a:endParaRPr>
+              <a:solidFill>
+                <a:schemeClr val="bg1"/>
+              </a:solidFill>
+            </a:endParaRPr>
+          </a:p>
+        </p:txBody>
+      </p:sp>
+      <p:sp>
+        <p:nvSpPr>
+          <p:cNvPr id="845666311" name="Content Placeholder 2"/>
+          <p:cNvSpPr>
+            <a:spLocks noGrp="1"/>
+          </p:cNvSpPr>
+          <p:nvPr>
+            <p:ph idx="1"/>
+          </p:nvPr>
+        </p:nvSpPr>
+        <p:spPr bwMode="auto"/>
+        <p:txBody>
+          <a:bodyPr/>
+          <a:lstStyle/>
+          <a:p>
+            <a:pPr>
+              <a:defRPr/>
+            </a:pPr>
+            <mc:AlternateContent xmlns:mc="http://schemas.openxmlformats.org/markup-compatibility/2006" xmlns:m="http://schemas.openxmlformats.org/officeDocument/2006/math">
+              <mc:Choice xmlns:a14="http://schemas.microsoft.com/office/drawing/2010/main" Requires="a14">
+                <a14:m>
+                  <m:oMathPara>
+                    <m:oMathParaPr/>
+                    <m:oMath>
+                      <m:sSub>
+                        <m:sSubPr>
+                          <m:ctrlPr>
+                            <a:rPr lang="en-US" sz="2800" b="0" i="1" u="none" strike="noStrike" cap="none" spc="0">
+                              <a:solidFill>
+                                <a:schemeClr val="bg1"/>
+                              </a:solidFill>
+                              <a:latin typeface="Cambria Math"/>
+                              <a:ea typeface="Cambria Math"/>
+                              <a:cs typeface="Cambria Math"/>
+                            </a:rPr>
+                          </m:ctrlPr>
+                        </m:sSubPr>
+                        <m:e>
+                          <m:r>
+                            <m:rPr>
+                              <m:sty m:val="i"/>
+                            </m:rPr>
+                            <a:rPr lang="en-US" sz="2800" u="none" strike="noStrike" cap="none" spc="0">
+                              <a:solidFill>
+                                <a:schemeClr val="bg1"/>
+                              </a:solidFill>
+                              <a:latin typeface="Cambria Math"/>
+                              <a:ea typeface="Cambria Math"/>
+                              <a:cs typeface="Cambria Math"/>
+                            </a:rPr>
+                            <m:t>L</m:t>
+                          </m:r>
+                        </m:e>
+                        <m:sub>
+                          <m:r>
+                            <m:rPr>
+                              <m:sty m:val="i"/>
+                            </m:rPr>
+                            <a:rPr lang="en-US" sz="2800" u="none" strike="noStrike" cap="none" spc="0">
+                              <a:solidFill>
+                                <a:schemeClr val="bg1"/>
+                              </a:solidFill>
+                              <a:latin typeface="Cambria Math"/>
+                              <a:ea typeface="Cambria Math"/>
+                              <a:cs typeface="Cambria Math"/>
+                            </a:rPr>
+                            <m:t>loc</m:t>
+                          </m:r>
+                        </m:sub>
+                      </m:sSub>
+                      <m:r>
+                        <m:rPr>
+                          <m:sty m:val="p"/>
+                        </m:rPr>
+                        <a:rPr lang="en-US" sz="2800" u="none" strike="noStrike" cap="none" spc="0">
+                          <a:solidFill>
+                            <a:schemeClr val="bg1"/>
+                          </a:solidFill>
+                          <a:latin typeface="Cambria Math"/>
+                          <a:ea typeface="Cambria Math"/>
+                          <a:cs typeface="Cambria Math"/>
+                        </a:rPr>
+                        <m:t> = </m:t>
+                      </m:r>
+                      <m:nary>
+                        <m:naryPr>
+                          <m:chr m:val="∑"/>
+                          <m:grow m:val="off"/>
+                          <m:limLoc m:val="undOvr"/>
+                          <m:supHide m:val="on"/>
+                          <m:ctrlPr>
+                            <a:rPr lang="en-US" sz="2800" b="0" i="1" u="none" strike="noStrike" cap="none" spc="0">
+                              <a:solidFill>
+                                <a:schemeClr val="bg1"/>
+                              </a:solidFill>
+                              <a:latin typeface="Cambria Math"/>
+                              <a:ea typeface="Cambria Math"/>
+                              <a:cs typeface="Cambria Math"/>
+                            </a:rPr>
+                          </m:ctrlPr>
+                        </m:naryPr>
+                        <m:sub>
+                          <m:r>
+                            <m:rPr>
+                              <m:sty m:val="i"/>
+                            </m:rPr>
+                            <a:rPr lang="en-US" sz="2800" u="none" strike="noStrike" cap="none" spc="0">
+                              <a:solidFill>
+                                <a:schemeClr val="bg1"/>
+                              </a:solidFill>
+                              <a:latin typeface="Cambria Math"/>
+                              <a:ea typeface="Cambria Math"/>
+                              <a:cs typeface="Cambria Math"/>
+                            </a:rPr>
+                            <m:t>i</m:t>
+                          </m:r>
+                        </m:sub>
+                        <m:sup/>
+                        <m:e>
+                          <m:r>
+                            <m:rPr>
+                              <m:sty m:val="i"/>
+                            </m:rPr>
+                            <a:rPr lang="en-US" sz="2800" u="none" strike="noStrike" cap="none" spc="0">
+                              <a:solidFill>
+                                <a:schemeClr val="bg1"/>
+                              </a:solidFill>
+                              <a:latin typeface="Cambria Math"/>
+                              <a:ea typeface="Cambria Math"/>
+                              <a:cs typeface="Cambria Math"/>
+                            </a:rPr>
+                            <m:t>SL(</m:t>
+                          </m:r>
+                          <m:sSub>
+                            <m:sSubPr>
+                              <m:ctrlPr>
+                                <a:rPr lang="en-US" sz="2800" b="0" i="1" u="none" strike="noStrike" cap="none" spc="0">
+                                  <a:solidFill>
+                                    <a:schemeClr val="bg1"/>
+                                  </a:solidFill>
+                                  <a:latin typeface="Cambria Math"/>
+                                  <a:ea typeface="Cambria Math"/>
+                                  <a:cs typeface="Cambria Math"/>
+                                </a:rPr>
+                              </m:ctrlPr>
+                            </m:sSubPr>
+                            <m:e>
+                              <m:r>
+                                <m:rPr>
+                                  <m:sty m:val="i"/>
+                                </m:rPr>
+                                <a:rPr lang="en-US" sz="2800" u="none" strike="noStrike" cap="none" spc="0">
+                                  <a:solidFill>
+                                    <a:schemeClr val="bg1"/>
+                                  </a:solidFill>
+                                  <a:latin typeface="Cambria Math"/>
+                                  <a:ea typeface="Cambria Math"/>
+                                  <a:cs typeface="Cambria Math"/>
+                                </a:rPr>
+                                <m:t>y</m:t>
+                              </m:r>
+                            </m:e>
+                            <m:sub>
+                              <m:r>
+                                <m:rPr>
+                                  <m:sty m:val="i"/>
+                                </m:rPr>
+                                <a:rPr lang="en-US" sz="2800" u="none" strike="noStrike" cap="none" spc="0">
+                                  <a:solidFill>
+                                    <a:schemeClr val="bg1"/>
+                                  </a:solidFill>
+                                  <a:latin typeface="Cambria Math"/>
+                                  <a:ea typeface="Cambria Math"/>
+                                  <a:cs typeface="Cambria Math"/>
+                                </a:rPr>
+                                <m:t>i</m:t>
+                              </m:r>
+                            </m:sub>
+                          </m:sSub>
+                          <m:r>
+                            <m:rPr>
+                              <m:sty m:val="i"/>
+                            </m:rPr>
+                            <a:rPr lang="en-US" sz="2800" u="none" strike="noStrike" cap="none" spc="0">
+                              <a:solidFill>
+                                <a:schemeClr val="bg1"/>
+                              </a:solidFill>
+                              <a:latin typeface="Cambria Math"/>
+                              <a:ea typeface="Cambria Math"/>
+                              <a:cs typeface="Cambria Math"/>
+                            </a:rPr>
+                            <m:t>-</m:t>
+                          </m:r>
+                          <m:sSub>
+                            <m:sSubPr>
+                              <m:ctrlPr>
+                                <a:rPr lang="en-US" sz="2800" b="0" i="1" u="none" strike="noStrike" cap="none" spc="0">
+                                  <a:solidFill>
+                                    <a:schemeClr val="bg1"/>
+                                  </a:solidFill>
+                                  <a:latin typeface="Cambria Math"/>
+                                  <a:ea typeface="Cambria Math"/>
+                                  <a:cs typeface="Cambria Math"/>
+                                </a:rPr>
+                              </m:ctrlPr>
+                            </m:sSubPr>
+                            <m:e>
+                              <m:acc>
+                                <m:accPr>
+                                  <m:ctrlPr>
+                                    <a:rPr lang="en-US" sz="2800" i="1" u="none" strike="noStrike" cap="none" spc="0">
+                                      <a:solidFill>
+                                        <a:schemeClr val="bg1"/>
+                                      </a:solidFill>
+                                      <a:latin typeface="Cambria Math"/>
+                                      <a:ea typeface="Cambria Math"/>
+                                      <a:cs typeface="Cambria Math"/>
+                                    </a:rPr>
+                                  </m:ctrlPr>
+                                </m:accPr>
+                                <m:e>
+                                  <m:r>
+                                    <m:rPr>
+                                      <m:sty m:val="i"/>
+                                    </m:rPr>
+                                    <a:rPr lang="en-US" sz="2800" u="none" strike="noStrike" cap="none" spc="0">
+                                      <a:solidFill>
+                                        <a:schemeClr val="bg1"/>
+                                      </a:solidFill>
+                                      <a:latin typeface="Cambria Math"/>
+                                      <a:ea typeface="Cambria Math"/>
+                                      <a:cs typeface="Cambria Math"/>
+                                    </a:rPr>
+                                    <m:t>y</m:t>
+                                  </m:r>
+                                </m:e>
+                              </m:acc>
+                            </m:e>
+                            <m:sub>
+                              <m:r>
+                                <m:rPr>
+                                  <m:sty m:val="i"/>
+                                </m:rPr>
+                                <a:rPr lang="en-US" sz="2800" u="none" strike="noStrike" cap="none" spc="0">
+                                  <a:solidFill>
+                                    <a:schemeClr val="bg1"/>
+                                  </a:solidFill>
+                                  <a:latin typeface="Cambria Math"/>
+                                  <a:ea typeface="Cambria Math"/>
+                                  <a:cs typeface="Cambria Math"/>
+                                </a:rPr>
+                                <m:t>i</m:t>
+                              </m:r>
+                            </m:sub>
+                          </m:sSub>
+                          <m:r>
+                            <m:rPr>
+                              <m:sty m:val="i"/>
+                            </m:rPr>
+                            <a:rPr lang="en-US" sz="2800" u="none" strike="noStrike" cap="none" spc="0">
+                              <a:solidFill>
+                                <a:schemeClr val="bg1"/>
+                              </a:solidFill>
+                              <a:latin typeface="Cambria Math"/>
+                              <a:ea typeface="Cambria Math"/>
+                              <a:cs typeface="Cambria Math"/>
+                            </a:rPr>
+                            <m:t>)</m:t>
+                          </m:r>
+                        </m:e>
+                      </m:nary>
+                    </m:oMath>
+                  </m:oMathPara>
+                </a14:m>
+              </mc:Choice>
+              <mc:Fallback/>
+            </mc:AlternateContent>
+            <a:endParaRPr>
+              <a:solidFill>
+                <a:schemeClr val="bg1"/>
+              </a:solidFill>
+            </a:endParaRPr>
+          </a:p>
+        </p:txBody>
+      </p:sp>
+      <p:sp>
+        <p:nvSpPr>
+          <p:cNvPr id="492154186" name=""/>
+          <p:cNvSpPr/>
+          <p:nvPr/>
+        </p:nvSpPr>
+        <p:spPr bwMode="auto">
+          <a:xfrm flipH="0" flipV="0">
+            <a:off x="2764350" y="2560563"/>
+            <a:ext cx="6680937" cy="1736873"/>
+          </a:xfrm>
+          <a:prstGeom prst="rect">
+            <a:avLst/>
+          </a:prstGeom>
+          <a:noFill/>
+          <a:ln>
+            <a:noFill/>
+          </a:ln>
+        </p:spPr>
+        <p:txBody>
+          <a:bodyPr rot="0" spcFirstLastPara="0" vertOverflow="overflow" horzOverflow="overflow" vert="horz" wrap="square" lIns="91440" tIns="45720" rIns="91440" bIns="45720" numCol="1" spcCol="0" rtlCol="0" fromWordArt="0" anchor="t" anchorCtr="0" forceAA="0" upright="0" compatLnSpc="1">
+            <a:prstTxWarp prst="textNoShape"/>
+            <a:spAutoFit/>
+          </a:bodyPr>
+          <a:p>
+            <a:pPr algn="ctr">
+              <a:defRPr/>
+            </a:pPr>
+            <mc:AlternateContent xmlns:mc="http://schemas.openxmlformats.org/markup-compatibility/2006" xmlns:m="http://schemas.openxmlformats.org/officeDocument/2006/math">
+              <mc:Choice xmlns:a14="http://schemas.microsoft.com/office/drawing/2010/main" Requires="a14">
+                <a14:m>
+                  <m:oMathPara>
+                    <m:oMathParaPr/>
+                    <m:oMath>
+                      <m:r>
+                        <m:rPr/>
+                        <a:rPr sz="2800">
+                          <a:solidFill>
+                            <a:schemeClr val="bg1"/>
+                          </a:solidFill>
+                          <a:latin typeface="Cambria Math"/>
+                          <a:ea typeface="Cambria Math"/>
+                          <a:cs typeface="Cambria Math"/>
+                        </a:rPr>
+                        <m:t>SL = </m:t>
+                      </m:r>
+                      <m:d>
+                        <m:dPr>
+                          <m:begChr m:val="{"/>
+                          <m:endChr m:val=""/>
+                          <m:ctrlPr>
+                            <a:rPr lang="en-US" sz="2800" b="0" i="1" u="none" strike="noStrike" cap="none" spc="0">
+                              <a:solidFill>
+                                <a:schemeClr val="bg1"/>
+                              </a:solidFill>
+                              <a:latin typeface="Cambria Math"/>
+                              <a:ea typeface="Cambria Math"/>
+                              <a:cs typeface="Cambria Math"/>
+                            </a:rPr>
+                          </m:ctrlPr>
+                        </m:dPr>
+                        <m:e>
+                          <m:eqArr>
+                            <m:eqArrPr>
+                              <m:baseJc m:val="center"/>
+                              <m:maxDist m:val="off"/>
+                              <m:objDist m:val="off"/>
+                              <m:rSp/>
+                              <m:rSpRule/>
+                              <m:ctrlPr>
+                                <a:rPr lang="en-US" sz="2800" b="0" i="1" u="none" strike="noStrike" cap="none" spc="0">
+                                  <a:solidFill>
+                                    <a:schemeClr val="bg1"/>
+                                  </a:solidFill>
+                                  <a:latin typeface="Cambria Math"/>
+                                  <a:ea typeface="Cambria Math"/>
+                                  <a:cs typeface="Cambria Math"/>
+                                </a:rPr>
+                              </m:ctrlPr>
+                            </m:eqArrPr>
+                            <m:e>
+                              <m:r>
+                                <m:rPr>
+                                  <m:sty m:val="i"/>
+                                </m:rPr>
+                                <a:rPr lang="en-US" sz="2800" u="none" strike="noStrike" cap="none" spc="0">
+                                  <a:solidFill>
+                                    <a:schemeClr val="bg1"/>
+                                  </a:solidFill>
+                                  <a:latin typeface="Cambria Math"/>
+                                  <a:ea typeface="Cambria Math"/>
+                                  <a:cs typeface="Cambria Math"/>
+                                </a:rPr>
+                                <m:t>L1=</m:t>
+                              </m:r>
+                              <m:nary>
+                                <m:naryPr>
+                                  <m:chr m:val="∑"/>
+                                  <m:grow m:val="off"/>
+                                  <m:limLoc m:val="subSup"/>
+                                  <m:supHide m:val="on"/>
+                                  <m:ctrlPr>
+                                    <a:rPr lang="en-US" sz="2800" b="0" i="1" u="none" strike="noStrike" cap="none" spc="0">
+                                      <a:solidFill>
+                                        <a:schemeClr val="bg1"/>
+                                      </a:solidFill>
+                                      <a:latin typeface="Cambria Math"/>
+                                      <a:ea typeface="Cambria Math"/>
+                                      <a:cs typeface="Cambria Math"/>
+                                    </a:rPr>
+                                  </m:ctrlPr>
+                                </m:naryPr>
+                                <m:sub>
+                                  <m:r>
+                                    <m:rPr>
+                                      <m:sty m:val="i"/>
+                                    </m:rPr>
+                                    <a:rPr lang="en-US" sz="2800" u="none" strike="noStrike" cap="none" spc="0">
+                                      <a:solidFill>
+                                        <a:schemeClr val="bg1"/>
+                                      </a:solidFill>
+                                      <a:latin typeface="Cambria Math"/>
+                                      <a:ea typeface="Cambria Math"/>
+                                      <a:cs typeface="Cambria Math"/>
+                                    </a:rPr>
+                                    <m:t>i</m:t>
+                                  </m:r>
+                                </m:sub>
+                                <m:sup/>
+                                <m:e>
+                                  <m:d>
+                                    <m:dPr>
+                                      <m:begChr m:val="|"/>
+                                      <m:endChr m:val="|"/>
+                                      <m:ctrlPr>
+                                        <a:rPr lang="en-US" sz="2800" i="1" u="none" strike="noStrike" cap="none" spc="0">
+                                          <a:solidFill>
+                                            <a:schemeClr val="bg1"/>
+                                          </a:solidFill>
+                                          <a:latin typeface="Cambria Math"/>
+                                          <a:ea typeface="Cambria Math"/>
+                                          <a:cs typeface="Cambria Math"/>
+                                        </a:rPr>
+                                      </m:ctrlPr>
+                                    </m:dPr>
+                                    <m:e>
+                                      <m:sSub>
+                                        <m:sSubPr>
+                                          <m:ctrlPr>
+                                            <a:rPr lang="en-US" sz="2800" b="0" i="1" u="none" strike="noStrike" cap="none" spc="0">
+                                              <a:solidFill>
+                                                <a:schemeClr val="bg1"/>
+                                              </a:solidFill>
+                                              <a:latin typeface="Cambria Math"/>
+                                              <a:ea typeface="Cambria Math"/>
+                                              <a:cs typeface="Cambria Math"/>
+                                            </a:rPr>
+                                          </m:ctrlPr>
+                                        </m:sSubPr>
+                                        <m:e>
+                                          <m:r>
+                                            <m:rPr>
+                                              <m:sty m:val="i"/>
+                                            </m:rPr>
+                                            <a:rPr lang="en-US" sz="2800" u="none" strike="noStrike" cap="none" spc="0">
+                                              <a:solidFill>
+                                                <a:schemeClr val="bg1"/>
+                                              </a:solidFill>
+                                              <a:latin typeface="Cambria Math"/>
+                                              <a:ea typeface="Cambria Math"/>
+                                              <a:cs typeface="Cambria Math"/>
+                                            </a:rPr>
+                                            <m:t>y</m:t>
+                                          </m:r>
+                                        </m:e>
+                                        <m:sub>
+                                          <m:r>
+                                            <m:rPr>
+                                              <m:sty m:val="i"/>
+                                            </m:rPr>
+                                            <a:rPr lang="en-US" sz="2800" u="none" strike="noStrike" cap="none" spc="0">
+                                              <a:solidFill>
+                                                <a:schemeClr val="bg1"/>
+                                              </a:solidFill>
+                                              <a:latin typeface="Cambria Math"/>
+                                              <a:ea typeface="Cambria Math"/>
+                                              <a:cs typeface="Cambria Math"/>
+                                            </a:rPr>
+                                            <m:t>i</m:t>
+                                          </m:r>
+                                        </m:sub>
+                                      </m:sSub>
+                                      <m:r>
+                                        <m:rPr>
+                                          <m:sty m:val="i"/>
+                                        </m:rPr>
+                                        <a:rPr lang="en-US" sz="2800" u="none" strike="noStrike" cap="none" spc="0">
+                                          <a:solidFill>
+                                            <a:schemeClr val="bg1"/>
+                                          </a:solidFill>
+                                          <a:latin typeface="Cambria Math"/>
+                                          <a:ea typeface="Cambria Math"/>
+                                          <a:cs typeface="Cambria Math"/>
+                                        </a:rPr>
+                                        <m:t>-</m:t>
+                                      </m:r>
+                                      <m:sSub>
+                                        <m:sSubPr>
+                                          <m:ctrlPr>
+                                            <a:rPr lang="en-US" sz="2800" b="0" i="1" u="none" strike="noStrike" cap="none" spc="0">
+                                              <a:solidFill>
+                                                <a:schemeClr val="bg1"/>
+                                              </a:solidFill>
+                                              <a:latin typeface="Cambria Math"/>
+                                              <a:ea typeface="Cambria Math"/>
+                                              <a:cs typeface="Cambria Math"/>
+                                            </a:rPr>
+                                          </m:ctrlPr>
+                                        </m:sSubPr>
+                                        <m:e>
+                                          <m:acc>
+                                            <m:accPr>
+                                              <m:ctrlPr>
+                                                <a:rPr lang="en-US" sz="2800" i="1" u="none" strike="noStrike" cap="none" spc="0">
+                                                  <a:solidFill>
+                                                    <a:schemeClr val="bg1"/>
+                                                  </a:solidFill>
+                                                  <a:latin typeface="Cambria Math"/>
+                                                  <a:ea typeface="Cambria Math"/>
+                                                  <a:cs typeface="Cambria Math"/>
+                                                </a:rPr>
+                                              </m:ctrlPr>
+                                            </m:accPr>
+                                            <m:e>
+                                              <m:r>
+                                                <m:rPr>
+                                                  <m:sty m:val="i"/>
+                                                </m:rPr>
+                                                <a:rPr lang="en-US" sz="2800" u="none" strike="noStrike" cap="none" spc="0">
+                                                  <a:solidFill>
+                                                    <a:schemeClr val="bg1"/>
+                                                  </a:solidFill>
+                                                  <a:latin typeface="Cambria Math"/>
+                                                  <a:ea typeface="Cambria Math"/>
+                                                  <a:cs typeface="Cambria Math"/>
+                                                </a:rPr>
+                                                <m:t>y</m:t>
+                                              </m:r>
+                                            </m:e>
+                                          </m:acc>
+                                        </m:e>
+                                        <m:sub>
+                                          <m:r>
+                                            <m:rPr>
+                                              <m:sty m:val="i"/>
+                                            </m:rPr>
+                                            <a:rPr lang="en-US" sz="2800" u="none" strike="noStrike" cap="none" spc="0">
+                                              <a:solidFill>
+                                                <a:schemeClr val="bg1"/>
+                                              </a:solidFill>
+                                              <a:latin typeface="Cambria Math"/>
+                                              <a:ea typeface="Cambria Math"/>
+                                              <a:cs typeface="Cambria Math"/>
+                                            </a:rPr>
+                                            <m:t>i</m:t>
+                                          </m:r>
+                                        </m:sub>
+                                      </m:sSub>
+                                    </m:e>
+                                  </m:d>
+                                </m:e>
+                              </m:nary>
+                              <m:r>
+                                <m:rPr>
+                                  <m:sty m:val="i"/>
+                                </m:rPr>
+                                <a:rPr lang="en-US" sz="2800" u="none" strike="noStrike" cap="none" spc="0">
+                                  <a:solidFill>
+                                    <a:schemeClr val="bg1"/>
+                                  </a:solidFill>
+                                  <a:latin typeface="Cambria Math"/>
+                                  <a:ea typeface="Cambria Math"/>
+                                  <a:cs typeface="Cambria Math"/>
+                                </a:rPr>
+                                <m:t>, if </m:t>
+                              </m:r>
+                              <m:r>
+                                <m:rPr>
+                                  <m:sty m:val="i"/>
+                                </m:rPr>
+                                <a:rPr lang="en-US" sz="2800" u="none" strike="noStrike" cap="none" spc="0">
+                                  <a:solidFill>
+                                    <a:schemeClr val="bg1"/>
+                                  </a:solidFill>
+                                  <a:latin typeface="Cambria Math"/>
+                                  <a:ea typeface="Cambria Math"/>
+                                  <a:cs typeface="Cambria Math"/>
+                                </a:rPr>
+                                <m:t> </m:t>
+                              </m:r>
+                              <m:d>
+                                <m:dPr>
+                                  <m:begChr m:val="("/>
+                                  <m:endChr m:val=")"/>
+                                  <m:ctrlPr>
+                                    <a:rPr lang="en-US" sz="2800" u="none" strike="noStrike" cap="none" spc="0">
+                                      <a:solidFill>
+                                        <a:schemeClr val="bg1"/>
+                                      </a:solidFill>
+                                      <a:latin typeface="Cambria Math"/>
+                                      <a:ea typeface="Cambria Math"/>
+                                      <a:cs typeface="Cambria Math"/>
+                                    </a:rPr>
+                                  </m:ctrlPr>
+                                </m:dPr>
+                                <m:e>
+                                  <m:sSub>
+                                    <m:sSubPr>
+                                      <m:ctrlPr>
+                                        <a:rPr lang="en-US" sz="2800" b="0" i="1" u="none" strike="noStrike" cap="none" spc="0">
+                                          <a:solidFill>
+                                            <a:schemeClr val="bg1"/>
+                                          </a:solidFill>
+                                          <a:latin typeface="Cambria Math"/>
+                                          <a:ea typeface="Cambria Math"/>
+                                          <a:cs typeface="Cambria Math"/>
+                                        </a:rPr>
+                                      </m:ctrlPr>
+                                    </m:sSubPr>
+                                    <m:e>
+                                      <m:r>
+                                        <m:rPr>
+                                          <m:sty m:val="i"/>
+                                        </m:rPr>
+                                        <a:rPr lang="en-US" sz="2800" u="none" strike="noStrike" cap="none" spc="0">
+                                          <a:solidFill>
+                                            <a:schemeClr val="bg1"/>
+                                          </a:solidFill>
+                                          <a:latin typeface="Cambria Math"/>
+                                          <a:ea typeface="Cambria Math"/>
+                                          <a:cs typeface="Cambria Math"/>
+                                        </a:rPr>
+                                        <m:t>y</m:t>
+                                      </m:r>
+                                    </m:e>
+                                    <m:sub>
+                                      <m:r>
+                                        <m:rPr>
+                                          <m:sty m:val="i"/>
+                                        </m:rPr>
+                                        <a:rPr lang="en-US" sz="2800" u="none" strike="noStrike" cap="none" spc="0">
+                                          <a:solidFill>
+                                            <a:schemeClr val="bg1"/>
+                                          </a:solidFill>
+                                          <a:latin typeface="Cambria Math"/>
+                                          <a:ea typeface="Cambria Math"/>
+                                          <a:cs typeface="Cambria Math"/>
+                                        </a:rPr>
+                                        <m:t>i</m:t>
+                                      </m:r>
+                                    </m:sub>
+                                  </m:sSub>
+                                  <m:r>
+                                    <m:rPr>
+                                      <m:sty m:val="i"/>
+                                    </m:rPr>
+                                    <a:rPr lang="en-US" sz="2800" u="none" strike="noStrike" cap="none" spc="0">
+                                      <a:solidFill>
+                                        <a:schemeClr val="bg1"/>
+                                      </a:solidFill>
+                                      <a:latin typeface="Cambria Math"/>
+                                      <a:ea typeface="Cambria Math"/>
+                                      <a:cs typeface="Cambria Math"/>
+                                    </a:rPr>
+                                    <m:t>-</m:t>
+                                  </m:r>
+                                  <m:sSub>
+                                    <m:sSubPr>
+                                      <m:ctrlPr>
+                                        <a:rPr lang="en-US" sz="2800" b="0" i="1" u="none" strike="noStrike" cap="none" spc="0">
+                                          <a:solidFill>
+                                            <a:schemeClr val="bg1"/>
+                                          </a:solidFill>
+                                          <a:latin typeface="Cambria Math"/>
+                                          <a:ea typeface="Cambria Math"/>
+                                          <a:cs typeface="Cambria Math"/>
+                                        </a:rPr>
+                                      </m:ctrlPr>
+                                    </m:sSubPr>
+                                    <m:e>
+                                      <m:acc>
+                                        <m:accPr>
+                                          <m:chr m:val="̂"/>
+                                          <m:ctrlPr>
+                                            <a:rPr lang="en-US" sz="2800" i="1" u="none" strike="noStrike" cap="none" spc="0">
+                                              <a:solidFill>
+                                                <a:schemeClr val="bg1"/>
+                                              </a:solidFill>
+                                              <a:latin typeface="Cambria Math"/>
+                                              <a:ea typeface="Cambria Math"/>
+                                              <a:cs typeface="Cambria Math"/>
+                                            </a:rPr>
+                                          </m:ctrlPr>
+                                        </m:accPr>
+                                        <m:e>
+                                          <m:r>
+                                            <m:rPr>
+                                              <m:sty m:val="i"/>
+                                            </m:rPr>
+                                            <a:rPr lang="en-US" sz="2800" u="none" strike="noStrike" cap="none" spc="0">
+                                              <a:solidFill>
+                                                <a:schemeClr val="bg1"/>
+                                              </a:solidFill>
+                                              <a:latin typeface="Cambria Math"/>
+                                              <a:ea typeface="Cambria Math"/>
+                                              <a:cs typeface="Cambria Math"/>
+                                            </a:rPr>
+                                            <m:t>y</m:t>
+                                          </m:r>
+                                        </m:e>
+                                      </m:acc>
+                                    </m:e>
+                                    <m:sub>
+                                      <m:r>
+                                        <m:rPr>
+                                          <m:sty m:val="i"/>
+                                        </m:rPr>
+                                        <a:rPr lang="en-US" sz="2800" u="none" strike="noStrike" cap="none" spc="0">
+                                          <a:solidFill>
+                                            <a:schemeClr val="bg1"/>
+                                          </a:solidFill>
+                                          <a:latin typeface="Cambria Math"/>
+                                          <a:ea typeface="Cambria Math"/>
+                                          <a:cs typeface="Cambria Math"/>
+                                        </a:rPr>
+                                        <m:t>i</m:t>
+                                      </m:r>
+                                    </m:sub>
+                                  </m:sSub>
+                                </m:e>
+                              </m:d>
+                              <m:r>
+                                <m:rPr>
+                                  <m:sty m:val="i"/>
+                                </m:rPr>
+                                <a:rPr lang="en-US" sz="2800" u="none" strike="noStrike" cap="none" spc="0">
+                                  <a:solidFill>
+                                    <a:schemeClr val="bg1"/>
+                                  </a:solidFill>
+                                  <a:latin typeface="Cambria Math"/>
+                                  <a:ea typeface="Cambria Math"/>
+                                  <a:cs typeface="Cambria Math"/>
+                                </a:rPr>
+                                <m:t>&lt;</m:t>
+                              </m:r>
+                              <m:r>
+                                <m:rPr>
+                                  <m:sty m:val="i"/>
+                                </m:rPr>
+                                <a:rPr lang="en-US" sz="2800" u="none" strike="noStrike" cap="none" spc="0">
+                                  <a:solidFill>
+                                    <a:schemeClr val="bg1"/>
+                                  </a:solidFill>
+                                  <a:latin typeface="Cambria Math"/>
+                                  <a:ea typeface="Cambria Math"/>
+                                  <a:cs typeface="Cambria Math"/>
+                                </a:rPr>
+                                <m:t>ε</m:t>
+                              </m:r>
+                            </m:e>
+                            <m:e>
+                              <m:r>
+                                <m:rPr>
+                                  <m:sty m:val="i"/>
+                                </m:rPr>
+                                <a:rPr lang="en-US" sz="2800" u="none" strike="noStrike" cap="none" spc="0">
+                                  <a:solidFill>
+                                    <a:schemeClr val="bg1"/>
+                                  </a:solidFill>
+                                  <a:latin typeface="Cambria Math"/>
+                                  <a:ea typeface="Cambria Math"/>
+                                  <a:cs typeface="Cambria Math"/>
+                                </a:rPr>
+                                <m:t>L2 = </m:t>
+                              </m:r>
+                              <m:nary>
+                                <m:naryPr>
+                                  <m:chr m:val="∑"/>
+                                  <m:grow m:val="off"/>
+                                  <m:limLoc m:val="subSup"/>
+                                  <m:supHide m:val="on"/>
+                                  <m:ctrlPr>
+                                    <a:rPr lang="en-US" sz="2800" b="0" i="1" u="none" strike="noStrike" cap="none" spc="0">
+                                      <a:solidFill>
+                                        <a:schemeClr val="bg1"/>
+                                      </a:solidFill>
+                                      <a:latin typeface="Cambria Math"/>
+                                      <a:ea typeface="Cambria Math"/>
+                                      <a:cs typeface="Cambria Math"/>
+                                    </a:rPr>
+                                  </m:ctrlPr>
+                                </m:naryPr>
+                                <m:sub>
+                                  <m:r>
+                                    <m:rPr>
+                                      <m:sty m:val="i"/>
+                                    </m:rPr>
+                                    <a:rPr lang="en-US" sz="2800" u="none" strike="noStrike" cap="none" spc="0">
+                                      <a:solidFill>
+                                        <a:schemeClr val="bg1"/>
+                                      </a:solidFill>
+                                      <a:latin typeface="Cambria Math"/>
+                                      <a:ea typeface="Cambria Math"/>
+                                      <a:cs typeface="Cambria Math"/>
+                                    </a:rPr>
+                                    <m:t>i</m:t>
+                                  </m:r>
+                                </m:sub>
+                                <m:sup/>
+                                <m:e>
+                                  <m:sSup>
+                                    <m:sSupPr>
+                                      <m:ctrlPr>
+                                        <a:rPr lang="en-US" sz="2800" i="1" u="none" strike="noStrike" cap="none" spc="0">
+                                          <a:solidFill>
+                                            <a:schemeClr val="bg1"/>
+                                          </a:solidFill>
+                                          <a:latin typeface="Cambria Math"/>
+                                          <a:ea typeface="Cambria Math"/>
+                                          <a:cs typeface="Cambria Math"/>
+                                        </a:rPr>
+                                      </m:ctrlPr>
+                                    </m:sSupPr>
+                                    <m:e>
+                                      <m:r>
+                                        <m:rPr>
+                                          <m:sty m:val="i"/>
+                                        </m:rPr>
+                                        <a:rPr lang="en-US" sz="2800" u="none" strike="noStrike" cap="none" spc="0">
+                                          <a:solidFill>
+                                            <a:schemeClr val="bg1"/>
+                                          </a:solidFill>
+                                          <a:latin typeface="Cambria Math"/>
+                                          <a:ea typeface="Cambria Math"/>
+                                          <a:cs typeface="Cambria Math"/>
+                                        </a:rPr>
+                                        <m:t>(</m:t>
+                                      </m:r>
+                                      <m:sSub>
+                                        <m:sSubPr>
+                                          <m:ctrlPr>
+                                            <a:rPr lang="en-US" sz="2800" b="0" i="1" u="none" strike="noStrike" cap="none" spc="0">
+                                              <a:solidFill>
+                                                <a:schemeClr val="bg1"/>
+                                              </a:solidFill>
+                                              <a:latin typeface="Cambria Math"/>
+                                              <a:ea typeface="Cambria Math"/>
+                                              <a:cs typeface="Cambria Math"/>
+                                            </a:rPr>
+                                          </m:ctrlPr>
+                                        </m:sSubPr>
+                                        <m:e>
+                                          <m:r>
+                                            <m:rPr>
+                                              <m:sty m:val="i"/>
+                                            </m:rPr>
+                                            <a:rPr lang="en-US" sz="2800" u="none" strike="noStrike" cap="none" spc="0">
+                                              <a:solidFill>
+                                                <a:schemeClr val="bg1"/>
+                                              </a:solidFill>
+                                              <a:latin typeface="Cambria Math"/>
+                                              <a:ea typeface="Cambria Math"/>
+                                              <a:cs typeface="Cambria Math"/>
+                                            </a:rPr>
+                                            <m:t>y</m:t>
+                                          </m:r>
+                                        </m:e>
+                                        <m:sub>
+                                          <m:r>
+                                            <m:rPr>
+                                              <m:sty m:val="i"/>
+                                            </m:rPr>
+                                            <a:rPr lang="en-US" sz="2800" u="none" strike="noStrike" cap="none" spc="0">
+                                              <a:solidFill>
+                                                <a:schemeClr val="bg1"/>
+                                              </a:solidFill>
+                                              <a:latin typeface="Cambria Math"/>
+                                              <a:ea typeface="Cambria Math"/>
+                                              <a:cs typeface="Cambria Math"/>
+                                            </a:rPr>
+                                            <m:t>i</m:t>
+                                          </m:r>
+                                        </m:sub>
+                                      </m:sSub>
+                                      <m:r>
+                                        <m:rPr>
+                                          <m:sty m:val="i"/>
+                                        </m:rPr>
+                                        <a:rPr lang="en-US" sz="2800" u="none" strike="noStrike" cap="none" spc="0">
+                                          <a:solidFill>
+                                            <a:schemeClr val="bg1"/>
+                                          </a:solidFill>
+                                          <a:latin typeface="Cambria Math"/>
+                                          <a:ea typeface="Cambria Math"/>
+                                          <a:cs typeface="Cambria Math"/>
+                                        </a:rPr>
+                                        <m:t>-</m:t>
+                                      </m:r>
+                                      <m:sSub>
+                                        <m:sSubPr>
+                                          <m:ctrlPr>
+                                            <a:rPr lang="en-US" sz="2800" b="0" i="1" u="none" strike="noStrike" cap="none" spc="0">
+                                              <a:solidFill>
+                                                <a:schemeClr val="bg1"/>
+                                              </a:solidFill>
+                                              <a:latin typeface="Cambria Math"/>
+                                              <a:ea typeface="Cambria Math"/>
+                                              <a:cs typeface="Cambria Math"/>
+                                            </a:rPr>
+                                          </m:ctrlPr>
+                                        </m:sSubPr>
+                                        <m:e>
+                                          <m:acc>
+                                            <m:accPr>
+                                              <m:ctrlPr>
+                                                <a:rPr lang="en-US" sz="2800" i="1" u="none" strike="noStrike" cap="none" spc="0">
+                                                  <a:solidFill>
+                                                    <a:schemeClr val="bg1"/>
+                                                  </a:solidFill>
+                                                  <a:latin typeface="Cambria Math"/>
+                                                  <a:ea typeface="Cambria Math"/>
+                                                  <a:cs typeface="Cambria Math"/>
+                                                </a:rPr>
+                                              </m:ctrlPr>
+                                            </m:accPr>
+                                            <m:e>
+                                              <m:r>
+                                                <m:rPr>
+                                                  <m:sty m:val="i"/>
+                                                </m:rPr>
+                                                <a:rPr lang="en-US" sz="2800" u="none" strike="noStrike" cap="none" spc="0">
+                                                  <a:solidFill>
+                                                    <a:schemeClr val="bg1"/>
+                                                  </a:solidFill>
+                                                  <a:latin typeface="Cambria Math"/>
+                                                  <a:ea typeface="Cambria Math"/>
+                                                  <a:cs typeface="Cambria Math"/>
+                                                </a:rPr>
+                                                <m:t>y</m:t>
+                                              </m:r>
+                                            </m:e>
+                                          </m:acc>
+                                        </m:e>
+                                        <m:sub>
+                                          <m:r>
+                                            <m:rPr>
+                                              <m:sty m:val="i"/>
+                                            </m:rPr>
+                                            <a:rPr lang="en-US" sz="2800" u="none" strike="noStrike" cap="none" spc="0">
+                                              <a:solidFill>
+                                                <a:schemeClr val="bg1"/>
+                                              </a:solidFill>
+                                              <a:latin typeface="Cambria Math"/>
+                                              <a:ea typeface="Cambria Math"/>
+                                              <a:cs typeface="Cambria Math"/>
+                                            </a:rPr>
+                                            <m:t>i</m:t>
+                                          </m:r>
+                                        </m:sub>
+                                      </m:sSub>
+                                      <m:r>
+                                        <m:rPr>
+                                          <m:sty m:val="i"/>
+                                        </m:rPr>
+                                        <a:rPr lang="en-US" sz="2800" u="none" strike="noStrike" cap="none" spc="0">
+                                          <a:solidFill>
+                                            <a:schemeClr val="bg1"/>
+                                          </a:solidFill>
+                                          <a:latin typeface="Cambria Math"/>
+                                          <a:ea typeface="Cambria Math"/>
+                                          <a:cs typeface="Cambria Math"/>
+                                        </a:rPr>
+                                        <m:t>)</m:t>
+                                      </m:r>
+                                    </m:e>
+                                    <m:sup>
+                                      <m:r>
+                                        <m:rPr>
+                                          <m:sty m:val="i"/>
+                                        </m:rPr>
+                                        <a:rPr lang="en-US" sz="2800" u="none" strike="noStrike" cap="none" spc="0">
+                                          <a:solidFill>
+                                            <a:schemeClr val="bg1"/>
+                                          </a:solidFill>
+                                          <a:latin typeface="Cambria Math"/>
+                                          <a:ea typeface="Cambria Math"/>
+                                          <a:cs typeface="Cambria Math"/>
+                                        </a:rPr>
+                                        <m:t>2</m:t>
+                                      </m:r>
+                                    </m:sup>
+                                  </m:sSup>
+                                </m:e>
+                              </m:nary>
+                              <m:r>
+                                <m:rPr>
+                                  <m:sty m:val="i"/>
+                                </m:rPr>
+                                <a:rPr lang="en-US" sz="2800" u="none" strike="noStrike" cap="none" spc="0">
+                                  <a:solidFill>
+                                    <a:schemeClr val="bg1"/>
+                                  </a:solidFill>
+                                  <a:latin typeface="Cambria Math"/>
+                                  <a:ea typeface="Cambria Math"/>
+                                  <a:cs typeface="Cambria Math"/>
+                                </a:rPr>
+                                <m:t>, else</m:t>
+                              </m:r>
+                            </m:e>
+                          </m:eqArr>
+                        </m:e>
+                      </m:d>
+                    </m:oMath>
+                  </m:oMathPara>
+                </a14:m>
+              </mc:Choice>
+              <mc:Fallback/>
+            </mc:AlternateContent>
+            <a:endParaRPr sz="2800">
+              <a:solidFill>
+                <a:schemeClr val="bg1"/>
+              </a:solidFill>
+              <a:latin typeface="Cambria Math"/>
+              <a:ea typeface="Cambria Math"/>
+              <a:cs typeface="Cambria Math"/>
+            </a:endParaRPr>
+          </a:p>
+        </p:txBody>
+      </p:sp>
+    </p:spTree>
+  </p:cSld>
+  <p:clrMapOvr>
+    <a:masterClrMapping/>
+  </p:clrMapOvr>
+  <mc:AlternateContent xmlns:mc="http://schemas.openxmlformats.org/markup-compatibility/2006">
+    <mc:Choice xmlns:p159="http://schemas.microsoft.com/office/powerpoint/2015/09/main" xmlns:p14="http://schemas.microsoft.com/office/powerpoint/2010/main" Requires="p159">
+      <p:transition p14:dur="2000" advClick="1"/>
+    </mc:Choice>
+    <mc:Fallback>
+      <p:transition advClick="1"/>
+    </mc:Fallback>
+  </mc:AlternateContent>
+</p:sld>
+</file>
+
+<file path=ppt/slides/slide14.xml><?xml version="1.0" encoding="utf-8"?>
+<p:sld xmlns:a="http://schemas.openxmlformats.org/drawingml/2006/main" xmlns:r="http://schemas.openxmlformats.org/officeDocument/2006/relationships" xmlns:p="http://schemas.openxmlformats.org/presentationml/2006/main" xmlns:m="http://schemas.openxmlformats.org/officeDocument/2006/math" xmlns:w="http://schemas.openxmlformats.org/wordprocessingml/2006/main" xmlns:mc="http://schemas.openxmlformats.org/markup-compatibility/2006" showMasterPhAnim="0" showMasterSp="1" show="1">
+  <p:cSld name="">
+    <p:spTree>
+      <p:nvGrpSpPr>
+        <p:cNvPr id="1" name=""/>
+        <p:cNvGrpSpPr/>
+        <p:nvPr/>
+      </p:nvGrpSpPr>
+      <p:grpSpPr bwMode="auto">
+        <a:xfrm>
+          <a:off x="0" y="0"/>
+          <a:ext cx="0" cy="0"/>
+          <a:chOff x="0" y="0"/>
+          <a:chExt cx="0" cy="0"/>
+        </a:xfrm>
+      </p:grpSpPr>
+      <p:sp>
+        <p:nvSpPr>
+          <p:cNvPr id="972959773" name="Title 1"/>
+          <p:cNvSpPr>
+            <a:spLocks noGrp="1"/>
+          </p:cNvSpPr>
+          <p:nvPr>
+            <p:ph type="title"/>
+          </p:nvPr>
+        </p:nvSpPr>
+        <p:spPr bwMode="auto"/>
+        <p:txBody>
+          <a:bodyPr/>
+          <a:lstStyle/>
+          <a:p>
+            <a:pPr>
+              <a:defRPr/>
+            </a:pPr>
+            <a:r>
+              <a:rPr>
+                <a:solidFill>
+                  <a:schemeClr val="bg1"/>
+                </a:solidFill>
+              </a:rPr>
+              <a:t>Applications</a:t>
+            </a:r>
+            <a:endParaRPr>
+              <a:solidFill>
+                <a:schemeClr val="bg1"/>
+              </a:solidFill>
+            </a:endParaRPr>
+          </a:p>
+        </p:txBody>
+      </p:sp>
+      <p:sp>
+        <p:nvSpPr>
+          <p:cNvPr id="856669607" name="Content Placeholder 2"/>
+          <p:cNvSpPr>
+            <a:spLocks noGrp="1"/>
+          </p:cNvSpPr>
+          <p:nvPr>
+            <p:ph idx="1"/>
+          </p:nvPr>
+        </p:nvSpPr>
+        <p:spPr bwMode="auto"/>
+        <p:txBody>
+          <a:bodyPr/>
+          <a:lstStyle/>
+          <a:p>
+            <a:pPr>
+              <a:defRPr/>
+            </a:pPr>
+            <a:r>
+              <a:rPr>
+                <a:solidFill>
+                  <a:schemeClr val="bg1"/>
+                </a:solidFill>
+              </a:rPr>
+              <a:t>YOLO11 – </a:t>
+            </a:r>
+            <a:r>
+              <a:rPr u="sng">
+                <a:solidFill>
+                  <a:schemeClr val="bg1"/>
+                </a:solidFill>
+                <a:hlinkClick r:id="rId3" tooltip="https://arxiv.org/pdf/2008.13367"/>
+              </a:rPr>
+              <a:t>Varifocal </a:t>
+            </a:r>
+            <a:r>
+              <a:rPr>
+                <a:solidFill>
+                  <a:schemeClr val="bg1"/>
+                </a:solidFill>
+              </a:rPr>
+              <a:t>loss</a:t>
+            </a:r>
+            <a:endParaRPr>
+              <a:solidFill>
+                <a:schemeClr val="bg1"/>
+              </a:solidFill>
+            </a:endParaRPr>
+          </a:p>
+          <a:p>
+            <a:pPr lvl="1">
+              <a:defRPr/>
+            </a:pPr>
+            <a:r>
+              <a:rPr>
+                <a:solidFill>
+                  <a:schemeClr val="bg1"/>
+                </a:solidFill>
+              </a:rPr>
+              <a:t>Down-weights negative examples</a:t>
+            </a:r>
+            <a:endParaRPr>
+              <a:solidFill>
+                <a:schemeClr val="bg1"/>
+              </a:solidFill>
+            </a:endParaRPr>
+          </a:p>
+          <a:p>
+            <a:pPr lvl="1">
+              <a:defRPr/>
+            </a:pPr>
+            <a:r>
+              <a:rPr>
+                <a:solidFill>
+                  <a:schemeClr val="bg1"/>
+                </a:solidFill>
+              </a:rPr>
+              <a:t>Up-weights positive examples</a:t>
+            </a:r>
+            <a:endParaRPr>
+              <a:solidFill>
+                <a:schemeClr val="bg1"/>
+              </a:solidFill>
+            </a:endParaRPr>
+          </a:p>
+        </p:txBody>
+      </p:sp>
+    </p:spTree>
+  </p:cSld>
+  <p:clrMapOvr>
+    <a:masterClrMapping/>
+  </p:clrMapOvr>
+  <mc:AlternateContent xmlns:mc="http://schemas.openxmlformats.org/markup-compatibility/2006">
+    <mc:Choice xmlns:p159="http://schemas.microsoft.com/office/powerpoint/2015/09/main" xmlns:p14="http://schemas.microsoft.com/office/powerpoint/2010/main" Requires="p159">
+      <p:transition p14:dur="2000" advClick="1"/>
+    </mc:Choice>
+    <mc:Fallback>
+      <p:transition advClick="1"/>
+    </mc:Fallback>
+  </mc:AlternateContent>
+</p:sld>
+</file>
+
+<file path=ppt/slides/slide15.xml><?xml version="1.0" encoding="utf-8"?>
+<p:sld xmlns:a="http://schemas.openxmlformats.org/drawingml/2006/main" xmlns:r="http://schemas.openxmlformats.org/officeDocument/2006/relationships" xmlns:p="http://schemas.openxmlformats.org/presentationml/2006/main" xmlns:m="http://schemas.openxmlformats.org/officeDocument/2006/math" xmlns:w="http://schemas.openxmlformats.org/wordprocessingml/2006/main" xmlns:mc="http://schemas.openxmlformats.org/markup-compatibility/2006" showMasterPhAnim="0" showMasterSp="1" show="1">
+  <p:cSld name="">
+    <p:spTree>
+      <p:nvGrpSpPr>
+        <p:cNvPr id="1" name=""/>
+        <p:cNvGrpSpPr/>
+        <p:nvPr/>
+      </p:nvGrpSpPr>
+      <p:grpSpPr bwMode="auto">
+        <a:xfrm>
+          <a:off x="0" y="0"/>
+          <a:ext cx="0" cy="0"/>
+          <a:chOff x="0" y="0"/>
+          <a:chExt cx="0" cy="0"/>
+        </a:xfrm>
+      </p:grpSpPr>
+      <p:sp>
+        <p:nvSpPr>
+          <p:cNvPr id="1178921185" name="Title 1"/>
+          <p:cNvSpPr>
+            <a:spLocks noGrp="1"/>
+          </p:cNvSpPr>
+          <p:nvPr>
+            <p:ph type="title"/>
+          </p:nvPr>
+        </p:nvSpPr>
+        <p:spPr bwMode="auto"/>
+        <p:txBody>
+          <a:bodyPr/>
+          <a:lstStyle/>
+          <a:p>
+            <a:pPr>
+              <a:defRPr/>
+            </a:pPr>
+            <a:r>
+              <a:rPr>
+                <a:solidFill>
+                  <a:schemeClr val="bg1"/>
+                </a:solidFill>
+              </a:rPr>
+              <a:t>Varifocal loss</a:t>
+            </a:r>
+            <a:endParaRPr>
+              <a:solidFill>
+                <a:schemeClr val="bg1"/>
+              </a:solidFill>
+            </a:endParaRPr>
+          </a:p>
+        </p:txBody>
+      </p:sp>
+      <p:sp>
+        <p:nvSpPr>
+          <p:cNvPr id="741414104" name="Content Placeholder 2"/>
+          <p:cNvSpPr>
+            <a:spLocks noGrp="1"/>
+          </p:cNvSpPr>
+          <p:nvPr>
+            <p:ph idx="1"/>
+          </p:nvPr>
+        </p:nvSpPr>
+        <p:spPr bwMode="auto"/>
+        <p:txBody>
+          <a:bodyPr/>
+          <a:lstStyle/>
+          <a:p>
+            <a:pPr marL="0" indent="0" algn="l">
+              <a:buFont typeface="Arial"/>
+              <a:buNone/>
+              <a:defRPr/>
+            </a:pPr>
+            <mc:AlternateContent xmlns:mc="http://schemas.openxmlformats.org/markup-compatibility/2006" xmlns:m="http://schemas.openxmlformats.org/officeDocument/2006/math">
+              <mc:Choice xmlns:a14="http://schemas.microsoft.com/office/drawing/2010/main" Requires="a14">
+                <a14:m>
+                  <m:oMathPara>
+                    <m:oMathParaPr>
+                      <m:jc m:val="left"/>
+                    </m:oMathParaPr>
+                    <m:oMath>
+                      <m:r>
+                        <m:rPr>
+                          <m:sty m:val="p"/>
+                        </m:rPr>
+                        <a:rPr lang="en-US" sz="2800" u="none" strike="noStrike" cap="none" spc="0">
+                          <a:solidFill>
+                            <a:schemeClr val="bg1"/>
+                          </a:solidFill>
+                          <a:latin typeface="Cambria Math"/>
+                          <a:ea typeface="Cambria Math"/>
+                          <a:cs typeface="Cambria Math"/>
+                        </a:rPr>
+                        <m:t>VFL(p,q) = </m:t>
+                      </m:r>
+                      <m:d>
+                        <m:dPr>
+                          <m:begChr m:val="{"/>
+                          <m:endChr m:val=""/>
+                          <m:ctrlPr>
+                            <a:rPr lang="en-US" sz="2800" b="0" i="1" u="none" strike="noStrike" cap="none" spc="0">
+                              <a:solidFill>
+                                <a:schemeClr val="bg1"/>
+                              </a:solidFill>
+                              <a:latin typeface="Cambria Math"/>
+                              <a:ea typeface="Cambria Math"/>
+                              <a:cs typeface="Cambria Math"/>
+                            </a:rPr>
+                          </m:ctrlPr>
+                        </m:dPr>
+                        <m:e>
+                          <m:eqArr>
+                            <m:eqArrPr>
+                              <m:baseJc m:val="center"/>
+                              <m:maxDist m:val="off"/>
+                              <m:objDist m:val="off"/>
+                              <m:rSp/>
+                              <m:rSpRule/>
+                              <m:ctrlPr>
+                                <a:rPr lang="en-US" sz="2800" b="0" i="1" u="none" strike="noStrike" cap="none" spc="0">
+                                  <a:solidFill>
+                                    <a:schemeClr val="bg1"/>
+                                  </a:solidFill>
+                                  <a:latin typeface="Cambria Math"/>
+                                  <a:ea typeface="Cambria Math"/>
+                                  <a:cs typeface="Cambria Math"/>
+                                </a:rPr>
+                              </m:ctrlPr>
+                            </m:eqArrPr>
+                            <m:e>
+                              <m:r>
+                                <m:rPr>
+                                  <m:sty m:val="i"/>
+                                </m:rPr>
+                                <a:rPr lang="en-US" sz="2800" u="none" strike="noStrike" cap="none" spc="0">
+                                  <a:solidFill>
+                                    <a:schemeClr val="bg1"/>
+                                  </a:solidFill>
+                                  <a:latin typeface="Cambria Math"/>
+                                  <a:ea typeface="Cambria Math"/>
+                                  <a:cs typeface="Cambria Math"/>
+                                </a:rPr>
+                                <m:t>-q(q</m:t>
+                              </m:r>
+                              <m:func>
+                                <m:funcPr>
+                                  <m:ctrlPr>
+                                    <a:rPr lang="en-US" sz="2800" b="0" i="1" u="none" strike="noStrike" cap="none" spc="0">
+                                      <a:solidFill>
+                                        <a:schemeClr val="bg1"/>
+                                      </a:solidFill>
+                                      <a:latin typeface="Cambria Math"/>
+                                      <a:ea typeface="Cambria Math"/>
+                                      <a:cs typeface="Cambria Math"/>
+                                    </a:rPr>
+                                  </m:ctrlPr>
+                                </m:funcPr>
+                                <m:fName>
+                                  <m:r>
+                                    <m:rPr>
+                                      <m:sty m:val="i"/>
+                                    </m:rPr>
+                                    <a:rPr lang="en-US" sz="2800" u="none" strike="noStrike" cap="none" spc="0">
+                                      <a:solidFill>
+                                        <a:schemeClr val="bg1"/>
+                                      </a:solidFill>
+                                      <a:latin typeface="Cambria Math"/>
+                                      <a:ea typeface="Cambria Math"/>
+                                      <a:cs typeface="Cambria Math"/>
+                                    </a:rPr>
+                                    <m:t>log</m:t>
+                                  </m:r>
+                                </m:fName>
+                                <m:e>
+                                  <m:r>
+                                    <m:rPr>
+                                      <m:sty m:val="i"/>
+                                    </m:rPr>
+                                    <a:rPr lang="en-US" sz="2800" u="none" strike="noStrike" cap="none" spc="0">
+                                      <a:solidFill>
+                                        <a:schemeClr val="bg1"/>
+                                      </a:solidFill>
+                                      <a:latin typeface="Cambria Math"/>
+                                      <a:ea typeface="Cambria Math"/>
+                                      <a:cs typeface="Cambria Math"/>
+                                    </a:rPr>
+                                    <m:t>p</m:t>
+                                  </m:r>
+                                </m:e>
+                              </m:func>
+                              <m:r>
+                                <m:rPr>
+                                  <m:sty m:val="i"/>
+                                </m:rPr>
+                                <a:rPr lang="en-US" sz="2800" u="none" strike="noStrike" cap="none" spc="0">
+                                  <a:solidFill>
+                                    <a:schemeClr val="bg1"/>
+                                  </a:solidFill>
+                                  <a:latin typeface="Cambria Math"/>
+                                  <a:ea typeface="Cambria Math"/>
+                                  <a:cs typeface="Cambria Math"/>
+                                </a:rPr>
+                                <m:t>+ (1-q)</m:t>
+                              </m:r>
+                              <m:func>
+                                <m:funcPr>
+                                  <m:ctrlPr>
+                                    <a:rPr lang="en-US" sz="2800" b="0" i="1" u="none" strike="noStrike" cap="none" spc="0">
+                                      <a:solidFill>
+                                        <a:schemeClr val="bg1"/>
+                                      </a:solidFill>
+                                      <a:latin typeface="Cambria Math"/>
+                                      <a:ea typeface="Cambria Math"/>
+                                      <a:cs typeface="Cambria Math"/>
+                                    </a:rPr>
+                                  </m:ctrlPr>
+                                </m:funcPr>
+                                <m:fName>
+                                  <m:r>
+                                    <m:rPr>
+                                      <m:sty m:val="i"/>
+                                    </m:rPr>
+                                    <a:rPr lang="en-US" sz="2800" u="none" strike="noStrike" cap="none" spc="0">
+                                      <a:solidFill>
+                                        <a:schemeClr val="bg1"/>
+                                      </a:solidFill>
+                                      <a:latin typeface="Cambria Math"/>
+                                      <a:ea typeface="Cambria Math"/>
+                                      <a:cs typeface="Cambria Math"/>
+                                    </a:rPr>
+                                    <m:t>log</m:t>
+                                  </m:r>
+                                </m:fName>
+                                <m:e>
+                                  <m:r>
+                                    <m:rPr>
+                                      <m:sty m:val="i"/>
+                                    </m:rPr>
+                                    <a:rPr lang="en-US" sz="2800" u="none" strike="noStrike" cap="none" spc="0">
+                                      <a:solidFill>
+                                        <a:schemeClr val="bg1"/>
+                                      </a:solidFill>
+                                      <a:latin typeface="Cambria Math"/>
+                                      <a:ea typeface="Cambria Math"/>
+                                      <a:cs typeface="Cambria Math"/>
+                                    </a:rPr>
+                                    <m:t>(1-p)</m:t>
+                                  </m:r>
+                                </m:e>
+                              </m:func>
+                              <m:r>
+                                <m:rPr>
+                                  <m:sty m:val="i"/>
+                                </m:rPr>
+                                <a:rPr lang="en-US" sz="2800" u="none" strike="noStrike" cap="none" spc="0">
+                                  <a:solidFill>
+                                    <a:schemeClr val="bg1"/>
+                                  </a:solidFill>
+                                  <a:latin typeface="Cambria Math"/>
+                                  <a:ea typeface="Cambria Math"/>
+                                  <a:cs typeface="Cambria Math"/>
+                                </a:rPr>
+                                <m:t>)</m:t>
+                              </m:r>
+                            </m:e>
+                            <m:e>
+                              <m:r>
+                                <m:rPr>
+                                  <m:sty m:val="i"/>
+                                </m:rPr>
+                                <a:rPr lang="en-US" sz="2800" u="none" strike="noStrike" cap="none" spc="0">
+                                  <a:solidFill>
+                                    <a:schemeClr val="bg1"/>
+                                  </a:solidFill>
+                                  <a:latin typeface="Cambria Math"/>
+                                  <a:ea typeface="Cambria Math"/>
+                                  <a:cs typeface="Cambria Math"/>
+                                </a:rPr>
+                                <m:t>-</m:t>
+                              </m:r>
+                              <m:r>
+                                <m:rPr>
+                                  <m:sty m:val="i"/>
+                                </m:rPr>
+                                <a:rPr lang="en-US" sz="2800" u="none" strike="noStrike" cap="none" spc="0">
+                                  <a:solidFill>
+                                    <a:schemeClr val="bg1"/>
+                                  </a:solidFill>
+                                  <a:latin typeface="Cambria Math"/>
+                                  <a:ea typeface="Cambria Math"/>
+                                  <a:cs typeface="Cambria Math"/>
+                                </a:rPr>
+                                <m:t>α</m:t>
+                              </m:r>
+                              <m:sSup>
+                                <m:sSupPr>
+                                  <m:ctrlPr>
+                                    <a:rPr lang="en-US" sz="2800" b="0" i="1" u="none" strike="noStrike" cap="none" spc="0">
+                                      <a:solidFill>
+                                        <a:schemeClr val="bg1"/>
+                                      </a:solidFill>
+                                      <a:latin typeface="Cambria Math"/>
+                                      <a:ea typeface="Cambria Math"/>
+                                      <a:cs typeface="Cambria Math"/>
+                                    </a:rPr>
+                                  </m:ctrlPr>
+                                </m:sSupPr>
+                                <m:e>
+                                  <m:r>
+                                    <m:rPr>
+                                      <m:sty m:val="i"/>
+                                    </m:rPr>
+                                    <a:rPr lang="en-US" sz="2800" u="none" strike="noStrike" cap="none" spc="0">
+                                      <a:solidFill>
+                                        <a:schemeClr val="bg1"/>
+                                      </a:solidFill>
+                                      <a:latin typeface="Cambria Math"/>
+                                      <a:ea typeface="Cambria Math"/>
+                                      <a:cs typeface="Cambria Math"/>
+                                    </a:rPr>
+                                    <m:t>p</m:t>
+                                  </m:r>
+                                </m:e>
+                                <m:sup>
+                                  <m:r>
+                                    <m:rPr>
+                                      <m:sty m:val="i"/>
+                                    </m:rPr>
+                                    <a:rPr lang="en-US" sz="2800" u="none" strike="noStrike" cap="none" spc="0">
+                                      <a:solidFill>
+                                        <a:schemeClr val="bg1"/>
+                                      </a:solidFill>
+                                      <a:latin typeface="Cambria Math"/>
+                                      <a:ea typeface="Cambria Math"/>
+                                      <a:cs typeface="Cambria Math"/>
+                                    </a:rPr>
+                                    <m:t>γ</m:t>
+                                  </m:r>
+                                </m:sup>
+                              </m:sSup>
+                              <m:func>
+                                <m:funcPr>
+                                  <m:ctrlPr>
+                                    <a:rPr lang="en-US" sz="2800" b="0" i="1" u="none" strike="noStrike" cap="none" spc="0">
+                                      <a:solidFill>
+                                        <a:schemeClr val="bg1"/>
+                                      </a:solidFill>
+                                      <a:latin typeface="Cambria Math"/>
+                                      <a:ea typeface="Cambria Math"/>
+                                      <a:cs typeface="Cambria Math"/>
+                                    </a:rPr>
+                                  </m:ctrlPr>
+                                </m:funcPr>
+                                <m:fName>
+                                  <m:r>
+                                    <m:rPr>
+                                      <m:sty m:val="i"/>
+                                    </m:rPr>
+                                    <a:rPr lang="en-US" sz="2800" u="none" strike="noStrike" cap="none" spc="0">
+                                      <a:solidFill>
+                                        <a:schemeClr val="bg1"/>
+                                      </a:solidFill>
+                                      <a:latin typeface="Cambria Math"/>
+                                      <a:ea typeface="Cambria Math"/>
+                                      <a:cs typeface="Cambria Math"/>
+                                    </a:rPr>
+                                    <m:t>log</m:t>
+                                  </m:r>
+                                </m:fName>
+                                <m:e>
+                                  <m:r>
+                                    <m:rPr>
+                                      <m:sty m:val="i"/>
+                                    </m:rPr>
+                                    <a:rPr lang="en-US" sz="2800" u="none" strike="noStrike" cap="none" spc="0">
+                                      <a:solidFill>
+                                        <a:schemeClr val="bg1"/>
+                                      </a:solidFill>
+                                      <a:latin typeface="Cambria Math"/>
+                                      <a:ea typeface="Cambria Math"/>
+                                      <a:cs typeface="Cambria Math"/>
+                                    </a:rPr>
+                                    <m:t>(1-p)</m:t>
+                                  </m:r>
+                                </m:e>
+                              </m:func>
+                            </m:e>
+                          </m:eqArr>
+                        </m:e>
+                      </m:d>
+                    </m:oMath>
+                  </m:oMathPara>
+                </a14:m>
+              </mc:Choice>
+              <mc:Fallback/>
+            </mc:AlternateContent>
+            <a:endParaRPr>
+              <a:solidFill>
+                <a:schemeClr val="bg1"/>
+              </a:solidFill>
+            </a:endParaRPr>
+          </a:p>
+          <a:p>
+            <a:pPr marL="0" indent="0" algn="l">
+              <a:buFont typeface="Arial"/>
+              <a:buNone/>
+              <a:defRPr/>
+            </a:pPr>
+            <a:endParaRPr>
+              <a:solidFill>
+                <a:schemeClr val="bg1"/>
+              </a:solidFill>
+            </a:endParaRPr>
+          </a:p>
+          <a:p>
+            <a:pPr marL="0" indent="0" algn="l">
+              <a:buFont typeface="Arial"/>
+              <a:buNone/>
+              <a:defRPr/>
+            </a:pPr>
+            <a:r>
+              <a:rPr>
+                <a:solidFill>
+                  <a:schemeClr val="bg1"/>
+                </a:solidFill>
+              </a:rPr>
+              <a:t>If foreground, </a:t>
+            </a:r>
+            <mc:AlternateContent xmlns:mc="http://schemas.openxmlformats.org/markup-compatibility/2006" xmlns:m="http://schemas.openxmlformats.org/officeDocument/2006/math">
+              <mc:Choice xmlns:a14="http://schemas.microsoft.com/office/drawing/2010/main" Requires="a14">
+                <a14:m>
+                  <m:oMathPara>
+                    <m:oMathParaPr/>
+                    <m:oMath>
+                      <m:r>
+                        <m:rPr>
+                          <m:sty m:val="p"/>
+                        </m:rPr>
+                        <a:rPr lang="en-US" sz="2800" u="none" strike="noStrike" cap="none" spc="0">
+                          <a:solidFill>
+                            <a:schemeClr val="bg1"/>
+                          </a:solidFill>
+                          <a:latin typeface="Cambria Math"/>
+                          <a:ea typeface="Cambria Math"/>
+                          <a:cs typeface="Cambria Math"/>
+                        </a:rPr>
+                        <m:t>q=</m:t>
+                      </m:r>
+                      <m:f>
+                        <m:fPr>
+                          <m:ctrlPr>
+                            <a:rPr lang="en-US" sz="2800" b="0" i="1" u="none" strike="noStrike" cap="none" spc="0">
+                              <a:solidFill>
+                                <a:schemeClr val="bg1"/>
+                              </a:solidFill>
+                              <a:latin typeface="Cambria Math"/>
+                              <a:ea typeface="Cambria Math"/>
+                              <a:cs typeface="Cambria Math"/>
+                            </a:rPr>
+                          </m:ctrlPr>
+                        </m:fPr>
+                        <m:num>
+                          <m:r>
+                            <m:rPr>
+                              <m:sty m:val="i"/>
+                            </m:rPr>
+                            <a:rPr lang="en-US" sz="2800" u="none" strike="noStrike" cap="none" spc="0">
+                              <a:solidFill>
+                                <a:schemeClr val="bg1"/>
+                              </a:solidFill>
+                              <a:latin typeface="Cambria Math"/>
+                              <a:ea typeface="Cambria Math"/>
+                              <a:cs typeface="Cambria Math"/>
+                            </a:rPr>
+                            <m:t>(</m:t>
+                          </m:r>
+                          <m:r>
+                            <m:rPr>
+                              <m:sty m:val="p"/>
+                            </m:rPr>
+                            <a:rPr lang="en-US" sz="2800" u="none" strike="noStrike" cap="none" spc="0">
+                              <a:solidFill>
+                                <a:schemeClr val="bg1"/>
+                              </a:solidFill>
+                              <a:latin typeface="Cambria Math"/>
+                              <a:ea typeface="Cambria Math"/>
+                              <a:cs typeface="Cambria Math"/>
+                            </a:rPr>
+                            <m:t>predicted</m:t>
+                          </m:r>
+                          <m:r>
+                            <m:rPr>
+                              <m:sty m:val="i"/>
+                            </m:rPr>
+                            <a:rPr lang="en-US" sz="2800" u="none" strike="noStrike" cap="none" spc="0">
+                              <a:solidFill>
+                                <a:schemeClr val="bg1"/>
+                              </a:solidFill>
+                              <a:latin typeface="Cambria Math"/>
+                              <a:ea typeface="Cambria Math"/>
+                              <a:cs typeface="Cambria Math"/>
+                            </a:rPr>
+                            <m:t>∩</m:t>
+                          </m:r>
+                          <m:r>
+                            <m:rPr>
+                              <m:sty m:val="p"/>
+                            </m:rPr>
+                            <a:rPr lang="en-US" sz="2800" u="none" strike="noStrike" cap="none" spc="0">
+                              <a:solidFill>
+                                <a:schemeClr val="bg1"/>
+                              </a:solidFill>
+                              <a:latin typeface="Cambria Math"/>
+                              <a:ea typeface="Cambria Math"/>
+                              <a:cs typeface="Cambria Math"/>
+                            </a:rPr>
+                            <m:t>target</m:t>
+                          </m:r>
+                          <m:r>
+                            <m:rPr>
+                              <m:sty m:val="i"/>
+                            </m:rPr>
+                            <a:rPr lang="en-US" sz="2800" u="none" strike="noStrike" cap="none" spc="0">
+                              <a:solidFill>
+                                <a:schemeClr val="bg1"/>
+                              </a:solidFill>
+                              <a:latin typeface="Cambria Math"/>
+                              <a:ea typeface="Cambria Math"/>
+                              <a:cs typeface="Cambria Math"/>
+                            </a:rPr>
+                            <m:t>)</m:t>
+                          </m:r>
+                        </m:num>
+                        <m:den>
+                          <m:r>
+                            <m:rPr>
+                              <m:sty m:val="i"/>
+                            </m:rPr>
+                            <a:rPr lang="en-US" sz="2800" u="none" strike="noStrike" cap="none" spc="0">
+                              <a:solidFill>
+                                <a:schemeClr val="bg1"/>
+                              </a:solidFill>
+                              <a:latin typeface="Cambria Math"/>
+                              <a:ea typeface="Cambria Math"/>
+                              <a:cs typeface="Cambria Math"/>
+                            </a:rPr>
+                            <m:t>(</m:t>
+                          </m:r>
+                          <m:r>
+                            <m:rPr>
+                              <m:sty m:val="p"/>
+                            </m:rPr>
+                            <a:rPr lang="en-US" sz="2800" u="none" strike="noStrike" cap="none" spc="0">
+                              <a:solidFill>
+                                <a:schemeClr val="bg1"/>
+                              </a:solidFill>
+                              <a:latin typeface="Cambria Math"/>
+                              <a:ea typeface="Cambria Math"/>
+                              <a:cs typeface="Cambria Math"/>
+                            </a:rPr>
+                            <m:t>predicted</m:t>
+                          </m:r>
+                          <m:r>
+                            <m:rPr>
+                              <m:sty m:val="i"/>
+                            </m:rPr>
+                            <a:rPr lang="en-US" sz="2800" u="none" strike="noStrike" cap="none" spc="0">
+                              <a:solidFill>
+                                <a:schemeClr val="bg1"/>
+                              </a:solidFill>
+                              <a:latin typeface="Cambria Math"/>
+                              <a:ea typeface="Cambria Math"/>
+                              <a:cs typeface="Cambria Math"/>
+                            </a:rPr>
+                            <m:t>∪</m:t>
+                          </m:r>
+                          <m:r>
+                            <m:rPr>
+                              <m:sty m:val="p"/>
+                            </m:rPr>
+                            <a:rPr lang="en-US" sz="2800" u="none" strike="noStrike" cap="none" spc="0">
+                              <a:solidFill>
+                                <a:schemeClr val="bg1"/>
+                              </a:solidFill>
+                              <a:latin typeface="Cambria Math"/>
+                              <a:ea typeface="Cambria Math"/>
+                              <a:cs typeface="Cambria Math"/>
+                            </a:rPr>
+                            <m:t>target</m:t>
+                          </m:r>
+                          <m:r>
+                            <m:rPr>
+                              <m:sty m:val="i"/>
+                            </m:rPr>
+                            <a:rPr lang="en-US" sz="2800" u="none" strike="noStrike" cap="none" spc="0">
+                              <a:solidFill>
+                                <a:schemeClr val="bg1"/>
+                              </a:solidFill>
+                              <a:latin typeface="Cambria Math"/>
+                              <a:ea typeface="Cambria Math"/>
+                              <a:cs typeface="Cambria Math"/>
+                            </a:rPr>
+                            <m:t>)</m:t>
+                          </m:r>
+                        </m:den>
+                      </m:f>
+                    </m:oMath>
+                  </m:oMathPara>
+                </a14:m>
+              </mc:Choice>
+              <mc:Fallback/>
+            </mc:AlternateContent>
+            <a:endParaRPr>
+              <a:solidFill>
+                <a:schemeClr val="bg1"/>
+              </a:solidFill>
+            </a:endParaRPr>
+          </a:p>
+          <a:p>
+            <a:pPr marL="0" indent="0" algn="l">
+              <a:buFont typeface="Arial"/>
+              <a:buNone/>
+              <a:defRPr/>
+            </a:pPr>
+            <a:r>
+              <a:rPr>
+                <a:solidFill>
+                  <a:schemeClr val="bg1"/>
+                </a:solidFill>
+              </a:rPr>
+              <a:t>If background or </a:t>
+            </a:r>
+            <mc:AlternateContent xmlns:mc="http://schemas.openxmlformats.org/markup-compatibility/2006" xmlns:m="http://schemas.openxmlformats.org/officeDocument/2006/math">
+              <mc:Choice xmlns:a14="http://schemas.microsoft.com/office/drawing/2010/main" Requires="a14">
+                <a14:m>
+                  <m:oMathPara>
+                    <m:oMathParaPr/>
+                    <m:oMath>
+                      <m:r>
+                        <m:rPr>
+                          <m:sty m:val="p"/>
+                        </m:rPr>
+                        <a:rPr lang="en-US" sz="2800" u="none" strike="noStrike" cap="none" spc="0">
+                          <a:solidFill>
+                            <a:schemeClr val="bg1"/>
+                          </a:solidFill>
+                          <a:latin typeface="Cambria Math"/>
+                          <a:ea typeface="Cambria Math"/>
+                          <a:cs typeface="Cambria Math"/>
+                        </a:rPr>
+                        <m:t>Iou </m:t>
+                      </m:r>
+                      <m:r>
+                        <m:rPr/>
+                        <a:rPr>
+                          <a:solidFill>
+                            <a:schemeClr val="bg1"/>
+                          </a:solidFill>
+                          <a:latin typeface="Cambria Math"/>
+                          <a:ea typeface="Cambria Math"/>
+                          <a:cs typeface="Cambria Math"/>
+                        </a:rPr>
+                        <m:t>≤</m:t>
+                      </m:r>
+                      <m:r>
+                        <m:rPr>
+                          <m:sty m:val="i"/>
+                        </m:rPr>
+                        <a:rPr lang="en-US" sz="2800" u="none" strike="noStrike" cap="none" spc="0">
+                          <a:solidFill>
+                            <a:schemeClr val="bg1"/>
+                          </a:solidFill>
+                          <a:latin typeface="Cambria Math"/>
+                          <a:ea typeface="Cambria Math"/>
+                          <a:cs typeface="Cambria Math"/>
+                        </a:rPr>
+                        <m:t>ε</m:t>
+                      </m:r>
+                    </m:oMath>
+                  </m:oMathPara>
+                </a14:m>
+              </mc:Choice>
+              <mc:Fallback/>
+            </mc:AlternateContent>
+            <a:r>
+              <a:rPr>
+                <a:solidFill>
+                  <a:schemeClr val="bg1"/>
+                </a:solidFill>
+              </a:rPr>
+              <a:t>, </a:t>
+            </a:r>
+            <mc:AlternateContent xmlns:mc="http://schemas.openxmlformats.org/markup-compatibility/2006" xmlns:m="http://schemas.openxmlformats.org/officeDocument/2006/math">
+              <mc:Choice xmlns:a14="http://schemas.microsoft.com/office/drawing/2010/main" Requires="a14">
+                <a14:m>
+                  <m:oMathPara>
+                    <m:oMathParaPr/>
+                    <m:oMath>
+                      <m:r>
+                        <m:rPr>
+                          <m:sty m:val="p"/>
+                        </m:rPr>
+                        <a:rPr lang="en-US" sz="2800" u="none" strike="noStrike" cap="none" spc="0">
+                          <a:solidFill>
+                            <a:schemeClr val="bg1"/>
+                          </a:solidFill>
+                          <a:latin typeface="Cambria Math"/>
+                          <a:ea typeface="Cambria Math"/>
+                          <a:cs typeface="Cambria Math"/>
+                        </a:rPr>
+                        <m:t>q=0</m:t>
+                      </m:r>
+                    </m:oMath>
+                  </m:oMathPara>
+                </a14:m>
+              </mc:Choice>
+              <mc:Fallback/>
+            </mc:AlternateContent>
+            <a:endParaRPr>
+              <a:solidFill>
+                <a:schemeClr val="bg1"/>
+              </a:solidFill>
+            </a:endParaRPr>
+          </a:p>
+        </p:txBody>
+      </p:sp>
+    </p:spTree>
+  </p:cSld>
+  <p:clrMapOvr>
+    <a:masterClrMapping/>
+  </p:clrMapOvr>
+  <mc:AlternateContent xmlns:mc="http://schemas.openxmlformats.org/markup-compatibility/2006">
+    <mc:Choice xmlns:p159="http://schemas.microsoft.com/office/powerpoint/2015/09/main" xmlns:p14="http://schemas.microsoft.com/office/powerpoint/2010/main" Requires="p159">
+      <p:transition p14:dur="2000" advClick="1"/>
+    </mc:Choice>
+    <mc:Fallback>
+      <p:transition advClick="1"/>
+    </mc:Fallback>
+  </mc:AlternateContent>
+</p:sld>
+</file>
+
+<file path=ppt/slides/slide16.xml><?xml version="1.0" encoding="utf-8"?>
+<p:sld xmlns:a="http://schemas.openxmlformats.org/drawingml/2006/main" xmlns:r="http://schemas.openxmlformats.org/officeDocument/2006/relationships" xmlns:p="http://schemas.openxmlformats.org/presentationml/2006/main" xmlns:m="http://schemas.openxmlformats.org/officeDocument/2006/math" xmlns:w="http://schemas.openxmlformats.org/wordprocessingml/2006/main" xmlns:mc="http://schemas.openxmlformats.org/markup-compatibility/2006" showMasterPhAnim="0" showMasterSp="1" show="1">
+  <p:cSld name="">
+    <p:spTree>
+      <p:nvGrpSpPr>
+        <p:cNvPr id="1" name=""/>
+        <p:cNvGrpSpPr/>
+        <p:nvPr/>
+      </p:nvGrpSpPr>
+      <p:grpSpPr bwMode="auto">
+        <a:xfrm>
+          <a:off x="0" y="0"/>
+          <a:ext cx="0" cy="0"/>
+          <a:chOff x="0" y="0"/>
+          <a:chExt cx="0" cy="0"/>
+        </a:xfrm>
+      </p:grpSpPr>
+      <p:sp>
+        <p:nvSpPr>
+          <p:cNvPr id="945422150" name="Title 1"/>
+          <p:cNvSpPr>
+            <a:spLocks noGrp="1"/>
+          </p:cNvSpPr>
+          <p:nvPr>
+            <p:ph type="title"/>
+          </p:nvPr>
+        </p:nvSpPr>
+        <p:spPr bwMode="auto"/>
+        <p:txBody>
+          <a:bodyPr/>
+          <a:lstStyle/>
+          <a:p>
+            <a:pPr>
+              <a:defRPr/>
+            </a:pPr>
+            <a:r>
+              <a:rPr>
+                <a:solidFill>
+                  <a:schemeClr val="bg1"/>
+                </a:solidFill>
+              </a:rPr>
+              <a:t>Experimental Techniques</a:t>
+            </a:r>
+            <a:endParaRPr>
+              <a:solidFill>
+                <a:schemeClr val="bg1"/>
+              </a:solidFill>
+            </a:endParaRPr>
+          </a:p>
+        </p:txBody>
+      </p:sp>
+      <p:sp>
+        <p:nvSpPr>
+          <p:cNvPr id="257148198" name="Content Placeholder 2"/>
+          <p:cNvSpPr>
+            <a:spLocks noGrp="1"/>
+          </p:cNvSpPr>
+          <p:nvPr>
+            <p:ph idx="1"/>
+          </p:nvPr>
+        </p:nvSpPr>
+        <p:spPr bwMode="auto"/>
+        <p:txBody>
+          <a:bodyPr/>
+          <a:lstStyle/>
+          <a:p>
+            <a:pPr>
+              <a:defRPr/>
+            </a:pPr>
+            <a:r>
+              <a:rPr>
+                <a:solidFill>
+                  <a:schemeClr val="bg1"/>
+                </a:solidFill>
+              </a:rPr>
+              <a:t>2 stage cascade</a:t>
+            </a:r>
+            <a:endParaRPr>
+              <a:solidFill>
+                <a:schemeClr val="bg1"/>
+              </a:solidFill>
+            </a:endParaRPr>
+          </a:p>
+          <a:p>
+            <a:pPr>
+              <a:defRPr/>
+            </a:pPr>
+            <a:endParaRPr>
+              <a:solidFill>
+                <a:schemeClr val="bg1"/>
+              </a:solidFill>
+            </a:endParaRPr>
+          </a:p>
+          <a:p>
+            <a:pPr>
+              <a:defRPr/>
+            </a:pPr>
+            <a:r>
+              <a:rPr>
+                <a:solidFill>
+                  <a:schemeClr val="bg1"/>
+                </a:solidFill>
+              </a:rPr>
+              <a:t>Biased sampling</a:t>
+            </a:r>
+            <a:endParaRPr>
+              <a:solidFill>
+                <a:schemeClr val="bg1"/>
+              </a:solidFill>
+            </a:endParaRPr>
+          </a:p>
+        </p:txBody>
+      </p:sp>
+    </p:spTree>
+  </p:cSld>
+  <p:clrMapOvr>
+    <a:masterClrMapping/>
+  </p:clrMapOvr>
+  <mc:AlternateContent xmlns:mc="http://schemas.openxmlformats.org/markup-compatibility/2006">
+    <mc:Choice xmlns:p159="http://schemas.microsoft.com/office/powerpoint/2015/09/main" xmlns:p14="http://schemas.microsoft.com/office/powerpoint/2010/main" Requires="p159">
+      <p:transition p14:dur="2000" advClick="1"/>
+    </mc:Choice>
+    <mc:Fallback>
+      <p:transition advClick="1"/>
+    </mc:Fallback>
+  </mc:AlternateContent>
+</p:sld>
+</file>
+
+<file path=ppt/slides/slide17.xml><?xml version="1.0" encoding="utf-8"?>
+<p:sld xmlns:a="http://schemas.openxmlformats.org/drawingml/2006/main" xmlns:r="http://schemas.openxmlformats.org/officeDocument/2006/relationships" xmlns:p="http://schemas.openxmlformats.org/presentationml/2006/main" xmlns:m="http://schemas.openxmlformats.org/officeDocument/2006/math" xmlns:w="http://schemas.openxmlformats.org/wordprocessingml/2006/main" xmlns:mc="http://schemas.openxmlformats.org/markup-compatibility/2006" showMasterPhAnim="0" showMasterSp="1" show="1">
+  <p:cSld name="">
+    <p:spTree>
+      <p:nvGrpSpPr>
+        <p:cNvPr id="1" name=""/>
+        <p:cNvGrpSpPr/>
+        <p:nvPr/>
+      </p:nvGrpSpPr>
+      <p:grpSpPr bwMode="auto">
+        <a:xfrm>
+          <a:off x="0" y="0"/>
+          <a:ext cx="0" cy="0"/>
+          <a:chOff x="0" y="0"/>
+          <a:chExt cx="0" cy="0"/>
+        </a:xfrm>
+      </p:grpSpPr>
+      <p:sp>
+        <p:nvSpPr>
+          <p:cNvPr id="435715068" name="Title 1"/>
+          <p:cNvSpPr>
+            <a:spLocks noGrp="1"/>
+          </p:cNvSpPr>
+          <p:nvPr>
+            <p:ph type="title"/>
+          </p:nvPr>
+        </p:nvSpPr>
+        <p:spPr bwMode="auto"/>
+        <p:txBody>
+          <a:bodyPr/>
+          <a:lstStyle/>
+          <a:p>
+            <a:pPr>
+              <a:defRPr/>
+            </a:pPr>
+            <a:r>
+              <a:rPr>
+                <a:solidFill>
+                  <a:schemeClr val="bg1"/>
+                </a:solidFill>
+              </a:rPr>
+              <a:t>Limitations</a:t>
+            </a:r>
+            <a:endParaRPr>
+              <a:solidFill>
+                <a:schemeClr val="bg1"/>
+              </a:solidFill>
+            </a:endParaRPr>
+          </a:p>
+        </p:txBody>
+      </p:sp>
+      <p:sp>
+        <p:nvSpPr>
+          <p:cNvPr id="1001947272" name="Content Placeholder 2"/>
+          <p:cNvSpPr>
+            <a:spLocks noGrp="1"/>
+          </p:cNvSpPr>
+          <p:nvPr>
+            <p:ph idx="1"/>
+          </p:nvPr>
+        </p:nvSpPr>
+        <p:spPr bwMode="auto"/>
+        <p:txBody>
+          <a:bodyPr/>
+          <a:lstStyle/>
+          <a:p>
+            <a:pPr>
+              <a:defRPr/>
+            </a:pPr>
+            <a:endParaRPr/>
+          </a:p>
+        </p:txBody>
+      </p:sp>
+    </p:spTree>
+  </p:cSld>
+  <p:clrMapOvr>
+    <a:masterClrMapping/>
+  </p:clrMapOvr>
+  <mc:AlternateContent xmlns:mc="http://schemas.openxmlformats.org/markup-compatibility/2006">
+    <mc:Choice xmlns:p159="http://schemas.microsoft.com/office/powerpoint/2015/09/main" xmlns:p14="http://schemas.microsoft.com/office/powerpoint/2010/main" Requires="p159">
+      <p:transition p14:dur="2000" advClick="1"/>
+    </mc:Choice>
+    <mc:Fallback>
+      <p:transition advClick="1"/>
+    </mc:Fallback>
+  </mc:AlternateContent>
+</p:sld>
+</file>
+
+<file path=ppt/slides/slide2.xml><?xml version="1.0" encoding="utf-8"?>
+<p:sld xmlns:a="http://schemas.openxmlformats.org/drawingml/2006/main" xmlns:r="http://schemas.openxmlformats.org/officeDocument/2006/relationships" xmlns:p="http://schemas.openxmlformats.org/presentationml/2006/main" xmlns:m="http://schemas.openxmlformats.org/officeDocument/2006/math" xmlns:w="http://schemas.openxmlformats.org/wordprocessingml/2006/main" xmlns:mc="http://schemas.openxmlformats.org/markup-compatibility/2006" showMasterPhAnim="0" showMasterSp="1" show="1">
+  <p:cSld name="">
+    <p:spTree>
+      <p:nvGrpSpPr>
+        <p:cNvPr id="1" name=""/>
+        <p:cNvGrpSpPr/>
+        <p:nvPr/>
+      </p:nvGrpSpPr>
+      <p:grpSpPr bwMode="auto">
+        <a:xfrm>
+          <a:off x="0" y="0"/>
+          <a:ext cx="0" cy="0"/>
+          <a:chOff x="0" y="0"/>
+          <a:chExt cx="0" cy="0"/>
+        </a:xfrm>
+      </p:grpSpPr>
+      <p:sp>
+        <p:nvSpPr>
+          <p:cNvPr id="613971082" name="Title 1"/>
+          <p:cNvSpPr>
+            <a:spLocks noGrp="1"/>
+          </p:cNvSpPr>
+          <p:nvPr>
+            <p:ph type="title"/>
+          </p:nvPr>
+        </p:nvSpPr>
+        <p:spPr bwMode="auto"/>
+        <p:txBody>
+          <a:bodyPr/>
+          <a:lstStyle/>
+          <a:p>
+            <a:pPr>
+              <a:defRPr/>
+            </a:pPr>
+            <a:r>
+              <a:rPr>
+                <a:solidFill>
+                  <a:schemeClr val="bg1"/>
+                </a:solidFill>
+              </a:rPr>
+              <a:t>Purpose of focal loss</a:t>
+            </a:r>
+            <a:endParaRPr>
+              <a:solidFill>
+                <a:schemeClr val="bg1"/>
+              </a:solidFill>
+            </a:endParaRPr>
+          </a:p>
+        </p:txBody>
+      </p:sp>
+      <p:sp>
+        <p:nvSpPr>
+          <p:cNvPr id="88925271" name="Content Placeholder 2"/>
+          <p:cNvSpPr>
+            <a:spLocks noGrp="1"/>
+          </p:cNvSpPr>
+          <p:nvPr>
+            <p:ph idx="1"/>
+          </p:nvPr>
+        </p:nvSpPr>
+        <p:spPr bwMode="auto"/>
+        <p:txBody>
+          <a:bodyPr/>
+          <a:lstStyle/>
+          <a:p>
+            <a:pPr>
+              <a:defRPr/>
+            </a:pPr>
+            <a:r>
+              <a:rPr>
+                <a:solidFill>
+                  <a:schemeClr val="bg1"/>
+                </a:solidFill>
+              </a:rPr>
+              <a:t>Prevent loss function being overwhelmed by “easy negatives”</a:t>
+            </a:r>
+            <a:endParaRPr>
+              <a:solidFill>
+                <a:schemeClr val="bg1"/>
+              </a:solidFill>
+            </a:endParaRPr>
+          </a:p>
+          <a:p>
+            <a:pPr>
+              <a:defRPr/>
+            </a:pPr>
+            <a:endParaRPr>
+              <a:solidFill>
+                <a:schemeClr val="bg1"/>
+              </a:solidFill>
+            </a:endParaRPr>
+          </a:p>
+        </p:txBody>
+      </p:sp>
+      <p:grpSp>
+        <p:nvGrpSpPr>
+          <p:cNvPr id="838684437" name=""/>
+          <p:cNvGrpSpPr/>
+          <p:nvPr/>
+        </p:nvGrpSpPr>
+        <p:grpSpPr bwMode="auto">
+          <a:xfrm>
+            <a:off x="3192662" y="2747029"/>
+            <a:ext cx="5806675" cy="3812454"/>
+            <a:chOff x="0" y="0"/>
+            <a:chExt cx="5806675" cy="3812454"/>
+          </a:xfrm>
+        </p:grpSpPr>
+        <p:grpSp>
+          <p:nvGrpSpPr>
+            <p:cNvPr id="216248011" name=""/>
+            <p:cNvGrpSpPr/>
+            <p:nvPr/>
+          </p:nvGrpSpPr>
+          <p:grpSpPr bwMode="auto">
+            <a:xfrm>
+              <a:off x="0" y="0"/>
+              <a:ext cx="5806675" cy="3800180"/>
+              <a:chOff x="0" y="0"/>
+              <a:chExt cx="5806675" cy="3800180"/>
+            </a:xfrm>
+          </p:grpSpPr>
+          <p:pic>
+            <p:nvPicPr>
+              <p:cNvPr id="1319604355" name=""/>
+              <p:cNvPicPr>
+                <a:picLocks noChangeAspect="1"/>
+              </p:cNvPicPr>
+              <p:nvPr/>
+            </p:nvPicPr>
+            <p:blipFill>
+              <a:blip r:embed="rId3"/>
+              <a:stretch/>
+            </p:blipFill>
+            <p:spPr bwMode="auto">
+              <a:xfrm flipH="0" flipV="0">
+                <a:off x="0" y="0"/>
+                <a:ext cx="5806675" cy="3800180"/>
+              </a:xfrm>
+              <a:prstGeom prst="rect">
+                <a:avLst/>
+              </a:prstGeom>
+              <a:ln w="19049">
+                <a:solidFill>
+                  <a:schemeClr val="bg1"/>
+                </a:solidFill>
+                <a:prstDash val="solid"/>
+              </a:ln>
+            </p:spPr>
+          </p:pic>
+          <p:sp>
+            <p:nvSpPr>
+              <p:cNvPr id="1627937621" name=""/>
+              <p:cNvSpPr/>
+              <p:nvPr/>
+            </p:nvSpPr>
+            <p:spPr bwMode="auto">
+              <a:xfrm flipH="0" flipV="0">
+                <a:off x="0" y="0"/>
+                <a:ext cx="3161616" cy="972138"/>
+              </a:xfrm>
+              <a:prstGeom prst="rect">
+                <a:avLst/>
+              </a:prstGeom>
+              <a:solidFill>
+                <a:schemeClr val="accent1">
+                  <a:alpha val="0"/>
+                </a:schemeClr>
+              </a:solidFill>
+              <a:ln w="19049" cap="flat" cmpd="sng" algn="ctr">
+                <a:solidFill>
+                  <a:schemeClr val="accent1">
+                    <a:shade val="50000"/>
+                  </a:schemeClr>
+                </a:solidFill>
+                <a:prstDash val="solid"/>
+                <a:miter lim="800000"/>
+              </a:ln>
+            </p:spPr>
+            <p:style>
+              <a:lnRef idx="2">
+                <a:schemeClr val="accent1">
+                  <a:shade val="50000"/>
+                </a:schemeClr>
+              </a:lnRef>
+              <a:fillRef idx="1">
+                <a:schemeClr val="accent1"/>
+              </a:fillRef>
+              <a:effectRef idx="0">
+                <a:schemeClr val="accent1"/>
+              </a:effectRef>
+              <a:fontRef idx="minor">
+                <a:schemeClr val="lt1"/>
+              </a:fontRef>
+            </p:style>
+          </p:sp>
+          <p:sp>
+            <p:nvSpPr>
+              <p:cNvPr id="1780587195" name=""/>
+              <p:cNvSpPr/>
+              <p:nvPr/>
+            </p:nvSpPr>
+            <p:spPr bwMode="auto">
+              <a:xfrm flipH="0" flipV="0">
+                <a:off x="0" y="972138"/>
+                <a:ext cx="2857208" cy="972138"/>
+              </a:xfrm>
+              <a:prstGeom prst="rect">
+                <a:avLst/>
+              </a:prstGeom>
+              <a:solidFill>
+                <a:schemeClr val="accent1">
+                  <a:alpha val="0"/>
+                </a:schemeClr>
+              </a:solidFill>
+              <a:ln w="19049" cap="flat" cmpd="sng" algn="ctr">
+                <a:solidFill>
+                  <a:schemeClr val="accent1">
+                    <a:shade val="50000"/>
+                  </a:schemeClr>
+                </a:solidFill>
+                <a:prstDash val="solid"/>
+                <a:miter lim="800000"/>
+              </a:ln>
+            </p:spPr>
+            <p:style>
+              <a:lnRef idx="2">
+                <a:schemeClr val="accent1">
+                  <a:shade val="50000"/>
+                </a:schemeClr>
+              </a:lnRef>
+              <a:fillRef idx="1">
+                <a:schemeClr val="accent1"/>
+              </a:fillRef>
+              <a:effectRef idx="0">
+                <a:schemeClr val="accent1"/>
+              </a:effectRef>
+              <a:fontRef idx="minor">
+                <a:schemeClr val="lt1"/>
+              </a:fontRef>
+            </p:style>
+          </p:sp>
+          <p:sp>
+            <p:nvSpPr>
+              <p:cNvPr id="1186842657" name=""/>
+              <p:cNvSpPr/>
+              <p:nvPr/>
+            </p:nvSpPr>
+            <p:spPr bwMode="auto">
+              <a:xfrm flipH="0" flipV="0">
+                <a:off x="0" y="1944277"/>
+                <a:ext cx="2042183" cy="549896"/>
+              </a:xfrm>
+              <a:prstGeom prst="rect">
+                <a:avLst/>
+              </a:prstGeom>
+              <a:solidFill>
+                <a:schemeClr val="accent1">
+                  <a:alpha val="0"/>
+                </a:schemeClr>
+              </a:solidFill>
+              <a:ln w="19049" cap="flat" cmpd="sng" algn="ctr">
+                <a:solidFill>
+                  <a:schemeClr val="accent1">
+                    <a:shade val="50000"/>
+                  </a:schemeClr>
+                </a:solidFill>
+                <a:prstDash val="solid"/>
+                <a:miter lim="800000"/>
+              </a:ln>
+            </p:spPr>
+            <p:style>
+              <a:lnRef idx="2">
+                <a:schemeClr val="accent1">
+                  <a:shade val="50000"/>
+                </a:schemeClr>
+              </a:lnRef>
+              <a:fillRef idx="1">
+                <a:schemeClr val="accent1"/>
+              </a:fillRef>
+              <a:effectRef idx="0">
+                <a:schemeClr val="accent1"/>
+              </a:effectRef>
+              <a:fontRef idx="minor">
+                <a:schemeClr val="lt1"/>
+              </a:fontRef>
+            </p:style>
+          </p:sp>
+          <p:sp>
+            <p:nvSpPr>
+              <p:cNvPr id="692971322" name=""/>
+              <p:cNvSpPr/>
+              <p:nvPr/>
+            </p:nvSpPr>
+            <p:spPr bwMode="auto">
+              <a:xfrm flipH="0" flipV="0">
+                <a:off x="0" y="2346881"/>
+                <a:ext cx="1364631" cy="1119432"/>
+              </a:xfrm>
+              <a:prstGeom prst="rect">
+                <a:avLst/>
+              </a:prstGeom>
+              <a:solidFill>
+                <a:schemeClr val="accent1">
+                  <a:alpha val="0"/>
+                </a:schemeClr>
+              </a:solidFill>
+              <a:ln w="19049" cap="flat" cmpd="sng" algn="ctr">
+                <a:solidFill>
+                  <a:schemeClr val="accent1">
+                    <a:shade val="50000"/>
+                  </a:schemeClr>
+                </a:solidFill>
+                <a:prstDash val="solid"/>
+                <a:miter lim="800000"/>
+              </a:ln>
+            </p:spPr>
+            <p:style>
+              <a:lnRef idx="2">
+                <a:schemeClr val="accent1">
+                  <a:shade val="50000"/>
+                </a:schemeClr>
+              </a:lnRef>
+              <a:fillRef idx="1">
+                <a:schemeClr val="accent1"/>
+              </a:fillRef>
+              <a:effectRef idx="0">
+                <a:schemeClr val="accent1"/>
+              </a:effectRef>
+              <a:fontRef idx="minor">
+                <a:schemeClr val="lt1"/>
+              </a:fontRef>
+            </p:style>
+          </p:sp>
+          <p:sp>
+            <p:nvSpPr>
+              <p:cNvPr id="1412430724" name=""/>
+              <p:cNvSpPr/>
+              <p:nvPr/>
+            </p:nvSpPr>
+            <p:spPr bwMode="auto">
+              <a:xfrm flipH="0" flipV="0">
+                <a:off x="0" y="3417658"/>
+                <a:ext cx="1492286" cy="382521"/>
+              </a:xfrm>
+              <a:prstGeom prst="rect">
+                <a:avLst/>
+              </a:prstGeom>
+              <a:solidFill>
+                <a:schemeClr val="accent1">
+                  <a:alpha val="0"/>
+                </a:schemeClr>
+              </a:solidFill>
+              <a:ln w="19049" cap="flat" cmpd="sng" algn="ctr">
+                <a:solidFill>
+                  <a:schemeClr val="accent1">
+                    <a:shade val="50000"/>
+                  </a:schemeClr>
+                </a:solidFill>
+                <a:prstDash val="solid"/>
+                <a:miter lim="800000"/>
+              </a:ln>
+            </p:spPr>
+            <p:style>
+              <a:lnRef idx="2">
+                <a:schemeClr val="accent1">
+                  <a:shade val="50000"/>
+                </a:schemeClr>
+              </a:lnRef>
+              <a:fillRef idx="1">
+                <a:schemeClr val="accent1"/>
+              </a:fillRef>
+              <a:effectRef idx="0">
+                <a:schemeClr val="accent1"/>
+              </a:effectRef>
+              <a:fontRef idx="minor">
+                <a:schemeClr val="lt1"/>
+              </a:fontRef>
+            </p:style>
+          </p:sp>
+          <p:sp>
+            <p:nvSpPr>
+              <p:cNvPr id="42855136" name=""/>
+              <p:cNvSpPr/>
+              <p:nvPr/>
+            </p:nvSpPr>
+            <p:spPr bwMode="auto">
+              <a:xfrm flipH="0" flipV="0">
+                <a:off x="2514908" y="819935"/>
+                <a:ext cx="646706" cy="638273"/>
+              </a:xfrm>
+              <a:prstGeom prst="rect">
+                <a:avLst/>
+              </a:prstGeom>
+              <a:solidFill>
+                <a:schemeClr val="accent1">
+                  <a:alpha val="0"/>
+                </a:schemeClr>
+              </a:solidFill>
+              <a:ln w="19049" cap="flat" cmpd="sng" algn="ctr">
+                <a:solidFill>
+                  <a:schemeClr val="accent1">
+                    <a:shade val="50000"/>
+                  </a:schemeClr>
+                </a:solidFill>
+                <a:prstDash val="solid"/>
+                <a:miter lim="800000"/>
+              </a:ln>
+            </p:spPr>
+            <p:style>
+              <a:lnRef idx="2">
+                <a:schemeClr val="accent1">
+                  <a:shade val="50000"/>
+                </a:schemeClr>
+              </a:lnRef>
+              <a:fillRef idx="1">
+                <a:schemeClr val="accent1"/>
+              </a:fillRef>
+              <a:effectRef idx="0">
+                <a:schemeClr val="accent1"/>
+              </a:effectRef>
+              <a:fontRef idx="minor">
+                <a:schemeClr val="lt1"/>
+              </a:fontRef>
+            </p:style>
+            <p:txBody>
+              <a:bodyPr/>
+              <a:p>
+                <a:pPr>
+                  <a:defRPr/>
+                </a:pPr>
+                <a:endParaRPr/>
+              </a:p>
+            </p:txBody>
+          </p:sp>
+          <p:sp>
+            <p:nvSpPr>
+              <p:cNvPr id="317544703" name=""/>
+              <p:cNvSpPr/>
+              <p:nvPr/>
+            </p:nvSpPr>
+            <p:spPr bwMode="auto">
+              <a:xfrm flipH="0" flipV="0">
+                <a:off x="4296265" y="0"/>
+                <a:ext cx="1510409" cy="343685"/>
+              </a:xfrm>
+              <a:prstGeom prst="rect">
+                <a:avLst/>
+              </a:prstGeom>
+              <a:solidFill>
+                <a:schemeClr val="accent1">
+                  <a:alpha val="0"/>
+                </a:schemeClr>
+              </a:solidFill>
+              <a:ln w="19049" cap="flat" cmpd="sng" algn="ctr">
+                <a:solidFill>
+                  <a:schemeClr val="accent1">
+                    <a:shade val="50000"/>
+                  </a:schemeClr>
+                </a:solidFill>
+                <a:prstDash val="solid"/>
+                <a:miter lim="800000"/>
+              </a:ln>
+            </p:spPr>
+            <p:style>
+              <a:lnRef idx="2">
+                <a:schemeClr val="accent1">
+                  <a:shade val="50000"/>
+                </a:schemeClr>
+              </a:lnRef>
+              <a:fillRef idx="1">
+                <a:schemeClr val="accent1"/>
+              </a:fillRef>
+              <a:effectRef idx="0">
+                <a:schemeClr val="accent1"/>
+              </a:effectRef>
+              <a:fontRef idx="minor">
+                <a:schemeClr val="lt1"/>
+              </a:fontRef>
+            </p:style>
+          </p:sp>
+          <p:sp>
+            <p:nvSpPr>
+              <p:cNvPr id="244736102" name=""/>
+              <p:cNvSpPr/>
+              <p:nvPr/>
+            </p:nvSpPr>
+            <p:spPr bwMode="auto">
+              <a:xfrm flipH="0" flipV="0">
+                <a:off x="4053474" y="0"/>
+                <a:ext cx="485582" cy="243034"/>
+              </a:xfrm>
+              <a:prstGeom prst="rect">
+                <a:avLst/>
+              </a:prstGeom>
+              <a:solidFill>
+                <a:schemeClr val="accent1">
+                  <a:alpha val="0"/>
+                </a:schemeClr>
+              </a:solidFill>
+              <a:ln w="19049" cap="flat" cmpd="sng" algn="ctr">
+                <a:solidFill>
+                  <a:schemeClr val="accent1">
+                    <a:shade val="50000"/>
+                  </a:schemeClr>
+                </a:solidFill>
+                <a:prstDash val="solid"/>
+                <a:miter lim="800000"/>
+              </a:ln>
+            </p:spPr>
+            <p:style>
+              <a:lnRef idx="2">
+                <a:schemeClr val="accent1">
+                  <a:shade val="50000"/>
+                </a:schemeClr>
+              </a:lnRef>
+              <a:fillRef idx="1">
+                <a:schemeClr val="accent1"/>
+              </a:fillRef>
+              <a:effectRef idx="0">
+                <a:schemeClr val="accent1"/>
+              </a:effectRef>
+              <a:fontRef idx="minor">
+                <a:schemeClr val="lt1"/>
+              </a:fontRef>
+            </p:style>
+          </p:sp>
+          <p:sp>
+            <p:nvSpPr>
+              <p:cNvPr id="1648389381" name=""/>
+              <p:cNvSpPr/>
+              <p:nvPr/>
+            </p:nvSpPr>
+            <p:spPr bwMode="auto">
+              <a:xfrm flipH="0" flipV="0">
+                <a:off x="2503703" y="1757706"/>
+                <a:ext cx="196391" cy="898491"/>
+              </a:xfrm>
+              <a:prstGeom prst="rect">
+                <a:avLst/>
+              </a:prstGeom>
+              <a:solidFill>
+                <a:schemeClr val="accent1">
+                  <a:alpha val="0"/>
+                </a:schemeClr>
+              </a:solidFill>
+              <a:ln w="19049" cap="flat" cmpd="sng" algn="ctr">
+                <a:solidFill>
+                  <a:schemeClr val="accent1">
+                    <a:shade val="50000"/>
+                  </a:schemeClr>
+                </a:solidFill>
+                <a:prstDash val="solid"/>
+                <a:miter lim="800000"/>
+              </a:ln>
+            </p:spPr>
+            <p:style>
+              <a:lnRef idx="2">
+                <a:schemeClr val="accent1">
+                  <a:shade val="50000"/>
+                </a:schemeClr>
+              </a:lnRef>
+              <a:fillRef idx="1">
+                <a:schemeClr val="accent1"/>
+              </a:fillRef>
+              <a:effectRef idx="0">
+                <a:schemeClr val="accent1"/>
+              </a:effectRef>
+              <a:fontRef idx="minor">
+                <a:schemeClr val="lt1"/>
+              </a:fontRef>
+            </p:style>
+          </p:sp>
+          <p:sp>
+            <p:nvSpPr>
+              <p:cNvPr id="991188646" name=""/>
+              <p:cNvSpPr/>
+              <p:nvPr/>
+            </p:nvSpPr>
+            <p:spPr bwMode="auto">
+              <a:xfrm flipH="0" flipV="0">
+                <a:off x="2565392" y="2553092"/>
+                <a:ext cx="134702" cy="638272"/>
+              </a:xfrm>
+              <a:prstGeom prst="rect">
+                <a:avLst/>
+              </a:prstGeom>
+              <a:solidFill>
+                <a:schemeClr val="accent1">
+                  <a:alpha val="0"/>
+                </a:schemeClr>
+              </a:solidFill>
+              <a:ln w="19049" cap="flat" cmpd="sng" algn="ctr">
+                <a:solidFill>
+                  <a:schemeClr val="accent1">
+                    <a:shade val="50000"/>
+                  </a:schemeClr>
+                </a:solidFill>
+                <a:prstDash val="solid"/>
+                <a:miter lim="800000"/>
+              </a:ln>
+            </p:spPr>
+            <p:style>
+              <a:lnRef idx="2">
+                <a:schemeClr val="accent1">
+                  <a:shade val="50000"/>
+                </a:schemeClr>
+              </a:lnRef>
+              <a:fillRef idx="1">
+                <a:schemeClr val="accent1"/>
+              </a:fillRef>
+              <a:effectRef idx="0">
+                <a:schemeClr val="accent1"/>
+              </a:effectRef>
+              <a:fontRef idx="minor">
+                <a:schemeClr val="lt1"/>
+              </a:fontRef>
+            </p:style>
+          </p:sp>
+        </p:grpSp>
+        <p:sp>
+          <p:nvSpPr>
+            <p:cNvPr id="808092928" name=""/>
+            <p:cNvSpPr/>
+            <p:nvPr/>
+          </p:nvSpPr>
+          <p:spPr bwMode="auto">
+            <a:xfrm flipH="0" flipV="0">
+              <a:off x="1428604" y="12274"/>
+              <a:ext cx="4378070" cy="3800180"/>
+            </a:xfrm>
+            <a:prstGeom prst="rect">
+              <a:avLst/>
+            </a:prstGeom>
+            <a:solidFill>
+              <a:schemeClr val="accent1">
+                <a:alpha val="0"/>
+              </a:schemeClr>
+            </a:solidFill>
+            <a:ln w="19049" cap="flat" cmpd="sng" algn="ctr">
+              <a:solidFill>
+                <a:srgbClr val="FF0000"/>
+              </a:solidFill>
+              <a:prstDash val="solid"/>
+              <a:miter lim="800000"/>
+            </a:ln>
+          </p:spPr>
+          <p:style>
+            <a:lnRef idx="2">
+              <a:schemeClr val="accent1">
+                <a:shade val="50000"/>
+              </a:schemeClr>
+            </a:lnRef>
+            <a:fillRef idx="1">
+              <a:schemeClr val="accent1"/>
+            </a:fillRef>
+            <a:effectRef idx="0">
+              <a:schemeClr val="accent1"/>
+            </a:effectRef>
+            <a:fontRef idx="minor">
+              <a:schemeClr val="lt1"/>
+            </a:fontRef>
+          </p:style>
+        </p:sp>
+      </p:grpSp>
+    </p:spTree>
+  </p:cSld>
+  <p:clrMapOvr>
+    <a:masterClrMapping/>
+  </p:clrMapOvr>
+  <mc:AlternateContent xmlns:mc="http://schemas.openxmlformats.org/markup-compatibility/2006">
+    <mc:Choice xmlns:p159="http://schemas.microsoft.com/office/powerpoint/2015/09/main" xmlns:p14="http://schemas.microsoft.com/office/powerpoint/2010/main" Requires="p159">
+      <p:transition p14:dur="2000" advClick="1"/>
+    </mc:Choice>
+    <mc:Fallback>
+      <p:transition advClick="1"/>
+    </mc:Fallback>
+  </mc:AlternateContent>
+</p:sld>
+</file>
+
+<file path=ppt/slides/slide3.xml><?xml version="1.0" encoding="utf-8"?>
+<p:sld xmlns:a="http://schemas.openxmlformats.org/drawingml/2006/main" xmlns:r="http://schemas.openxmlformats.org/officeDocument/2006/relationships" xmlns:p="http://schemas.openxmlformats.org/presentationml/2006/main" xmlns:m="http://schemas.openxmlformats.org/officeDocument/2006/math" xmlns:w="http://schemas.openxmlformats.org/wordprocessingml/2006/main" xmlns:mc="http://schemas.openxmlformats.org/markup-compatibility/2006" showMasterPhAnim="0" showMasterSp="1" show="1">
+  <p:cSld name="">
+    <p:spTree>
+      <p:nvGrpSpPr>
+        <p:cNvPr id="1" name=""/>
+        <p:cNvGrpSpPr/>
+        <p:nvPr/>
+      </p:nvGrpSpPr>
+      <p:grpSpPr bwMode="auto">
+        <a:xfrm>
+          <a:off x="0" y="0"/>
+          <a:ext cx="0" cy="0"/>
+          <a:chOff x="0" y="0"/>
+          <a:chExt cx="0" cy="0"/>
+        </a:xfrm>
+      </p:grpSpPr>
+      <p:sp>
+        <p:nvSpPr>
+          <p:cNvPr id="1414836619" name="Title 1"/>
+          <p:cNvSpPr>
+            <a:spLocks noGrp="1"/>
+          </p:cNvSpPr>
+          <p:nvPr>
+            <p:ph type="title"/>
+          </p:nvPr>
+        </p:nvSpPr>
+        <p:spPr bwMode="auto"/>
+        <p:txBody>
+          <a:bodyPr/>
+          <a:lstStyle/>
+          <a:p>
+            <a:pPr>
+              <a:defRPr/>
+            </a:pPr>
+            <a:r>
+              <a:rPr>
+                <a:solidFill>
+                  <a:schemeClr val="bg1"/>
+                </a:solidFill>
+              </a:rPr>
+              <a:t>Proposed loss function</a:t>
+            </a:r>
+            <a:endParaRPr>
+              <a:solidFill>
+                <a:schemeClr val="bg1"/>
+              </a:solidFill>
+            </a:endParaRPr>
+          </a:p>
+        </p:txBody>
+      </p:sp>
+      <p:sp>
+        <p:nvSpPr>
+          <p:cNvPr id="766677070" name="Content Placeholder 2"/>
+          <p:cNvSpPr>
+            <a:spLocks noGrp="1"/>
+          </p:cNvSpPr>
+          <p:nvPr>
+            <p:ph idx="1"/>
+          </p:nvPr>
+        </p:nvSpPr>
+        <p:spPr bwMode="auto"/>
+        <p:txBody>
+          <a:bodyPr/>
+          <a:lstStyle/>
+          <a:p>
+            <a:pPr marL="0" indent="0" algn="ctr">
+              <a:buFont typeface="Arial"/>
+              <a:buNone/>
+              <a:defRPr/>
+            </a:pPr>
+            <mc:AlternateContent xmlns:mc="http://schemas.openxmlformats.org/markup-compatibility/2006" xmlns:m="http://schemas.openxmlformats.org/officeDocument/2006/math">
+              <mc:Choice xmlns:a14="http://schemas.microsoft.com/office/drawing/2010/main" Requires="a14">
+                <a14:m>
+                  <m:oMathPara>
+                    <m:oMathParaPr/>
+                    <m:oMath>
+                      <m:r>
+                        <m:rPr>
+                          <m:sty m:val="p"/>
+                        </m:rPr>
+                        <a:rPr lang="en-US" sz="2800" u="none" strike="noStrike" cap="none" spc="0">
+                          <a:solidFill>
+                            <a:schemeClr val="bg1"/>
+                          </a:solidFill>
+                          <a:latin typeface="Cambria Math"/>
+                          <a:ea typeface="Cambria Math"/>
+                          <a:cs typeface="Cambria Math"/>
+                        </a:rPr>
+                        <m:t>FL</m:t>
+                      </m:r>
+                      <m:d>
+                        <m:dPr>
+                          <m:begChr m:val="("/>
+                          <m:endChr m:val=")"/>
+                          <m:ctrlPr>
+                            <a:rPr lang="en-US" sz="2800" u="none" strike="noStrike" cap="none" spc="0">
+                              <a:solidFill>
+                                <a:schemeClr val="bg1"/>
+                              </a:solidFill>
+                              <a:latin typeface="Cambria Math"/>
+                              <a:ea typeface="Cambria Math"/>
+                              <a:cs typeface="Cambria Math"/>
+                            </a:rPr>
+                          </m:ctrlPr>
+                        </m:dPr>
+                        <m:e>
+                          <m:sSub>
+                            <m:sSubPr>
+                              <m:ctrlPr>
+                                <a:rPr lang="en-US" sz="2800" b="0" i="1" u="none" strike="noStrike" cap="none" spc="0">
+                                  <a:solidFill>
+                                    <a:schemeClr val="bg1"/>
+                                  </a:solidFill>
+                                  <a:latin typeface="Cambria Math"/>
+                                  <a:ea typeface="Cambria Math"/>
+                                  <a:cs typeface="Cambria Math"/>
+                                </a:rPr>
+                              </m:ctrlPr>
+                            </m:sSubPr>
+                            <m:e>
+                              <m:r>
+                                <m:rPr>
+                                  <m:sty m:val="i"/>
+                                </m:rPr>
+                                <a:rPr lang="en-US" sz="2800" u="none" strike="noStrike" cap="none" spc="0">
+                                  <a:solidFill>
+                                    <a:schemeClr val="bg1"/>
+                                  </a:solidFill>
+                                  <a:latin typeface="Cambria Math"/>
+                                  <a:ea typeface="Cambria Math"/>
+                                  <a:cs typeface="Cambria Math"/>
+                                </a:rPr>
+                                <m:t>p</m:t>
+                              </m:r>
+                            </m:e>
+                            <m:sub>
+                              <m:r>
+                                <m:rPr>
+                                  <m:sty m:val="i"/>
+                                </m:rPr>
+                                <a:rPr lang="en-US" sz="2800" u="none" strike="noStrike" cap="none" spc="0">
+                                  <a:solidFill>
+                                    <a:schemeClr val="bg1"/>
+                                  </a:solidFill>
+                                  <a:latin typeface="Cambria Math"/>
+                                  <a:ea typeface="Cambria Math"/>
+                                  <a:cs typeface="Cambria Math"/>
+                                </a:rPr>
+                                <m:t>t</m:t>
+                              </m:r>
+                            </m:sub>
+                          </m:sSub>
+                        </m:e>
+                      </m:d>
+                      <m:r>
+                        <m:rPr/>
+                        <a:rPr lang="en-US" sz="2800" u="none" strike="noStrike" cap="none" spc="0">
+                          <a:solidFill>
+                            <a:schemeClr val="bg1"/>
+                          </a:solidFill>
+                          <a:latin typeface="Cambria Math"/>
+                          <a:ea typeface="Cambria Math"/>
+                          <a:cs typeface="Cambria Math"/>
+                        </a:rPr>
+                        <m:t>= </m:t>
+                      </m:r>
+                      <m:sSub>
+                        <m:sSubPr>
+                          <m:ctrlPr>
+                            <a:rPr lang="en-US" sz="2800" b="0" i="1" u="none" strike="noStrike" cap="none" spc="0">
+                              <a:solidFill>
+                                <a:schemeClr val="bg1"/>
+                              </a:solidFill>
+                              <a:latin typeface="Cambria Math"/>
+                              <a:ea typeface="Cambria Math"/>
+                              <a:cs typeface="Cambria Math"/>
+                            </a:rPr>
+                          </m:ctrlPr>
+                        </m:sSubPr>
+                        <m:e>
+                          <m:r>
+                            <m:rPr>
+                              <m:sty m:val="i"/>
+                            </m:rPr>
+                            <a:rPr lang="en-US" sz="2800" u="none" strike="noStrike" cap="none" spc="0">
+                              <a:solidFill>
+                                <a:schemeClr val="bg1"/>
+                              </a:solidFill>
+                              <a:latin typeface="Cambria Math"/>
+                              <a:ea typeface="Cambria Math"/>
+                              <a:cs typeface="Cambria Math"/>
+                            </a:rPr>
+                            <m:t>α</m:t>
+                          </m:r>
+                        </m:e>
+                        <m:sub>
+                          <m:r>
+                            <m:rPr>
+                              <m:sty m:val="i"/>
+                            </m:rPr>
+                            <a:rPr lang="en-US" sz="2800" u="none" strike="noStrike" cap="none" spc="0">
+                              <a:solidFill>
+                                <a:schemeClr val="bg1"/>
+                              </a:solidFill>
+                              <a:latin typeface="Cambria Math"/>
+                              <a:ea typeface="Cambria Math"/>
+                              <a:cs typeface="Cambria Math"/>
+                            </a:rPr>
+                            <m:t>t</m:t>
+                          </m:r>
+                        </m:sub>
+                      </m:sSub>
+                      <m:sSup>
+                        <m:sSupPr>
+                          <m:ctrlPr>
+                            <a:rPr lang="en-US" sz="2800" b="0" i="1" u="none" strike="noStrike" cap="none" spc="0">
+                              <a:solidFill>
+                                <a:schemeClr val="bg1"/>
+                              </a:solidFill>
+                              <a:latin typeface="Cambria Math"/>
+                              <a:ea typeface="Cambria Math"/>
+                              <a:cs typeface="Cambria Math"/>
+                            </a:rPr>
+                          </m:ctrlPr>
+                        </m:sSupPr>
+                        <m:e>
+                          <m:r>
+                            <m:rPr>
+                              <m:sty m:val="i"/>
+                            </m:rPr>
+                            <a:rPr lang="en-US" sz="2800" u="none" strike="noStrike" cap="none" spc="0">
+                              <a:solidFill>
+                                <a:schemeClr val="bg1"/>
+                              </a:solidFill>
+                              <a:latin typeface="Cambria Math"/>
+                              <a:ea typeface="Cambria Math"/>
+                              <a:cs typeface="Cambria Math"/>
+                            </a:rPr>
+                            <m:t>(1-</m:t>
+                          </m:r>
+                          <m:r>
+                            <m:rPr>
+                              <m:sty m:val="i"/>
+                            </m:rPr>
+                            <a:rPr lang="en-US" sz="2800" u="none" strike="noStrike" cap="none" spc="0">
+                              <a:solidFill>
+                                <a:schemeClr val="bg1"/>
+                              </a:solidFill>
+                              <a:latin typeface="Cambria Math"/>
+                              <a:ea typeface="Cambria Math"/>
+                              <a:cs typeface="Cambria Math"/>
+                            </a:rPr>
+                            <m:t>)</m:t>
+                          </m:r>
+                          <m:sSub>
+                            <m:sSubPr>
+                              <m:ctrlPr>
+                                <a:rPr lang="en-US" sz="2800" b="0" i="1" u="none" strike="noStrike" cap="none" spc="0">
+                                  <a:solidFill>
+                                    <a:schemeClr val="bg1"/>
+                                  </a:solidFill>
+                                  <a:latin typeface="Cambria Math"/>
+                                  <a:ea typeface="Cambria Math"/>
+                                  <a:cs typeface="Cambria Math"/>
+                                </a:rPr>
+                              </m:ctrlPr>
+                            </m:sSubPr>
+                            <m:e>
+                              <m:r>
+                                <m:rPr>
+                                  <m:sty m:val="i"/>
+                                </m:rPr>
+                                <a:rPr lang="en-US" sz="2800" u="none" strike="noStrike" cap="none" spc="0">
+                                  <a:solidFill>
+                                    <a:schemeClr val="bg1"/>
+                                  </a:solidFill>
+                                  <a:latin typeface="Cambria Math"/>
+                                  <a:ea typeface="Cambria Math"/>
+                                  <a:cs typeface="Cambria Math"/>
+                                </a:rPr>
+                                <m:t>p</m:t>
+                              </m:r>
+                            </m:e>
+                            <m:sub>
+                              <m:r>
+                                <m:rPr>
+                                  <m:sty m:val="i"/>
+                                </m:rPr>
+                                <a:rPr lang="en-US" sz="2800" u="none" strike="noStrike" cap="none" spc="0">
+                                  <a:solidFill>
+                                    <a:schemeClr val="bg1"/>
+                                  </a:solidFill>
+                                  <a:latin typeface="Cambria Math"/>
+                                  <a:ea typeface="Cambria Math"/>
+                                  <a:cs typeface="Cambria Math"/>
+                                </a:rPr>
+                                <m:t>t</m:t>
+                              </m:r>
+                            </m:sub>
+                          </m:sSub>
+                        </m:e>
+                        <m:sup>
+                          <m:r>
+                            <m:rPr>
+                              <m:sty m:val="i"/>
+                            </m:rPr>
+                            <a:rPr lang="en-US" sz="2800" u="none" strike="noStrike" cap="none" spc="0">
+                              <a:solidFill>
+                                <a:schemeClr val="bg1"/>
+                              </a:solidFill>
+                              <a:latin typeface="Cambria Math"/>
+                              <a:ea typeface="Cambria Math"/>
+                              <a:cs typeface="Cambria Math"/>
+                            </a:rPr>
+                            <m:t>γ</m:t>
+                          </m:r>
+                        </m:sup>
+                      </m:sSup>
+                    </m:oMath>
+                  </m:oMathPara>
+                </a14:m>
+              </mc:Choice>
+              <mc:Fallback/>
+            </mc:AlternateContent>
+            <mc:AlternateContent xmlns:mc="http://schemas.openxmlformats.org/markup-compatibility/2006" xmlns:m="http://schemas.openxmlformats.org/officeDocument/2006/math">
+              <mc:Choice xmlns:a14="http://schemas.microsoft.com/office/drawing/2010/main" Requires="a14">
+                <a14:m>
+                  <m:oMathPara>
+                    <m:oMathParaPr/>
+                    <m:oMath>
+                      <m:r>
+                        <m:rPr>
+                          <m:sty m:val="p"/>
+                        </m:rPr>
+                        <a:rPr lang="en-US" sz="2800" u="none" strike="noStrike" cap="none" spc="0">
+                          <a:solidFill>
+                            <a:srgbClr val="FFFF00"/>
+                          </a:solidFill>
+                          <a:latin typeface="Cambria Math"/>
+                          <a:ea typeface="Cambria Math"/>
+                          <a:cs typeface="Cambria Math"/>
+                        </a:rPr>
+                        <m:t>(-</m:t>
+                      </m:r>
+                      <m:func>
+                        <m:funcPr>
+                          <m:ctrlPr>
+                            <a:rPr lang="en-US" sz="2800" b="0" i="1" u="none" strike="noStrike" cap="none" spc="0">
+                              <a:solidFill>
+                                <a:srgbClr val="FFFF00"/>
+                              </a:solidFill>
+                              <a:latin typeface="Cambria Math"/>
+                              <a:ea typeface="Cambria Math"/>
+                              <a:cs typeface="Cambria Math"/>
+                            </a:rPr>
+                          </m:ctrlPr>
+                        </m:funcPr>
+                        <m:fName>
+                          <m:r>
+                            <m:rPr>
+                              <m:sty m:val="i"/>
+                            </m:rPr>
+                            <a:rPr lang="en-US" sz="2800" u="none" strike="noStrike" cap="none" spc="0">
+                              <a:solidFill>
+                                <a:srgbClr val="FFFF00"/>
+                              </a:solidFill>
+                              <a:latin typeface="Cambria Math"/>
+                              <a:ea typeface="Cambria Math"/>
+                              <a:cs typeface="Cambria Math"/>
+                            </a:rPr>
+                            <m:t>log</m:t>
+                          </m:r>
+                        </m:fName>
+                        <m:e>
+                          <m:sSub>
+                            <m:sSubPr>
+                              <m:ctrlPr>
+                                <a:rPr lang="en-US" sz="2800" i="1" u="none" strike="noStrike" cap="none" spc="0">
+                                  <a:solidFill>
+                                    <a:srgbClr val="FFFF00"/>
+                                  </a:solidFill>
+                                  <a:latin typeface="Cambria Math"/>
+                                  <a:ea typeface="Cambria Math"/>
+                                  <a:cs typeface="Cambria Math"/>
+                                </a:rPr>
+                              </m:ctrlPr>
+                            </m:sSubPr>
+                            <m:e>
+                              <m:r>
+                                <m:rPr>
+                                  <m:sty m:val="i"/>
+                                </m:rPr>
+                                <a:rPr lang="en-US" sz="2800" u="none" strike="noStrike" cap="none" spc="0">
+                                  <a:solidFill>
+                                    <a:srgbClr val="FFFF00"/>
+                                  </a:solidFill>
+                                  <a:latin typeface="Cambria Math"/>
+                                  <a:ea typeface="Cambria Math"/>
+                                  <a:cs typeface="Cambria Math"/>
+                                </a:rPr>
+                                <m:t>p</m:t>
+                              </m:r>
+                            </m:e>
+                            <m:sub>
+                              <m:r>
+                                <m:rPr>
+                                  <m:sty m:val="i"/>
+                                </m:rPr>
+                                <a:rPr lang="en-US" sz="2800" u="none" strike="noStrike" cap="none" spc="0">
+                                  <a:solidFill>
+                                    <a:srgbClr val="FFFF00"/>
+                                  </a:solidFill>
+                                  <a:latin typeface="Cambria Math"/>
+                                  <a:ea typeface="Cambria Math"/>
+                                  <a:cs typeface="Cambria Math"/>
+                                </a:rPr>
+                                <m:t>t</m:t>
+                              </m:r>
+                            </m:sub>
+                          </m:sSub>
+                          <m:r>
+                            <m:rPr>
+                              <m:sty m:val="i"/>
+                            </m:rPr>
+                            <a:rPr lang="en-US" sz="2800" u="none" strike="noStrike" cap="none" spc="0">
+                              <a:solidFill>
+                                <a:srgbClr val="FFFF00"/>
+                              </a:solidFill>
+                              <a:latin typeface="Cambria Math"/>
+                              <a:ea typeface="Cambria Math"/>
+                              <a:cs typeface="Cambria Math"/>
+                            </a:rPr>
+                            <m:t>)</m:t>
+                          </m:r>
+                        </m:e>
+                      </m:func>
+                    </m:oMath>
+                  </m:oMathPara>
+                </a14:m>
+              </mc:Choice>
+              <mc:Fallback/>
+            </mc:AlternateContent>
+            <a:endParaRPr>
+              <a:solidFill>
+                <a:schemeClr val="bg1"/>
+              </a:solidFill>
+            </a:endParaRPr>
+          </a:p>
+          <a:p>
+            <a:pPr marL="0" indent="0" algn="ctr">
+              <a:buFont typeface="Arial"/>
+              <a:buNone/>
+              <a:defRPr/>
+            </a:pPr>
+            <a:endParaRPr>
+              <a:solidFill>
+                <a:schemeClr val="bg1"/>
+              </a:solidFill>
+            </a:endParaRPr>
+          </a:p>
+          <a:p>
+            <a:pPr marL="0" indent="0" algn="ctr">
+              <a:buFont typeface="Arial"/>
+              <a:buNone/>
+              <a:defRPr/>
+            </a:pPr>
+            <a:endParaRPr>
+              <a:solidFill>
+                <a:schemeClr val="bg1"/>
+              </a:solidFill>
+            </a:endParaRPr>
+          </a:p>
+          <a:p>
+            <a:pPr marL="0" indent="0" algn="ctr">
+              <a:buFont typeface="Arial"/>
+              <a:buNone/>
+              <a:defRPr/>
+            </a:pPr>
+            <a:endParaRPr>
+              <a:solidFill>
+                <a:schemeClr val="bg1"/>
+              </a:solidFill>
+            </a:endParaRPr>
+          </a:p>
+          <a:p>
+            <a:pPr algn="l">
+              <a:defRPr/>
+            </a:pPr>
+            <mc:AlternateContent xmlns:mc="http://schemas.openxmlformats.org/markup-compatibility/2006" xmlns:m="http://schemas.openxmlformats.org/officeDocument/2006/math">
+              <mc:Choice xmlns:a14="http://schemas.microsoft.com/office/drawing/2010/main" Requires="a14">
+                <a14:m>
+                  <m:oMathPara>
+                    <m:oMathParaPr>
+                      <m:jc m:val="center"/>
+                    </m:oMathParaPr>
+                    <m:oMath>
+                      <m:r>
+                        <m:rPr>
+                          <m:sty m:val="p"/>
+                        </m:rPr>
+                        <a:rPr lang="en-US" sz="2800" u="none" strike="noStrike" cap="none" spc="0">
+                          <a:solidFill>
+                            <a:schemeClr val="bg1"/>
+                          </a:solidFill>
+                          <a:latin typeface="Cambria Math"/>
+                          <a:ea typeface="Cambria Math"/>
+                          <a:cs typeface="Cambria Math"/>
+                        </a:rPr>
+                        <m:t>y</m:t>
+                      </m:r>
+                    </m:oMath>
+                  </m:oMathPara>
+                </a14:m>
+              </mc:Choice>
+              <mc:Fallback/>
+            </mc:AlternateContent>
+            <a:r>
+              <a:rPr>
+                <a:solidFill>
+                  <a:schemeClr val="bg1"/>
+                </a:solidFill>
+              </a:rPr>
+              <a:t> is defined as the ground truth</a:t>
+            </a:r>
+            <a:endParaRPr>
+              <a:solidFill>
+                <a:schemeClr val="bg1"/>
+              </a:solidFill>
+            </a:endParaRPr>
+          </a:p>
+          <a:p>
+            <a:pPr algn="l">
+              <a:defRPr/>
+            </a:pPr>
+            <mc:AlternateContent xmlns:mc="http://schemas.openxmlformats.org/markup-compatibility/2006" xmlns:m="http://schemas.openxmlformats.org/officeDocument/2006/math">
+              <mc:Choice xmlns:a14="http://schemas.microsoft.com/office/drawing/2010/main" Requires="a14">
+                <a14:m>
+                  <m:oMathPara>
+                    <m:oMathParaPr/>
+                    <m:oMath>
+                      <m:r>
+                        <m:rPr>
+                          <m:sty m:val="p"/>
+                        </m:rPr>
+                        <a:rPr lang="en-US" sz="2800" u="none" strike="noStrike" cap="none" spc="0">
+                          <a:solidFill>
+                            <a:schemeClr val="bg1"/>
+                          </a:solidFill>
+                          <a:latin typeface="Cambria Math"/>
+                          <a:ea typeface="Cambria Math"/>
+                          <a:cs typeface="Cambria Math"/>
+                        </a:rPr>
+                        <m:t>p</m:t>
+                      </m:r>
+                    </m:oMath>
+                  </m:oMathPara>
+                </a14:m>
+              </mc:Choice>
+              <mc:Fallback/>
+            </mc:AlternateContent>
+            <a:r>
+              <a:rPr>
+                <a:solidFill>
+                  <a:schemeClr val="bg1"/>
+                </a:solidFill>
+              </a:rPr>
+              <a:t> is the predicted probability for a foreground class</a:t>
+            </a:r>
+            <a:endParaRPr>
+              <a:solidFill>
+                <a:schemeClr val="bg1"/>
+              </a:solidFill>
+            </a:endParaRPr>
+          </a:p>
+        </p:txBody>
+      </p:sp>
+      <p:sp>
+        <p:nvSpPr>
+          <p:cNvPr id="1785617614" name=""/>
+          <p:cNvSpPr txBox="1"/>
+          <p:nvPr/>
+        </p:nvSpPr>
+        <p:spPr bwMode="auto">
+          <a:xfrm flipH="0" flipV="0">
+            <a:off x="4787011" y="2366520"/>
+            <a:ext cx="2617976" cy="903894"/>
+          </a:xfrm>
+          <a:prstGeom prst="rect">
+            <a:avLst/>
+          </a:prstGeom>
+          <a:noFill/>
+        </p:spPr>
+        <p:txBody>
+          <a:bodyPr vertOverflow="overflow" horzOverflow="overflow" vert="horz" wrap="square" lIns="91440" tIns="45720" rIns="91440" bIns="45720" numCol="1" spcCol="0" rtlCol="0" fromWordArt="0" anchor="t" anchorCtr="0" forceAA="0" upright="0" compatLnSpc="0">
+            <a:spAutoFit/>
+          </a:bodyPr>
+          <a:p>
+            <a:pPr>
+              <a:defRPr/>
+            </a:pPr>
+            <mc:AlternateContent xmlns:mc="http://schemas.openxmlformats.org/markup-compatibility/2006" xmlns:m="http://schemas.openxmlformats.org/officeDocument/2006/math">
+              <mc:Choice xmlns:a14="http://schemas.microsoft.com/office/drawing/2010/main" Requires="a14">
+                <a14:m>
+                  <m:oMathPara>
+                    <m:oMathParaPr/>
+                    <m:oMath>
+                      <m:sSub>
+                        <m:sSubPr>
+                          <m:ctrlPr>
+                            <a:rPr lang="en-US" sz="2600" b="0" i="1" u="none" strike="noStrike" cap="none" spc="0">
+                              <a:solidFill>
+                                <a:schemeClr val="bg1"/>
+                              </a:solidFill>
+                              <a:latin typeface="Cambria Math"/>
+                              <a:ea typeface="Cambria Math"/>
+                              <a:cs typeface="Cambria Math"/>
+                            </a:rPr>
+                          </m:ctrlPr>
+                        </m:sSubPr>
+                        <m:e>
+                          <m:r>
+                            <m:rPr>
+                              <m:sty m:val="i"/>
+                            </m:rPr>
+                            <a:rPr lang="en-US" sz="2600" u="none" strike="noStrike" cap="none" spc="0">
+                              <a:solidFill>
+                                <a:schemeClr val="bg1"/>
+                              </a:solidFill>
+                              <a:latin typeface="Cambria Math"/>
+                              <a:ea typeface="Cambria Math"/>
+                              <a:cs typeface="Cambria Math"/>
+                            </a:rPr>
+                            <m:t>p</m:t>
+                          </m:r>
+                        </m:e>
+                        <m:sub>
+                          <m:r>
+                            <m:rPr>
+                              <m:sty m:val="i"/>
+                            </m:rPr>
+                            <a:rPr lang="en-US" sz="2600" u="none" strike="noStrike" cap="none" spc="0">
+                              <a:solidFill>
+                                <a:schemeClr val="bg1"/>
+                              </a:solidFill>
+                              <a:latin typeface="Cambria Math"/>
+                              <a:ea typeface="Cambria Math"/>
+                              <a:cs typeface="Cambria Math"/>
+                            </a:rPr>
+                            <m:t>t</m:t>
+                          </m:r>
+                        </m:sub>
+                      </m:sSub>
+                      <m:r>
+                        <m:rPr>
+                          <m:sty m:val="p"/>
+                        </m:rPr>
+                        <a:rPr lang="en-US" sz="2600" u="none" strike="noStrike" cap="none" spc="0">
+                          <a:solidFill>
+                            <a:schemeClr val="bg1"/>
+                          </a:solidFill>
+                          <a:latin typeface="Cambria Math"/>
+                          <a:ea typeface="Cambria Math"/>
+                          <a:cs typeface="Cambria Math"/>
+                        </a:rPr>
+                        <m:t> = </m:t>
+                      </m:r>
+                      <m:d>
+                        <m:dPr>
+                          <m:begChr m:val="{"/>
+                          <m:endChr m:val=""/>
+                          <m:ctrlPr>
+                            <a:rPr lang="en-US" sz="2600" i="1" u="none" strike="noStrike" cap="none" spc="0">
+                              <a:solidFill>
+                                <a:schemeClr val="bg1"/>
+                              </a:solidFill>
+                              <a:latin typeface="Cambria Math"/>
+                              <a:ea typeface="Cambria Math"/>
+                              <a:cs typeface="Cambria Math"/>
+                            </a:rPr>
+                          </m:ctrlPr>
+                        </m:dPr>
+                        <m:e>
+                          <m:eqArr>
+                            <m:eqArrPr>
+                              <m:baseJc m:val="center"/>
+                              <m:maxDist m:val="off"/>
+                              <m:objDist m:val="off"/>
+                              <m:rSp/>
+                              <m:rSpRule/>
+                              <m:ctrlPr>
+                                <a:rPr lang="en-US" sz="2600" i="1" u="none" strike="noStrike" cap="none" spc="0">
+                                  <a:solidFill>
+                                    <a:schemeClr val="bg1"/>
+                                  </a:solidFill>
+                                  <a:latin typeface="Cambria Math"/>
+                                  <a:ea typeface="Cambria Math"/>
+                                  <a:cs typeface="Cambria Math"/>
+                                </a:rPr>
+                              </m:ctrlPr>
+                            </m:eqArrPr>
+                            <m:e>
+                              <m:r>
+                                <m:rPr>
+                                  <m:sty m:val="i"/>
+                                </m:rPr>
+                                <a:rPr lang="en-US" sz="2600" u="none" strike="noStrike" cap="none" spc="0">
+                                  <a:solidFill>
+                                    <a:schemeClr val="bg1"/>
+                                  </a:solidFill>
+                                  <a:latin typeface="Cambria Math"/>
+                                  <a:ea typeface="Cambria Math"/>
+                                  <a:cs typeface="Cambria Math"/>
+                                </a:rPr>
+                                <m:t>p, if y=1</m:t>
+                              </m:r>
+                            </m:e>
+                            <m:e>
+                              <m:r>
+                                <m:rPr>
+                                  <m:sty m:val="i"/>
+                                </m:rPr>
+                                <a:rPr lang="en-US" sz="2600" u="none" strike="noStrike" cap="none" spc="0">
+                                  <a:solidFill>
+                                    <a:schemeClr val="bg1"/>
+                                  </a:solidFill>
+                                  <a:latin typeface="Cambria Math"/>
+                                  <a:ea typeface="Cambria Math"/>
+                                  <a:cs typeface="Cambria Math"/>
+                                </a:rPr>
+                                <m:t>1-p, else</m:t>
+                              </m:r>
+                            </m:e>
+                          </m:eqArr>
+                        </m:e>
+                      </m:d>
+                    </m:oMath>
+                  </m:oMathPara>
+                </a14:m>
+              </mc:Choice>
+              <mc:Fallback/>
+            </mc:AlternateContent>
+            <a:endParaRPr sz="2600"/>
+          </a:p>
+        </p:txBody>
+      </p:sp>
+    </p:spTree>
+  </p:cSld>
+  <p:clrMapOvr>
+    <a:masterClrMapping/>
+  </p:clrMapOvr>
+  <mc:AlternateContent xmlns:mc="http://schemas.openxmlformats.org/markup-compatibility/2006">
+    <mc:Choice xmlns:p159="http://schemas.microsoft.com/office/powerpoint/2015/09/main" xmlns:p14="http://schemas.microsoft.com/office/powerpoint/2010/main" Requires="p159">
+      <p:transition p14:dur="2000" advClick="1"/>
+    </mc:Choice>
+    <mc:Fallback>
+      <p:transition advClick="1"/>
+    </mc:Fallback>
+  </mc:AlternateContent>
+</p:sld>
+</file>
+
+<file path=ppt/slides/slide4.xml><?xml version="1.0" encoding="utf-8"?>
+<p:sld xmlns:a="http://schemas.openxmlformats.org/drawingml/2006/main" xmlns:r="http://schemas.openxmlformats.org/officeDocument/2006/relationships" xmlns:p="http://schemas.openxmlformats.org/presentationml/2006/main" xmlns:m="http://schemas.openxmlformats.org/officeDocument/2006/math" xmlns:w="http://schemas.openxmlformats.org/wordprocessingml/2006/main" xmlns:mc="http://schemas.openxmlformats.org/markup-compatibility/2006" showMasterPhAnim="0" showMasterSp="1" show="1">
+  <p:cSld name="">
+    <p:spTree>
+      <p:nvGrpSpPr>
+        <p:cNvPr id="1" name=""/>
+        <p:cNvGrpSpPr/>
+        <p:nvPr/>
+      </p:nvGrpSpPr>
+      <p:grpSpPr bwMode="auto">
+        <a:xfrm>
+          <a:off x="0" y="0"/>
+          <a:ext cx="0" cy="0"/>
+          <a:chOff x="0" y="0"/>
+          <a:chExt cx="0" cy="0"/>
+        </a:xfrm>
+      </p:grpSpPr>
+      <p:sp>
+        <p:nvSpPr>
+          <p:cNvPr id="1405797290" name="Title 1"/>
+          <p:cNvSpPr>
+            <a:spLocks noGrp="1"/>
+          </p:cNvSpPr>
+          <p:nvPr>
+            <p:ph type="title"/>
+          </p:nvPr>
+        </p:nvSpPr>
+        <p:spPr bwMode="auto"/>
+        <p:txBody>
+          <a:bodyPr/>
+          <a:lstStyle/>
+          <a:p>
+            <a:pPr>
+              <a:defRPr/>
+            </a:pPr>
+            <a:r>
+              <a:rPr>
+                <a:solidFill>
+                  <a:schemeClr val="bg1"/>
+                </a:solidFill>
+              </a:rPr>
+              <a:t>Tunable hyperparameters</a:t>
+            </a:r>
+            <a:endParaRPr>
+              <a:solidFill>
+                <a:schemeClr val="bg1"/>
+              </a:solidFill>
+            </a:endParaRPr>
+          </a:p>
+        </p:txBody>
+      </p:sp>
+      <p:pic>
+        <p:nvPicPr>
+          <p:cNvPr id="613305247" name="">
+            <a:hlinkClick r:id="" action="ppaction://media"/>
+          </p:cNvPr>
+          <p:cNvPicPr>
+            <a:picLocks noChangeAspect="1"/>
+          </p:cNvPicPr>
+          <p:nvPr>
+            <p:ph idx="1"/>
+            <a:videoFile r:link="rId5"/>
+            <p:extLst>
+              <p:ext uri="{DAA4B4D4-6D71-4841-9C94-3DE7FCFB9230}">
+                <p14:media xmlns:p14="http://schemas.microsoft.com/office/powerpoint/2010/main" r:embed="rId4"/>
+              </p:ext>
+            </p:extLst>
+          </p:nvPr>
+        </p:nvPicPr>
+        <p:blipFill>
+          <a:blip r:embed="rId3"/>
+          <a:stretch/>
+        </p:blipFill>
+        <p:spPr bwMode="auto">
+          <a:xfrm rot="0" flipH="0" flipV="0">
+            <a:off x="2433293" y="1826443"/>
+            <a:ext cx="7325412" cy="5031556"/>
+          </a:xfrm>
+          <a:prstGeom prst="rect">
+            <a:avLst/>
+          </a:prstGeom>
+        </p:spPr>
+      </p:pic>
+      <p:sp>
+        <p:nvSpPr>
+          <p:cNvPr id="2412002" name=""/>
+          <p:cNvSpPr txBox="1"/>
+          <p:nvPr/>
+        </p:nvSpPr>
+        <p:spPr bwMode="auto">
+          <a:xfrm flipH="0" flipV="0">
+            <a:off x="5614421" y="1368883"/>
+            <a:ext cx="963156" cy="457560"/>
+          </a:xfrm>
+          <a:prstGeom prst="rect">
+            <a:avLst/>
+          </a:prstGeom>
+          <a:noFill/>
+        </p:spPr>
+        <p:txBody>
+          <a:bodyPr vertOverflow="overflow" horzOverflow="overflow" vert="horz" wrap="none" lIns="91440" tIns="45720" rIns="91440" bIns="45720" numCol="1" spcCol="0" rtlCol="0" fromWordArt="0" anchor="t" anchorCtr="0" forceAA="0" upright="0" compatLnSpc="0">
+            <a:spAutoFit/>
+          </a:bodyPr>
+          <a:p>
+            <a:pPr>
+              <a:defRPr/>
+            </a:pPr>
+            <a:r>
+              <a:rPr sz="2400">
+                <a:solidFill>
+                  <a:schemeClr val="bg1"/>
+                </a:solidFill>
+              </a:rPr>
+              <a:t>Video</a:t>
+            </a:r>
+            <a:endParaRPr sz="2400">
+              <a:solidFill>
+                <a:schemeClr val="bg1"/>
+              </a:solidFill>
+            </a:endParaRPr>
+          </a:p>
+        </p:txBody>
+      </p:sp>
+    </p:spTree>
+  </p:cSld>
+  <p:clrMapOvr>
+    <a:masterClrMapping/>
+  </p:clrMapOvr>
+  <mc:AlternateContent xmlns:mc="http://schemas.openxmlformats.org/markup-compatibility/2006">
+    <mc:Choice xmlns:p159="http://schemas.microsoft.com/office/powerpoint/2015/09/main" xmlns:p14="http://schemas.microsoft.com/office/powerpoint/2010/main" Requires="p159">
+      <p:transition p14:dur="2000" advClick="1"/>
+    </mc:Choice>
+    <mc:Fallback>
+      <p:transition advClick="1"/>
+    </mc:Fallback>
+  </mc:AlternateContent>
+</p:sld>
+</file>
+
+<file path=ppt/slides/slide5.xml><?xml version="1.0" encoding="utf-8"?>
+<p:sld xmlns:a="http://schemas.openxmlformats.org/drawingml/2006/main" xmlns:r="http://schemas.openxmlformats.org/officeDocument/2006/relationships" xmlns:p="http://schemas.openxmlformats.org/presentationml/2006/main" xmlns:m="http://schemas.openxmlformats.org/officeDocument/2006/math" xmlns:w="http://schemas.openxmlformats.org/wordprocessingml/2006/main" xmlns:mc="http://schemas.openxmlformats.org/markup-compatibility/2006" showMasterPhAnim="0" showMasterSp="1" show="1">
+  <p:cSld name="">
+    <p:spTree>
+      <p:nvGrpSpPr>
+        <p:cNvPr id="1" name=""/>
+        <p:cNvGrpSpPr/>
+        <p:nvPr/>
+      </p:nvGrpSpPr>
+      <p:grpSpPr bwMode="auto">
+        <a:xfrm>
+          <a:off x="0" y="0"/>
+          <a:ext cx="0" cy="0"/>
+          <a:chOff x="0" y="0"/>
+          <a:chExt cx="0" cy="0"/>
+        </a:xfrm>
+      </p:grpSpPr>
+      <p:sp>
+        <p:nvSpPr>
+          <p:cNvPr id="1904107435" name="Title 1"/>
+          <p:cNvSpPr>
+            <a:spLocks noGrp="1"/>
+          </p:cNvSpPr>
+          <p:nvPr>
+            <p:ph type="title"/>
+          </p:nvPr>
+        </p:nvSpPr>
+        <p:spPr bwMode="auto"/>
+        <p:txBody>
+          <a:bodyPr/>
+          <a:lstStyle/>
+          <a:p>
+            <a:pPr>
+              <a:defRPr/>
+            </a:pPr>
+            <a:r>
+              <a:rPr>
+                <a:solidFill>
+                  <a:schemeClr val="bg1"/>
+                </a:solidFill>
+              </a:rPr>
+              <a:t>Tunable hyperparameters</a:t>
+            </a:r>
+            <a:endParaRPr>
+              <a:solidFill>
+                <a:schemeClr val="bg1"/>
+              </a:solidFill>
+            </a:endParaRPr>
+          </a:p>
+        </p:txBody>
+      </p:sp>
+      <p:graphicFrame>
+        <p:nvGraphicFramePr>
+          <p:cNvPr id="1436298935" name=""/>
+          <p:cNvGraphicFramePr>
+            <a:graphicFrameLocks xmlns:a="http://schemas.openxmlformats.org/drawingml/2006/main"/>
+          </p:cNvGraphicFramePr>
+          <p:nvPr/>
+        </p:nvGraphicFramePr>
+        <p:xfrm>
+          <a:off x="260143" y="1580144"/>
+          <a:ext cx="11671711" cy="3280551"/>
+        </p:xfrm>
+        <a:graphic>
+          <a:graphicData uri="http://schemas.openxmlformats.org/drawingml/2006/table">
+            <a:tbl>
+              <a:tblPr firstRow="0" firstCol="0" lastRow="0" lastCol="0" bandRow="1" bandCol="0">
+                <a:tableStyleId>{D03447BB-5D67-496B-8E87-E561075AD55C}</a:tableStyleId>
+              </a:tblPr>
+              <a:tblGrid>
+                <a:gridCol w="3890570"/>
+                <a:gridCol w="3890570"/>
+                <a:gridCol w="3890570"/>
+              </a:tblGrid>
+              <a:tr h="1044593">
+                <a:tc>
+                  <a:txBody>
+                    <a:bodyPr/>
+                    <a:p>
+                      <a:pPr algn="ctr">
+                        <a:defRPr/>
+                      </a:pPr>
+                      <a:endParaRPr sz="2400">
+                        <a:solidFill>
+                          <a:schemeClr val="bg1"/>
+                        </a:solidFill>
+                      </a:endParaRPr>
+                    </a:p>
+                  </a:txBody>
+                  <a:tcPr anchor="ctr">
+                    <a:solidFill>
+                      <a:schemeClr val="tx1">
+                        <a:lumMod val="85000"/>
+                        <a:lumOff val="15000"/>
+                      </a:schemeClr>
+                    </a:solidFill>
+                  </a:tcPr>
+                </a:tc>
+                <a:tc>
+                  <a:txBody>
+                    <a:bodyPr/>
+                    <a:p>
+                      <a:pPr algn="ctr">
+                        <a:defRPr/>
+                      </a:pPr>
+                      <a:r>
+                        <a:rPr sz="2400">
+                          <a:solidFill>
+                            <a:schemeClr val="bg1"/>
+                          </a:solidFill>
+                        </a:rPr>
+                        <a:t>Observation</a:t>
+                      </a:r>
+                      <a:endParaRPr sz="2400">
+                        <a:solidFill>
+                          <a:schemeClr val="bg1"/>
+                        </a:solidFill>
+                      </a:endParaRPr>
+                    </a:p>
+                  </a:txBody>
+                  <a:tcPr anchor="ctr">
+                    <a:solidFill>
+                      <a:schemeClr val="tx1">
+                        <a:lumMod val="85000"/>
+                        <a:lumOff val="15000"/>
+                      </a:schemeClr>
+                    </a:solidFill>
+                  </a:tcPr>
+                </a:tc>
+                <a:tc>
+                  <a:txBody>
+                    <a:bodyPr/>
+                    <a:p>
+                      <a:pPr algn="ctr">
+                        <a:defRPr/>
+                      </a:pPr>
+                      <a:r>
+                        <a:rPr lang="en-US" sz="2400" b="0" i="0" u="none" strike="noStrike" cap="none" spc="0">
+                          <a:solidFill>
+                            <a:schemeClr val="bg1"/>
+                          </a:solidFill>
+                          <a:latin typeface="+mn-lt"/>
+                          <a:ea typeface="+mn-ea"/>
+                          <a:cs typeface="+mn-cs"/>
+                        </a:rPr>
+                        <a:t>Purpose</a:t>
+                      </a:r>
+                      <a:endParaRPr sz="2400">
+                        <a:solidFill>
+                          <a:schemeClr val="bg1"/>
+                        </a:solidFill>
+                      </a:endParaRPr>
+                    </a:p>
+                  </a:txBody>
+                  <a:tcPr anchor="ctr">
+                    <a:solidFill>
+                      <a:schemeClr val="tx1">
+                        <a:lumMod val="85000"/>
+                        <a:lumOff val="15000"/>
+                      </a:schemeClr>
+                    </a:solidFill>
+                  </a:tcPr>
+                </a:tc>
+              </a:tr>
+              <a:tr h="1067480">
+                <a:tc>
+                  <a:txBody>
+                    <a:bodyPr/>
+                    <a:p>
+                      <a:pPr algn="ctr">
+                        <a:defRPr/>
+                      </a:pPr>
+                      <mc:AlternateContent xmlns:mc="http://schemas.openxmlformats.org/markup-compatibility/2006" xmlns:m="http://schemas.openxmlformats.org/officeDocument/2006/math">
+                        <mc:Choice xmlns:a14="http://schemas.microsoft.com/office/drawing/2010/main" Requires="a14">
+                          <a14:m>
+                            <m:oMathPara>
+                              <m:oMathParaPr>
+                                <m:jc m:val="center"/>
+                              </m:oMathParaPr>
+                              <m:oMath>
+                                <m:r>
+                                  <m:rPr>
+                                    <m:sty m:val="p"/>
+                                  </m:rPr>
+                                  <a:rPr lang="en-US" sz="2400" u="none" strike="noStrike" cap="none" spc="0">
+                                    <a:solidFill>
+                                      <a:schemeClr val="bg1"/>
+                                    </a:solidFill>
+                                    <a:latin typeface="Cambria Math"/>
+                                    <a:ea typeface="Cambria Math"/>
+                                    <a:cs typeface="Cambria Math"/>
+                                  </a:rPr>
+                                  <m:t>α</m:t>
+                                </m:r>
+                              </m:oMath>
+                            </m:oMathPara>
+                          </a14:m>
+                        </mc:Choice>
+                        <mc:Fallback/>
+                      </mc:AlternateContent>
+                      <a:endParaRPr sz="2400">
+                        <a:solidFill>
+                          <a:schemeClr val="bg1"/>
+                        </a:solidFill>
+                      </a:endParaRPr>
+                    </a:p>
+                  </a:txBody>
+                  <a:tcPr anchor="ctr">
+                    <a:solidFill>
+                      <a:schemeClr val="tx1">
+                        <a:lumMod val="75000"/>
+                        <a:lumOff val="25000"/>
+                      </a:schemeClr>
+                    </a:solidFill>
+                  </a:tcPr>
+                </a:tc>
+                <a:tc>
+                  <a:txBody>
+                    <a:bodyPr/>
+                    <a:p>
+                      <a:pPr algn="ctr">
+                        <a:defRPr/>
+                      </a:pPr>
+                      <a:r>
+                        <a:rPr sz="1800">
+                          <a:solidFill>
+                            <a:schemeClr val="bg1"/>
+                          </a:solidFill>
+                        </a:rPr>
+                        <a:t>Scales the whole loss function</a:t>
+                      </a:r>
+                      <a:endParaRPr sz="1800">
+                        <a:solidFill>
+                          <a:schemeClr val="bg1"/>
+                        </a:solidFill>
+                      </a:endParaRPr>
+                    </a:p>
+                  </a:txBody>
+                  <a:tcPr anchor="ctr">
+                    <a:solidFill>
+                      <a:schemeClr val="tx1">
+                        <a:lumMod val="75000"/>
+                        <a:lumOff val="25000"/>
+                      </a:schemeClr>
+                    </a:solidFill>
+                  </a:tcPr>
+                </a:tc>
+                <a:tc>
+                  <a:txBody>
+                    <a:bodyPr/>
+                    <a:p>
+                      <a:pPr algn="ctr">
+                        <a:defRPr/>
+                      </a:pPr>
+                      <a:r>
+                        <a:rPr lang="en-US" sz="1800" b="0" i="0" u="none" strike="noStrike" cap="none" spc="0">
+                          <a:solidFill>
+                            <a:schemeClr val="bg1"/>
+                          </a:solidFill>
+                          <a:latin typeface="+mn-lt"/>
+                          <a:ea typeface="+mn-ea"/>
+                          <a:cs typeface="+mn-cs"/>
+                        </a:rPr>
+                        <a:t>Controls magnitude of overall loss </a:t>
+                      </a:r>
+                      <a:endParaRPr sz="1800">
+                        <a:solidFill>
+                          <a:schemeClr val="bg1"/>
+                        </a:solidFill>
+                      </a:endParaRPr>
+                    </a:p>
+                  </a:txBody>
+                  <a:tcPr anchor="ctr">
+                    <a:solidFill>
+                      <a:schemeClr val="tx1">
+                        <a:lumMod val="75000"/>
+                        <a:lumOff val="25000"/>
+                      </a:schemeClr>
+                    </a:solidFill>
+                  </a:tcPr>
+                </a:tc>
+              </a:tr>
+              <a:tr h="1168478">
+                <a:tc>
+                  <a:txBody>
+                    <a:bodyPr/>
+                    <a:p>
+                      <a:pPr algn="ctr">
+                        <a:defRPr/>
+                      </a:pPr>
+                      <mc:AlternateContent xmlns:mc="http://schemas.openxmlformats.org/markup-compatibility/2006" xmlns:m="http://schemas.openxmlformats.org/officeDocument/2006/math">
+                        <mc:Choice xmlns:a14="http://schemas.microsoft.com/office/drawing/2010/main" Requires="a14">
+                          <a14:m>
+                            <m:oMathPara>
+                              <m:oMathParaPr>
+                                <m:jc m:val="center"/>
+                              </m:oMathParaPr>
+                              <m:oMath>
+                                <m:r>
+                                  <m:rPr/>
+                                  <a:rPr sz="2400">
+                                    <a:solidFill>
+                                      <a:schemeClr val="bg1"/>
+                                    </a:solidFill>
+                                    <a:latin typeface="Cambria Math"/>
+                                    <a:ea typeface="Cambria Math"/>
+                                    <a:cs typeface="Cambria Math"/>
+                                  </a:rPr>
+                                  <m:t>γ</m:t>
+                                </m:r>
+                              </m:oMath>
+                            </m:oMathPara>
+                          </a14:m>
+                        </mc:Choice>
+                        <mc:Fallback/>
+                      </mc:AlternateContent>
+                      <a:endParaRPr sz="2400">
+                        <a:solidFill>
+                          <a:schemeClr val="bg1"/>
+                        </a:solidFill>
+                      </a:endParaRPr>
+                    </a:p>
+                  </a:txBody>
+                  <a:tcPr anchor="ctr">
+                    <a:solidFill>
+                      <a:schemeClr val="tx1">
+                        <a:lumMod val="85000"/>
+                        <a:lumOff val="15000"/>
+                      </a:schemeClr>
+                    </a:solidFill>
+                  </a:tcPr>
+                </a:tc>
+                <a:tc>
+                  <a:txBody>
+                    <a:bodyPr/>
+                    <a:p>
+                      <a:pPr algn="ctr">
+                        <a:defRPr/>
+                      </a:pPr>
+                      <a:r>
+                        <a:rPr sz="1800">
+                          <a:solidFill>
+                            <a:schemeClr val="bg1"/>
+                          </a:solidFill>
+                        </a:rPr>
+                        <a:t>Reduces the values greater as </a:t>
+                      </a:r>
+                      <mc:AlternateContent xmlns:mc="http://schemas.openxmlformats.org/markup-compatibility/2006" xmlns:m="http://schemas.openxmlformats.org/officeDocument/2006/math">
+                        <mc:Choice xmlns:a14="http://schemas.microsoft.com/office/drawing/2010/main" Requires="a14">
+                          <a14:m>
+                            <m:oMathPara>
+                              <m:oMathParaPr/>
+                              <m:oMath>
+                                <m:r>
+                                  <m:rPr>
+                                    <m:sty m:val="p"/>
+                                  </m:rPr>
+                                  <a:rPr lang="en-US" sz="1800" u="none" strike="noStrike" cap="none" spc="0">
+                                    <a:solidFill>
+                                      <a:schemeClr val="bg1"/>
+                                    </a:solidFill>
+                                    <a:latin typeface="Cambria Math"/>
+                                    <a:ea typeface="Cambria Math"/>
+                                    <a:cs typeface="Cambria Math"/>
+                                  </a:rPr>
+                                  <m:t>x</m:t>
+                                </m:r>
+                                <m:r>
+                                  <m:rPr>
+                                    <m:sty m:val="p"/>
+                                  </m:rPr>
+                                  <a:rPr lang="en-US" sz="1800" u="none" strike="noStrike" cap="none" spc="0">
+                                    <a:solidFill>
+                                      <a:schemeClr val="bg1"/>
+                                    </a:solidFill>
+                                    <a:latin typeface="Cambria Math"/>
+                                    <a:ea typeface="Cambria Math"/>
+                                    <a:cs typeface="Cambria Math"/>
+                                  </a:rPr>
+                                  <m:t>→1</m:t>
+                                </m:r>
+                              </m:oMath>
+                            </m:oMathPara>
+                          </a14:m>
+                        </mc:Choice>
+                        <mc:Fallback/>
+                      </mc:AlternateContent>
+                      <a:endParaRPr sz="1800">
+                        <a:solidFill>
+                          <a:schemeClr val="bg1"/>
+                        </a:solidFill>
+                      </a:endParaRPr>
+                    </a:p>
+                  </a:txBody>
+                  <a:tcPr anchor="ctr">
+                    <a:solidFill>
+                      <a:schemeClr val="tx1">
+                        <a:lumMod val="85000"/>
+                        <a:lumOff val="15000"/>
+                      </a:schemeClr>
+                    </a:solidFill>
+                  </a:tcPr>
+                </a:tc>
+                <a:tc>
+                  <a:txBody>
+                    <a:bodyPr/>
+                    <a:p>
+                      <a:pPr algn="ctr">
+                        <a:defRPr/>
+                      </a:pPr>
+                      <a:r>
+                        <a:rPr lang="en-US" sz="1800" b="0" i="0" u="none" strike="noStrike" cap="none" spc="0">
+                          <a:solidFill>
+                            <a:schemeClr val="bg1"/>
+                          </a:solidFill>
+                          <a:latin typeface="+mn-lt"/>
+                          <a:ea typeface="+mn-ea"/>
+                          <a:cs typeface="+mn-cs"/>
+                        </a:rPr>
+                        <a:t>Controls ratio in loss contribution for easy and hard examples</a:t>
+                      </a:r>
+                      <a:endParaRPr sz="1800">
+                        <a:solidFill>
+                          <a:schemeClr val="bg1"/>
+                        </a:solidFill>
+                      </a:endParaRPr>
+                    </a:p>
+                  </a:txBody>
+                  <a:tcPr anchor="ctr">
+                    <a:solidFill>
+                      <a:schemeClr val="tx1">
+                        <a:lumMod val="85000"/>
+                        <a:lumOff val="15000"/>
+                      </a:schemeClr>
+                    </a:solidFill>
+                  </a:tcPr>
+                </a:tc>
+              </a:tr>
+            </a:tbl>
+          </a:graphicData>
+        </a:graphic>
+      </p:graphicFrame>
+      <p:sp>
+        <p:nvSpPr>
+          <p:cNvPr id="1869163929" name=""/>
+          <p:cNvSpPr txBox="1"/>
+          <p:nvPr/>
+        </p:nvSpPr>
+        <p:spPr bwMode="auto">
+          <a:xfrm flipH="0" flipV="0">
+            <a:off x="4910798" y="5116005"/>
+            <a:ext cx="3068209" cy="366119"/>
+          </a:xfrm>
+          <a:prstGeom prst="rect">
+            <a:avLst/>
+          </a:prstGeom>
+          <a:noFill/>
+        </p:spPr>
+        <p:txBody>
+          <a:bodyPr vertOverflow="overflow" horzOverflow="overflow" vert="horz" wrap="none" lIns="91440" tIns="45720" rIns="91440" bIns="45720" numCol="1" spcCol="0" rtlCol="0" fromWordArt="0" anchor="t" anchorCtr="0" forceAA="0" upright="0" compatLnSpc="0">
+            <a:spAutoFit/>
+          </a:bodyPr>
+          <a:p>
+            <a:pPr>
+              <a:defRPr/>
+            </a:pPr>
+            <a:r>
+              <a:rPr>
+                <a:solidFill>
+                  <a:schemeClr val="bg1"/>
+                </a:solidFill>
+              </a:rPr>
+              <a:t>Based on experiments, ideal</a:t>
+            </a:r>
+            <a:endParaRPr>
+              <a:solidFill>
+                <a:schemeClr val="bg1"/>
+              </a:solidFill>
+            </a:endParaRPr>
+          </a:p>
+        </p:txBody>
+      </p:sp>
+    </p:spTree>
+  </p:cSld>
+  <p:clrMapOvr>
+    <a:masterClrMapping/>
+  </p:clrMapOvr>
+  <mc:AlternateContent xmlns:mc="http://schemas.openxmlformats.org/markup-compatibility/2006">
+    <mc:Choice xmlns:p159="http://schemas.microsoft.com/office/powerpoint/2015/09/main" xmlns:p14="http://schemas.microsoft.com/office/powerpoint/2010/main" Requires="p159">
+      <p:transition p14:dur="2000" advClick="1"/>
+    </mc:Choice>
+    <mc:Fallback>
+      <p:transition advClick="1"/>
+    </mc:Fallback>
+  </mc:AlternateContent>
+</p:sld>
+</file>
+
+<file path=ppt/slides/slide6.xml><?xml version="1.0" encoding="utf-8"?>
+<p:sld xmlns:a="http://schemas.openxmlformats.org/drawingml/2006/main" xmlns:r="http://schemas.openxmlformats.org/officeDocument/2006/relationships" xmlns:p="http://schemas.openxmlformats.org/presentationml/2006/main" xmlns:m="http://schemas.openxmlformats.org/officeDocument/2006/math" xmlns:w="http://schemas.openxmlformats.org/wordprocessingml/2006/main" xmlns:mc="http://schemas.openxmlformats.org/markup-compatibility/2006" showMasterPhAnim="0" showMasterSp="1" show="1">
+  <p:cSld name="">
+    <p:spTree>
+      <p:nvGrpSpPr>
+        <p:cNvPr id="1" name=""/>
+        <p:cNvGrpSpPr/>
+        <p:nvPr/>
+      </p:nvGrpSpPr>
+      <p:grpSpPr bwMode="auto">
+        <a:xfrm>
+          <a:off x="0" y="0"/>
+          <a:ext cx="0" cy="0"/>
+          <a:chOff x="0" y="0"/>
+          <a:chExt cx="0" cy="0"/>
+        </a:xfrm>
+      </p:grpSpPr>
+      <p:sp>
+        <p:nvSpPr>
+          <p:cNvPr id="71295484" name="Title 1"/>
+          <p:cNvSpPr>
+            <a:spLocks noGrp="1"/>
+          </p:cNvSpPr>
+          <p:nvPr>
+            <p:ph type="title"/>
+          </p:nvPr>
+        </p:nvSpPr>
+        <p:spPr bwMode="auto"/>
+        <p:txBody>
+          <a:bodyPr/>
+          <a:lstStyle/>
+          <a:p>
+            <a:pPr>
+              <a:defRPr/>
+            </a:pPr>
+            <a:r>
+              <a:rPr>
+                <a:solidFill>
+                  <a:schemeClr val="bg1"/>
+                </a:solidFill>
+              </a:rPr>
+              <a:t>Implementation</a:t>
+            </a:r>
+            <a:endParaRPr>
+              <a:solidFill>
+                <a:schemeClr val="bg1"/>
+              </a:solidFill>
+            </a:endParaRPr>
+          </a:p>
+        </p:txBody>
+      </p:sp>
+      <p:pic>
+        <p:nvPicPr>
+          <p:cNvPr id="1433161701" name=""/>
+          <p:cNvPicPr>
+            <a:picLocks noChangeAspect="1"/>
+          </p:cNvPicPr>
+          <p:nvPr/>
+        </p:nvPicPr>
+        <p:blipFill>
+          <a:blip r:embed="rId3"/>
+          <a:stretch/>
+        </p:blipFill>
+        <p:spPr bwMode="auto">
+          <a:xfrm flipH="0" flipV="0">
+            <a:off x="1304556" y="1954097"/>
+            <a:ext cx="9582885" cy="3982333"/>
+          </a:xfrm>
+          <a:prstGeom prst="rect">
+            <a:avLst/>
+          </a:prstGeom>
+        </p:spPr>
+      </p:pic>
+    </p:spTree>
+  </p:cSld>
+  <p:clrMapOvr>
+    <a:masterClrMapping/>
+  </p:clrMapOvr>
+  <mc:AlternateContent xmlns:mc="http://schemas.openxmlformats.org/markup-compatibility/2006">
+    <mc:Choice xmlns:p159="http://schemas.microsoft.com/office/powerpoint/2015/09/main" xmlns:p14="http://schemas.microsoft.com/office/powerpoint/2010/main" Requires="p159">
+      <p:transition p14:dur="2000" advClick="1"/>
+    </mc:Choice>
+    <mc:Fallback>
+      <p:transition advClick="1"/>
+    </mc:Fallback>
+  </mc:AlternateContent>
+</p:sld>
+</file>
+
+<file path=ppt/slides/slide7.xml><?xml version="1.0" encoding="utf-8"?>
+<p:sld xmlns:a="http://schemas.openxmlformats.org/drawingml/2006/main" xmlns:r="http://schemas.openxmlformats.org/officeDocument/2006/relationships" xmlns:p="http://schemas.openxmlformats.org/presentationml/2006/main" xmlns:m="http://schemas.openxmlformats.org/officeDocument/2006/math" xmlns:w="http://schemas.openxmlformats.org/wordprocessingml/2006/main" xmlns:mc="http://schemas.openxmlformats.org/markup-compatibility/2006" showMasterPhAnim="0" showMasterSp="1" show="1">
+  <p:cSld name="">
+    <p:spTree>
+      <p:nvGrpSpPr>
+        <p:cNvPr id="1" name=""/>
+        <p:cNvGrpSpPr/>
+        <p:nvPr/>
+      </p:nvGrpSpPr>
+      <p:grpSpPr bwMode="auto">
+        <a:xfrm>
+          <a:off x="0" y="0"/>
+          <a:ext cx="0" cy="0"/>
+          <a:chOff x="0" y="0"/>
+          <a:chExt cx="0" cy="0"/>
+        </a:xfrm>
+      </p:grpSpPr>
+      <p:sp>
+        <p:nvSpPr>
+          <p:cNvPr id="1129332321" name="Title 1"/>
+          <p:cNvSpPr>
+            <a:spLocks noGrp="1"/>
+          </p:cNvSpPr>
+          <p:nvPr>
+            <p:ph type="title"/>
+          </p:nvPr>
+        </p:nvSpPr>
+        <p:spPr bwMode="auto"/>
+        <p:txBody>
+          <a:bodyPr/>
+          <a:lstStyle/>
+          <a:p>
+            <a:pPr>
+              <a:defRPr/>
+            </a:pPr>
+            <a:r>
+              <a:rPr>
+                <a:solidFill>
+                  <a:schemeClr val="bg1"/>
+                </a:solidFill>
+              </a:rPr>
+              <a:t>RetinaNet</a:t>
+            </a:r>
+            <a:endParaRPr>
+              <a:solidFill>
+                <a:schemeClr val="bg1"/>
+              </a:solidFill>
+            </a:endParaRPr>
+          </a:p>
+        </p:txBody>
+      </p:sp>
+      <p:sp>
+        <p:nvSpPr>
+          <p:cNvPr id="476771292" name="Content Placeholder 2"/>
+          <p:cNvSpPr>
+            <a:spLocks noGrp="1"/>
+          </p:cNvSpPr>
+          <p:nvPr>
+            <p:ph idx="1"/>
+          </p:nvPr>
+        </p:nvSpPr>
+        <p:spPr bwMode="auto"/>
+        <p:txBody>
+          <a:bodyPr/>
+          <a:lstStyle/>
+          <a:p>
+            <a:pPr>
+              <a:defRPr/>
+            </a:pPr>
+            <a:r>
+              <a:rPr>
+                <a:solidFill>
+                  <a:schemeClr val="bg1"/>
+                </a:solidFill>
+              </a:rPr>
+              <a:t>Based on Feature Pyramid Network</a:t>
+            </a:r>
+            <a:endParaRPr>
+              <a:solidFill>
+                <a:schemeClr val="bg1"/>
+              </a:solidFill>
+            </a:endParaRPr>
+          </a:p>
+          <a:p>
+            <a:pPr lvl="1">
+              <a:defRPr/>
+            </a:pPr>
+            <a:r>
+              <a:rPr>
+                <a:solidFill>
+                  <a:schemeClr val="bg1"/>
+                </a:solidFill>
+              </a:rPr>
+              <a:t>Top down approach</a:t>
+            </a:r>
+            <a:endParaRPr>
+              <a:solidFill>
+                <a:schemeClr val="bg1"/>
+              </a:solidFill>
+            </a:endParaRPr>
+          </a:p>
+          <a:p>
+            <a:pPr lvl="2">
+              <a:defRPr/>
+            </a:pPr>
+            <a:r>
+              <a:rPr>
+                <a:solidFill>
+                  <a:schemeClr val="bg1"/>
+                </a:solidFill>
+              </a:rPr>
+              <a:t>Better preserves spacial details</a:t>
+            </a:r>
+            <a:endParaRPr>
+              <a:solidFill>
+                <a:schemeClr val="bg1"/>
+              </a:solidFill>
+            </a:endParaRPr>
+          </a:p>
+          <a:p>
+            <a:pPr lvl="2">
+              <a:defRPr/>
+            </a:pPr>
+            <a:r>
+              <a:rPr>
+                <a:solidFill>
+                  <a:schemeClr val="bg1"/>
+                </a:solidFill>
+              </a:rPr>
+              <a:t>Upscales lower resolution data</a:t>
+            </a:r>
+            <a:endParaRPr>
+              <a:solidFill>
+                <a:schemeClr val="bg1"/>
+              </a:solidFill>
+            </a:endParaRPr>
+          </a:p>
+          <a:p>
+            <a:pPr lvl="2">
+              <a:defRPr/>
+            </a:pPr>
+            <a:r>
+              <a:rPr>
+                <a:solidFill>
+                  <a:schemeClr val="bg1"/>
+                </a:solidFill>
+              </a:rPr>
+              <a:t>Data is combined by addition</a:t>
+            </a:r>
+            <a:endParaRPr>
+              <a:solidFill>
+                <a:schemeClr val="bg1"/>
+              </a:solidFill>
+            </a:endParaRPr>
+          </a:p>
+          <a:p>
+            <a:pPr lvl="1">
+              <a:defRPr/>
+            </a:pPr>
+            <a:r>
+              <a:rPr>
+                <a:solidFill>
+                  <a:schemeClr val="bg1"/>
+                </a:solidFill>
+              </a:rPr>
+              <a:t>Classification at multiple resolutions</a:t>
+            </a:r>
+            <a:endParaRPr>
+              <a:solidFill>
+                <a:schemeClr val="bg1"/>
+              </a:solidFill>
+            </a:endParaRPr>
+          </a:p>
+          <a:p>
+            <a:pPr lvl="1">
+              <a:defRPr/>
+            </a:pPr>
+            <a:endParaRPr>
+              <a:solidFill>
+                <a:schemeClr val="bg1"/>
+              </a:solidFill>
+            </a:endParaRPr>
+          </a:p>
+        </p:txBody>
+      </p:sp>
+      <p:pic>
+        <p:nvPicPr>
+          <p:cNvPr id="1441454626" name=""/>
+          <p:cNvPicPr>
+            <a:picLocks noChangeAspect="1"/>
+          </p:cNvPicPr>
+          <p:nvPr/>
+        </p:nvPicPr>
+        <p:blipFill>
+          <a:blip r:embed="rId3"/>
+          <a:stretch/>
+        </p:blipFill>
+        <p:spPr bwMode="auto">
+          <a:xfrm flipH="0" flipV="0">
+            <a:off x="7120206" y="2049095"/>
+            <a:ext cx="4585747" cy="2018177"/>
+          </a:xfrm>
+          <a:prstGeom prst="rect">
+            <a:avLst/>
+          </a:prstGeom>
+        </p:spPr>
+      </p:pic>
+    </p:spTree>
+  </p:cSld>
+  <p:clrMapOvr>
+    <a:masterClrMapping/>
+  </p:clrMapOvr>
+  <mc:AlternateContent xmlns:mc="http://schemas.openxmlformats.org/markup-compatibility/2006">
+    <mc:Choice xmlns:p159="http://schemas.microsoft.com/office/powerpoint/2015/09/main" xmlns:p14="http://schemas.microsoft.com/office/powerpoint/2010/main" Requires="p159">
+      <p:transition p14:dur="2000" advClick="1"/>
+    </mc:Choice>
+    <mc:Fallback>
+      <p:transition advClick="1"/>
+    </mc:Fallback>
+  </mc:AlternateContent>
+</p:sld>
+</file>
+
+<file path=ppt/slides/slide8.xml><?xml version="1.0" encoding="utf-8"?>
+<p:sld xmlns:a="http://schemas.openxmlformats.org/drawingml/2006/main" xmlns:r="http://schemas.openxmlformats.org/officeDocument/2006/relationships" xmlns:p="http://schemas.openxmlformats.org/presentationml/2006/main" xmlns:m="http://schemas.openxmlformats.org/officeDocument/2006/math" xmlns:w="http://schemas.openxmlformats.org/wordprocessingml/2006/main" xmlns:mc="http://schemas.openxmlformats.org/markup-compatibility/2006" showMasterPhAnim="0" showMasterSp="1" show="1">
+  <p:cSld name="">
+    <p:spTree>
+      <p:nvGrpSpPr>
+        <p:cNvPr id="1" name=""/>
+        <p:cNvGrpSpPr/>
+        <p:nvPr/>
+      </p:nvGrpSpPr>
+      <p:grpSpPr bwMode="auto">
+        <a:xfrm>
+          <a:off x="0" y="0"/>
+          <a:ext cx="0" cy="0"/>
+          <a:chOff x="0" y="0"/>
+          <a:chExt cx="0" cy="0"/>
+        </a:xfrm>
+      </p:grpSpPr>
+      <p:sp>
+        <p:nvSpPr>
+          <p:cNvPr id="1342046614" name="Title 1"/>
+          <p:cNvSpPr>
+            <a:spLocks noGrp="1"/>
+          </p:cNvSpPr>
+          <p:nvPr>
+            <p:ph type="title"/>
+          </p:nvPr>
+        </p:nvSpPr>
+        <p:spPr bwMode="auto"/>
+        <p:txBody>
+          <a:bodyPr/>
+          <a:lstStyle/>
+          <a:p>
+            <a:pPr>
+              <a:defRPr/>
+            </a:pPr>
+            <a:r>
+              <a:rPr>
+                <a:solidFill>
+                  <a:schemeClr val="bg1"/>
+                </a:solidFill>
+              </a:rPr>
+              <a:t>RetinaNet</a:t>
+            </a:r>
+            <a:endParaRPr>
+              <a:solidFill>
+                <a:schemeClr val="bg1"/>
+              </a:solidFill>
+            </a:endParaRPr>
+          </a:p>
+        </p:txBody>
+      </p:sp>
+      <p:sp>
+        <p:nvSpPr>
+          <p:cNvPr id="1632919304" name="Content Placeholder 2"/>
+          <p:cNvSpPr>
+            <a:spLocks noGrp="1"/>
+          </p:cNvSpPr>
+          <p:nvPr>
+            <p:ph idx="1"/>
+          </p:nvPr>
+        </p:nvSpPr>
+        <p:spPr bwMode="auto"/>
+        <p:txBody>
+          <a:bodyPr/>
+          <a:lstStyle/>
+          <a:p>
+            <a:pPr marL="394023" indent="-394023">
+              <a:buFont typeface="Arial"/>
+              <a:buAutoNum type="arabicPeriod"/>
+              <a:defRPr/>
+            </a:pPr>
+            <a:r>
+              <a:rPr>
+                <a:solidFill>
+                  <a:schemeClr val="bg1"/>
+                </a:solidFill>
+              </a:rPr>
+              <a:t>Does a convolutional object classification</a:t>
+            </a:r>
+            <a:endParaRPr>
+              <a:solidFill>
+                <a:schemeClr val="bg1"/>
+              </a:solidFill>
+            </a:endParaRPr>
+          </a:p>
+          <a:p>
+            <a:pPr marL="0" indent="0">
+              <a:buFont typeface="Arial"/>
+              <a:buNone/>
+              <a:defRPr/>
+            </a:pPr>
+            <a:r>
+              <a:rPr>
+                <a:solidFill>
+                  <a:schemeClr val="bg1"/>
+                </a:solidFill>
+              </a:rPr>
+              <a:t>2. Does a bounding box regression</a:t>
+            </a:r>
+            <a:endParaRPr>
+              <a:solidFill>
+                <a:schemeClr val="bg1"/>
+              </a:solidFill>
+            </a:endParaRPr>
+          </a:p>
+        </p:txBody>
+      </p:sp>
+    </p:spTree>
+  </p:cSld>
+  <p:clrMapOvr>
+    <a:masterClrMapping/>
+  </p:clrMapOvr>
+  <mc:AlternateContent xmlns:mc="http://schemas.openxmlformats.org/markup-compatibility/2006">
+    <mc:Choice xmlns:p159="http://schemas.microsoft.com/office/powerpoint/2015/09/main" xmlns:p14="http://schemas.microsoft.com/office/powerpoint/2010/main" Requires="p159">
+      <p:transition p14:dur="2000" advClick="1"/>
+    </mc:Choice>
+    <mc:Fallback>
+      <p:transition advClick="1"/>
+    </mc:Fallback>
+  </mc:AlternateContent>
+</p:sld>
+</file>
+
+<file path=ppt/slides/slide9.xml><?xml version="1.0" encoding="utf-8"?>
+<p:sld xmlns:a="http://schemas.openxmlformats.org/drawingml/2006/main" xmlns:r="http://schemas.openxmlformats.org/officeDocument/2006/relationships" xmlns:p="http://schemas.openxmlformats.org/presentationml/2006/main" xmlns:m="http://schemas.openxmlformats.org/officeDocument/2006/math" xmlns:w="http://schemas.openxmlformats.org/wordprocessingml/2006/main" xmlns:mc="http://schemas.openxmlformats.org/markup-compatibility/2006" showMasterPhAnim="0" showMasterSp="1" show="0">
+  <p:cSld name="">
+    <p:spTree>
+      <p:nvGrpSpPr>
+        <p:cNvPr id="1" name=""/>
+        <p:cNvGrpSpPr/>
+        <p:nvPr/>
+      </p:nvGrpSpPr>
+      <p:grpSpPr bwMode="auto">
+        <a:xfrm>
+          <a:off x="0" y="0"/>
+          <a:ext cx="0" cy="0"/>
+          <a:chOff x="0" y="0"/>
+          <a:chExt cx="0" cy="0"/>
+        </a:xfrm>
+      </p:grpSpPr>
+      <p:sp>
+        <p:nvSpPr>
+          <p:cNvPr id="1356398891" name="Title 1"/>
+          <p:cNvSpPr>
+            <a:spLocks noGrp="1"/>
+          </p:cNvSpPr>
+          <p:nvPr>
+            <p:ph type="title"/>
+          </p:nvPr>
+        </p:nvSpPr>
+        <p:spPr bwMode="auto"/>
+        <p:txBody>
+          <a:bodyPr/>
+          <a:lstStyle/>
+          <a:p>
+            <a:pPr>
+              <a:defRPr/>
+            </a:pPr>
+            <a:r>
+              <a:rPr>
+                <a:solidFill>
+                  <a:schemeClr val="bg1"/>
+                </a:solidFill>
+              </a:rPr>
+              <a:t>wtf is C</a:t>
+            </a:r>
+            <a:endParaRPr>
+              <a:solidFill>
+                <a:schemeClr val="bg1"/>
+              </a:solidFill>
+            </a:endParaRPr>
+          </a:p>
+        </p:txBody>
+      </p:sp>
+      <p:pic>
+        <p:nvPicPr>
+          <p:cNvPr id="977367246" name=""/>
+          <p:cNvPicPr>
+            <a:picLocks noChangeAspect="1"/>
+          </p:cNvPicPr>
+          <p:nvPr/>
+        </p:nvPicPr>
+        <p:blipFill>
+          <a:blip r:embed="rId3"/>
+          <a:stretch/>
+        </p:blipFill>
+        <p:spPr bwMode="auto">
+          <a:xfrm>
+            <a:off x="2906597" y="2945876"/>
+            <a:ext cx="6134099" cy="647699"/>
+          </a:xfrm>
+          <a:prstGeom prst="rect">
+            <a:avLst/>
+          </a:prstGeom>
+        </p:spPr>
+      </p:pic>
     </p:spTree>
   </p:cSld>
   <p:clrMapOvr>

--- a/Focal loss for dense object detection.pptx
+++ b/Focal loss for dense object detection.pptx
@@ -5,7 +5,7 @@
     <p:sldMasterId id="2147483648" r:id="rId1"/>
   </p:sldMasterIdLst>
   <p:notesMasterIdLst>
-    <p:notesMasterId r:id="rId21"/>
+    <p:notesMasterId r:id="rId23"/>
   </p:notesMasterIdLst>
   <p:sldIdLst>
     <p:sldId id="256" r:id="rId4"/>
@@ -25,6 +25,8 @@
     <p:sldId id="270" r:id="rId18"/>
     <p:sldId id="271" r:id="rId19"/>
     <p:sldId id="272" r:id="rId20"/>
+    <p:sldId id="273" r:id="rId21"/>
+    <p:sldId id="274" r:id="rId22"/>
   </p:sldIdLst>
   <p:sldSz cx="12192000" cy="6858000"/>
   <p:notesSz cx="6858000" cy="9144000"/>
@@ -659,7 +661,7 @@
             <a:pPr>
               <a:defRPr/>
             </a:pPr>
-            <a:fld id="{7F2E81F9-F9C4-DD88-8E0B-544E2DFDCA18}" type="slidenum">
+            <a:fld id="{A3D1B911-81D1-1DE1-0D5F-26A576057E71}" type="slidenum">
               <a:rPr/>
               <a:t/>
             </a:fld>
@@ -741,7 +743,7 @@
             <a:pPr>
               <a:defRPr/>
             </a:pPr>
-            <a:fld id="{6547997D-664B-8A2E-7EC2-EE708CA15723}" type="slidenum">
+            <a:fld id="{933D7B25-CB93-C1EE-8205-8038D6732980}" type="slidenum">
               <a:rPr/>
               <a:t/>
             </a:fld>
@@ -823,7 +825,7 @@
             <a:pPr>
               <a:defRPr/>
             </a:pPr>
-            <a:fld id="{47523E02-B6D6-BC7E-77F4-EC86AE5912AF}" type="slidenum">
+            <a:fld id="{3368EB52-6A3B-0A30-EF21-A11B10A48320}" type="slidenum">
               <a:rPr/>
               <a:t/>
             </a:fld>
@@ -905,7 +907,7 @@
             <a:pPr>
               <a:defRPr/>
             </a:pPr>
-            <a:fld id="{DDE0B748-BF10-B67A-5F6C-CBD5F176746C}" type="slidenum">
+            <a:fld id="{7F2E81F9-F9C4-DD88-8E0B-544E2DFDCA18}" type="slidenum">
               <a:rPr/>
               <a:t/>
             </a:fld>
@@ -987,7 +989,7 @@
             <a:pPr>
               <a:defRPr/>
             </a:pPr>
-            <a:fld id="{9CD08759-0645-DC61-BD1B-4B0203BCED6A}" type="slidenum">
+            <a:fld id="{6547997D-664B-8A2E-7EC2-EE708CA15723}" type="slidenum">
               <a:rPr/>
               <a:t/>
             </a:fld>
@@ -1069,7 +1071,7 @@
             <a:pPr>
               <a:defRPr/>
             </a:pPr>
-            <a:fld id="{11CA9B89-CE86-DD35-0DBC-55499F2DD972}" type="slidenum">
+            <a:fld id="{47523E02-B6D6-BC7E-77F4-EC86AE5912AF}" type="slidenum">
               <a:rPr/>
               <a:t/>
             </a:fld>
@@ -1151,7 +1153,7 @@
             <a:pPr>
               <a:defRPr/>
             </a:pPr>
-            <a:fld id="{10653CA1-111D-EE35-9835-BC73DBAE0224}" type="slidenum">
+            <a:fld id="{DDE0B748-BF10-B67A-5F6C-CBD5F176746C}" type="slidenum">
               <a:rPr/>
               <a:t/>
             </a:fld>
@@ -1233,6 +1235,170 @@
             <a:pPr>
               <a:defRPr/>
             </a:pPr>
+            <a:fld id="{9CD08759-0645-DC61-BD1B-4B0203BCED6A}" type="slidenum">
+              <a:rPr/>
+              <a:t/>
+            </a:fld>
+            <a:endParaRPr/>
+          </a:p>
+        </p:txBody>
+      </p:sp>
+    </p:spTree>
+  </p:cSld>
+</p:notes>
+</file>
+
+<file path=ppt/notesSlides/notesSlide18.xml><?xml version="1.0" encoding="utf-8"?>
+<p:notes xmlns:a="http://schemas.openxmlformats.org/drawingml/2006/main" xmlns:r="http://schemas.openxmlformats.org/officeDocument/2006/relationships" xmlns:p="http://schemas.openxmlformats.org/presentationml/2006/main" xmlns:m="http://schemas.openxmlformats.org/officeDocument/2006/math" xmlns:w="http://schemas.openxmlformats.org/wordprocessingml/2006/main">
+  <p:cSld name="">
+    <p:spTree>
+      <p:nvGrpSpPr>
+        <p:cNvPr id="1" name=""/>
+        <p:cNvGrpSpPr/>
+        <p:nvPr/>
+      </p:nvGrpSpPr>
+      <p:grpSpPr bwMode="auto">
+        <a:xfrm>
+          <a:off x="0" y="0"/>
+          <a:ext cx="0" cy="0"/>
+          <a:chOff x="0" y="0"/>
+          <a:chExt cx="0" cy="0"/>
+        </a:xfrm>
+      </p:grpSpPr>
+      <p:sp>
+        <p:nvSpPr>
+          <p:cNvPr id="2" name="Slide Image Placeholder 1"/>
+          <p:cNvSpPr>
+            <a:spLocks noChangeAspect="1" noGrp="1" noRot="1"/>
+          </p:cNvSpPr>
+          <p:nvPr>
+            <p:ph type="sldImg"/>
+          </p:nvPr>
+        </p:nvSpPr>
+        <p:spPr bwMode="auto"/>
+      </p:sp>
+      <p:sp>
+        <p:nvSpPr>
+          <p:cNvPr id="3" name="Notes Placeholder 2"/>
+          <p:cNvSpPr>
+            <a:spLocks noGrp="1"/>
+          </p:cNvSpPr>
+          <p:nvPr>
+            <p:ph type="body" idx="1"/>
+          </p:nvPr>
+        </p:nvSpPr>
+        <p:spPr bwMode="auto"/>
+        <p:txBody>
+          <a:bodyPr/>
+          <a:lstStyle/>
+          <a:p>
+            <a:pPr>
+              <a:defRPr/>
+            </a:pPr>
+            <a:endParaRPr/>
+          </a:p>
+        </p:txBody>
+      </p:sp>
+      <p:sp>
+        <p:nvSpPr>
+          <p:cNvPr id="4" name="Slide Number Placeholder 3"/>
+          <p:cNvSpPr>
+            <a:spLocks noGrp="1"/>
+          </p:cNvSpPr>
+          <p:nvPr>
+            <p:ph type="sldNum" sz="quarter" idx="10"/>
+          </p:nvPr>
+        </p:nvSpPr>
+        <p:spPr bwMode="auto"/>
+        <p:txBody>
+          <a:bodyPr/>
+          <a:lstStyle/>
+          <a:p>
+            <a:pPr>
+              <a:defRPr/>
+            </a:pPr>
+            <a:fld id="{11CA9B89-CE86-DD35-0DBC-55499F2DD972}" type="slidenum">
+              <a:rPr/>
+              <a:t/>
+            </a:fld>
+            <a:endParaRPr/>
+          </a:p>
+        </p:txBody>
+      </p:sp>
+    </p:spTree>
+  </p:cSld>
+</p:notes>
+</file>
+
+<file path=ppt/notesSlides/notesSlide19.xml><?xml version="1.0" encoding="utf-8"?>
+<p:notes xmlns:a="http://schemas.openxmlformats.org/drawingml/2006/main" xmlns:r="http://schemas.openxmlformats.org/officeDocument/2006/relationships" xmlns:p="http://schemas.openxmlformats.org/presentationml/2006/main" xmlns:m="http://schemas.openxmlformats.org/officeDocument/2006/math" xmlns:w="http://schemas.openxmlformats.org/wordprocessingml/2006/main">
+  <p:cSld name="">
+    <p:spTree>
+      <p:nvGrpSpPr>
+        <p:cNvPr id="1" name=""/>
+        <p:cNvGrpSpPr/>
+        <p:nvPr/>
+      </p:nvGrpSpPr>
+      <p:grpSpPr bwMode="auto">
+        <a:xfrm>
+          <a:off x="0" y="0"/>
+          <a:ext cx="0" cy="0"/>
+          <a:chOff x="0" y="0"/>
+          <a:chExt cx="0" cy="0"/>
+        </a:xfrm>
+      </p:grpSpPr>
+      <p:sp>
+        <p:nvSpPr>
+          <p:cNvPr id="2" name="Slide Image Placeholder 1"/>
+          <p:cNvSpPr>
+            <a:spLocks noChangeAspect="1" noGrp="1" noRot="1"/>
+          </p:cNvSpPr>
+          <p:nvPr>
+            <p:ph type="sldImg"/>
+          </p:nvPr>
+        </p:nvSpPr>
+        <p:spPr bwMode="auto"/>
+      </p:sp>
+      <p:sp>
+        <p:nvSpPr>
+          <p:cNvPr id="3" name="Notes Placeholder 2"/>
+          <p:cNvSpPr>
+            <a:spLocks noGrp="1"/>
+          </p:cNvSpPr>
+          <p:nvPr>
+            <p:ph type="body" idx="1"/>
+          </p:nvPr>
+        </p:nvSpPr>
+        <p:spPr bwMode="auto"/>
+        <p:txBody>
+          <a:bodyPr/>
+          <a:lstStyle/>
+          <a:p>
+            <a:pPr>
+              <a:defRPr/>
+            </a:pPr>
+            <a:endParaRPr/>
+          </a:p>
+        </p:txBody>
+      </p:sp>
+      <p:sp>
+        <p:nvSpPr>
+          <p:cNvPr id="4" name="Slide Number Placeholder 3"/>
+          <p:cNvSpPr>
+            <a:spLocks noGrp="1"/>
+          </p:cNvSpPr>
+          <p:nvPr>
+            <p:ph type="sldNum" sz="quarter" idx="10"/>
+          </p:nvPr>
+        </p:nvSpPr>
+        <p:spPr bwMode="auto"/>
+        <p:txBody>
+          <a:bodyPr/>
+          <a:lstStyle/>
+          <a:p>
+            <a:pPr>
+              <a:defRPr/>
+            </a:pPr>
             <a:fld id="{D2E76963-7631-E6C0-1D15-8203A1A8F85F}" type="slidenum">
               <a:rPr/>
               <a:t/>
@@ -1725,7 +1891,7 @@
             <a:pPr>
               <a:defRPr/>
             </a:pPr>
-            <a:fld id="{F69E6FE1-BACA-CE17-399F-FDE478F94BE9}" type="slidenum">
+            <a:fld id="{10653CA1-111D-EE35-9835-BC73DBAE0224}" type="slidenum">
               <a:rPr/>
               <a:t/>
             </a:fld>
@@ -1807,7 +1973,7 @@
             <a:pPr>
               <a:defRPr/>
             </a:pPr>
-            <a:fld id="{3368EB52-6A3B-0A30-EF21-A11B10A48320}" type="slidenum">
+            <a:fld id="{F69E6FE1-BACA-CE17-399F-FDE478F94BE9}" type="slidenum">
               <a:rPr/>
               <a:t/>
             </a:fld>
@@ -1889,7 +2055,7 @@
             <a:pPr>
               <a:defRPr/>
             </a:pPr>
-            <a:fld id="{933D7B25-CB93-C1EE-8205-8038D6732980}" type="slidenum">
+            <a:fld id="{9ECD53A7-E031-0DFB-39ED-425247D0BC4C}" type="slidenum">
               <a:rPr/>
               <a:t/>
             </a:fld>
@@ -5044,6 +5210,376 @@
 </file>
 
 <file path=ppt/slides/slide10.xml><?xml version="1.0" encoding="utf-8"?>
+<p:sld xmlns:a="http://schemas.openxmlformats.org/drawingml/2006/main" xmlns:r="http://schemas.openxmlformats.org/officeDocument/2006/relationships" xmlns:p="http://schemas.openxmlformats.org/presentationml/2006/main" xmlns:m="http://schemas.openxmlformats.org/officeDocument/2006/math" xmlns:w="http://schemas.openxmlformats.org/wordprocessingml/2006/main" xmlns:mc="http://schemas.openxmlformats.org/markup-compatibility/2006" showMasterPhAnim="0" showMasterSp="1" show="1">
+  <p:cSld name="">
+    <p:spTree>
+      <p:nvGrpSpPr>
+        <p:cNvPr id="1" name=""/>
+        <p:cNvGrpSpPr/>
+        <p:nvPr/>
+      </p:nvGrpSpPr>
+      <p:grpSpPr bwMode="auto">
+        <a:xfrm>
+          <a:off x="0" y="0"/>
+          <a:ext cx="0" cy="0"/>
+          <a:chOff x="0" y="0"/>
+          <a:chExt cx="0" cy="0"/>
+        </a:xfrm>
+      </p:grpSpPr>
+      <p:sp>
+        <p:nvSpPr>
+          <p:cNvPr id="1271995099" name="Title 1"/>
+          <p:cNvSpPr>
+            <a:spLocks noGrp="1"/>
+          </p:cNvSpPr>
+          <p:nvPr>
+            <p:ph type="title"/>
+          </p:nvPr>
+        </p:nvSpPr>
+        <p:spPr bwMode="auto"/>
+        <p:txBody>
+          <a:bodyPr/>
+          <a:lstStyle/>
+          <a:p>
+            <a:pPr>
+              <a:defRPr/>
+            </a:pPr>
+            <a:r>
+              <a:rPr lang="en-US" sz="4400" b="0" i="0" u="none" strike="noStrike" cap="none" spc="0">
+                <a:solidFill>
+                  <a:schemeClr val="bg1"/>
+                </a:solidFill>
+                <a:latin typeface="+mj-lt"/>
+                <a:ea typeface="+mj-ea"/>
+                <a:cs typeface="+mj-cs"/>
+              </a:rPr>
+              <a:t>Feature Pyramid Network</a:t>
+            </a:r>
+            <a:endParaRPr sz="4400">
+              <a:solidFill>
+                <a:schemeClr val="bg1"/>
+              </a:solidFill>
+            </a:endParaRPr>
+          </a:p>
+        </p:txBody>
+      </p:sp>
+      <p:sp>
+        <p:nvSpPr>
+          <p:cNvPr id="1448529927" name="Content Placeholder 2"/>
+          <p:cNvSpPr>
+            <a:spLocks noGrp="1"/>
+          </p:cNvSpPr>
+          <p:nvPr>
+            <p:ph idx="1"/>
+          </p:nvPr>
+        </p:nvSpPr>
+        <p:spPr bwMode="auto"/>
+        <p:txBody>
+          <a:bodyPr/>
+          <a:lstStyle/>
+          <a:p>
+            <a:pPr>
+              <a:defRPr/>
+            </a:pPr>
+            <a:r>
+              <a:rPr>
+                <a:solidFill>
+                  <a:schemeClr val="bg1"/>
+                </a:solidFill>
+              </a:rPr>
+              <a:t>Filters</a:t>
+            </a:r>
+            <a:endParaRPr>
+              <a:solidFill>
+                <a:schemeClr val="bg1"/>
+              </a:solidFill>
+            </a:endParaRPr>
+          </a:p>
+          <a:p>
+            <a:pPr lvl="1">
+              <a:defRPr/>
+            </a:pPr>
+            <a:r>
+              <a:rPr>
+                <a:solidFill>
+                  <a:schemeClr val="bg1"/>
+                </a:solidFill>
+              </a:rPr>
+              <a:t>Each layer has 256 channels</a:t>
+            </a:r>
+            <a:endParaRPr>
+              <a:solidFill>
+                <a:schemeClr val="bg1"/>
+              </a:solidFill>
+            </a:endParaRPr>
+          </a:p>
+          <a:p>
+            <a:pPr lvl="1">
+              <a:defRPr/>
+            </a:pPr>
+            <a:r>
+              <a:rPr>
+                <a:solidFill>
+                  <a:schemeClr val="bg1"/>
+                </a:solidFill>
+              </a:rPr>
+              <a:t>Each channel is an output after a filter has been applied</a:t>
+            </a:r>
+            <a:endParaRPr>
+              <a:solidFill>
+                <a:schemeClr val="bg1"/>
+              </a:solidFill>
+            </a:endParaRPr>
+          </a:p>
+          <a:p>
+            <a:pPr lvl="1">
+              <a:defRPr/>
+            </a:pPr>
+            <a:r>
+              <a:rPr>
+                <a:solidFill>
+                  <a:schemeClr val="bg1"/>
+                </a:solidFill>
+              </a:rPr>
+              <a:t>Behaves like a kernel</a:t>
+            </a:r>
+            <a:endParaRPr>
+              <a:solidFill>
+                <a:schemeClr val="bg1"/>
+              </a:solidFill>
+            </a:endParaRPr>
+          </a:p>
+        </p:txBody>
+      </p:sp>
+    </p:spTree>
+  </p:cSld>
+  <p:clrMapOvr>
+    <a:masterClrMapping/>
+  </p:clrMapOvr>
+  <mc:AlternateContent xmlns:mc="http://schemas.openxmlformats.org/markup-compatibility/2006">
+    <mc:Choice xmlns:p159="http://schemas.microsoft.com/office/powerpoint/2015/09/main" xmlns:p14="http://schemas.microsoft.com/office/powerpoint/2010/main" Requires="p159">
+      <p:transition p14:dur="2000" advClick="1"/>
+    </mc:Choice>
+    <mc:Fallback>
+      <p:transition advClick="1"/>
+    </mc:Fallback>
+  </mc:AlternateContent>
+</p:sld>
+</file>
+
+<file path=ppt/slides/slide11.xml><?xml version="1.0" encoding="utf-8"?>
+<p:sld xmlns:a="http://schemas.openxmlformats.org/drawingml/2006/main" xmlns:r="http://schemas.openxmlformats.org/officeDocument/2006/relationships" xmlns:p="http://schemas.openxmlformats.org/presentationml/2006/main" xmlns:m="http://schemas.openxmlformats.org/officeDocument/2006/math" xmlns:w="http://schemas.openxmlformats.org/wordprocessingml/2006/main" xmlns:mc="http://schemas.openxmlformats.org/markup-compatibility/2006" showMasterPhAnim="0" showMasterSp="1" show="0">
+  <p:cSld name="">
+    <p:spTree>
+      <p:nvGrpSpPr>
+        <p:cNvPr id="1" name=""/>
+        <p:cNvGrpSpPr/>
+        <p:nvPr/>
+      </p:nvGrpSpPr>
+      <p:grpSpPr bwMode="auto">
+        <a:xfrm>
+          <a:off x="0" y="0"/>
+          <a:ext cx="0" cy="0"/>
+          <a:chOff x="0" y="0"/>
+          <a:chExt cx="0" cy="0"/>
+        </a:xfrm>
+      </p:grpSpPr>
+      <p:sp>
+        <p:nvSpPr>
+          <p:cNvPr id="1356398891" name="Title 1"/>
+          <p:cNvSpPr>
+            <a:spLocks noGrp="1"/>
+          </p:cNvSpPr>
+          <p:nvPr>
+            <p:ph type="title"/>
+          </p:nvPr>
+        </p:nvSpPr>
+        <p:spPr bwMode="auto"/>
+        <p:txBody>
+          <a:bodyPr/>
+          <a:lstStyle/>
+          <a:p>
+            <a:pPr>
+              <a:defRPr/>
+            </a:pPr>
+            <a:r>
+              <a:rPr>
+                <a:solidFill>
+                  <a:schemeClr val="bg1"/>
+                </a:solidFill>
+              </a:rPr>
+              <a:t>wtf is C</a:t>
+            </a:r>
+            <a:endParaRPr>
+              <a:solidFill>
+                <a:schemeClr val="bg1"/>
+              </a:solidFill>
+            </a:endParaRPr>
+          </a:p>
+        </p:txBody>
+      </p:sp>
+      <p:pic>
+        <p:nvPicPr>
+          <p:cNvPr id="977367246" name=""/>
+          <p:cNvPicPr>
+            <a:picLocks noChangeAspect="1"/>
+          </p:cNvPicPr>
+          <p:nvPr/>
+        </p:nvPicPr>
+        <p:blipFill>
+          <a:blip r:embed="rId3"/>
+          <a:stretch/>
+        </p:blipFill>
+        <p:spPr bwMode="auto">
+          <a:xfrm>
+            <a:off x="2906597" y="2945876"/>
+            <a:ext cx="6134099" cy="647699"/>
+          </a:xfrm>
+          <a:prstGeom prst="rect">
+            <a:avLst/>
+          </a:prstGeom>
+        </p:spPr>
+      </p:pic>
+    </p:spTree>
+  </p:cSld>
+  <p:clrMapOvr>
+    <a:masterClrMapping/>
+  </p:clrMapOvr>
+  <mc:AlternateContent xmlns:mc="http://schemas.openxmlformats.org/markup-compatibility/2006">
+    <mc:Choice xmlns:p159="http://schemas.microsoft.com/office/powerpoint/2015/09/main" xmlns:p14="http://schemas.microsoft.com/office/powerpoint/2010/main" Requires="p159">
+      <p:transition p14:dur="2000" advClick="1"/>
+    </mc:Choice>
+    <mc:Fallback>
+      <p:transition advClick="1"/>
+    </mc:Fallback>
+  </mc:AlternateContent>
+</p:sld>
+</file>
+
+<file path=ppt/slides/slide12.xml><?xml version="1.0" encoding="utf-8"?>
+<p:sld xmlns:a="http://schemas.openxmlformats.org/drawingml/2006/main" xmlns:r="http://schemas.openxmlformats.org/officeDocument/2006/relationships" xmlns:p="http://schemas.openxmlformats.org/presentationml/2006/main" xmlns:m="http://schemas.openxmlformats.org/officeDocument/2006/math" xmlns:w="http://schemas.openxmlformats.org/wordprocessingml/2006/main" xmlns:mc="http://schemas.openxmlformats.org/markup-compatibility/2006" showMasterPhAnim="0" showMasterSp="1" show="1">
+  <p:cSld name="">
+    <p:spTree>
+      <p:nvGrpSpPr>
+        <p:cNvPr id="1" name=""/>
+        <p:cNvGrpSpPr/>
+        <p:nvPr/>
+      </p:nvGrpSpPr>
+      <p:grpSpPr bwMode="auto">
+        <a:xfrm>
+          <a:off x="0" y="0"/>
+          <a:ext cx="0" cy="0"/>
+          <a:chOff x="0" y="0"/>
+          <a:chExt cx="0" cy="0"/>
+        </a:xfrm>
+      </p:grpSpPr>
+      <p:sp>
+        <p:nvSpPr>
+          <p:cNvPr id="1342046614" name="Title 1"/>
+          <p:cNvSpPr>
+            <a:spLocks noGrp="1"/>
+          </p:cNvSpPr>
+          <p:nvPr>
+            <p:ph type="title"/>
+          </p:nvPr>
+        </p:nvSpPr>
+        <p:spPr bwMode="auto"/>
+        <p:txBody>
+          <a:bodyPr/>
+          <a:lstStyle/>
+          <a:p>
+            <a:pPr>
+              <a:defRPr/>
+            </a:pPr>
+            <a:r>
+              <a:rPr>
+                <a:solidFill>
+                  <a:schemeClr val="bg1"/>
+                </a:solidFill>
+              </a:rPr>
+              <a:t>RetinaNet</a:t>
+            </a:r>
+            <a:endParaRPr>
+              <a:solidFill>
+                <a:schemeClr val="bg1"/>
+              </a:solidFill>
+            </a:endParaRPr>
+          </a:p>
+        </p:txBody>
+      </p:sp>
+      <p:sp>
+        <p:nvSpPr>
+          <p:cNvPr id="1632919304" name="Content Placeholder 2"/>
+          <p:cNvSpPr>
+            <a:spLocks noGrp="1"/>
+          </p:cNvSpPr>
+          <p:nvPr>
+            <p:ph idx="1"/>
+          </p:nvPr>
+        </p:nvSpPr>
+        <p:spPr bwMode="auto"/>
+        <p:txBody>
+          <a:bodyPr/>
+          <a:lstStyle/>
+          <a:p>
+            <a:pPr marL="394023" indent="-394023">
+              <a:buFont typeface="Arial"/>
+              <a:buAutoNum type="arabicPeriod"/>
+              <a:defRPr/>
+            </a:pPr>
+            <a:r>
+              <a:rPr>
+                <a:solidFill>
+                  <a:schemeClr val="bg1"/>
+                </a:solidFill>
+              </a:rPr>
+              <a:t>Does a convolutional object classification</a:t>
+            </a:r>
+            <a:endParaRPr>
+              <a:solidFill>
+                <a:schemeClr val="bg1"/>
+              </a:solidFill>
+            </a:endParaRPr>
+          </a:p>
+          <a:p>
+            <a:pPr marL="0" indent="0">
+              <a:buFont typeface="Arial"/>
+              <a:buNone/>
+              <a:defRPr/>
+            </a:pPr>
+            <a:r>
+              <a:rPr>
+                <a:solidFill>
+                  <a:schemeClr val="bg1"/>
+                </a:solidFill>
+              </a:rPr>
+              <a:t>2. Does a bounding box regression</a:t>
+            </a:r>
+            <a:endParaRPr>
+              <a:solidFill>
+                <a:schemeClr val="bg1"/>
+              </a:solidFill>
+            </a:endParaRPr>
+          </a:p>
+        </p:txBody>
+      </p:sp>
+    </p:spTree>
+  </p:cSld>
+  <p:clrMapOvr>
+    <a:masterClrMapping/>
+  </p:clrMapOvr>
+  <mc:AlternateContent xmlns:mc="http://schemas.openxmlformats.org/markup-compatibility/2006">
+    <mc:Choice xmlns:p159="http://schemas.microsoft.com/office/powerpoint/2015/09/main" xmlns:p14="http://schemas.microsoft.com/office/powerpoint/2010/main" Requires="p159">
+      <p:transition p14:dur="2000" advClick="1"/>
+    </mc:Choice>
+    <mc:Fallback>
+      <p:transition advClick="1"/>
+    </mc:Fallback>
+  </mc:AlternateContent>
+</p:sld>
+</file>
+
+<file path=ppt/slides/slide13.xml><?xml version="1.0" encoding="utf-8"?>
 <p:sld xmlns:a="http://schemas.openxmlformats.org/drawingml/2006/main" xmlns:r="http://schemas.openxmlformats.org/officeDocument/2006/relationships" xmlns:p="http://schemas.openxmlformats.org/presentationml/2006/main" xmlns:m="http://schemas.openxmlformats.org/officeDocument/2006/math" xmlns:w="http://schemas.openxmlformats.org/wordprocessingml/2006/main" xmlns:mc="http://schemas.openxmlformats.org/markup-compatibility/2006" showMasterPhAnim="0" showMasterSp="1" show="0">
   <p:cSld name="">
     <p:spTree>
@@ -6103,7 +6639,7 @@
 </p:sld>
 </file>
 
-<file path=ppt/slides/slide11.xml><?xml version="1.0" encoding="utf-8"?>
+<file path=ppt/slides/slide14.xml><?xml version="1.0" encoding="utf-8"?>
 <p:sld xmlns:a="http://schemas.openxmlformats.org/drawingml/2006/main" xmlns:r="http://schemas.openxmlformats.org/officeDocument/2006/relationships" xmlns:p="http://schemas.openxmlformats.org/presentationml/2006/main" xmlns:m="http://schemas.openxmlformats.org/officeDocument/2006/math" xmlns:w="http://schemas.openxmlformats.org/wordprocessingml/2006/main" xmlns:mc="http://schemas.openxmlformats.org/markup-compatibility/2006" showMasterPhAnim="0" showMasterSp="1" show="1">
   <p:cSld name="">
     <p:spTree>
@@ -6274,7 +6810,7 @@
 </p:sld>
 </file>
 
-<file path=ppt/slides/slide12.xml><?xml version="1.0" encoding="utf-8"?>
+<file path=ppt/slides/slide15.xml><?xml version="1.0" encoding="utf-8"?>
 <p:sld xmlns:a="http://schemas.openxmlformats.org/drawingml/2006/main" xmlns:r="http://schemas.openxmlformats.org/officeDocument/2006/relationships" xmlns:p="http://schemas.openxmlformats.org/presentationml/2006/main" xmlns:m="http://schemas.openxmlformats.org/officeDocument/2006/math" xmlns:w="http://schemas.openxmlformats.org/wordprocessingml/2006/main" xmlns:mc="http://schemas.openxmlformats.org/markup-compatibility/2006" showMasterPhAnim="0" showMasterSp="1" show="1">
   <p:cSld name="">
     <p:spTree>
@@ -6407,7 +6943,7 @@
 </p:sld>
 </file>
 
-<file path=ppt/slides/slide13.xml><?xml version="1.0" encoding="utf-8"?>
+<file path=ppt/slides/slide16.xml><?xml version="1.0" encoding="utf-8"?>
 <p:sld xmlns:a="http://schemas.openxmlformats.org/drawingml/2006/main" xmlns:r="http://schemas.openxmlformats.org/officeDocument/2006/relationships" xmlns:p="http://schemas.openxmlformats.org/presentationml/2006/main" xmlns:m="http://schemas.openxmlformats.org/officeDocument/2006/math" xmlns:w="http://schemas.openxmlformats.org/wordprocessingml/2006/main" xmlns:mc="http://schemas.openxmlformats.org/markup-compatibility/2006" showMasterPhAnim="0" showMasterSp="1" show="0">
   <p:cSld name="">
     <p:spTree>
@@ -7498,7 +8034,7 @@
 </p:sld>
 </file>
 
-<file path=ppt/slides/slide14.xml><?xml version="1.0" encoding="utf-8"?>
+<file path=ppt/slides/slide17.xml><?xml version="1.0" encoding="utf-8"?>
 <p:sld xmlns:a="http://schemas.openxmlformats.org/drawingml/2006/main" xmlns:r="http://schemas.openxmlformats.org/officeDocument/2006/relationships" xmlns:p="http://schemas.openxmlformats.org/presentationml/2006/main" xmlns:m="http://schemas.openxmlformats.org/officeDocument/2006/math" xmlns:w="http://schemas.openxmlformats.org/wordprocessingml/2006/main" xmlns:mc="http://schemas.openxmlformats.org/markup-compatibility/2006" showMasterPhAnim="0" showMasterSp="1" show="1">
   <p:cSld name="">
     <p:spTree>
@@ -7652,7 +8188,7 @@
 </p:sld>
 </file>
 
-<file path=ppt/slides/slide15.xml><?xml version="1.0" encoding="utf-8"?>
+<file path=ppt/slides/slide18.xml><?xml version="1.0" encoding="utf-8"?>
 <p:sld xmlns:a="http://schemas.openxmlformats.org/drawingml/2006/main" xmlns:r="http://schemas.openxmlformats.org/officeDocument/2006/relationships" xmlns:p="http://schemas.openxmlformats.org/presentationml/2006/main" xmlns:m="http://schemas.openxmlformats.org/officeDocument/2006/math" xmlns:w="http://schemas.openxmlformats.org/wordprocessingml/2006/main" xmlns:mc="http://schemas.openxmlformats.org/markup-compatibility/2006" showMasterPhAnim="0" showMasterSp="1" show="1">
   <p:cSld name="">
     <p:spTree>
@@ -8392,136 +8928,7 @@
 </p:sld>
 </file>
 
-<file path=ppt/slides/slide16.xml><?xml version="1.0" encoding="utf-8"?>
-<p:sld xmlns:a="http://schemas.openxmlformats.org/drawingml/2006/main" xmlns:r="http://schemas.openxmlformats.org/officeDocument/2006/relationships" xmlns:p="http://schemas.openxmlformats.org/presentationml/2006/main" xmlns:m="http://schemas.openxmlformats.org/officeDocument/2006/math" xmlns:w="http://schemas.openxmlformats.org/wordprocessingml/2006/main" xmlns:mc="http://schemas.openxmlformats.org/markup-compatibility/2006" showMasterPhAnim="0" showMasterSp="1" show="1">
-  <p:cSld name="">
-    <p:spTree>
-      <p:nvGrpSpPr>
-        <p:cNvPr id="1" name=""/>
-        <p:cNvGrpSpPr/>
-        <p:nvPr/>
-      </p:nvGrpSpPr>
-      <p:grpSpPr bwMode="auto">
-        <a:xfrm>
-          <a:off x="0" y="0"/>
-          <a:ext cx="0" cy="0"/>
-          <a:chOff x="0" y="0"/>
-          <a:chExt cx="0" cy="0"/>
-        </a:xfrm>
-      </p:grpSpPr>
-      <p:sp>
-        <p:nvSpPr>
-          <p:cNvPr id="945422150" name="Title 1"/>
-          <p:cNvSpPr>
-            <a:spLocks noGrp="1"/>
-          </p:cNvSpPr>
-          <p:nvPr>
-            <p:ph type="title"/>
-          </p:nvPr>
-        </p:nvSpPr>
-        <p:spPr bwMode="auto"/>
-        <p:txBody>
-          <a:bodyPr/>
-          <a:lstStyle/>
-          <a:p>
-            <a:pPr>
-              <a:defRPr/>
-            </a:pPr>
-            <a:r>
-              <a:rPr>
-                <a:solidFill>
-                  <a:schemeClr val="bg1"/>
-                </a:solidFill>
-              </a:rPr>
-              <a:t>Experimental Techniques</a:t>
-            </a:r>
-            <a:endParaRPr>
-              <a:solidFill>
-                <a:schemeClr val="bg1"/>
-              </a:solidFill>
-            </a:endParaRPr>
-          </a:p>
-        </p:txBody>
-      </p:sp>
-      <p:sp>
-        <p:nvSpPr>
-          <p:cNvPr id="257148198" name="Content Placeholder 2"/>
-          <p:cNvSpPr>
-            <a:spLocks noGrp="1"/>
-          </p:cNvSpPr>
-          <p:nvPr>
-            <p:ph idx="1"/>
-          </p:nvPr>
-        </p:nvSpPr>
-        <p:spPr bwMode="auto"/>
-        <p:txBody>
-          <a:bodyPr/>
-          <a:lstStyle/>
-          <a:p>
-            <a:pPr>
-              <a:defRPr/>
-            </a:pPr>
-            <a:r>
-              <a:rPr>
-                <a:solidFill>
-                  <a:schemeClr val="bg1"/>
-                </a:solidFill>
-              </a:rPr>
-              <a:t>2 stage cascade</a:t>
-            </a:r>
-            <a:endParaRPr>
-              <a:solidFill>
-                <a:schemeClr val="bg1"/>
-              </a:solidFill>
-            </a:endParaRPr>
-          </a:p>
-          <a:p>
-            <a:pPr>
-              <a:defRPr/>
-            </a:pPr>
-            <a:endParaRPr>
-              <a:solidFill>
-                <a:schemeClr val="bg1"/>
-              </a:solidFill>
-            </a:endParaRPr>
-          </a:p>
-          <a:p>
-            <a:pPr>
-              <a:defRPr/>
-            </a:pPr>
-            <a:r>
-              <a:rPr>
-                <a:solidFill>
-                  <a:schemeClr val="bg1"/>
-                </a:solidFill>
-              </a:rPr>
-              <a:t>Biased sampling</a:t>
-            </a:r>
-            <a:endParaRPr>
-              <a:solidFill>
-                <a:schemeClr val="bg1"/>
-              </a:solidFill>
-            </a:endParaRPr>
-          </a:p>
-        </p:txBody>
-      </p:sp>
-    </p:spTree>
-  </p:cSld>
-  <p:clrMapOvr>
-    <a:masterClrMapping/>
-  </p:clrMapOvr>
-  <mc:AlternateContent xmlns:mc="http://schemas.openxmlformats.org/markup-compatibility/2006">
-    <mc:Choice xmlns:p159="http://schemas.microsoft.com/office/powerpoint/2015/09/main" xmlns:p14="http://schemas.microsoft.com/office/powerpoint/2010/main" Requires="p159">
-      <p:transition p14:dur="2000" advClick="1"/>
-    </mc:Choice>
-    <mc:Fallback>
-      <p:transition advClick="1"/>
-    </mc:Fallback>
-  </mc:AlternateContent>
-</p:sld>
-</file>
-
-<file path=ppt/slides/slide17.xml><?xml version="1.0" encoding="utf-8"?>
+<file path=ppt/slides/slide19.xml><?xml version="1.0" encoding="utf-8"?>
 <p:sld xmlns:a="http://schemas.openxmlformats.org/drawingml/2006/main" xmlns:r="http://schemas.openxmlformats.org/officeDocument/2006/relationships" xmlns:p="http://schemas.openxmlformats.org/presentationml/2006/main" xmlns:m="http://schemas.openxmlformats.org/officeDocument/2006/math" xmlns:w="http://schemas.openxmlformats.org/wordprocessingml/2006/main" xmlns:mc="http://schemas.openxmlformats.org/markup-compatibility/2006" showMasterPhAnim="0" showMasterSp="1" show="1">
   <p:cSld name="">
     <p:spTree>
@@ -10799,6 +11206,135 @@
       </p:grpSpPr>
       <p:sp>
         <p:nvSpPr>
+          <p:cNvPr id="945422150" name="Title 1"/>
+          <p:cNvSpPr>
+            <a:spLocks noGrp="1"/>
+          </p:cNvSpPr>
+          <p:nvPr>
+            <p:ph type="title"/>
+          </p:nvPr>
+        </p:nvSpPr>
+        <p:spPr bwMode="auto"/>
+        <p:txBody>
+          <a:bodyPr/>
+          <a:lstStyle/>
+          <a:p>
+            <a:pPr>
+              <a:defRPr/>
+            </a:pPr>
+            <a:r>
+              <a:rPr>
+                <a:solidFill>
+                  <a:schemeClr val="bg1"/>
+                </a:solidFill>
+              </a:rPr>
+              <a:t>Experimental Techniques</a:t>
+            </a:r>
+            <a:endParaRPr>
+              <a:solidFill>
+                <a:schemeClr val="bg1"/>
+              </a:solidFill>
+            </a:endParaRPr>
+          </a:p>
+        </p:txBody>
+      </p:sp>
+      <p:sp>
+        <p:nvSpPr>
+          <p:cNvPr id="257148198" name="Content Placeholder 2"/>
+          <p:cNvSpPr>
+            <a:spLocks noGrp="1"/>
+          </p:cNvSpPr>
+          <p:nvPr>
+            <p:ph idx="1"/>
+          </p:nvPr>
+        </p:nvSpPr>
+        <p:spPr bwMode="auto"/>
+        <p:txBody>
+          <a:bodyPr/>
+          <a:lstStyle/>
+          <a:p>
+            <a:pPr>
+              <a:defRPr/>
+            </a:pPr>
+            <a:r>
+              <a:rPr>
+                <a:solidFill>
+                  <a:schemeClr val="bg1"/>
+                </a:solidFill>
+              </a:rPr>
+              <a:t>2 stage cascade</a:t>
+            </a:r>
+            <a:endParaRPr>
+              <a:solidFill>
+                <a:schemeClr val="bg1"/>
+              </a:solidFill>
+            </a:endParaRPr>
+          </a:p>
+          <a:p>
+            <a:pPr>
+              <a:defRPr/>
+            </a:pPr>
+            <a:endParaRPr>
+              <a:solidFill>
+                <a:schemeClr val="bg1"/>
+              </a:solidFill>
+            </a:endParaRPr>
+          </a:p>
+          <a:p>
+            <a:pPr>
+              <a:defRPr/>
+            </a:pPr>
+            <a:r>
+              <a:rPr>
+                <a:solidFill>
+                  <a:schemeClr val="bg1"/>
+                </a:solidFill>
+              </a:rPr>
+              <a:t>Biased sampling</a:t>
+            </a:r>
+            <a:endParaRPr>
+              <a:solidFill>
+                <a:schemeClr val="bg1"/>
+              </a:solidFill>
+            </a:endParaRPr>
+          </a:p>
+        </p:txBody>
+      </p:sp>
+    </p:spTree>
+  </p:cSld>
+  <p:clrMapOvr>
+    <a:masterClrMapping/>
+  </p:clrMapOvr>
+  <mc:AlternateContent xmlns:mc="http://schemas.openxmlformats.org/markup-compatibility/2006">
+    <mc:Choice xmlns:p159="http://schemas.microsoft.com/office/powerpoint/2015/09/main" xmlns:p14="http://schemas.microsoft.com/office/powerpoint/2010/main" Requires="p159">
+      <p:transition p14:dur="2000" advClick="1"/>
+    </mc:Choice>
+    <mc:Fallback>
+      <p:transition advClick="1"/>
+    </mc:Fallback>
+  </mc:AlternateContent>
+</p:sld>
+</file>
+
+<file path=ppt/slides/slide8.xml><?xml version="1.0" encoding="utf-8"?>
+<p:sld xmlns:a="http://schemas.openxmlformats.org/drawingml/2006/main" xmlns:r="http://schemas.openxmlformats.org/officeDocument/2006/relationships" xmlns:p="http://schemas.openxmlformats.org/presentationml/2006/main" xmlns:m="http://schemas.openxmlformats.org/officeDocument/2006/math" xmlns:w="http://schemas.openxmlformats.org/wordprocessingml/2006/main" xmlns:mc="http://schemas.openxmlformats.org/markup-compatibility/2006" showMasterPhAnim="0" showMasterSp="1" show="1">
+  <p:cSld name="">
+    <p:spTree>
+      <p:nvGrpSpPr>
+        <p:cNvPr id="1" name=""/>
+        <p:cNvGrpSpPr/>
+        <p:nvPr/>
+      </p:nvGrpSpPr>
+      <p:grpSpPr bwMode="auto">
+        <a:xfrm>
+          <a:off x="0" y="0"/>
+          <a:ext cx="0" cy="0"/>
+          <a:chOff x="0" y="0"/>
+          <a:chExt cx="0" cy="0"/>
+        </a:xfrm>
+      </p:grpSpPr>
+      <p:sp>
+        <p:nvSpPr>
           <p:cNvPr id="1129332321" name="Title 1"/>
           <p:cNvSpPr>
             <a:spLocks noGrp="1"/>
@@ -11003,7 +11539,7 @@
 </p:sld>
 </file>
 
-<file path=ppt/slides/slide8.xml><?xml version="1.0" encoding="utf-8"?>
+<file path=ppt/slides/slide9.xml><?xml version="1.0" encoding="utf-8"?>
 <p:sld xmlns:a="http://schemas.openxmlformats.org/drawingml/2006/main" xmlns:r="http://schemas.openxmlformats.org/officeDocument/2006/relationships" xmlns:p="http://schemas.openxmlformats.org/presentationml/2006/main" xmlns:m="http://schemas.openxmlformats.org/officeDocument/2006/math" xmlns:w="http://schemas.openxmlformats.org/wordprocessingml/2006/main" xmlns:mc="http://schemas.openxmlformats.org/markup-compatibility/2006" showMasterPhAnim="0" showMasterSp="1" show="1">
   <p:cSld name="">
     <p:spTree>
@@ -11022,7 +11558,7 @@
       </p:grpSpPr>
       <p:sp>
         <p:nvSpPr>
-          <p:cNvPr id="1342046614" name="Title 1"/>
+          <p:cNvPr id="2009980845" name="Title 1"/>
           <p:cNvSpPr>
             <a:spLocks noGrp="1"/>
           </p:cNvSpPr>
@@ -11044,7 +11580,7 @@
                   <a:schemeClr val="bg1"/>
                 </a:solidFill>
               </a:rPr>
-              <a:t>RetinaNet</a:t>
+              <a:t>Feature Pyramid Network</a:t>
             </a:r>
             <a:endParaRPr>
               <a:solidFill>
@@ -11056,7 +11592,7 @@
       </p:sp>
       <p:sp>
         <p:nvSpPr>
-          <p:cNvPr id="1632919304" name="Content Placeholder 2"/>
+          <p:cNvPr id="810317980" name="Content Placeholder 2"/>
           <p:cNvSpPr>
             <a:spLocks noGrp="1"/>
           </p:cNvSpPr>
@@ -11069,9 +11605,7 @@
           <a:bodyPr/>
           <a:lstStyle/>
           <a:p>
-            <a:pPr marL="394023" indent="-394023">
-              <a:buFont typeface="Arial"/>
-              <a:buAutoNum type="arabicPeriod"/>
+            <a:pPr>
               <a:defRPr/>
             </a:pPr>
             <a:r>
@@ -11080,7 +11614,139 @@
                   <a:schemeClr val="bg1"/>
                 </a:solidFill>
               </a:rPr>
-              <a:t>Does a convolutional object classification</a:t>
+              <a:t>Layer </a:t>
+            </a:r>
+            <mc:AlternateContent xmlns:mc="http://schemas.openxmlformats.org/markup-compatibility/2006" xmlns:m="http://schemas.openxmlformats.org/officeDocument/2006/math">
+              <mc:Choice xmlns:a14="http://schemas.microsoft.com/office/drawing/2010/main" Requires="a14">
+                <a14:m>
+                  <m:oMathPara>
+                    <m:oMathParaPr/>
+                    <m:oMath>
+                      <m:sSub>
+                        <m:sSubPr>
+                          <m:ctrlPr>
+                            <a:rPr lang="en-US" sz="2800" i="1" u="none" strike="noStrike" cap="none" spc="0">
+                              <a:solidFill>
+                                <a:schemeClr val="bg1"/>
+                              </a:solidFill>
+                              <a:latin typeface="Cambria Math"/>
+                              <a:ea typeface="Cambria Math"/>
+                              <a:cs typeface="Cambria Math"/>
+                            </a:rPr>
+                          </m:ctrlPr>
+                        </m:sSubPr>
+                        <m:e>
+                          <m:r>
+                            <m:rPr>
+                              <m:sty m:val="i"/>
+                            </m:rPr>
+                            <a:rPr lang="en-US" sz="2800" u="none" strike="noStrike" cap="none" spc="0">
+                              <a:solidFill>
+                                <a:schemeClr val="bg1"/>
+                              </a:solidFill>
+                              <a:latin typeface="Cambria Math"/>
+                              <a:ea typeface="Cambria Math"/>
+                              <a:cs typeface="Cambria Math"/>
+                            </a:rPr>
+                            <m:t>p</m:t>
+                          </m:r>
+                        </m:e>
+                        <m:sub>
+                          <m:r>
+                            <m:rPr>
+                              <m:sty m:val="i"/>
+                            </m:rPr>
+                            <a:rPr lang="en-US" sz="2800" u="none" strike="noStrike" cap="none" spc="0">
+                              <a:solidFill>
+                                <a:schemeClr val="bg1"/>
+                              </a:solidFill>
+                              <a:latin typeface="Cambria Math"/>
+                              <a:ea typeface="Cambria Math"/>
+                              <a:cs typeface="Cambria Math"/>
+                            </a:rPr>
+                            <m:t>l</m:t>
+                          </m:r>
+                        </m:sub>
+                      </m:sSub>
+                    </m:oMath>
+                  </m:oMathPara>
+                </a14:m>
+              </mc:Choice>
+              <mc:Fallback/>
+            </mc:AlternateContent>
+            <a:r>
+              <a:rPr>
+                <a:solidFill>
+                  <a:schemeClr val="bg1"/>
+                </a:solidFill>
+              </a:rPr>
+              <a:t> has a resolution </a:t>
+            </a:r>
+            <mc:AlternateContent xmlns:mc="http://schemas.openxmlformats.org/markup-compatibility/2006" xmlns:m="http://schemas.openxmlformats.org/officeDocument/2006/math">
+              <mc:Choice xmlns:a14="http://schemas.microsoft.com/office/drawing/2010/main" Requires="a14">
+                <a14:m>
+                  <m:oMathPara>
+                    <m:oMathParaPr/>
+                    <m:oMath>
+                      <m:sSup>
+                        <m:sSupPr>
+                          <m:ctrlPr>
+                            <a:rPr lang="en-US" sz="2800" b="0" i="1" u="none" strike="noStrike" cap="none" spc="0">
+                              <a:solidFill>
+                                <a:schemeClr val="bg1"/>
+                              </a:solidFill>
+                              <a:latin typeface="Cambria Math"/>
+                              <a:ea typeface="Cambria Math"/>
+                              <a:cs typeface="Cambria Math"/>
+                            </a:rPr>
+                          </m:ctrlPr>
+                        </m:sSupPr>
+                        <m:e>
+                          <m:r>
+                            <m:rPr>
+                              <m:sty m:val="i"/>
+                            </m:rPr>
+                            <a:rPr lang="en-US" sz="2800" u="none" strike="noStrike" cap="none" spc="0">
+                              <a:solidFill>
+                                <a:schemeClr val="bg1"/>
+                              </a:solidFill>
+                              <a:latin typeface="Cambria Math"/>
+                              <a:ea typeface="Cambria Math"/>
+                              <a:cs typeface="Cambria Math"/>
+                            </a:rPr>
+                            <m:t>2</m:t>
+                          </m:r>
+                        </m:e>
+                        <m:sup>
+                          <m:r>
+                            <m:rPr>
+                              <m:sty m:val="i"/>
+                            </m:rPr>
+                            <a:rPr lang="en-US" sz="2800" u="none" strike="noStrike" cap="none" spc="0">
+                              <a:solidFill>
+                                <a:schemeClr val="bg1"/>
+                              </a:solidFill>
+                              <a:latin typeface="Cambria Math"/>
+                              <a:ea typeface="Cambria Math"/>
+                              <a:cs typeface="Cambria Math"/>
+                            </a:rPr>
+                            <m:t>l</m:t>
+                          </m:r>
+                        </m:sup>
+                      </m:sSup>
+                    </m:oMath>
+                  </m:oMathPara>
+                </a14:m>
+              </mc:Choice>
+              <mc:Fallback/>
+            </mc:AlternateContent>
+            <a:r>
+              <a:rPr>
+                <a:solidFill>
+                  <a:schemeClr val="bg1"/>
+                </a:solidFill>
+              </a:rPr>
+              <a:t> lower than the input</a:t>
             </a:r>
             <a:endParaRPr>
               <a:solidFill>
@@ -11089,9 +11755,7 @@
             </a:endParaRPr>
           </a:p>
           <a:p>
-            <a:pPr marL="0" indent="0">
-              <a:buFont typeface="Arial"/>
-              <a:buNone/>
+            <a:pPr lvl="1">
               <a:defRPr/>
             </a:pPr>
             <a:r>
@@ -11100,7 +11764,347 @@
                   <a:schemeClr val="bg1"/>
                 </a:solidFill>
               </a:rPr>
-              <a:t>2. Does a bounding box regression</a:t>
+              <a:t>In application, they set the stride to be </a:t>
+            </a:r>
+            <mc:AlternateContent xmlns:mc="http://schemas.openxmlformats.org/markup-compatibility/2006" xmlns:m="http://schemas.openxmlformats.org/officeDocument/2006/math">
+              <mc:Choice xmlns:a14="http://schemas.microsoft.com/office/drawing/2010/main" Requires="a14">
+                <a14:m>
+                  <m:oMathPara>
+                    <m:oMathParaPr/>
+                    <m:oMath>
+                      <m:sSup>
+                        <m:sSupPr>
+                          <m:ctrlPr>
+                            <a:rPr lang="en-US" sz="2400" b="0" i="1" u="none" strike="noStrike" cap="none" spc="0">
+                              <a:solidFill>
+                                <a:schemeClr val="bg1"/>
+                              </a:solidFill>
+                              <a:latin typeface="Cambria Math"/>
+                              <a:ea typeface="Cambria Math"/>
+                              <a:cs typeface="Cambria Math"/>
+                            </a:rPr>
+                          </m:ctrlPr>
+                        </m:sSupPr>
+                        <m:e>
+                          <m:r>
+                            <m:rPr>
+                              <m:sty m:val="i"/>
+                            </m:rPr>
+                            <a:rPr lang="en-US" sz="2400" u="none" strike="noStrike" cap="none" spc="0">
+                              <a:solidFill>
+                                <a:schemeClr val="bg1"/>
+                              </a:solidFill>
+                              <a:latin typeface="Cambria Math"/>
+                              <a:ea typeface="Cambria Math"/>
+                              <a:cs typeface="Cambria Math"/>
+                            </a:rPr>
+                            <m:t>2</m:t>
+                          </m:r>
+                        </m:e>
+                        <m:sup>
+                          <m:r>
+                            <m:rPr>
+                              <m:sty m:val="i"/>
+                            </m:rPr>
+                            <a:rPr lang="en-US" sz="2400" u="none" strike="noStrike" cap="none" spc="0">
+                              <a:solidFill>
+                                <a:schemeClr val="bg1"/>
+                              </a:solidFill>
+                              <a:latin typeface="Cambria Math"/>
+                              <a:ea typeface="Cambria Math"/>
+                              <a:cs typeface="Cambria Math"/>
+                            </a:rPr>
+                            <m:t>l</m:t>
+                          </m:r>
+                        </m:sup>
+                      </m:sSup>
+                    </m:oMath>
+                  </m:oMathPara>
+                </a14:m>
+              </mc:Choice>
+              <mc:Fallback/>
+            </mc:AlternateContent>
+            <a:endParaRPr>
+              <a:solidFill>
+                <a:schemeClr val="bg1"/>
+              </a:solidFill>
+            </a:endParaRPr>
+          </a:p>
+          <a:p>
+            <a:pPr lvl="1">
+              <a:defRPr/>
+            </a:pPr>
+            <a:r>
+              <a:rPr>
+                <a:solidFill>
+                  <a:schemeClr val="bg1"/>
+                </a:solidFill>
+              </a:rPr>
+              <a:t>{ </a:t>
+            </a:r>
+            <mc:AlternateContent xmlns:mc="http://schemas.openxmlformats.org/markup-compatibility/2006" xmlns:m="http://schemas.openxmlformats.org/officeDocument/2006/math">
+              <mc:Choice xmlns:a14="http://schemas.microsoft.com/office/drawing/2010/main" Requires="a14">
+                <a14:m>
+                  <m:oMathPara>
+                    <m:oMathParaPr/>
+                    <m:oMath>
+                      <m:sSub>
+                        <m:sSubPr>
+                          <m:ctrlPr>
+                            <a:rPr lang="en-US" sz="2400" b="0" i="1" u="none" strike="noStrike" cap="none" spc="0">
+                              <a:solidFill>
+                                <a:schemeClr val="bg1"/>
+                              </a:solidFill>
+                              <a:latin typeface="Cambria Math"/>
+                              <a:ea typeface="Cambria Math"/>
+                              <a:cs typeface="Cambria Math"/>
+                            </a:rPr>
+                          </m:ctrlPr>
+                        </m:sSubPr>
+                        <m:e>
+                          <m:r>
+                            <m:rPr>
+                              <m:sty m:val="i"/>
+                            </m:rPr>
+                            <a:rPr lang="en-US" sz="2400" u="none" strike="noStrike" cap="none" spc="0">
+                              <a:solidFill>
+                                <a:schemeClr val="bg1"/>
+                              </a:solidFill>
+                              <a:latin typeface="Cambria Math"/>
+                              <a:ea typeface="Cambria Math"/>
+                              <a:cs typeface="Cambria Math"/>
+                            </a:rPr>
+                            <m:t>P</m:t>
+                          </m:r>
+                        </m:e>
+                        <m:sub>
+                          <m:r>
+                            <m:rPr>
+                              <m:sty m:val="i"/>
+                            </m:rPr>
+                            <a:rPr lang="en-US" sz="2400" u="none" strike="noStrike" cap="none" spc="0">
+                              <a:solidFill>
+                                <a:schemeClr val="bg1"/>
+                              </a:solidFill>
+                              <a:latin typeface="Cambria Math"/>
+                              <a:ea typeface="Cambria Math"/>
+                              <a:cs typeface="Cambria Math"/>
+                            </a:rPr>
+                            <m:t>3</m:t>
+                          </m:r>
+                        </m:sub>
+                      </m:sSub>
+                    </m:oMath>
+                  </m:oMathPara>
+                </a14:m>
+              </mc:Choice>
+              <mc:Fallback/>
+            </mc:AlternateContent>
+            <a:r>
+              <a:rPr>
+                <a:solidFill>
+                  <a:schemeClr val="bg1"/>
+                </a:solidFill>
+              </a:rPr>
+              <a:t> to </a:t>
+            </a:r>
+            <mc:AlternateContent xmlns:mc="http://schemas.openxmlformats.org/markup-compatibility/2006" xmlns:m="http://schemas.openxmlformats.org/officeDocument/2006/math">
+              <mc:Choice xmlns:a14="http://schemas.microsoft.com/office/drawing/2010/main" Requires="a14">
+                <a14:m>
+                  <m:oMathPara>
+                    <m:oMathParaPr/>
+                    <m:oMath>
+                      <m:sSub>
+                        <m:sSubPr>
+                          <m:ctrlPr>
+                            <a:rPr lang="en-US" sz="2400" b="0" i="1" u="none" strike="noStrike" cap="none" spc="0">
+                              <a:solidFill>
+                                <a:schemeClr val="bg1"/>
+                              </a:solidFill>
+                              <a:latin typeface="Cambria Math"/>
+                              <a:ea typeface="Cambria Math"/>
+                              <a:cs typeface="Cambria Math"/>
+                            </a:rPr>
+                          </m:ctrlPr>
+                        </m:sSubPr>
+                        <m:e>
+                          <m:r>
+                            <m:rPr>
+                              <m:sty m:val="i"/>
+                            </m:rPr>
+                            <a:rPr lang="en-US" sz="2400" u="none" strike="noStrike" cap="none" spc="0">
+                              <a:solidFill>
+                                <a:schemeClr val="bg1"/>
+                              </a:solidFill>
+                              <a:latin typeface="Cambria Math"/>
+                              <a:ea typeface="Cambria Math"/>
+                              <a:cs typeface="Cambria Math"/>
+                            </a:rPr>
+                            <m:t>P</m:t>
+                          </m:r>
+                        </m:e>
+                        <m:sub>
+                          <m:r>
+                            <m:rPr>
+                              <m:sty m:val="i"/>
+                            </m:rPr>
+                            <a:rPr lang="en-US" sz="2400" u="none" strike="noStrike" cap="none" spc="0">
+                              <a:solidFill>
+                                <a:schemeClr val="bg1"/>
+                              </a:solidFill>
+                              <a:latin typeface="Cambria Math"/>
+                              <a:ea typeface="Cambria Math"/>
+                              <a:cs typeface="Cambria Math"/>
+                            </a:rPr>
+                            <m:t>5</m:t>
+                          </m:r>
+                        </m:sub>
+                      </m:sSub>
+                    </m:oMath>
+                  </m:oMathPara>
+                </a14:m>
+              </mc:Choice>
+              <mc:Fallback/>
+            </mc:AlternateContent>
+            <a:r>
+              <a:rPr>
+                <a:solidFill>
+                  <a:schemeClr val="bg1"/>
+                </a:solidFill>
+              </a:rPr>
+              <a:t> } is trained using residual function using { </a:t>
+            </a:r>
+            <mc:AlternateContent xmlns:mc="http://schemas.openxmlformats.org/markup-compatibility/2006" xmlns:m="http://schemas.openxmlformats.org/officeDocument/2006/math">
+              <mc:Choice xmlns:a14="http://schemas.microsoft.com/office/drawing/2010/main" Requires="a14">
+                <a14:m>
+                  <m:oMathPara>
+                    <m:oMathParaPr/>
+                    <m:oMath>
+                      <m:sSub>
+                        <m:sSubPr>
+                          <m:ctrlPr>
+                            <a:rPr lang="en-US" sz="2400" b="0" i="1" u="none" strike="noStrike" cap="none" spc="0">
+                              <a:solidFill>
+                                <a:schemeClr val="bg1"/>
+                              </a:solidFill>
+                              <a:latin typeface="Cambria Math"/>
+                              <a:ea typeface="Cambria Math"/>
+                              <a:cs typeface="Cambria Math"/>
+                            </a:rPr>
+                          </m:ctrlPr>
+                        </m:sSubPr>
+                        <m:e>
+                          <m:r>
+                            <m:rPr>
+                              <m:sty m:val="i"/>
+                            </m:rPr>
+                            <a:rPr lang="en-US" sz="2400" u="none" strike="noStrike" cap="none" spc="0">
+                              <a:solidFill>
+                                <a:schemeClr val="bg1"/>
+                              </a:solidFill>
+                              <a:latin typeface="Cambria Math"/>
+                              <a:ea typeface="Cambria Math"/>
+                              <a:cs typeface="Cambria Math"/>
+                            </a:rPr>
+                            <m:t>C</m:t>
+                          </m:r>
+                        </m:e>
+                        <m:sub>
+                          <m:r>
+                            <m:rPr>
+                              <m:sty m:val="i"/>
+                            </m:rPr>
+                            <a:rPr lang="en-US" sz="2400" u="none" strike="noStrike" cap="none" spc="0">
+                              <a:solidFill>
+                                <a:schemeClr val="bg1"/>
+                              </a:solidFill>
+                              <a:latin typeface="Cambria Math"/>
+                              <a:ea typeface="Cambria Math"/>
+                              <a:cs typeface="Cambria Math"/>
+                            </a:rPr>
+                            <m:t>3</m:t>
+                          </m:r>
+                        </m:sub>
+                      </m:sSub>
+                    </m:oMath>
+                  </m:oMathPara>
+                </a14:m>
+              </mc:Choice>
+              <mc:Fallback/>
+            </mc:AlternateContent>
+            <a:r>
+              <a:rPr>
+                <a:solidFill>
+                  <a:schemeClr val="bg1"/>
+                </a:solidFill>
+              </a:rPr>
+              <a:t> to </a:t>
+            </a:r>
+            <mc:AlternateContent xmlns:mc="http://schemas.openxmlformats.org/markup-compatibility/2006" xmlns:m="http://schemas.openxmlformats.org/officeDocument/2006/math">
+              <mc:Choice xmlns:a14="http://schemas.microsoft.com/office/drawing/2010/main" Requires="a14">
+                <a14:m>
+                  <m:oMathPara>
+                    <m:oMathParaPr/>
+                    <m:oMath>
+                      <m:sSub>
+                        <m:sSubPr>
+                          <m:ctrlPr>
+                            <a:rPr lang="en-US" sz="2400" b="0" i="1" u="none" strike="noStrike" cap="none" spc="0">
+                              <a:solidFill>
+                                <a:schemeClr val="bg1"/>
+                              </a:solidFill>
+                              <a:latin typeface="Cambria Math"/>
+                              <a:ea typeface="Cambria Math"/>
+                              <a:cs typeface="Cambria Math"/>
+                            </a:rPr>
+                          </m:ctrlPr>
+                        </m:sSubPr>
+                        <m:e>
+                          <m:r>
+                            <m:rPr>
+                              <m:sty m:val="i"/>
+                            </m:rPr>
+                            <a:rPr lang="en-US" sz="2400" u="none" strike="noStrike" cap="none" spc="0">
+                              <a:solidFill>
+                                <a:schemeClr val="bg1"/>
+                              </a:solidFill>
+                              <a:latin typeface="Cambria Math"/>
+                              <a:ea typeface="Cambria Math"/>
+                              <a:cs typeface="Cambria Math"/>
+                            </a:rPr>
+                            <m:t>C</m:t>
+                          </m:r>
+                        </m:e>
+                        <m:sub>
+                          <m:r>
+                            <m:rPr>
+                              <m:sty m:val="i"/>
+                            </m:rPr>
+                            <a:rPr lang="en-US" sz="2400" u="none" strike="noStrike" cap="none" spc="0">
+                              <a:solidFill>
+                                <a:schemeClr val="bg1"/>
+                              </a:solidFill>
+                              <a:latin typeface="Cambria Math"/>
+                              <a:ea typeface="Cambria Math"/>
+                              <a:cs typeface="Cambria Math"/>
+                            </a:rPr>
+                            <m:t>5</m:t>
+                          </m:r>
+                        </m:sub>
+                      </m:sSub>
+                    </m:oMath>
+                  </m:oMathPara>
+                </a14:m>
+              </mc:Choice>
+              <mc:Fallback/>
+            </mc:AlternateContent>
+            <a:r>
+              <a:rPr>
+                <a:solidFill>
+                  <a:schemeClr val="bg1"/>
+                </a:solidFill>
+              </a:rPr>
+              <a:t> }</a:t>
             </a:r>
             <a:endParaRPr>
               <a:solidFill>
@@ -11108,97 +12112,289 @@
               </a:solidFill>
             </a:endParaRPr>
           </a:p>
-        </p:txBody>
-      </p:sp>
-    </p:spTree>
-  </p:cSld>
-  <p:clrMapOvr>
-    <a:masterClrMapping/>
-  </p:clrMapOvr>
-  <mc:AlternateContent xmlns:mc="http://schemas.openxmlformats.org/markup-compatibility/2006">
-    <mc:Choice xmlns:p159="http://schemas.microsoft.com/office/powerpoint/2015/09/main" xmlns:p14="http://schemas.microsoft.com/office/powerpoint/2010/main" Requires="p159">
-      <p:transition p14:dur="2000" advClick="1"/>
-    </mc:Choice>
-    <mc:Fallback>
-      <p:transition advClick="1"/>
-    </mc:Fallback>
-  </mc:AlternateContent>
-</p:sld>
-</file>
-
-<file path=ppt/slides/slide9.xml><?xml version="1.0" encoding="utf-8"?>
-<p:sld xmlns:a="http://schemas.openxmlformats.org/drawingml/2006/main" xmlns:r="http://schemas.openxmlformats.org/officeDocument/2006/relationships" xmlns:p="http://schemas.openxmlformats.org/presentationml/2006/main" xmlns:m="http://schemas.openxmlformats.org/officeDocument/2006/math" xmlns:w="http://schemas.openxmlformats.org/wordprocessingml/2006/main" xmlns:mc="http://schemas.openxmlformats.org/markup-compatibility/2006" showMasterPhAnim="0" showMasterSp="1" show="0">
-  <p:cSld name="">
-    <p:spTree>
-      <p:nvGrpSpPr>
-        <p:cNvPr id="1" name=""/>
-        <p:cNvGrpSpPr/>
-        <p:nvPr/>
-      </p:nvGrpSpPr>
-      <p:grpSpPr bwMode="auto">
-        <a:xfrm>
-          <a:off x="0" y="0"/>
-          <a:ext cx="0" cy="0"/>
-          <a:chOff x="0" y="0"/>
-          <a:chExt cx="0" cy="0"/>
-        </a:xfrm>
-      </p:grpSpPr>
-      <p:sp>
-        <p:nvSpPr>
-          <p:cNvPr id="1356398891" name="Title 1"/>
-          <p:cNvSpPr>
-            <a:spLocks noGrp="1"/>
-          </p:cNvSpPr>
-          <p:nvPr>
-            <p:ph type="title"/>
-          </p:nvPr>
-        </p:nvSpPr>
-        <p:spPr bwMode="auto"/>
-        <p:txBody>
-          <a:bodyPr/>
-          <a:lstStyle/>
-          <a:p>
-            <a:pPr>
-              <a:defRPr/>
-            </a:pPr>
+          <a:p>
+            <a:pPr lvl="1">
+              <a:defRPr/>
+            </a:pPr>
+            <mc:AlternateContent xmlns:mc="http://schemas.openxmlformats.org/markup-compatibility/2006" xmlns:m="http://schemas.openxmlformats.org/officeDocument/2006/math">
+              <mc:Choice xmlns:a14="http://schemas.microsoft.com/office/drawing/2010/main" Requires="a14">
+                <a14:m>
+                  <m:oMathPara>
+                    <m:oMathParaPr/>
+                    <m:oMath>
+                      <m:sSub>
+                        <m:sSubPr>
+                          <m:ctrlPr>
+                            <a:rPr lang="en-US" sz="2400" b="0" i="1" u="none" strike="noStrike" cap="none" spc="0">
+                              <a:solidFill>
+                                <a:schemeClr val="bg1"/>
+                              </a:solidFill>
+                              <a:latin typeface="Cambria Math"/>
+                              <a:ea typeface="Cambria Math"/>
+                              <a:cs typeface="Cambria Math"/>
+                            </a:rPr>
+                          </m:ctrlPr>
+                        </m:sSubPr>
+                        <m:e>
+                          <m:r>
+                            <m:rPr>
+                              <m:sty m:val="i"/>
+                            </m:rPr>
+                            <a:rPr lang="en-US" sz="2400" u="none" strike="noStrike" cap="none" spc="0">
+                              <a:solidFill>
+                                <a:schemeClr val="bg1"/>
+                              </a:solidFill>
+                              <a:latin typeface="Cambria Math"/>
+                              <a:ea typeface="Cambria Math"/>
+                              <a:cs typeface="Cambria Math"/>
+                            </a:rPr>
+                            <m:t>P</m:t>
+                          </m:r>
+                        </m:e>
+                        <m:sub>
+                          <m:r>
+                            <m:rPr>
+                              <m:sty m:val="i"/>
+                            </m:rPr>
+                            <a:rPr lang="en-US" sz="2400" u="none" strike="noStrike" cap="none" spc="0">
+                              <a:solidFill>
+                                <a:schemeClr val="bg1"/>
+                              </a:solidFill>
+                              <a:latin typeface="Cambria Math"/>
+                              <a:ea typeface="Cambria Math"/>
+                              <a:cs typeface="Cambria Math"/>
+                            </a:rPr>
+                            <m:t>6</m:t>
+                          </m:r>
+                        </m:sub>
+                      </m:sSub>
+                    </m:oMath>
+                  </m:oMathPara>
+                </a14:m>
+              </mc:Choice>
+              <mc:Fallback/>
+            </mc:AlternateContent>
             <a:r>
               <a:rPr>
                 <a:solidFill>
                   <a:schemeClr val="bg1"/>
                 </a:solidFill>
               </a:rPr>
-              <a:t>wtf is C</a:t>
+              <a:t> uses a 3x3 kernel with stride 2 on </a:t>
             </a:r>
+            <mc:AlternateContent xmlns:mc="http://schemas.openxmlformats.org/markup-compatibility/2006" xmlns:m="http://schemas.openxmlformats.org/officeDocument/2006/math">
+              <mc:Choice xmlns:a14="http://schemas.microsoft.com/office/drawing/2010/main" Requires="a14">
+                <a14:m>
+                  <m:oMathPara>
+                    <m:oMathParaPr/>
+                    <m:oMath>
+                      <m:sSub>
+                        <m:sSubPr>
+                          <m:ctrlPr>
+                            <a:rPr lang="en-US" sz="2400" b="0" i="1" u="none" strike="noStrike" cap="none" spc="0">
+                              <a:solidFill>
+                                <a:schemeClr val="bg1"/>
+                              </a:solidFill>
+                              <a:latin typeface="Cambria Math"/>
+                              <a:ea typeface="Cambria Math"/>
+                              <a:cs typeface="Cambria Math"/>
+                            </a:rPr>
+                          </m:ctrlPr>
+                        </m:sSubPr>
+                        <m:e>
+                          <m:r>
+                            <m:rPr>
+                              <m:sty m:val="i"/>
+                            </m:rPr>
+                            <a:rPr lang="en-US" sz="2400" u="none" strike="noStrike" cap="none" spc="0">
+                              <a:solidFill>
+                                <a:schemeClr val="bg1"/>
+                              </a:solidFill>
+                              <a:latin typeface="Cambria Math"/>
+                              <a:ea typeface="Cambria Math"/>
+                              <a:cs typeface="Cambria Math"/>
+                            </a:rPr>
+                            <m:t>C</m:t>
+                          </m:r>
+                        </m:e>
+                        <m:sub>
+                          <m:r>
+                            <m:rPr>
+                              <m:sty m:val="i"/>
+                            </m:rPr>
+                            <a:rPr lang="en-US" sz="2400" u="none" strike="noStrike" cap="none" spc="0">
+                              <a:solidFill>
+                                <a:schemeClr val="bg1"/>
+                              </a:solidFill>
+                              <a:latin typeface="Cambria Math"/>
+                              <a:ea typeface="Cambria Math"/>
+                              <a:cs typeface="Cambria Math"/>
+                            </a:rPr>
+                            <m:t>5</m:t>
+                          </m:r>
+                        </m:sub>
+                      </m:sSub>
+                    </m:oMath>
+                  </m:oMathPara>
+                </a14:m>
+              </mc:Choice>
+              <mc:Fallback/>
+            </mc:AlternateContent>
             <a:endParaRPr>
               <a:solidFill>
                 <a:schemeClr val="bg1"/>
               </a:solidFill>
             </a:endParaRPr>
           </a:p>
-        </p:txBody>
-      </p:sp>
-      <p:pic>
-        <p:nvPicPr>
-          <p:cNvPr id="977367246" name=""/>
-          <p:cNvPicPr>
-            <a:picLocks noChangeAspect="1"/>
-          </p:cNvPicPr>
-          <p:nvPr/>
-        </p:nvPicPr>
-        <p:blipFill>
-          <a:blip r:embed="rId3"/>
-          <a:stretch/>
-        </p:blipFill>
-        <p:spPr bwMode="auto">
-          <a:xfrm>
-            <a:off x="2906597" y="2945876"/>
-            <a:ext cx="6134099" cy="647699"/>
-          </a:xfrm>
-          <a:prstGeom prst="rect">
-            <a:avLst/>
-          </a:prstGeom>
-        </p:spPr>
-      </p:pic>
+          <a:p>
+            <a:pPr lvl="1">
+              <a:defRPr/>
+            </a:pPr>
+            <mc:AlternateContent xmlns:mc="http://schemas.openxmlformats.org/markup-compatibility/2006" xmlns:m="http://schemas.openxmlformats.org/officeDocument/2006/math">
+              <mc:Choice xmlns:a14="http://schemas.microsoft.com/office/drawing/2010/main" Requires="a14">
+                <a14:m>
+                  <m:oMathPara>
+                    <m:oMathParaPr/>
+                    <m:oMath>
+                      <m:sSub>
+                        <m:sSubPr>
+                          <m:ctrlPr>
+                            <a:rPr lang="en-US" sz="2400" b="0" i="1" u="none" strike="noStrike" cap="none" spc="0">
+                              <a:solidFill>
+                                <a:schemeClr val="bg1"/>
+                              </a:solidFill>
+                              <a:latin typeface="Cambria Math"/>
+                              <a:ea typeface="Cambria Math"/>
+                              <a:cs typeface="Cambria Math"/>
+                            </a:rPr>
+                          </m:ctrlPr>
+                        </m:sSubPr>
+                        <m:e>
+                          <m:r>
+                            <m:rPr>
+                              <m:sty m:val="i"/>
+                            </m:rPr>
+                            <a:rPr lang="en-US" sz="2400" u="none" strike="noStrike" cap="none" spc="0">
+                              <a:solidFill>
+                                <a:schemeClr val="bg1"/>
+                              </a:solidFill>
+                              <a:latin typeface="Cambria Math"/>
+                              <a:ea typeface="Cambria Math"/>
+                              <a:cs typeface="Cambria Math"/>
+                            </a:rPr>
+                            <m:t>P</m:t>
+                          </m:r>
+                        </m:e>
+                        <m:sub>
+                          <m:r>
+                            <m:rPr>
+                              <m:sty m:val="i"/>
+                            </m:rPr>
+                            <a:rPr lang="en-US" sz="2400" u="none" strike="noStrike" cap="none" spc="0">
+                              <a:solidFill>
+                                <a:schemeClr val="bg1"/>
+                              </a:solidFill>
+                              <a:latin typeface="Cambria Math"/>
+                              <a:ea typeface="Cambria Math"/>
+                              <a:cs typeface="Cambria Math"/>
+                            </a:rPr>
+                            <m:t>7</m:t>
+                          </m:r>
+                        </m:sub>
+                      </m:sSub>
+                    </m:oMath>
+                  </m:oMathPara>
+                </a14:m>
+              </mc:Choice>
+              <mc:Fallback/>
+            </mc:AlternateContent>
+            <a:r>
+              <a:rPr lang="en-US" sz="2400" b="0" i="0" u="none" strike="noStrike" cap="none" spc="0">
+                <a:solidFill>
+                  <a:schemeClr val="bg1"/>
+                </a:solidFill>
+                <a:latin typeface="+mn-lt"/>
+                <a:ea typeface="+mn-ea"/>
+                <a:cs typeface="+mn-cs"/>
+              </a:rPr>
+              <a:t> uses a 3x3 kernel with stride 2 on </a:t>
+            </a:r>
+            <mc:AlternateContent xmlns:mc="http://schemas.openxmlformats.org/markup-compatibility/2006" xmlns:m="http://schemas.openxmlformats.org/officeDocument/2006/math">
+              <mc:Choice xmlns:a14="http://schemas.microsoft.com/office/drawing/2010/main" Requires="a14">
+                <a14:m>
+                  <m:oMathPara>
+                    <m:oMathParaPr/>
+                    <m:oMath>
+                      <m:sSub>
+                        <m:sSubPr>
+                          <m:ctrlPr>
+                            <a:rPr lang="en-US" sz="2400" b="0" i="1" u="none" strike="noStrike" cap="none" spc="0">
+                              <a:solidFill>
+                                <a:schemeClr val="bg1"/>
+                              </a:solidFill>
+                              <a:latin typeface="Cambria Math"/>
+                              <a:ea typeface="Cambria Math"/>
+                              <a:cs typeface="Cambria Math"/>
+                            </a:rPr>
+                          </m:ctrlPr>
+                        </m:sSubPr>
+                        <m:e>
+                          <m:r>
+                            <m:rPr>
+                              <m:sty m:val="i"/>
+                            </m:rPr>
+                            <a:rPr lang="en-US" sz="2400" u="none" strike="noStrike" cap="none" spc="0">
+                              <a:solidFill>
+                                <a:schemeClr val="bg1"/>
+                              </a:solidFill>
+                              <a:latin typeface="Cambria Math"/>
+                              <a:ea typeface="Cambria Math"/>
+                              <a:cs typeface="Cambria Math"/>
+                            </a:rPr>
+                            <m:t>P</m:t>
+                          </m:r>
+                        </m:e>
+                        <m:sub>
+                          <m:r>
+                            <m:rPr>
+                              <m:sty m:val="i"/>
+                            </m:rPr>
+                            <a:rPr lang="en-US" sz="2400" u="none" strike="noStrike" cap="none" spc="0">
+                              <a:solidFill>
+                                <a:schemeClr val="bg1"/>
+                              </a:solidFill>
+                              <a:latin typeface="Cambria Math"/>
+                              <a:ea typeface="Cambria Math"/>
+                              <a:cs typeface="Cambria Math"/>
+                            </a:rPr>
+                            <m:t>6</m:t>
+                          </m:r>
+                        </m:sub>
+                      </m:sSub>
+                    </m:oMath>
+                  </m:oMathPara>
+                </a14:m>
+              </mc:Choice>
+              <mc:Fallback/>
+            </mc:AlternateContent>
+            <a:endParaRPr sz="2400">
+              <a:solidFill>
+                <a:schemeClr val="bg1"/>
+              </a:solidFill>
+            </a:endParaRPr>
+          </a:p>
+          <a:p>
+            <a:pPr lvl="1">
+              <a:defRPr/>
+            </a:pPr>
+            <a:endParaRPr>
+              <a:solidFill>
+                <a:schemeClr val="bg1"/>
+              </a:solidFill>
+            </a:endParaRPr>
+          </a:p>
+        </p:txBody>
+      </p:sp>
     </p:spTree>
   </p:cSld>
   <p:clrMapOvr>
